--- a/Platform Technologies/Midterm/Week 4/Lecture/Chapter_4Shell Scripting.pptx
+++ b/Platform Technologies/Midterm/Week 4/Lecture/Chapter_4Shell Scripting.pptx
@@ -3477,7 +3477,7 @@
           <a:p>
             <a:fld id="{FE5B4EDC-59C0-49C7-8ADA-5A781B329E02}" type="datetimeFigureOut">
               <a:rPr lang="en-US"/>
-              <a:t>7/18/2025</a:t>
+              <a:t>7/19/2025</a:t>
             </a:fld>
             <a:endParaRPr/>
           </a:p>
@@ -3642,7 +3642,7 @@
           <a:p>
             <a:fld id="{F2D8D46A-B586-417D-BFBD-8C8FE0AAF762}" type="datetimeFigureOut">
               <a:rPr lang="en-US"/>
-              <a:t>7/18/2025</a:t>
+              <a:t>7/19/2025</a:t>
             </a:fld>
             <a:endParaRPr/>
           </a:p>
@@ -6661,7 +6661,7 @@
           <a:p>
             <a:fld id="{F0DFD029-FB74-4578-B929-F66AA97659CA}" type="datetimeFigureOut">
               <a:rPr lang="en-US"/>
-              <a:t>7/18/2025</a:t>
+              <a:t>7/19/2025</a:t>
             </a:fld>
             <a:endParaRPr/>
           </a:p>
@@ -6859,7 +6859,7 @@
           <a:p>
             <a:fld id="{F0DFD029-FB74-4578-B929-F66AA97659CA}" type="datetimeFigureOut">
               <a:rPr lang="en-US"/>
-              <a:t>7/18/2025</a:t>
+              <a:t>7/19/2025</a:t>
             </a:fld>
             <a:endParaRPr/>
           </a:p>
@@ -7067,7 +7067,7 @@
           <a:p>
             <a:fld id="{F0DFD029-FB74-4578-B929-F66AA97659CA}" type="datetimeFigureOut">
               <a:rPr lang="en-US"/>
-              <a:t>7/18/2025</a:t>
+              <a:t>7/19/2025</a:t>
             </a:fld>
             <a:endParaRPr/>
           </a:p>
@@ -7265,7 +7265,7 @@
           <a:p>
             <a:fld id="{F0DFD029-FB74-4578-B929-F66AA97659CA}" type="datetimeFigureOut">
               <a:rPr lang="en-US"/>
-              <a:t>7/18/2025</a:t>
+              <a:t>7/19/2025</a:t>
             </a:fld>
             <a:endParaRPr/>
           </a:p>
@@ -7697,7 +7697,7 @@
           <a:p>
             <a:fld id="{F0DFD029-FB74-4578-B929-F66AA97659CA}" type="datetimeFigureOut">
               <a:rPr lang="en-US"/>
-              <a:t>7/18/2025</a:t>
+              <a:t>7/19/2025</a:t>
             </a:fld>
             <a:endParaRPr/>
           </a:p>
@@ -8001,7 +8001,7 @@
           <a:p>
             <a:fld id="{F0DFD029-FB74-4578-B929-F66AA97659CA}" type="datetimeFigureOut">
               <a:rPr lang="en-US"/>
-              <a:t>7/18/2025</a:t>
+              <a:t>7/19/2025</a:t>
             </a:fld>
             <a:endParaRPr/>
           </a:p>
@@ -8457,7 +8457,7 @@
           <a:p>
             <a:fld id="{F0DFD029-FB74-4578-B929-F66AA97659CA}" type="datetimeFigureOut">
               <a:rPr lang="en-US"/>
-              <a:t>7/18/2025</a:t>
+              <a:t>7/19/2025</a:t>
             </a:fld>
             <a:endParaRPr/>
           </a:p>
@@ -8587,7 +8587,7 @@
           <a:p>
             <a:fld id="{F0DFD029-FB74-4578-B929-F66AA97659CA}" type="datetimeFigureOut">
               <a:rPr lang="en-US"/>
-              <a:t>7/18/2025</a:t>
+              <a:t>7/19/2025</a:t>
             </a:fld>
             <a:endParaRPr/>
           </a:p>
@@ -8694,7 +8694,7 @@
           <a:p>
             <a:fld id="{F0DFD029-FB74-4578-B929-F66AA97659CA}" type="datetimeFigureOut">
               <a:rPr lang="en-US"/>
-              <a:t>7/18/2025</a:t>
+              <a:t>7/19/2025</a:t>
             </a:fld>
             <a:endParaRPr/>
           </a:p>
@@ -8993,7 +8993,7 @@
           <a:p>
             <a:fld id="{F0DFD029-FB74-4578-B929-F66AA97659CA}" type="datetimeFigureOut">
               <a:rPr lang="en-US"/>
-              <a:t>7/18/2025</a:t>
+              <a:t>7/19/2025</a:t>
             </a:fld>
             <a:endParaRPr/>
           </a:p>
@@ -9281,7 +9281,7 @@
           <a:p>
             <a:fld id="{F0DFD029-FB74-4578-B929-F66AA97659CA}" type="datetimeFigureOut">
               <a:rPr lang="en-US"/>
-              <a:t>7/18/2025</a:t>
+              <a:t>7/19/2025</a:t>
             </a:fld>
             <a:endParaRPr/>
           </a:p>
@@ -9904,7 +9904,7 @@
             <a:fld id="{F0DFD029-FB74-4578-B929-F66AA97659CA}" type="datetimeFigureOut">
               <a:rPr lang="en-US"/>
               <a:pPr/>
-              <a:t>7/18/2025</a:t>
+              <a:t>7/19/2025</a:t>
             </a:fld>
             <a:endParaRPr/>
           </a:p>
@@ -10384,10 +10384,71 @@
             <p:ph type="ctrTitle"/>
           </p:nvPr>
         </p:nvSpPr>
-        <p:spPr/>
+        <p:spPr>
+          <a:xfrm>
+            <a:off x="1979612" y="461962"/>
+            <a:ext cx="1711966" cy="549275"/>
+          </a:xfrm>
+        </p:spPr>
         <p:txBody>
-          <a:bodyPr/>
+          <a:bodyPr>
+            <a:normAutofit/>
+          </a:bodyPr>
           <a:lstStyle/>
+          <a:p>
+            <a:r>
+              <a:rPr lang="en-US" sz="1600" dirty="0"/>
+              <a:t>Chapter 4</a:t>
+            </a:r>
+          </a:p>
+        </p:txBody>
+      </p:sp>
+      <p:sp>
+        <p:nvSpPr>
+          <p:cNvPr id="3" name="Title 1">
+            <a:extLst>
+              <a:ext uri="{FF2B5EF4-FFF2-40B4-BE49-F238E27FC236}">
+                <a16:creationId xmlns:a16="http://schemas.microsoft.com/office/drawing/2014/main" id="{AF1A8CF8-D3A2-A771-3EC2-4D9097BB42D1}"/>
+              </a:ext>
+            </a:extLst>
+          </p:cNvPr>
+          <p:cNvSpPr txBox="1">
+            <a:spLocks/>
+          </p:cNvSpPr>
+          <p:nvPr/>
+        </p:nvSpPr>
+        <p:spPr>
+          <a:xfrm>
+            <a:off x="2864278" y="1143000"/>
+            <a:ext cx="8735325" cy="2000251"/>
+          </a:xfrm>
+          <a:prstGeom prst="rect">
+            <a:avLst/>
+          </a:prstGeom>
+        </p:spPr>
+        <p:txBody>
+          <a:bodyPr vert="horz" lIns="121899" tIns="60949" rIns="121899" bIns="60949" rtlCol="0" anchor="b">
+            <a:normAutofit/>
+          </a:bodyPr>
+          <a:lstStyle>
+            <a:lvl1pPr algn="l" defTabSz="1218987" rtl="0" eaLnBrk="1" latinLnBrk="0" hangingPunct="1">
+              <a:lnSpc>
+                <a:spcPct val="90000"/>
+              </a:lnSpc>
+              <a:spcBef>
+                <a:spcPct val="0"/>
+              </a:spcBef>
+              <a:buNone/>
+              <a:defRPr sz="5400" kern="1200">
+                <a:solidFill>
+                  <a:schemeClr val="tx1"/>
+                </a:solidFill>
+                <a:latin typeface="+mj-lt"/>
+                <a:ea typeface="+mj-ea"/>
+                <a:cs typeface="+mj-cs"/>
+              </a:defRPr>
+            </a:lvl1pPr>
+          </a:lstStyle>
           <a:p>
             <a:r>
               <a:rPr lang="en-US" dirty="0"/>
@@ -10823,13 +10884,13 @@
   <p:clrMapOvr>
     <a:masterClrMapping/>
   </p:clrMapOvr>
-  <mc:AlternateContent xmlns:mc="http://schemas.openxmlformats.org/markup-compatibility/2006">
-    <mc:Choice xmlns:p14="http://schemas.microsoft.com/office/powerpoint/2010/main" Requires="p14">
+  <mc:AlternateContent xmlns:mc="http://schemas.openxmlformats.org/markup-compatibility/2006" xmlns:p14="http://schemas.microsoft.com/office/powerpoint/2010/main">
+    <mc:Choice Requires="p14">
       <p:transition spd="med" p14:dur="700">
         <p:fade/>
       </p:transition>
     </mc:Choice>
-    <mc:Fallback>
+    <mc:Fallback xmlns="">
       <p:transition spd="med">
         <p:fade/>
       </p:transition>
@@ -10959,13 +11020,13 @@
   <p:clrMapOvr>
     <a:masterClrMapping/>
   </p:clrMapOvr>
-  <mc:AlternateContent xmlns:mc="http://schemas.openxmlformats.org/markup-compatibility/2006">
-    <mc:Choice xmlns:p14="http://schemas.microsoft.com/office/powerpoint/2010/main" Requires="p14">
+  <mc:AlternateContent xmlns:mc="http://schemas.openxmlformats.org/markup-compatibility/2006" xmlns:p14="http://schemas.microsoft.com/office/powerpoint/2010/main">
+    <mc:Choice Requires="p14">
       <p:transition spd="med" p14:dur="700">
         <p:fade/>
       </p:transition>
     </mc:Choice>
-    <mc:Fallback>
+    <mc:Fallback xmlns="">
       <p:transition spd="med">
         <p:fade/>
       </p:transition>
@@ -11130,13 +11191,13 @@
   <p:clrMapOvr>
     <a:masterClrMapping/>
   </p:clrMapOvr>
-  <mc:AlternateContent xmlns:mc="http://schemas.openxmlformats.org/markup-compatibility/2006">
-    <mc:Choice xmlns:p14="http://schemas.microsoft.com/office/powerpoint/2010/main" Requires="p14">
+  <mc:AlternateContent xmlns:mc="http://schemas.openxmlformats.org/markup-compatibility/2006" xmlns:p14="http://schemas.microsoft.com/office/powerpoint/2010/main">
+    <mc:Choice Requires="p14">
       <p:transition spd="med" p14:dur="700">
         <p:fade/>
       </p:transition>
     </mc:Choice>
-    <mc:Fallback>
+    <mc:Fallback xmlns="">
       <p:transition spd="med">
         <p:fade/>
       </p:transition>
@@ -11301,13 +11362,13 @@
   <p:clrMapOvr>
     <a:masterClrMapping/>
   </p:clrMapOvr>
-  <mc:AlternateContent xmlns:mc="http://schemas.openxmlformats.org/markup-compatibility/2006">
-    <mc:Choice xmlns:p14="http://schemas.microsoft.com/office/powerpoint/2010/main" Requires="p14">
+  <mc:AlternateContent xmlns:mc="http://schemas.openxmlformats.org/markup-compatibility/2006" xmlns:p14="http://schemas.microsoft.com/office/powerpoint/2010/main">
+    <mc:Choice Requires="p14">
       <p:transition spd="med" p14:dur="700">
         <p:fade/>
       </p:transition>
     </mc:Choice>
-    <mc:Fallback>
+    <mc:Fallback xmlns="">
       <p:transition spd="med">
         <p:fade/>
       </p:transition>
@@ -11472,13 +11533,13 @@
   <p:clrMapOvr>
     <a:masterClrMapping/>
   </p:clrMapOvr>
-  <mc:AlternateContent xmlns:mc="http://schemas.openxmlformats.org/markup-compatibility/2006">
-    <mc:Choice xmlns:p14="http://schemas.microsoft.com/office/powerpoint/2010/main" Requires="p14">
+  <mc:AlternateContent xmlns:mc="http://schemas.openxmlformats.org/markup-compatibility/2006" xmlns:p14="http://schemas.microsoft.com/office/powerpoint/2010/main">
+    <mc:Choice Requires="p14">
       <p:transition spd="med" p14:dur="700">
         <p:fade/>
       </p:transition>
     </mc:Choice>
-    <mc:Fallback>
+    <mc:Fallback xmlns="">
       <p:transition spd="med">
         <p:fade/>
       </p:transition>
@@ -11608,13 +11669,13 @@
   <p:clrMapOvr>
     <a:masterClrMapping/>
   </p:clrMapOvr>
-  <mc:AlternateContent xmlns:mc="http://schemas.openxmlformats.org/markup-compatibility/2006">
-    <mc:Choice xmlns:p14="http://schemas.microsoft.com/office/powerpoint/2010/main" Requires="p14">
+  <mc:AlternateContent xmlns:mc="http://schemas.openxmlformats.org/markup-compatibility/2006" xmlns:p14="http://schemas.microsoft.com/office/powerpoint/2010/main">
+    <mc:Choice Requires="p14">
       <p:transition spd="med" p14:dur="700">
         <p:fade/>
       </p:transition>
     </mc:Choice>
-    <mc:Fallback>
+    <mc:Fallback xmlns="">
       <p:transition spd="med">
         <p:fade/>
       </p:transition>
@@ -11730,13 +11791,13 @@
   <p:clrMapOvr>
     <a:masterClrMapping/>
   </p:clrMapOvr>
-  <mc:AlternateContent xmlns:mc="http://schemas.openxmlformats.org/markup-compatibility/2006">
-    <mc:Choice xmlns:p14="http://schemas.microsoft.com/office/powerpoint/2010/main" Requires="p14">
+  <mc:AlternateContent xmlns:mc="http://schemas.openxmlformats.org/markup-compatibility/2006" xmlns:p14="http://schemas.microsoft.com/office/powerpoint/2010/main">
+    <mc:Choice Requires="p14">
       <p:transition spd="med" p14:dur="700">
         <p:fade/>
       </p:transition>
     </mc:Choice>
-    <mc:Fallback>
+    <mc:Fallback xmlns="">
       <p:transition spd="med">
         <p:fade/>
       </p:transition>
@@ -11811,13 +11872,13 @@
   <p:clrMapOvr>
     <a:masterClrMapping/>
   </p:clrMapOvr>
-  <mc:AlternateContent xmlns:mc="http://schemas.openxmlformats.org/markup-compatibility/2006">
-    <mc:Choice xmlns:p14="http://schemas.microsoft.com/office/powerpoint/2010/main" Requires="p14">
+  <mc:AlternateContent xmlns:mc="http://schemas.openxmlformats.org/markup-compatibility/2006" xmlns:p14="http://schemas.microsoft.com/office/powerpoint/2010/main">
+    <mc:Choice Requires="p14">
       <p:transition spd="med" p14:dur="700">
         <p:fade/>
       </p:transition>
     </mc:Choice>
-    <mc:Fallback>
+    <mc:Fallback xmlns="">
       <p:transition spd="med">
         <p:fade/>
       </p:transition>
@@ -12323,13 +12384,13 @@
   <p:clrMapOvr>
     <a:masterClrMapping/>
   </p:clrMapOvr>
-  <mc:AlternateContent xmlns:mc="http://schemas.openxmlformats.org/markup-compatibility/2006">
-    <mc:Choice xmlns:p14="http://schemas.microsoft.com/office/powerpoint/2010/main" Requires="p14">
+  <mc:AlternateContent xmlns:mc="http://schemas.openxmlformats.org/markup-compatibility/2006" xmlns:p14="http://schemas.microsoft.com/office/powerpoint/2010/main">
+    <mc:Choice Requires="p14">
       <p:transition spd="med" p14:dur="700">
         <p:fade/>
       </p:transition>
     </mc:Choice>
-    <mc:Fallback>
+    <mc:Fallback xmlns="">
       <p:transition spd="med">
         <p:fade/>
       </p:transition>
@@ -12748,13 +12809,13 @@
   <p:clrMapOvr>
     <a:masterClrMapping/>
   </p:clrMapOvr>
-  <mc:AlternateContent xmlns:mc="http://schemas.openxmlformats.org/markup-compatibility/2006">
-    <mc:Choice xmlns:p14="http://schemas.microsoft.com/office/powerpoint/2010/main" Requires="p14">
+  <mc:AlternateContent xmlns:mc="http://schemas.openxmlformats.org/markup-compatibility/2006" xmlns:p14="http://schemas.microsoft.com/office/powerpoint/2010/main">
+    <mc:Choice Requires="p14">
       <p:transition spd="med" p14:dur="700">
         <p:fade/>
       </p:transition>
     </mc:Choice>
-    <mc:Fallback>
+    <mc:Fallback xmlns="">
       <p:transition spd="med">
         <p:fade/>
       </p:transition>
@@ -13317,13 +13378,13 @@
   <p:clrMapOvr>
     <a:masterClrMapping/>
   </p:clrMapOvr>
-  <mc:AlternateContent xmlns:mc="http://schemas.openxmlformats.org/markup-compatibility/2006">
-    <mc:Choice xmlns:p14="http://schemas.microsoft.com/office/powerpoint/2010/main" Requires="p14">
+  <mc:AlternateContent xmlns:mc="http://schemas.openxmlformats.org/markup-compatibility/2006" xmlns:p14="http://schemas.microsoft.com/office/powerpoint/2010/main">
+    <mc:Choice Requires="p14">
       <p:transition spd="med" p14:dur="700">
         <p:fade/>
       </p:transition>
     </mc:Choice>
-    <mc:Fallback>
+    <mc:Fallback xmlns="">
       <p:transition spd="med">
         <p:fade/>
       </p:transition>
@@ -14283,139 +14344,12 @@
 </file>
 
 <file path=customXml/item1.xml><?xml version="1.0" encoding="utf-8"?>
-<p:properties xmlns:p="http://schemas.microsoft.com/office/2006/metadata/properties" xmlns:xsi="http://www.w3.org/2001/XMLSchema-instance" xmlns:pc="http://schemas.microsoft.com/office/infopath/2007/PartnerControls">
-  <documentManagement>
-    <LocPublishedLinkedAssetsLookup xmlns="4873beb7-5857-4685-be1f-d57550cc96cc" xsi:nil="true"/>
-    <ApprovalStatus xmlns="4873beb7-5857-4685-be1f-d57550cc96cc">InProgress</ApprovalStatus>
-    <MarketSpecific xmlns="4873beb7-5857-4685-be1f-d57550cc96cc">false</MarketSpecific>
-    <LocComments xmlns="4873beb7-5857-4685-be1f-d57550cc96cc" xsi:nil="true"/>
-    <LocLastLocAttemptVersionTypeLookup xmlns="4873beb7-5857-4685-be1f-d57550cc96cc" xsi:nil="true"/>
-    <DirectSourceMarket xmlns="4873beb7-5857-4685-be1f-d57550cc96cc" xsi:nil="true"/>
-    <ThumbnailAssetId xmlns="4873beb7-5857-4685-be1f-d57550cc96cc" xsi:nil="true"/>
-    <PrimaryImageGen xmlns="4873beb7-5857-4685-be1f-d57550cc96cc">false</PrimaryImageGen>
-    <LocNewPublishedVersionLookup xmlns="4873beb7-5857-4685-be1f-d57550cc96cc" xsi:nil="true"/>
-    <LegacyData xmlns="4873beb7-5857-4685-be1f-d57550cc96cc" xsi:nil="true"/>
-    <LocRecommendedHandoff xmlns="4873beb7-5857-4685-be1f-d57550cc96cc" xsi:nil="true"/>
-    <BusinessGroup xmlns="4873beb7-5857-4685-be1f-d57550cc96cc" xsi:nil="true"/>
-    <BlockPublish xmlns="4873beb7-5857-4685-be1f-d57550cc96cc">false</BlockPublish>
-    <TPFriendlyName xmlns="4873beb7-5857-4685-be1f-d57550cc96cc" xsi:nil="true"/>
-    <LocOverallPublishStatusLookup xmlns="4873beb7-5857-4685-be1f-d57550cc96cc" xsi:nil="true"/>
-    <NumericId xmlns="4873beb7-5857-4685-be1f-d57550cc96cc" xsi:nil="true"/>
-    <APEditor xmlns="4873beb7-5857-4685-be1f-d57550cc96cc">
-      <UserInfo>
-        <DisplayName/>
-        <AccountId xsi:nil="true"/>
-        <AccountType/>
-      </UserInfo>
-    </APEditor>
-    <SourceTitle xmlns="4873beb7-5857-4685-be1f-d57550cc96cc" xsi:nil="true"/>
-    <OpenTemplate xmlns="4873beb7-5857-4685-be1f-d57550cc96cc">true</OpenTemplate>
-    <LocOverallLocStatusLookup xmlns="4873beb7-5857-4685-be1f-d57550cc96cc" xsi:nil="true"/>
-    <UALocComments xmlns="4873beb7-5857-4685-be1f-d57550cc96cc" xsi:nil="true"/>
-    <ParentAssetId xmlns="4873beb7-5857-4685-be1f-d57550cc96cc" xsi:nil="true"/>
-    <IntlLangReviewDate xmlns="4873beb7-5857-4685-be1f-d57550cc96cc" xsi:nil="true"/>
-    <FeatureTagsTaxHTField0 xmlns="4873beb7-5857-4685-be1f-d57550cc96cc">
-      <Terms xmlns="http://schemas.microsoft.com/office/infopath/2007/PartnerControls"/>
-    </FeatureTagsTaxHTField0>
-    <PublishStatusLookup xmlns="4873beb7-5857-4685-be1f-d57550cc96cc">
-      <Value>1345093</Value>
-    </PublishStatusLookup>
-    <Providers xmlns="4873beb7-5857-4685-be1f-d57550cc96cc" xsi:nil="true"/>
-    <MachineTranslated xmlns="4873beb7-5857-4685-be1f-d57550cc96cc">false</MachineTranslated>
-    <OriginalSourceMarket xmlns="4873beb7-5857-4685-be1f-d57550cc96cc" xsi:nil="true"/>
-    <APDescription xmlns="4873beb7-5857-4685-be1f-d57550cc96cc">This simple template design works for technology and  businesses, but it's versatile enough to use in other contexts.  It features multiple slide layouts designed for widescreen (16x9 resolution) and includes a sample SmartArt list and chart that are easily editable.</APDescription>
-    <ClipArtFilename xmlns="4873beb7-5857-4685-be1f-d57550cc96cc" xsi:nil="true"/>
-    <ContentItem xmlns="4873beb7-5857-4685-be1f-d57550cc96cc" xsi:nil="true"/>
-    <TPInstallLocation xmlns="4873beb7-5857-4685-be1f-d57550cc96cc" xsi:nil="true"/>
-    <PublishTargets xmlns="4873beb7-5857-4685-be1f-d57550cc96cc">OfficeOnlineVNext</PublishTargets>
-    <TimesCloned xmlns="4873beb7-5857-4685-be1f-d57550cc96cc" xsi:nil="true"/>
-    <AssetStart xmlns="4873beb7-5857-4685-be1f-d57550cc96cc">2011-11-26T00:30:00+00:00</AssetStart>
-    <Provider xmlns="4873beb7-5857-4685-be1f-d57550cc96cc" xsi:nil="true"/>
-    <AcquiredFrom xmlns="4873beb7-5857-4685-be1f-d57550cc96cc">Internal MS</AcquiredFrom>
-    <FriendlyTitle xmlns="4873beb7-5857-4685-be1f-d57550cc96cc" xsi:nil="true"/>
-    <LastHandOff xmlns="4873beb7-5857-4685-be1f-d57550cc96cc" xsi:nil="true"/>
-    <TPClientViewer xmlns="4873beb7-5857-4685-be1f-d57550cc96cc" xsi:nil="true"/>
-    <TemplateStatus xmlns="4873beb7-5857-4685-be1f-d57550cc96cc">Complete</TemplateStatus>
-    <Downloads xmlns="4873beb7-5857-4685-be1f-d57550cc96cc">0</Downloads>
-    <OOCacheId xmlns="4873beb7-5857-4685-be1f-d57550cc96cc" xsi:nil="true"/>
-    <IsDeleted xmlns="4873beb7-5857-4685-be1f-d57550cc96cc">false</IsDeleted>
-    <LocPublishedDependentAssetsLookup xmlns="4873beb7-5857-4685-be1f-d57550cc96cc" xsi:nil="true"/>
-    <TPExecutable xmlns="4873beb7-5857-4685-be1f-d57550cc96cc" xsi:nil="true"/>
-    <EditorialTags xmlns="4873beb7-5857-4685-be1f-d57550cc96cc" xsi:nil="true"/>
-    <SubmitterId xmlns="4873beb7-5857-4685-be1f-d57550cc96cc" xsi:nil="true"/>
-    <ApprovalLog xmlns="4873beb7-5857-4685-be1f-d57550cc96cc" xsi:nil="true"/>
-    <AssetType xmlns="4873beb7-5857-4685-be1f-d57550cc96cc">TP</AssetType>
-    <BugNumber xmlns="4873beb7-5857-4685-be1f-d57550cc96cc" xsi:nil="true"/>
-    <CSXSubmissionDate xmlns="4873beb7-5857-4685-be1f-d57550cc96cc" xsi:nil="true"/>
-    <CSXUpdate xmlns="4873beb7-5857-4685-be1f-d57550cc96cc">false</CSXUpdate>
-    <Milestone xmlns="4873beb7-5857-4685-be1f-d57550cc96cc" xsi:nil="true"/>
-    <RecommendationsModifier xmlns="4873beb7-5857-4685-be1f-d57550cc96cc" xsi:nil="true"/>
-    <OriginAsset xmlns="4873beb7-5857-4685-be1f-d57550cc96cc" xsi:nil="true"/>
-    <TPComponent xmlns="4873beb7-5857-4685-be1f-d57550cc96cc" xsi:nil="true"/>
-    <AssetId xmlns="4873beb7-5857-4685-be1f-d57550cc96cc">TP102787989</AssetId>
-    <IntlLocPriority xmlns="4873beb7-5857-4685-be1f-d57550cc96cc" xsi:nil="true"/>
-    <PolicheckWords xmlns="4873beb7-5857-4685-be1f-d57550cc96cc" xsi:nil="true"/>
-    <TPLaunchHelpLink xmlns="4873beb7-5857-4685-be1f-d57550cc96cc" xsi:nil="true"/>
-    <TPApplication xmlns="4873beb7-5857-4685-be1f-d57550cc96cc" xsi:nil="true"/>
-    <CrawlForDependencies xmlns="4873beb7-5857-4685-be1f-d57550cc96cc">false</CrawlForDependencies>
-    <HandoffToMSDN xmlns="4873beb7-5857-4685-be1f-d57550cc96cc" xsi:nil="true"/>
-    <PlannedPubDate xmlns="4873beb7-5857-4685-be1f-d57550cc96cc" xsi:nil="true"/>
-    <IntlLangReviewer xmlns="4873beb7-5857-4685-be1f-d57550cc96cc" xsi:nil="true"/>
-    <TrustLevel xmlns="4873beb7-5857-4685-be1f-d57550cc96cc">1 Microsoft Managed Content</TrustLevel>
-    <LocLastLocAttemptVersionLookup xmlns="4873beb7-5857-4685-be1f-d57550cc96cc">694266</LocLastLocAttemptVersionLookup>
-    <LocProcessedForHandoffsLookup xmlns="4873beb7-5857-4685-be1f-d57550cc96cc" xsi:nil="true"/>
-    <IsSearchable xmlns="4873beb7-5857-4685-be1f-d57550cc96cc">true</IsSearchable>
-    <TemplateTemplateType xmlns="4873beb7-5857-4685-be1f-d57550cc96cc">PowerPoint Presentation Template</TemplateTemplateType>
-    <CampaignTagsTaxHTField0 xmlns="4873beb7-5857-4685-be1f-d57550cc96cc">
-      <Terms xmlns="http://schemas.microsoft.com/office/infopath/2007/PartnerControls"/>
-    </CampaignTagsTaxHTField0>
-    <TPNamespace xmlns="4873beb7-5857-4685-be1f-d57550cc96cc" xsi:nil="true"/>
-    <LocOverallPreviewStatusLookup xmlns="4873beb7-5857-4685-be1f-d57550cc96cc" xsi:nil="true"/>
-    <TaxCatchAll xmlns="4873beb7-5857-4685-be1f-d57550cc96cc"/>
-    <Markets xmlns="4873beb7-5857-4685-be1f-d57550cc96cc"/>
-    <UAProjectedTotalWords xmlns="4873beb7-5857-4685-be1f-d57550cc96cc" xsi:nil="true"/>
-    <IntlLangReview xmlns="4873beb7-5857-4685-be1f-d57550cc96cc" xsi:nil="true"/>
-    <OutputCachingOn xmlns="4873beb7-5857-4685-be1f-d57550cc96cc">false</OutputCachingOn>
-    <AverageRating xmlns="4873beb7-5857-4685-be1f-d57550cc96cc" xsi:nil="true"/>
-    <APAuthor xmlns="4873beb7-5857-4685-be1f-d57550cc96cc">
-      <UserInfo>
-        <DisplayName>REDMOND\kristaa</DisplayName>
-        <AccountId>136</AccountId>
-        <AccountType/>
-      </UserInfo>
-    </APAuthor>
-    <LocManualTestRequired xmlns="4873beb7-5857-4685-be1f-d57550cc96cc">false</LocManualTestRequired>
-    <TPCommandLine xmlns="4873beb7-5857-4685-be1f-d57550cc96cc" xsi:nil="true"/>
-    <TPAppVersion xmlns="4873beb7-5857-4685-be1f-d57550cc96cc" xsi:nil="true"/>
-    <EditorialStatus xmlns="4873beb7-5857-4685-be1f-d57550cc96cc">Complete</EditorialStatus>
-    <LastModifiedDateTime xmlns="4873beb7-5857-4685-be1f-d57550cc96cc" xsi:nil="true"/>
-    <ScenarioTagsTaxHTField0 xmlns="4873beb7-5857-4685-be1f-d57550cc96cc">
-      <Terms xmlns="http://schemas.microsoft.com/office/infopath/2007/PartnerControls"/>
-    </ScenarioTagsTaxHTField0>
-    <LocProcessedForMarketsLookup xmlns="4873beb7-5857-4685-be1f-d57550cc96cc" xsi:nil="true"/>
-    <TPLaunchHelpLinkType xmlns="4873beb7-5857-4685-be1f-d57550cc96cc">Template</TPLaunchHelpLinkType>
-    <OriginalRelease xmlns="4873beb7-5857-4685-be1f-d57550cc96cc">15</OriginalRelease>
-    <LocalizationTagsTaxHTField0 xmlns="4873beb7-5857-4685-be1f-d57550cc96cc">
-      <Terms xmlns="http://schemas.microsoft.com/office/infopath/2007/PartnerControls"/>
-    </LocalizationTagsTaxHTField0>
-    <UACurrentWords xmlns="4873beb7-5857-4685-be1f-d57550cc96cc" xsi:nil="true"/>
-    <ArtSampleDocs xmlns="4873beb7-5857-4685-be1f-d57550cc96cc" xsi:nil="true"/>
-    <UALocRecommendation xmlns="4873beb7-5857-4685-be1f-d57550cc96cc">Localize</UALocRecommendation>
-    <Manager xmlns="4873beb7-5857-4685-be1f-d57550cc96cc" xsi:nil="true"/>
-    <LocOverallHandbackStatusLookup xmlns="4873beb7-5857-4685-be1f-d57550cc96cc" xsi:nil="true"/>
-    <ShowIn xmlns="4873beb7-5857-4685-be1f-d57550cc96cc">Show everywhere</ShowIn>
-    <UANotes xmlns="4873beb7-5857-4685-be1f-d57550cc96cc" xsi:nil="true"/>
-    <InternalTagsTaxHTField0 xmlns="4873beb7-5857-4685-be1f-d57550cc96cc">
-      <Terms xmlns="http://schemas.microsoft.com/office/infopath/2007/PartnerControls"/>
-    </InternalTagsTaxHTField0>
-    <CSXHash xmlns="4873beb7-5857-4685-be1f-d57550cc96cc" xsi:nil="true"/>
-    <VoteCount xmlns="4873beb7-5857-4685-be1f-d57550cc96cc" xsi:nil="true"/>
-    <AssetExpire xmlns="4873beb7-5857-4685-be1f-d57550cc96cc">2029-05-12T07:00:00+00:00</AssetExpire>
-    <DSATActionTaken xmlns="4873beb7-5857-4685-be1f-d57550cc96cc" xsi:nil="true"/>
-    <CSXSubmissionMarket xmlns="4873beb7-5857-4685-be1f-d57550cc96cc" xsi:nil="true"/>
-    <LocMarketGroupTiers2 xmlns="4873beb7-5857-4685-be1f-d57550cc96cc" xsi:nil="true"/>
-  </documentManagement>
-</p:properties>
+<?mso-contentType ?>
+<FormTemplates xmlns="http://schemas.microsoft.com/sharepoint/v3/contenttype/forms">
+  <Display>DocumentLibraryForm</Display>
+  <Edit>AssetEditForm</Edit>
+  <New>DocumentLibraryForm</New>
+</FormTemplates>
 </file>
 
 <file path=customXml/item2.xml><?xml version="1.0" encoding="utf-8"?>
@@ -15459,26 +15393,145 @@
 </file>
 
 <file path=customXml/item3.xml><?xml version="1.0" encoding="utf-8"?>
-<?mso-contentType ?>
-<FormTemplates xmlns="http://schemas.microsoft.com/sharepoint/v3/contenttype/forms">
-  <Display>DocumentLibraryForm</Display>
-  <Edit>AssetEditForm</Edit>
-  <New>DocumentLibraryForm</New>
-</FormTemplates>
+<p:properties xmlns:p="http://schemas.microsoft.com/office/2006/metadata/properties" xmlns:xsi="http://www.w3.org/2001/XMLSchema-instance" xmlns:pc="http://schemas.microsoft.com/office/infopath/2007/PartnerControls">
+  <documentManagement>
+    <LocPublishedLinkedAssetsLookup xmlns="4873beb7-5857-4685-be1f-d57550cc96cc" xsi:nil="true"/>
+    <ApprovalStatus xmlns="4873beb7-5857-4685-be1f-d57550cc96cc">InProgress</ApprovalStatus>
+    <MarketSpecific xmlns="4873beb7-5857-4685-be1f-d57550cc96cc">false</MarketSpecific>
+    <LocComments xmlns="4873beb7-5857-4685-be1f-d57550cc96cc" xsi:nil="true"/>
+    <LocLastLocAttemptVersionTypeLookup xmlns="4873beb7-5857-4685-be1f-d57550cc96cc" xsi:nil="true"/>
+    <DirectSourceMarket xmlns="4873beb7-5857-4685-be1f-d57550cc96cc" xsi:nil="true"/>
+    <ThumbnailAssetId xmlns="4873beb7-5857-4685-be1f-d57550cc96cc" xsi:nil="true"/>
+    <PrimaryImageGen xmlns="4873beb7-5857-4685-be1f-d57550cc96cc">false</PrimaryImageGen>
+    <LocNewPublishedVersionLookup xmlns="4873beb7-5857-4685-be1f-d57550cc96cc" xsi:nil="true"/>
+    <LegacyData xmlns="4873beb7-5857-4685-be1f-d57550cc96cc" xsi:nil="true"/>
+    <LocRecommendedHandoff xmlns="4873beb7-5857-4685-be1f-d57550cc96cc" xsi:nil="true"/>
+    <BusinessGroup xmlns="4873beb7-5857-4685-be1f-d57550cc96cc" xsi:nil="true"/>
+    <BlockPublish xmlns="4873beb7-5857-4685-be1f-d57550cc96cc">false</BlockPublish>
+    <TPFriendlyName xmlns="4873beb7-5857-4685-be1f-d57550cc96cc" xsi:nil="true"/>
+    <LocOverallPublishStatusLookup xmlns="4873beb7-5857-4685-be1f-d57550cc96cc" xsi:nil="true"/>
+    <NumericId xmlns="4873beb7-5857-4685-be1f-d57550cc96cc" xsi:nil="true"/>
+    <APEditor xmlns="4873beb7-5857-4685-be1f-d57550cc96cc">
+      <UserInfo>
+        <DisplayName/>
+        <AccountId xsi:nil="true"/>
+        <AccountType/>
+      </UserInfo>
+    </APEditor>
+    <SourceTitle xmlns="4873beb7-5857-4685-be1f-d57550cc96cc" xsi:nil="true"/>
+    <OpenTemplate xmlns="4873beb7-5857-4685-be1f-d57550cc96cc">true</OpenTemplate>
+    <LocOverallLocStatusLookup xmlns="4873beb7-5857-4685-be1f-d57550cc96cc" xsi:nil="true"/>
+    <UALocComments xmlns="4873beb7-5857-4685-be1f-d57550cc96cc" xsi:nil="true"/>
+    <ParentAssetId xmlns="4873beb7-5857-4685-be1f-d57550cc96cc" xsi:nil="true"/>
+    <IntlLangReviewDate xmlns="4873beb7-5857-4685-be1f-d57550cc96cc" xsi:nil="true"/>
+    <FeatureTagsTaxHTField0 xmlns="4873beb7-5857-4685-be1f-d57550cc96cc">
+      <Terms xmlns="http://schemas.microsoft.com/office/infopath/2007/PartnerControls"/>
+    </FeatureTagsTaxHTField0>
+    <PublishStatusLookup xmlns="4873beb7-5857-4685-be1f-d57550cc96cc">
+      <Value>1345093</Value>
+    </PublishStatusLookup>
+    <Providers xmlns="4873beb7-5857-4685-be1f-d57550cc96cc" xsi:nil="true"/>
+    <MachineTranslated xmlns="4873beb7-5857-4685-be1f-d57550cc96cc">false</MachineTranslated>
+    <OriginalSourceMarket xmlns="4873beb7-5857-4685-be1f-d57550cc96cc" xsi:nil="true"/>
+    <APDescription xmlns="4873beb7-5857-4685-be1f-d57550cc96cc">This simple template design works for technology and  businesses, but it's versatile enough to use in other contexts.  It features multiple slide layouts designed for widescreen (16x9 resolution) and includes a sample SmartArt list and chart that are easily editable.</APDescription>
+    <ClipArtFilename xmlns="4873beb7-5857-4685-be1f-d57550cc96cc" xsi:nil="true"/>
+    <ContentItem xmlns="4873beb7-5857-4685-be1f-d57550cc96cc" xsi:nil="true"/>
+    <TPInstallLocation xmlns="4873beb7-5857-4685-be1f-d57550cc96cc" xsi:nil="true"/>
+    <PublishTargets xmlns="4873beb7-5857-4685-be1f-d57550cc96cc">OfficeOnlineVNext</PublishTargets>
+    <TimesCloned xmlns="4873beb7-5857-4685-be1f-d57550cc96cc" xsi:nil="true"/>
+    <AssetStart xmlns="4873beb7-5857-4685-be1f-d57550cc96cc">2011-11-26T00:30:00+00:00</AssetStart>
+    <Provider xmlns="4873beb7-5857-4685-be1f-d57550cc96cc" xsi:nil="true"/>
+    <AcquiredFrom xmlns="4873beb7-5857-4685-be1f-d57550cc96cc">Internal MS</AcquiredFrom>
+    <FriendlyTitle xmlns="4873beb7-5857-4685-be1f-d57550cc96cc" xsi:nil="true"/>
+    <LastHandOff xmlns="4873beb7-5857-4685-be1f-d57550cc96cc" xsi:nil="true"/>
+    <TPClientViewer xmlns="4873beb7-5857-4685-be1f-d57550cc96cc" xsi:nil="true"/>
+    <TemplateStatus xmlns="4873beb7-5857-4685-be1f-d57550cc96cc">Complete</TemplateStatus>
+    <Downloads xmlns="4873beb7-5857-4685-be1f-d57550cc96cc">0</Downloads>
+    <OOCacheId xmlns="4873beb7-5857-4685-be1f-d57550cc96cc" xsi:nil="true"/>
+    <IsDeleted xmlns="4873beb7-5857-4685-be1f-d57550cc96cc">false</IsDeleted>
+    <LocPublishedDependentAssetsLookup xmlns="4873beb7-5857-4685-be1f-d57550cc96cc" xsi:nil="true"/>
+    <TPExecutable xmlns="4873beb7-5857-4685-be1f-d57550cc96cc" xsi:nil="true"/>
+    <EditorialTags xmlns="4873beb7-5857-4685-be1f-d57550cc96cc" xsi:nil="true"/>
+    <SubmitterId xmlns="4873beb7-5857-4685-be1f-d57550cc96cc" xsi:nil="true"/>
+    <ApprovalLog xmlns="4873beb7-5857-4685-be1f-d57550cc96cc" xsi:nil="true"/>
+    <AssetType xmlns="4873beb7-5857-4685-be1f-d57550cc96cc">TP</AssetType>
+    <BugNumber xmlns="4873beb7-5857-4685-be1f-d57550cc96cc" xsi:nil="true"/>
+    <CSXSubmissionDate xmlns="4873beb7-5857-4685-be1f-d57550cc96cc" xsi:nil="true"/>
+    <CSXUpdate xmlns="4873beb7-5857-4685-be1f-d57550cc96cc">false</CSXUpdate>
+    <Milestone xmlns="4873beb7-5857-4685-be1f-d57550cc96cc" xsi:nil="true"/>
+    <RecommendationsModifier xmlns="4873beb7-5857-4685-be1f-d57550cc96cc" xsi:nil="true"/>
+    <OriginAsset xmlns="4873beb7-5857-4685-be1f-d57550cc96cc" xsi:nil="true"/>
+    <TPComponent xmlns="4873beb7-5857-4685-be1f-d57550cc96cc" xsi:nil="true"/>
+    <AssetId xmlns="4873beb7-5857-4685-be1f-d57550cc96cc">TP102787989</AssetId>
+    <IntlLocPriority xmlns="4873beb7-5857-4685-be1f-d57550cc96cc" xsi:nil="true"/>
+    <PolicheckWords xmlns="4873beb7-5857-4685-be1f-d57550cc96cc" xsi:nil="true"/>
+    <TPLaunchHelpLink xmlns="4873beb7-5857-4685-be1f-d57550cc96cc" xsi:nil="true"/>
+    <TPApplication xmlns="4873beb7-5857-4685-be1f-d57550cc96cc" xsi:nil="true"/>
+    <CrawlForDependencies xmlns="4873beb7-5857-4685-be1f-d57550cc96cc">false</CrawlForDependencies>
+    <HandoffToMSDN xmlns="4873beb7-5857-4685-be1f-d57550cc96cc" xsi:nil="true"/>
+    <PlannedPubDate xmlns="4873beb7-5857-4685-be1f-d57550cc96cc" xsi:nil="true"/>
+    <IntlLangReviewer xmlns="4873beb7-5857-4685-be1f-d57550cc96cc" xsi:nil="true"/>
+    <TrustLevel xmlns="4873beb7-5857-4685-be1f-d57550cc96cc">1 Microsoft Managed Content</TrustLevel>
+    <LocLastLocAttemptVersionLookup xmlns="4873beb7-5857-4685-be1f-d57550cc96cc">694266</LocLastLocAttemptVersionLookup>
+    <LocProcessedForHandoffsLookup xmlns="4873beb7-5857-4685-be1f-d57550cc96cc" xsi:nil="true"/>
+    <IsSearchable xmlns="4873beb7-5857-4685-be1f-d57550cc96cc">true</IsSearchable>
+    <TemplateTemplateType xmlns="4873beb7-5857-4685-be1f-d57550cc96cc">PowerPoint Presentation Template</TemplateTemplateType>
+    <CampaignTagsTaxHTField0 xmlns="4873beb7-5857-4685-be1f-d57550cc96cc">
+      <Terms xmlns="http://schemas.microsoft.com/office/infopath/2007/PartnerControls"/>
+    </CampaignTagsTaxHTField0>
+    <TPNamespace xmlns="4873beb7-5857-4685-be1f-d57550cc96cc" xsi:nil="true"/>
+    <LocOverallPreviewStatusLookup xmlns="4873beb7-5857-4685-be1f-d57550cc96cc" xsi:nil="true"/>
+    <TaxCatchAll xmlns="4873beb7-5857-4685-be1f-d57550cc96cc"/>
+    <Markets xmlns="4873beb7-5857-4685-be1f-d57550cc96cc"/>
+    <UAProjectedTotalWords xmlns="4873beb7-5857-4685-be1f-d57550cc96cc" xsi:nil="true"/>
+    <IntlLangReview xmlns="4873beb7-5857-4685-be1f-d57550cc96cc" xsi:nil="true"/>
+    <OutputCachingOn xmlns="4873beb7-5857-4685-be1f-d57550cc96cc">false</OutputCachingOn>
+    <AverageRating xmlns="4873beb7-5857-4685-be1f-d57550cc96cc" xsi:nil="true"/>
+    <APAuthor xmlns="4873beb7-5857-4685-be1f-d57550cc96cc">
+      <UserInfo>
+        <DisplayName>REDMOND\kristaa</DisplayName>
+        <AccountId>136</AccountId>
+        <AccountType/>
+      </UserInfo>
+    </APAuthor>
+    <LocManualTestRequired xmlns="4873beb7-5857-4685-be1f-d57550cc96cc">false</LocManualTestRequired>
+    <TPCommandLine xmlns="4873beb7-5857-4685-be1f-d57550cc96cc" xsi:nil="true"/>
+    <TPAppVersion xmlns="4873beb7-5857-4685-be1f-d57550cc96cc" xsi:nil="true"/>
+    <EditorialStatus xmlns="4873beb7-5857-4685-be1f-d57550cc96cc">Complete</EditorialStatus>
+    <LastModifiedDateTime xmlns="4873beb7-5857-4685-be1f-d57550cc96cc" xsi:nil="true"/>
+    <ScenarioTagsTaxHTField0 xmlns="4873beb7-5857-4685-be1f-d57550cc96cc">
+      <Terms xmlns="http://schemas.microsoft.com/office/infopath/2007/PartnerControls"/>
+    </ScenarioTagsTaxHTField0>
+    <LocProcessedForMarketsLookup xmlns="4873beb7-5857-4685-be1f-d57550cc96cc" xsi:nil="true"/>
+    <TPLaunchHelpLinkType xmlns="4873beb7-5857-4685-be1f-d57550cc96cc">Template</TPLaunchHelpLinkType>
+    <OriginalRelease xmlns="4873beb7-5857-4685-be1f-d57550cc96cc">15</OriginalRelease>
+    <LocalizationTagsTaxHTField0 xmlns="4873beb7-5857-4685-be1f-d57550cc96cc">
+      <Terms xmlns="http://schemas.microsoft.com/office/infopath/2007/PartnerControls"/>
+    </LocalizationTagsTaxHTField0>
+    <UACurrentWords xmlns="4873beb7-5857-4685-be1f-d57550cc96cc" xsi:nil="true"/>
+    <ArtSampleDocs xmlns="4873beb7-5857-4685-be1f-d57550cc96cc" xsi:nil="true"/>
+    <UALocRecommendation xmlns="4873beb7-5857-4685-be1f-d57550cc96cc">Localize</UALocRecommendation>
+    <Manager xmlns="4873beb7-5857-4685-be1f-d57550cc96cc" xsi:nil="true"/>
+    <LocOverallHandbackStatusLookup xmlns="4873beb7-5857-4685-be1f-d57550cc96cc" xsi:nil="true"/>
+    <ShowIn xmlns="4873beb7-5857-4685-be1f-d57550cc96cc">Show everywhere</ShowIn>
+    <UANotes xmlns="4873beb7-5857-4685-be1f-d57550cc96cc" xsi:nil="true"/>
+    <InternalTagsTaxHTField0 xmlns="4873beb7-5857-4685-be1f-d57550cc96cc">
+      <Terms xmlns="http://schemas.microsoft.com/office/infopath/2007/PartnerControls"/>
+    </InternalTagsTaxHTField0>
+    <CSXHash xmlns="4873beb7-5857-4685-be1f-d57550cc96cc" xsi:nil="true"/>
+    <VoteCount xmlns="4873beb7-5857-4685-be1f-d57550cc96cc" xsi:nil="true"/>
+    <AssetExpire xmlns="4873beb7-5857-4685-be1f-d57550cc96cc">2029-05-12T07:00:00+00:00</AssetExpire>
+    <DSATActionTaken xmlns="4873beb7-5857-4685-be1f-d57550cc96cc" xsi:nil="true"/>
+    <CSXSubmissionMarket xmlns="4873beb7-5857-4685-be1f-d57550cc96cc" xsi:nil="true"/>
+    <LocMarketGroupTiers2 xmlns="4873beb7-5857-4685-be1f-d57550cc96cc" xsi:nil="true"/>
+  </documentManagement>
+</p:properties>
 </file>
 
 <file path=customXml/itemProps1.xml><?xml version="1.0" encoding="utf-8"?>
-<ds:datastoreItem xmlns:ds="http://schemas.openxmlformats.org/officeDocument/2006/customXml" ds:itemID="{60C67BEE-D13F-4BD2-98A5-34D8A0977F68}">
+<ds:datastoreItem xmlns:ds="http://schemas.openxmlformats.org/officeDocument/2006/customXml" ds:itemID="{3836F65B-1B07-41EE-A0E8-BC6EF3855225}">
   <ds:schemaRefs>
-    <ds:schemaRef ds:uri="4873beb7-5857-4685-be1f-d57550cc96cc"/>
-    <ds:schemaRef ds:uri="http://schemas.openxmlformats.org/package/2006/metadata/core-properties"/>
-    <ds:schemaRef ds:uri="http://purl.org/dc/terms/"/>
-    <ds:schemaRef ds:uri="http://schemas.microsoft.com/office/2006/documentManagement/types"/>
-    <ds:schemaRef ds:uri="http://purl.org/dc/elements/1.1/"/>
-    <ds:schemaRef ds:uri="http://schemas.microsoft.com/office/2006/metadata/properties"/>
-    <ds:schemaRef ds:uri="http://schemas.microsoft.com/office/infopath/2007/PartnerControls"/>
-    <ds:schemaRef ds:uri="http://www.w3.org/XML/1998/namespace"/>
-    <ds:schemaRef ds:uri="http://purl.org/dc/dcmitype/"/>
+    <ds:schemaRef ds:uri="http://schemas.microsoft.com/sharepoint/v3/contenttype/forms"/>
   </ds:schemaRefs>
 </ds:datastoreItem>
 </file>
@@ -15502,9 +15555,17 @@
 </file>
 
 <file path=customXml/itemProps3.xml><?xml version="1.0" encoding="utf-8"?>
-<ds:datastoreItem xmlns:ds="http://schemas.openxmlformats.org/officeDocument/2006/customXml" ds:itemID="{3836F65B-1B07-41EE-A0E8-BC6EF3855225}">
+<ds:datastoreItem xmlns:ds="http://schemas.openxmlformats.org/officeDocument/2006/customXml" ds:itemID="{60C67BEE-D13F-4BD2-98A5-34D8A0977F68}">
   <ds:schemaRefs>
-    <ds:schemaRef ds:uri="http://schemas.microsoft.com/sharepoint/v3/contenttype/forms"/>
+    <ds:schemaRef ds:uri="4873beb7-5857-4685-be1f-d57550cc96cc"/>
+    <ds:schemaRef ds:uri="http://schemas.openxmlformats.org/package/2006/metadata/core-properties"/>
+    <ds:schemaRef ds:uri="http://purl.org/dc/terms/"/>
+    <ds:schemaRef ds:uri="http://schemas.microsoft.com/office/2006/documentManagement/types"/>
+    <ds:schemaRef ds:uri="http://purl.org/dc/elements/1.1/"/>
+    <ds:schemaRef ds:uri="http://schemas.microsoft.com/office/2006/metadata/properties"/>
+    <ds:schemaRef ds:uri="http://schemas.microsoft.com/office/infopath/2007/PartnerControls"/>
+    <ds:schemaRef ds:uri="http://www.w3.org/XML/1998/namespace"/>
+    <ds:schemaRef ds:uri="http://purl.org/dc/dcmitype/"/>
   </ds:schemaRefs>
 </ds:datastoreItem>
 </file>
--- a/Platform Technologies/Midterm/Week 4/Lecture/Chapter_4Shell Scripting.pptx
+++ b/Platform Technologies/Midterm/Week 4/Lecture/Chapter_4Shell Scripting.pptx
@@ -5,29 +5,32 @@
     <p:sldMasterId id="2147483660" r:id="rId4"/>
   </p:sldMasterIdLst>
   <p:notesMasterIdLst>
-    <p:notesMasterId r:id="rId22"/>
+    <p:notesMasterId r:id="rId25"/>
   </p:notesMasterIdLst>
   <p:handoutMasterIdLst>
-    <p:handoutMasterId r:id="rId23"/>
+    <p:handoutMasterId r:id="rId26"/>
   </p:handoutMasterIdLst>
   <p:sldIdLst>
     <p:sldId id="257" r:id="rId5"/>
     <p:sldId id="268" r:id="rId6"/>
     <p:sldId id="269" r:id="rId7"/>
-    <p:sldId id="270" r:id="rId8"/>
-    <p:sldId id="272" r:id="rId9"/>
+    <p:sldId id="272" r:id="rId8"/>
+    <p:sldId id="283" r:id="rId9"/>
     <p:sldId id="261" r:id="rId10"/>
     <p:sldId id="262" r:id="rId11"/>
-    <p:sldId id="273" r:id="rId12"/>
-    <p:sldId id="274" r:id="rId13"/>
-    <p:sldId id="275" r:id="rId14"/>
-    <p:sldId id="276" r:id="rId15"/>
-    <p:sldId id="277" r:id="rId16"/>
-    <p:sldId id="278" r:id="rId17"/>
-    <p:sldId id="279" r:id="rId18"/>
-    <p:sldId id="280" r:id="rId19"/>
-    <p:sldId id="281" r:id="rId20"/>
-    <p:sldId id="282" r:id="rId21"/>
+    <p:sldId id="284" r:id="rId12"/>
+    <p:sldId id="273" r:id="rId13"/>
+    <p:sldId id="285" r:id="rId14"/>
+    <p:sldId id="274" r:id="rId15"/>
+    <p:sldId id="275" r:id="rId16"/>
+    <p:sldId id="276" r:id="rId17"/>
+    <p:sldId id="277" r:id="rId18"/>
+    <p:sldId id="278" r:id="rId19"/>
+    <p:sldId id="279" r:id="rId20"/>
+    <p:sldId id="286" r:id="rId21"/>
+    <p:sldId id="280" r:id="rId22"/>
+    <p:sldId id="281" r:id="rId23"/>
+    <p:sldId id="282" r:id="rId24"/>
   </p:sldIdLst>
   <p:sldSz cx="12188825" cy="6858000"/>
   <p:notesSz cx="6858000" cy="9144000"/>
@@ -159,3242 +162,6 @@
 </p:presentation>
 </file>
 
-<file path=ppt/diagrams/colors1.xml><?xml version="1.0" encoding="utf-8"?>
-<dgm:colorsDef xmlns:dgm="http://schemas.openxmlformats.org/drawingml/2006/diagram" xmlns:a="http://schemas.openxmlformats.org/drawingml/2006/main" uniqueId="urn:microsoft.com/office/officeart/2005/8/colors/colorful1">
-  <dgm:title val=""/>
-  <dgm:desc val=""/>
-  <dgm:catLst>
-    <dgm:cat type="colorful" pri="10100"/>
-  </dgm:catLst>
-  <dgm:styleLbl name="node0">
-    <dgm:fillClrLst meth="repeat">
-      <a:schemeClr val="accent1"/>
-    </dgm:fillClrLst>
-    <dgm:linClrLst meth="repeat">
-      <a:schemeClr val="lt1"/>
-    </dgm:linClrLst>
-    <dgm:effectClrLst/>
-    <dgm:txLinClrLst/>
-    <dgm:txFillClrLst/>
-    <dgm:txEffectClrLst/>
-  </dgm:styleLbl>
-  <dgm:styleLbl name="node1">
-    <dgm:fillClrLst meth="repeat">
-      <a:schemeClr val="accent2"/>
-      <a:schemeClr val="accent3"/>
-      <a:schemeClr val="accent4"/>
-      <a:schemeClr val="accent5"/>
-      <a:schemeClr val="accent6"/>
-    </dgm:fillClrLst>
-    <dgm:linClrLst meth="repeat">
-      <a:schemeClr val="lt1"/>
-    </dgm:linClrLst>
-    <dgm:effectClrLst/>
-    <dgm:txLinClrLst/>
-    <dgm:txFillClrLst/>
-    <dgm:txEffectClrLst/>
-  </dgm:styleLbl>
-  <dgm:styleLbl name="alignNode1">
-    <dgm:fillClrLst meth="repeat">
-      <a:schemeClr val="accent2"/>
-      <a:schemeClr val="accent3"/>
-      <a:schemeClr val="accent4"/>
-      <a:schemeClr val="accent5"/>
-      <a:schemeClr val="accent6"/>
-    </dgm:fillClrLst>
-    <dgm:linClrLst meth="repeat">
-      <a:schemeClr val="accent2"/>
-      <a:schemeClr val="accent3"/>
-      <a:schemeClr val="accent4"/>
-      <a:schemeClr val="accent5"/>
-      <a:schemeClr val="accent6"/>
-    </dgm:linClrLst>
-    <dgm:effectClrLst/>
-    <dgm:txLinClrLst/>
-    <dgm:txFillClrLst/>
-    <dgm:txEffectClrLst/>
-  </dgm:styleLbl>
-  <dgm:styleLbl name="lnNode1">
-    <dgm:fillClrLst meth="repeat">
-      <a:schemeClr val="accent2"/>
-      <a:schemeClr val="accent3"/>
-      <a:schemeClr val="accent4"/>
-      <a:schemeClr val="accent5"/>
-      <a:schemeClr val="accent6"/>
-    </dgm:fillClrLst>
-    <dgm:linClrLst meth="repeat">
-      <a:schemeClr val="lt1"/>
-    </dgm:linClrLst>
-    <dgm:effectClrLst/>
-    <dgm:txLinClrLst/>
-    <dgm:txFillClrLst/>
-    <dgm:txEffectClrLst/>
-  </dgm:styleLbl>
-  <dgm:styleLbl name="vennNode1">
-    <dgm:fillClrLst meth="repeat">
-      <a:schemeClr val="accent2">
-        <a:alpha val="50000"/>
-      </a:schemeClr>
-      <a:schemeClr val="accent3">
-        <a:alpha val="50000"/>
-      </a:schemeClr>
-      <a:schemeClr val="accent4">
-        <a:alpha val="50000"/>
-      </a:schemeClr>
-      <a:schemeClr val="accent5">
-        <a:alpha val="50000"/>
-      </a:schemeClr>
-      <a:schemeClr val="accent6">
-        <a:alpha val="50000"/>
-      </a:schemeClr>
-    </dgm:fillClrLst>
-    <dgm:linClrLst meth="repeat">
-      <a:schemeClr val="lt1"/>
-    </dgm:linClrLst>
-    <dgm:effectClrLst/>
-    <dgm:txLinClrLst/>
-    <dgm:txFillClrLst/>
-    <dgm:txEffectClrLst/>
-  </dgm:styleLbl>
-  <dgm:styleLbl name="node2">
-    <dgm:fillClrLst>
-      <a:schemeClr val="accent2"/>
-    </dgm:fillClrLst>
-    <dgm:linClrLst meth="repeat">
-      <a:schemeClr val="lt1"/>
-    </dgm:linClrLst>
-    <dgm:effectClrLst/>
-    <dgm:txLinClrLst/>
-    <dgm:txFillClrLst/>
-    <dgm:txEffectClrLst/>
-  </dgm:styleLbl>
-  <dgm:styleLbl name="node3">
-    <dgm:fillClrLst>
-      <a:schemeClr val="accent3"/>
-    </dgm:fillClrLst>
-    <dgm:linClrLst meth="repeat">
-      <a:schemeClr val="lt1"/>
-    </dgm:linClrLst>
-    <dgm:effectClrLst/>
-    <dgm:txLinClrLst/>
-    <dgm:txFillClrLst/>
-    <dgm:txEffectClrLst/>
-  </dgm:styleLbl>
-  <dgm:styleLbl name="node4">
-    <dgm:fillClrLst>
-      <a:schemeClr val="accent4"/>
-    </dgm:fillClrLst>
-    <dgm:linClrLst meth="repeat">
-      <a:schemeClr val="lt1"/>
-    </dgm:linClrLst>
-    <dgm:effectClrLst/>
-    <dgm:txLinClrLst/>
-    <dgm:txFillClrLst/>
-    <dgm:txEffectClrLst/>
-  </dgm:styleLbl>
-  <dgm:styleLbl name="fgImgPlace1">
-    <dgm:fillClrLst meth="repeat">
-      <a:schemeClr val="accent2">
-        <a:tint val="50000"/>
-      </a:schemeClr>
-      <a:schemeClr val="accent3">
-        <a:tint val="50000"/>
-      </a:schemeClr>
-      <a:schemeClr val="accent4">
-        <a:tint val="50000"/>
-      </a:schemeClr>
-      <a:schemeClr val="accent5">
-        <a:tint val="50000"/>
-      </a:schemeClr>
-      <a:schemeClr val="accent6">
-        <a:tint val="50000"/>
-      </a:schemeClr>
-    </dgm:fillClrLst>
-    <dgm:linClrLst meth="repeat">
-      <a:schemeClr val="lt1"/>
-    </dgm:linClrLst>
-    <dgm:effectClrLst/>
-    <dgm:txLinClrLst/>
-    <dgm:txFillClrLst meth="repeat">
-      <a:schemeClr val="lt1"/>
-    </dgm:txFillClrLst>
-    <dgm:txEffectClrLst/>
-  </dgm:styleLbl>
-  <dgm:styleLbl name="alignImgPlace1">
-    <dgm:fillClrLst>
-      <a:schemeClr val="accent1">
-        <a:tint val="50000"/>
-      </a:schemeClr>
-      <a:schemeClr val="accent2">
-        <a:tint val="20000"/>
-      </a:schemeClr>
-    </dgm:fillClrLst>
-    <dgm:linClrLst meth="repeat">
-      <a:schemeClr val="lt1"/>
-    </dgm:linClrLst>
-    <dgm:effectClrLst/>
-    <dgm:txLinClrLst/>
-    <dgm:txFillClrLst meth="repeat">
-      <a:schemeClr val="lt1"/>
-    </dgm:txFillClrLst>
-    <dgm:txEffectClrLst/>
-  </dgm:styleLbl>
-  <dgm:styleLbl name="bgImgPlace1">
-    <dgm:fillClrLst>
-      <a:schemeClr val="accent1">
-        <a:tint val="50000"/>
-      </a:schemeClr>
-      <a:schemeClr val="accent2">
-        <a:tint val="20000"/>
-      </a:schemeClr>
-    </dgm:fillClrLst>
-    <dgm:linClrLst meth="repeat">
-      <a:schemeClr val="lt1"/>
-    </dgm:linClrLst>
-    <dgm:effectClrLst/>
-    <dgm:txLinClrLst/>
-    <dgm:txFillClrLst meth="repeat">
-      <a:schemeClr val="lt1"/>
-    </dgm:txFillClrLst>
-    <dgm:txEffectClrLst/>
-  </dgm:styleLbl>
-  <dgm:styleLbl name="sibTrans2D1">
-    <dgm:fillClrLst meth="repeat">
-      <a:schemeClr val="accent2"/>
-      <a:schemeClr val="accent3"/>
-      <a:schemeClr val="accent4"/>
-      <a:schemeClr val="accent5"/>
-      <a:schemeClr val="accent6"/>
-    </dgm:fillClrLst>
-    <dgm:linClrLst meth="cycle">
-      <a:schemeClr val="lt1"/>
-    </dgm:linClrLst>
-    <dgm:effectClrLst/>
-    <dgm:txLinClrLst/>
-    <dgm:txFillClrLst/>
-    <dgm:txEffectClrLst/>
-  </dgm:styleLbl>
-  <dgm:styleLbl name="fgSibTrans2D1">
-    <dgm:fillClrLst meth="repeat">
-      <a:schemeClr val="accent2"/>
-      <a:schemeClr val="accent3"/>
-      <a:schemeClr val="accent4"/>
-      <a:schemeClr val="accent5"/>
-      <a:schemeClr val="accent6"/>
-    </dgm:fillClrLst>
-    <dgm:linClrLst meth="cycle">
-      <a:schemeClr val="lt1"/>
-    </dgm:linClrLst>
-    <dgm:effectClrLst/>
-    <dgm:txLinClrLst/>
-    <dgm:txFillClrLst meth="repeat">
-      <a:schemeClr val="lt1"/>
-    </dgm:txFillClrLst>
-    <dgm:txEffectClrLst/>
-  </dgm:styleLbl>
-  <dgm:styleLbl name="bgSibTrans2D1">
-    <dgm:fillClrLst meth="repeat">
-      <a:schemeClr val="accent2"/>
-      <a:schemeClr val="accent3"/>
-      <a:schemeClr val="accent4"/>
-      <a:schemeClr val="accent5"/>
-      <a:schemeClr val="accent6"/>
-    </dgm:fillClrLst>
-    <dgm:linClrLst meth="cycle">
-      <a:schemeClr val="lt1"/>
-    </dgm:linClrLst>
-    <dgm:effectClrLst/>
-    <dgm:txLinClrLst/>
-    <dgm:txFillClrLst meth="repeat">
-      <a:schemeClr val="lt1"/>
-    </dgm:txFillClrLst>
-    <dgm:txEffectClrLst/>
-  </dgm:styleLbl>
-  <dgm:styleLbl name="sibTrans1D1">
-    <dgm:fillClrLst meth="repeat">
-      <a:schemeClr val="accent2"/>
-      <a:schemeClr val="accent3"/>
-      <a:schemeClr val="accent4"/>
-      <a:schemeClr val="accent5"/>
-      <a:schemeClr val="accent6"/>
-    </dgm:fillClrLst>
-    <dgm:linClrLst meth="repeat">
-      <a:schemeClr val="accent2"/>
-      <a:schemeClr val="accent3"/>
-      <a:schemeClr val="accent4"/>
-      <a:schemeClr val="accent5"/>
-      <a:schemeClr val="accent6"/>
-    </dgm:linClrLst>
-    <dgm:effectClrLst/>
-    <dgm:txLinClrLst/>
-    <dgm:txFillClrLst meth="repeat">
-      <a:schemeClr val="tx1"/>
-    </dgm:txFillClrLst>
-    <dgm:txEffectClrLst/>
-  </dgm:styleLbl>
-  <dgm:styleLbl name="callout">
-    <dgm:fillClrLst meth="repeat">
-      <a:schemeClr val="accent2"/>
-    </dgm:fillClrLst>
-    <dgm:linClrLst meth="repeat">
-      <a:schemeClr val="accent2">
-        <a:tint val="50000"/>
-      </a:schemeClr>
-    </dgm:linClrLst>
-    <dgm:effectClrLst/>
-    <dgm:txLinClrLst/>
-    <dgm:txFillClrLst meth="repeat">
-      <a:schemeClr val="tx1"/>
-    </dgm:txFillClrLst>
-    <dgm:txEffectClrLst/>
-  </dgm:styleLbl>
-  <dgm:styleLbl name="asst0">
-    <dgm:fillClrLst meth="repeat">
-      <a:schemeClr val="accent1"/>
-    </dgm:fillClrLst>
-    <dgm:linClrLst meth="repeat">
-      <a:schemeClr val="lt1"/>
-    </dgm:linClrLst>
-    <dgm:effectClrLst/>
-    <dgm:txLinClrLst/>
-    <dgm:txFillClrLst/>
-    <dgm:txEffectClrLst/>
-  </dgm:styleLbl>
-  <dgm:styleLbl name="asst1">
-    <dgm:fillClrLst meth="repeat">
-      <a:schemeClr val="accent2"/>
-    </dgm:fillClrLst>
-    <dgm:linClrLst meth="repeat">
-      <a:schemeClr val="lt1"/>
-    </dgm:linClrLst>
-    <dgm:effectClrLst/>
-    <dgm:txLinClrLst/>
-    <dgm:txFillClrLst/>
-    <dgm:txEffectClrLst/>
-  </dgm:styleLbl>
-  <dgm:styleLbl name="asst2">
-    <dgm:fillClrLst>
-      <a:schemeClr val="accent3"/>
-    </dgm:fillClrLst>
-    <dgm:linClrLst meth="repeat">
-      <a:schemeClr val="lt1"/>
-    </dgm:linClrLst>
-    <dgm:effectClrLst/>
-    <dgm:txLinClrLst/>
-    <dgm:txFillClrLst/>
-    <dgm:txEffectClrLst/>
-  </dgm:styleLbl>
-  <dgm:styleLbl name="asst3">
-    <dgm:fillClrLst>
-      <a:schemeClr val="accent4"/>
-    </dgm:fillClrLst>
-    <dgm:linClrLst meth="repeat">
-      <a:schemeClr val="lt1"/>
-    </dgm:linClrLst>
-    <dgm:effectClrLst/>
-    <dgm:txLinClrLst/>
-    <dgm:txFillClrLst/>
-    <dgm:txEffectClrLst/>
-  </dgm:styleLbl>
-  <dgm:styleLbl name="asst4">
-    <dgm:fillClrLst>
-      <a:schemeClr val="accent5"/>
-    </dgm:fillClrLst>
-    <dgm:linClrLst meth="repeat">
-      <a:schemeClr val="lt1"/>
-    </dgm:linClrLst>
-    <dgm:effectClrLst/>
-    <dgm:txLinClrLst/>
-    <dgm:txFillClrLst/>
-    <dgm:txEffectClrLst/>
-  </dgm:styleLbl>
-  <dgm:styleLbl name="parChTrans2D1">
-    <dgm:fillClrLst meth="repeat">
-      <a:schemeClr val="accent2"/>
-    </dgm:fillClrLst>
-    <dgm:linClrLst meth="repeat">
-      <a:schemeClr val="lt1"/>
-    </dgm:linClrLst>
-    <dgm:effectClrLst/>
-    <dgm:txLinClrLst/>
-    <dgm:txFillClrLst meth="repeat">
-      <a:schemeClr val="lt1"/>
-    </dgm:txFillClrLst>
-    <dgm:txEffectClrLst/>
-  </dgm:styleLbl>
-  <dgm:styleLbl name="parChTrans2D2">
-    <dgm:fillClrLst meth="repeat">
-      <a:schemeClr val="accent3"/>
-    </dgm:fillClrLst>
-    <dgm:linClrLst meth="repeat">
-      <a:schemeClr val="lt1"/>
-    </dgm:linClrLst>
-    <dgm:effectClrLst/>
-    <dgm:txLinClrLst/>
-    <dgm:txFillClrLst/>
-    <dgm:txEffectClrLst/>
-  </dgm:styleLbl>
-  <dgm:styleLbl name="parChTrans2D3">
-    <dgm:fillClrLst meth="repeat">
-      <a:schemeClr val="accent4"/>
-    </dgm:fillClrLst>
-    <dgm:linClrLst meth="repeat">
-      <a:schemeClr val="lt1"/>
-    </dgm:linClrLst>
-    <dgm:effectClrLst/>
-    <dgm:txLinClrLst/>
-    <dgm:txFillClrLst/>
-    <dgm:txEffectClrLst/>
-  </dgm:styleLbl>
-  <dgm:styleLbl name="parChTrans2D4">
-    <dgm:fillClrLst meth="repeat">
-      <a:schemeClr val="accent5"/>
-    </dgm:fillClrLst>
-    <dgm:linClrLst meth="repeat">
-      <a:schemeClr val="lt1"/>
-    </dgm:linClrLst>
-    <dgm:effectClrLst/>
-    <dgm:txLinClrLst/>
-    <dgm:txFillClrLst meth="repeat">
-      <a:schemeClr val="lt1"/>
-    </dgm:txFillClrLst>
-    <dgm:txEffectClrLst/>
-  </dgm:styleLbl>
-  <dgm:styleLbl name="parChTrans1D1">
-    <dgm:fillClrLst meth="repeat">
-      <a:schemeClr val="accent2"/>
-    </dgm:fillClrLst>
-    <dgm:linClrLst meth="repeat">
-      <a:schemeClr val="accent1"/>
-    </dgm:linClrLst>
-    <dgm:effectClrLst/>
-    <dgm:txLinClrLst/>
-    <dgm:txFillClrLst meth="repeat">
-      <a:schemeClr val="tx1"/>
-    </dgm:txFillClrLst>
-    <dgm:txEffectClrLst/>
-  </dgm:styleLbl>
-  <dgm:styleLbl name="parChTrans1D2">
-    <dgm:fillClrLst meth="repeat">
-      <a:schemeClr val="accent3">
-        <a:tint val="90000"/>
-      </a:schemeClr>
-    </dgm:fillClrLst>
-    <dgm:linClrLst meth="repeat">
-      <a:schemeClr val="accent2"/>
-    </dgm:linClrLst>
-    <dgm:effectClrLst/>
-    <dgm:txLinClrLst/>
-    <dgm:txFillClrLst meth="repeat">
-      <a:schemeClr val="tx1"/>
-    </dgm:txFillClrLst>
-    <dgm:txEffectClrLst/>
-  </dgm:styleLbl>
-  <dgm:styleLbl name="parChTrans1D3">
-    <dgm:fillClrLst meth="repeat">
-      <a:schemeClr val="accent4">
-        <a:tint val="70000"/>
-      </a:schemeClr>
-    </dgm:fillClrLst>
-    <dgm:linClrLst meth="repeat">
-      <a:schemeClr val="accent3"/>
-    </dgm:linClrLst>
-    <dgm:effectClrLst/>
-    <dgm:txLinClrLst/>
-    <dgm:txFillClrLst meth="repeat">
-      <a:schemeClr val="tx1"/>
-    </dgm:txFillClrLst>
-    <dgm:txEffectClrLst/>
-  </dgm:styleLbl>
-  <dgm:styleLbl name="parChTrans1D4">
-    <dgm:fillClrLst meth="repeat">
-      <a:schemeClr val="accent5">
-        <a:tint val="50000"/>
-      </a:schemeClr>
-    </dgm:fillClrLst>
-    <dgm:linClrLst meth="repeat">
-      <a:schemeClr val="accent4"/>
-    </dgm:linClrLst>
-    <dgm:effectClrLst/>
-    <dgm:txLinClrLst/>
-    <dgm:txFillClrLst meth="repeat">
-      <a:schemeClr val="tx1"/>
-    </dgm:txFillClrLst>
-    <dgm:txEffectClrLst/>
-  </dgm:styleLbl>
-  <dgm:styleLbl name="fgAcc1">
-    <dgm:fillClrLst meth="repeat">
-      <a:schemeClr val="lt1">
-        <a:alpha val="90000"/>
-      </a:schemeClr>
-    </dgm:fillClrLst>
-    <dgm:linClrLst meth="repeat">
-      <a:schemeClr val="accent2"/>
-      <a:schemeClr val="accent3"/>
-      <a:schemeClr val="accent4"/>
-      <a:schemeClr val="accent5"/>
-      <a:schemeClr val="accent6"/>
-    </dgm:linClrLst>
-    <dgm:effectClrLst/>
-    <dgm:txLinClrLst/>
-    <dgm:txFillClrLst meth="repeat">
-      <a:schemeClr val="dk1"/>
-    </dgm:txFillClrLst>
-    <dgm:txEffectClrLst/>
-  </dgm:styleLbl>
-  <dgm:styleLbl name="conFgAcc1">
-    <dgm:fillClrLst meth="repeat">
-      <a:schemeClr val="lt1">
-        <a:alpha val="90000"/>
-      </a:schemeClr>
-    </dgm:fillClrLst>
-    <dgm:linClrLst meth="repeat">
-      <a:schemeClr val="accent2"/>
-      <a:schemeClr val="accent3"/>
-      <a:schemeClr val="accent4"/>
-      <a:schemeClr val="accent5"/>
-      <a:schemeClr val="accent6"/>
-    </dgm:linClrLst>
-    <dgm:effectClrLst/>
-    <dgm:txLinClrLst/>
-    <dgm:txFillClrLst meth="repeat">
-      <a:schemeClr val="dk1"/>
-    </dgm:txFillClrLst>
-    <dgm:txEffectClrLst/>
-  </dgm:styleLbl>
-  <dgm:styleLbl name="alignAcc1">
-    <dgm:fillClrLst meth="repeat">
-      <a:schemeClr val="lt1">
-        <a:alpha val="90000"/>
-      </a:schemeClr>
-    </dgm:fillClrLst>
-    <dgm:linClrLst meth="repeat">
-      <a:schemeClr val="accent2"/>
-      <a:schemeClr val="accent3"/>
-      <a:schemeClr val="accent4"/>
-      <a:schemeClr val="accent5"/>
-      <a:schemeClr val="accent6"/>
-    </dgm:linClrLst>
-    <dgm:effectClrLst/>
-    <dgm:txLinClrLst/>
-    <dgm:txFillClrLst meth="repeat">
-      <a:schemeClr val="dk1"/>
-    </dgm:txFillClrLst>
-    <dgm:txEffectClrLst/>
-  </dgm:styleLbl>
-  <dgm:styleLbl name="trAlignAcc1">
-    <dgm:fillClrLst meth="repeat">
-      <a:schemeClr val="lt1">
-        <a:alpha val="40000"/>
-      </a:schemeClr>
-    </dgm:fillClrLst>
-    <dgm:linClrLst meth="repeat">
-      <a:schemeClr val="accent1"/>
-    </dgm:linClrLst>
-    <dgm:effectClrLst/>
-    <dgm:txLinClrLst/>
-    <dgm:txFillClrLst meth="repeat">
-      <a:schemeClr val="dk1"/>
-    </dgm:txFillClrLst>
-    <dgm:txEffectClrLst/>
-  </dgm:styleLbl>
-  <dgm:styleLbl name="bgAcc1">
-    <dgm:fillClrLst meth="repeat">
-      <a:schemeClr val="lt1">
-        <a:alpha val="90000"/>
-      </a:schemeClr>
-    </dgm:fillClrLst>
-    <dgm:linClrLst meth="repeat">
-      <a:schemeClr val="accent2"/>
-      <a:schemeClr val="accent3"/>
-      <a:schemeClr val="accent4"/>
-      <a:schemeClr val="accent5"/>
-      <a:schemeClr val="accent6"/>
-    </dgm:linClrLst>
-    <dgm:effectClrLst/>
-    <dgm:txLinClrLst/>
-    <dgm:txFillClrLst meth="repeat">
-      <a:schemeClr val="dk1"/>
-    </dgm:txFillClrLst>
-    <dgm:txEffectClrLst/>
-  </dgm:styleLbl>
-  <dgm:styleLbl name="solidFgAcc1">
-    <dgm:fillClrLst meth="repeat">
-      <a:schemeClr val="lt1"/>
-    </dgm:fillClrLst>
-    <dgm:linClrLst meth="repeat">
-      <a:schemeClr val="accent2"/>
-      <a:schemeClr val="accent3"/>
-      <a:schemeClr val="accent4"/>
-      <a:schemeClr val="accent5"/>
-      <a:schemeClr val="accent6"/>
-    </dgm:linClrLst>
-    <dgm:effectClrLst/>
-    <dgm:txLinClrLst/>
-    <dgm:txFillClrLst meth="repeat">
-      <a:schemeClr val="dk1"/>
-    </dgm:txFillClrLst>
-    <dgm:txEffectClrLst/>
-  </dgm:styleLbl>
-  <dgm:styleLbl name="solidAlignAcc1">
-    <dgm:fillClrLst meth="repeat">
-      <a:schemeClr val="lt1"/>
-    </dgm:fillClrLst>
-    <dgm:linClrLst meth="repeat">
-      <a:schemeClr val="accent2"/>
-      <a:schemeClr val="accent3"/>
-      <a:schemeClr val="accent4"/>
-      <a:schemeClr val="accent5"/>
-      <a:schemeClr val="accent6"/>
-    </dgm:linClrLst>
-    <dgm:effectClrLst/>
-    <dgm:txLinClrLst/>
-    <dgm:txFillClrLst meth="repeat">
-      <a:schemeClr val="dk1"/>
-    </dgm:txFillClrLst>
-    <dgm:txEffectClrLst/>
-  </dgm:styleLbl>
-  <dgm:styleLbl name="solidBgAcc1">
-    <dgm:fillClrLst meth="repeat">
-      <a:schemeClr val="lt1"/>
-    </dgm:fillClrLst>
-    <dgm:linClrLst meth="repeat">
-      <a:schemeClr val="accent2"/>
-      <a:schemeClr val="accent3"/>
-      <a:schemeClr val="accent4"/>
-      <a:schemeClr val="accent5"/>
-      <a:schemeClr val="accent6"/>
-    </dgm:linClrLst>
-    <dgm:effectClrLst/>
-    <dgm:txLinClrLst/>
-    <dgm:txFillClrLst meth="repeat">
-      <a:schemeClr val="dk1"/>
-    </dgm:txFillClrLst>
-    <dgm:txEffectClrLst/>
-  </dgm:styleLbl>
-  <dgm:styleLbl name="fgAccFollowNode1">
-    <dgm:fillClrLst meth="repeat">
-      <a:schemeClr val="accent2">
-        <a:tint val="40000"/>
-        <a:alpha val="90000"/>
-      </a:schemeClr>
-      <a:schemeClr val="accent3">
-        <a:tint val="40000"/>
-        <a:alpha val="90000"/>
-      </a:schemeClr>
-      <a:schemeClr val="accent4">
-        <a:tint val="40000"/>
-        <a:alpha val="90000"/>
-      </a:schemeClr>
-      <a:schemeClr val="accent5">
-        <a:tint val="40000"/>
-        <a:alpha val="90000"/>
-      </a:schemeClr>
-      <a:schemeClr val="accent6">
-        <a:tint val="40000"/>
-        <a:alpha val="90000"/>
-      </a:schemeClr>
-    </dgm:fillClrLst>
-    <dgm:linClrLst meth="repeat">
-      <a:schemeClr val="accent2">
-        <a:tint val="40000"/>
-        <a:alpha val="90000"/>
-      </a:schemeClr>
-      <a:schemeClr val="accent3">
-        <a:tint val="40000"/>
-        <a:alpha val="90000"/>
-      </a:schemeClr>
-      <a:schemeClr val="accent4">
-        <a:tint val="40000"/>
-        <a:alpha val="90000"/>
-      </a:schemeClr>
-      <a:schemeClr val="accent5">
-        <a:tint val="40000"/>
-        <a:alpha val="90000"/>
-      </a:schemeClr>
-      <a:schemeClr val="accent6">
-        <a:tint val="40000"/>
-        <a:alpha val="90000"/>
-      </a:schemeClr>
-    </dgm:linClrLst>
-    <dgm:effectClrLst/>
-    <dgm:txLinClrLst/>
-    <dgm:txFillClrLst meth="repeat">
-      <a:schemeClr val="dk1"/>
-    </dgm:txFillClrLst>
-    <dgm:txEffectClrLst/>
-  </dgm:styleLbl>
-  <dgm:styleLbl name="alignAccFollowNode1">
-    <dgm:fillClrLst meth="repeat">
-      <a:schemeClr val="accent2">
-        <a:tint val="40000"/>
-        <a:alpha val="90000"/>
-      </a:schemeClr>
-      <a:schemeClr val="accent3">
-        <a:tint val="40000"/>
-        <a:alpha val="90000"/>
-      </a:schemeClr>
-      <a:schemeClr val="accent4">
-        <a:tint val="40000"/>
-        <a:alpha val="90000"/>
-      </a:schemeClr>
-      <a:schemeClr val="accent5">
-        <a:tint val="40000"/>
-        <a:alpha val="90000"/>
-      </a:schemeClr>
-      <a:schemeClr val="accent6">
-        <a:tint val="40000"/>
-        <a:alpha val="90000"/>
-      </a:schemeClr>
-    </dgm:fillClrLst>
-    <dgm:linClrLst meth="repeat">
-      <a:schemeClr val="accent2">
-        <a:tint val="40000"/>
-        <a:alpha val="90000"/>
-      </a:schemeClr>
-      <a:schemeClr val="accent3">
-        <a:tint val="40000"/>
-        <a:alpha val="90000"/>
-      </a:schemeClr>
-      <a:schemeClr val="accent4">
-        <a:tint val="40000"/>
-        <a:alpha val="90000"/>
-      </a:schemeClr>
-      <a:schemeClr val="accent5">
-        <a:tint val="40000"/>
-        <a:alpha val="90000"/>
-      </a:schemeClr>
-      <a:schemeClr val="accent6">
-        <a:tint val="40000"/>
-        <a:alpha val="90000"/>
-      </a:schemeClr>
-    </dgm:linClrLst>
-    <dgm:effectClrLst/>
-    <dgm:txLinClrLst/>
-    <dgm:txFillClrLst meth="repeat">
-      <a:schemeClr val="dk1"/>
-    </dgm:txFillClrLst>
-    <dgm:txEffectClrLst/>
-  </dgm:styleLbl>
-  <dgm:styleLbl name="bgAccFollowNode1">
-    <dgm:fillClrLst meth="repeat">
-      <a:schemeClr val="accent2">
-        <a:tint val="40000"/>
-        <a:alpha val="90000"/>
-      </a:schemeClr>
-      <a:schemeClr val="accent3">
-        <a:tint val="40000"/>
-        <a:alpha val="90000"/>
-      </a:schemeClr>
-      <a:schemeClr val="accent4">
-        <a:tint val="40000"/>
-        <a:alpha val="90000"/>
-      </a:schemeClr>
-      <a:schemeClr val="accent5">
-        <a:tint val="40000"/>
-        <a:alpha val="90000"/>
-      </a:schemeClr>
-      <a:schemeClr val="accent6">
-        <a:tint val="40000"/>
-        <a:alpha val="90000"/>
-      </a:schemeClr>
-    </dgm:fillClrLst>
-    <dgm:linClrLst meth="repeat">
-      <a:schemeClr val="accent2">
-        <a:tint val="40000"/>
-        <a:alpha val="90000"/>
-      </a:schemeClr>
-      <a:schemeClr val="accent3">
-        <a:tint val="40000"/>
-        <a:alpha val="90000"/>
-      </a:schemeClr>
-      <a:schemeClr val="accent4">
-        <a:tint val="40000"/>
-        <a:alpha val="90000"/>
-      </a:schemeClr>
-      <a:schemeClr val="accent5">
-        <a:tint val="40000"/>
-        <a:alpha val="90000"/>
-      </a:schemeClr>
-      <a:schemeClr val="accent6">
-        <a:tint val="40000"/>
-        <a:alpha val="90000"/>
-      </a:schemeClr>
-    </dgm:linClrLst>
-    <dgm:effectClrLst/>
-    <dgm:txLinClrLst/>
-    <dgm:txFillClrLst meth="repeat">
-      <a:schemeClr val="dk1"/>
-    </dgm:txFillClrLst>
-    <dgm:txEffectClrLst/>
-  </dgm:styleLbl>
-  <dgm:styleLbl name="fgAcc0">
-    <dgm:fillClrLst meth="repeat">
-      <a:schemeClr val="lt1">
-        <a:alpha val="90000"/>
-      </a:schemeClr>
-    </dgm:fillClrLst>
-    <dgm:linClrLst>
-      <a:schemeClr val="accent1"/>
-    </dgm:linClrLst>
-    <dgm:effectClrLst/>
-    <dgm:txLinClrLst/>
-    <dgm:txFillClrLst meth="repeat">
-      <a:schemeClr val="dk1"/>
-    </dgm:txFillClrLst>
-    <dgm:txEffectClrLst/>
-  </dgm:styleLbl>
-  <dgm:styleLbl name="fgAcc2">
-    <dgm:fillClrLst meth="repeat">
-      <a:schemeClr val="lt1">
-        <a:alpha val="90000"/>
-      </a:schemeClr>
-    </dgm:fillClrLst>
-    <dgm:linClrLst>
-      <a:schemeClr val="accent2"/>
-    </dgm:linClrLst>
-    <dgm:effectClrLst/>
-    <dgm:txLinClrLst/>
-    <dgm:txFillClrLst meth="repeat">
-      <a:schemeClr val="dk1"/>
-    </dgm:txFillClrLst>
-    <dgm:txEffectClrLst/>
-  </dgm:styleLbl>
-  <dgm:styleLbl name="fgAcc3">
-    <dgm:fillClrLst meth="repeat">
-      <a:schemeClr val="lt1">
-        <a:alpha val="90000"/>
-      </a:schemeClr>
-    </dgm:fillClrLst>
-    <dgm:linClrLst>
-      <a:schemeClr val="accent3"/>
-    </dgm:linClrLst>
-    <dgm:effectClrLst/>
-    <dgm:txLinClrLst/>
-    <dgm:txFillClrLst meth="repeat">
-      <a:schemeClr val="dk1"/>
-    </dgm:txFillClrLst>
-    <dgm:txEffectClrLst/>
-  </dgm:styleLbl>
-  <dgm:styleLbl name="fgAcc4">
-    <dgm:fillClrLst meth="repeat">
-      <a:schemeClr val="lt1">
-        <a:alpha val="90000"/>
-      </a:schemeClr>
-    </dgm:fillClrLst>
-    <dgm:linClrLst>
-      <a:schemeClr val="accent4"/>
-    </dgm:linClrLst>
-    <dgm:effectClrLst/>
-    <dgm:txLinClrLst/>
-    <dgm:txFillClrLst meth="repeat">
-      <a:schemeClr val="dk1"/>
-    </dgm:txFillClrLst>
-    <dgm:txEffectClrLst/>
-  </dgm:styleLbl>
-  <dgm:styleLbl name="bgShp">
-    <dgm:fillClrLst meth="repeat">
-      <a:schemeClr val="accent2">
-        <a:tint val="40000"/>
-      </a:schemeClr>
-    </dgm:fillClrLst>
-    <dgm:linClrLst meth="repeat">
-      <a:schemeClr val="dk1"/>
-    </dgm:linClrLst>
-    <dgm:effectClrLst/>
-    <dgm:txLinClrLst/>
-    <dgm:txFillClrLst meth="repeat">
-      <a:schemeClr val="dk1"/>
-    </dgm:txFillClrLst>
-    <dgm:txEffectClrLst/>
-  </dgm:styleLbl>
-  <dgm:styleLbl name="dkBgShp">
-    <dgm:fillClrLst meth="repeat">
-      <a:schemeClr val="accent2">
-        <a:shade val="90000"/>
-      </a:schemeClr>
-    </dgm:fillClrLst>
-    <dgm:linClrLst meth="repeat">
-      <a:schemeClr val="dk1"/>
-    </dgm:linClrLst>
-    <dgm:effectClrLst/>
-    <dgm:txLinClrLst/>
-    <dgm:txFillClrLst meth="repeat">
-      <a:schemeClr val="lt1"/>
-    </dgm:txFillClrLst>
-    <dgm:txEffectClrLst/>
-  </dgm:styleLbl>
-  <dgm:styleLbl name="trBgShp">
-    <dgm:fillClrLst meth="repeat">
-      <a:schemeClr val="accent1">
-        <a:tint val="50000"/>
-        <a:alpha val="40000"/>
-      </a:schemeClr>
-    </dgm:fillClrLst>
-    <dgm:linClrLst meth="repeat">
-      <a:schemeClr val="accent2"/>
-    </dgm:linClrLst>
-    <dgm:effectClrLst/>
-    <dgm:txLinClrLst/>
-    <dgm:txFillClrLst meth="repeat">
-      <a:schemeClr val="lt1"/>
-    </dgm:txFillClrLst>
-    <dgm:txEffectClrLst/>
-  </dgm:styleLbl>
-  <dgm:styleLbl name="fgShp">
-    <dgm:fillClrLst meth="repeat">
-      <a:schemeClr val="accent2">
-        <a:tint val="40000"/>
-      </a:schemeClr>
-    </dgm:fillClrLst>
-    <dgm:linClrLst meth="repeat">
-      <a:schemeClr val="lt1"/>
-    </dgm:linClrLst>
-    <dgm:effectClrLst/>
-    <dgm:txLinClrLst/>
-    <dgm:txFillClrLst meth="repeat">
-      <a:schemeClr val="dk1"/>
-    </dgm:txFillClrLst>
-    <dgm:txEffectClrLst/>
-  </dgm:styleLbl>
-  <dgm:styleLbl name="revTx">
-    <dgm:fillClrLst meth="repeat">
-      <a:schemeClr val="lt1">
-        <a:alpha val="0"/>
-      </a:schemeClr>
-    </dgm:fillClrLst>
-    <dgm:linClrLst meth="repeat">
-      <a:schemeClr val="dk1">
-        <a:alpha val="0"/>
-      </a:schemeClr>
-    </dgm:linClrLst>
-    <dgm:effectClrLst/>
-    <dgm:txLinClrLst/>
-    <dgm:txFillClrLst meth="repeat">
-      <a:schemeClr val="tx1"/>
-    </dgm:txFillClrLst>
-    <dgm:txEffectClrLst/>
-  </dgm:styleLbl>
-</dgm:colorsDef>
-</file>
-
-<file path=ppt/diagrams/data1.xml><?xml version="1.0" encoding="utf-8"?>
-<dgm:dataModel xmlns:dgm="http://schemas.openxmlformats.org/drawingml/2006/diagram" xmlns:a="http://schemas.openxmlformats.org/drawingml/2006/main">
-  <dgm:ptLst>
-    <dgm:pt modelId="{CD7942A0-B7D2-4B14-8FEA-55FC702F5BE7}" type="doc">
-      <dgm:prSet loTypeId="urn:microsoft.com/office/officeart/2005/8/layout/vProcess5" loCatId="process" qsTypeId="urn:microsoft.com/office/officeart/2005/8/quickstyle/simple4" qsCatId="simple" csTypeId="urn:microsoft.com/office/officeart/2005/8/colors/colorful1" csCatId="colorful" phldr="1"/>
-      <dgm:spPr/>
-      <dgm:t>
-        <a:bodyPr/>
-        <a:lstStyle/>
-        <a:p>
-          <a:endParaRPr lang="en-US"/>
-        </a:p>
-      </dgm:t>
-    </dgm:pt>
-    <dgm:pt modelId="{1D84D8B6-AB32-4491-B5D2-EFE3D7668B88}" type="pres">
-      <dgm:prSet presAssocID="{CD7942A0-B7D2-4B14-8FEA-55FC702F5BE7}" presName="outerComposite" presStyleCnt="0">
-        <dgm:presLayoutVars>
-          <dgm:chMax val="5"/>
-          <dgm:dir/>
-          <dgm:resizeHandles val="exact"/>
-        </dgm:presLayoutVars>
-      </dgm:prSet>
-      <dgm:spPr/>
-    </dgm:pt>
-    <dgm:pt modelId="{3E0E8213-E460-4EB7-9A92-C2B1CC553F0D}" type="pres">
-      <dgm:prSet presAssocID="{CD7942A0-B7D2-4B14-8FEA-55FC702F5BE7}" presName="dummyMaxCanvas" presStyleCnt="0">
-        <dgm:presLayoutVars/>
-      </dgm:prSet>
-      <dgm:spPr/>
-    </dgm:pt>
-  </dgm:ptLst>
-  <dgm:cxnLst>
-    <dgm:cxn modelId="{C2D0E194-BD14-4AD2-9E3A-CE984C34B6CD}" type="presOf" srcId="{CD7942A0-B7D2-4B14-8FEA-55FC702F5BE7}" destId="{1D84D8B6-AB32-4491-B5D2-EFE3D7668B88}" srcOrd="0" destOrd="0" presId="urn:microsoft.com/office/officeart/2005/8/layout/vProcess5"/>
-    <dgm:cxn modelId="{768DB908-A4BF-48A6-A740-5DD0CBAFBB11}" type="presParOf" srcId="{1D84D8B6-AB32-4491-B5D2-EFE3D7668B88}" destId="{3E0E8213-E460-4EB7-9A92-C2B1CC553F0D}" srcOrd="0" destOrd="0" presId="urn:microsoft.com/office/officeart/2005/8/layout/vProcess5"/>
-  </dgm:cxnLst>
-  <dgm:bg/>
-  <dgm:whole/>
-  <dgm:extLst>
-    <a:ext uri="http://schemas.microsoft.com/office/drawing/2008/diagram">
-      <dsp:dataModelExt xmlns:dsp="http://schemas.microsoft.com/office/drawing/2008/diagram" relId="rId7" minVer="http://schemas.openxmlformats.org/drawingml/2006/diagram"/>
-    </a:ext>
-  </dgm:extLst>
-</dgm:dataModel>
-</file>
-
-<file path=ppt/diagrams/drawing1.xml><?xml version="1.0" encoding="utf-8"?>
-<dsp:drawing xmlns:dgm="http://schemas.openxmlformats.org/drawingml/2006/diagram" xmlns:dsp="http://schemas.microsoft.com/office/drawing/2008/diagram" xmlns:a="http://schemas.openxmlformats.org/drawingml/2006/main">
-  <dsp:spTree>
-    <dsp:nvGrpSpPr>
-      <dsp:cNvPr id="0" name=""/>
-      <dsp:cNvGrpSpPr/>
-    </dsp:nvGrpSpPr>
-    <dsp:grpSpPr/>
-  </dsp:spTree>
-</dsp:drawing>
-</file>
-
-<file path=ppt/diagrams/layout1.xml><?xml version="1.0" encoding="utf-8"?>
-<dgm:layoutDef xmlns:dgm="http://schemas.openxmlformats.org/drawingml/2006/diagram" xmlns:a="http://schemas.openxmlformats.org/drawingml/2006/main" uniqueId="urn:microsoft.com/office/officeart/2005/8/layout/vProcess5">
-  <dgm:title val=""/>
-  <dgm:desc val=""/>
-  <dgm:catLst>
-    <dgm:cat type="process" pri="14000"/>
-  </dgm:catLst>
-  <dgm:sampData>
-    <dgm:dataModel>
-      <dgm:ptLst>
-        <dgm:pt modelId="0" type="doc"/>
-        <dgm:pt modelId="1">
-          <dgm:prSet phldr="1"/>
-        </dgm:pt>
-        <dgm:pt modelId="2">
-          <dgm:prSet phldr="1"/>
-        </dgm:pt>
-        <dgm:pt modelId="3">
-          <dgm:prSet phldr="1"/>
-        </dgm:pt>
-      </dgm:ptLst>
-      <dgm:cxnLst>
-        <dgm:cxn modelId="5" srcId="0" destId="1" srcOrd="0" destOrd="0"/>
-        <dgm:cxn modelId="6" srcId="0" destId="2" srcOrd="1" destOrd="0"/>
-        <dgm:cxn modelId="7" srcId="0" destId="3" srcOrd="2" destOrd="0"/>
-      </dgm:cxnLst>
-      <dgm:bg/>
-      <dgm:whole/>
-    </dgm:dataModel>
-  </dgm:sampData>
-  <dgm:styleData>
-    <dgm:dataModel>
-      <dgm:ptLst>
-        <dgm:pt modelId="0" type="doc"/>
-        <dgm:pt modelId="1"/>
-        <dgm:pt modelId="2"/>
-      </dgm:ptLst>
-      <dgm:cxnLst>
-        <dgm:cxn modelId="3" srcId="0" destId="1" srcOrd="0" destOrd="0"/>
-        <dgm:cxn modelId="4" srcId="0" destId="2" srcOrd="1" destOrd="0"/>
-      </dgm:cxnLst>
-      <dgm:bg/>
-      <dgm:whole/>
-    </dgm:dataModel>
-  </dgm:styleData>
-  <dgm:clrData>
-    <dgm:dataModel>
-      <dgm:ptLst>
-        <dgm:pt modelId="0" type="doc"/>
-        <dgm:pt modelId="1"/>
-        <dgm:pt modelId="2"/>
-        <dgm:pt modelId="3"/>
-        <dgm:pt modelId="4"/>
-      </dgm:ptLst>
-      <dgm:cxnLst>
-        <dgm:cxn modelId="6" srcId="0" destId="1" srcOrd="0" destOrd="0"/>
-        <dgm:cxn modelId="7" srcId="0" destId="2" srcOrd="1" destOrd="0"/>
-        <dgm:cxn modelId="8" srcId="0" destId="3" srcOrd="2" destOrd="0"/>
-        <dgm:cxn modelId="9" srcId="0" destId="4" srcOrd="3" destOrd="0"/>
-      </dgm:cxnLst>
-      <dgm:bg/>
-      <dgm:whole/>
-    </dgm:dataModel>
-  </dgm:clrData>
-  <dgm:layoutNode name="outerComposite">
-    <dgm:varLst>
-      <dgm:chMax val="5"/>
-      <dgm:dir/>
-      <dgm:resizeHandles val="exact"/>
-    </dgm:varLst>
-    <dgm:alg type="composite"/>
-    <dgm:shape xmlns:r="http://schemas.openxmlformats.org/officeDocument/2006/relationships" r:blip="">
-      <dgm:adjLst/>
-    </dgm:shape>
-    <dgm:presOf/>
-    <dgm:choose name="Name0">
-      <dgm:if name="Name1" func="var" arg="dir" op="equ" val="norm">
-        <dgm:constrLst>
-          <dgm:constr type="primFontSz" for="ch" ptType="node" op="equ" val="65"/>
-          <dgm:constr type="w" for="ch" forName="dummyMaxCanvas" refType="w"/>
-          <dgm:constr type="h" for="ch" forName="dummyMaxCanvas" refType="h"/>
-          <dgm:constr type="w" for="ch" forName="OneNode_1" refType="w"/>
-          <dgm:constr type="h" for="ch" forName="OneNode_1" refType="h" fact="0.5"/>
-          <dgm:constr type="ctrY" for="ch" forName="OneNode_1" refType="h" fact="0.5"/>
-          <dgm:constr type="w" for="ch" forName="TwoNodes_1" refType="w" fact="0.85"/>
-          <dgm:constr type="h" for="ch" forName="TwoNodes_1" refType="h" fact="0.45"/>
-          <dgm:constr type="t" for="ch" forName="TwoNodes_1"/>
-          <dgm:constr type="l" for="ch" forName="TwoNodes_1"/>
-          <dgm:constr type="w" for="ch" forName="TwoNodes_2" refType="w" fact="0.85"/>
-          <dgm:constr type="h" for="ch" forName="TwoNodes_2" refType="h" fact="0.45"/>
-          <dgm:constr type="b" for="ch" forName="TwoNodes_2" refType="h"/>
-          <dgm:constr type="r" for="ch" forName="TwoNodes_2" refType="w"/>
-          <dgm:constr type="w" for="ch" forName="TwoConn_1-2" refType="h" refFor="ch" refForName="TwoNodes_1" fact="0.65"/>
-          <dgm:constr type="h" for="ch" forName="TwoConn_1-2" refType="h" refFor="ch" refForName="TwoNodes_1" fact="0.65"/>
-          <dgm:constr type="ctrY" for="ch" forName="TwoConn_1-2" refType="h" fact="0.5"/>
-          <dgm:constr type="r" for="ch" forName="TwoConn_1-2" refType="r" refFor="ch" refForName="TwoNodes_1"/>
-          <dgm:constr type="r" for="ch" forName="TwoNodes_1_text" refType="l" refFor="ch" refForName="TwoConn_1-2"/>
-          <dgm:constr type="rOff" for="ch" forName="TwoNodes_1_text" refType="w" refFor="ch" refForName="TwoConn_1-2" fact="-0.5"/>
-          <dgm:constr type="t" for="ch" forName="TwoNodes_1_text" refType="t" refFor="ch" refForName="TwoNodes_1"/>
-          <dgm:constr type="b" for="ch" forName="TwoNodes_1_text" refType="b" refFor="ch" refForName="TwoNodes_1"/>
-          <dgm:constr type="l" for="ch" forName="TwoNodes_1_text" refType="l" refFor="ch" refForName="TwoNodes_1"/>
-          <dgm:constr type="r" for="ch" forName="TwoNodes_2_text" refType="l" refFor="ch" refForName="TwoConn_1-2"/>
-          <dgm:constr type="t" for="ch" forName="TwoNodes_2_text" refType="t" refFor="ch" refForName="TwoNodes_2"/>
-          <dgm:constr type="b" for="ch" forName="TwoNodes_2_text" refType="b" refFor="ch" refForName="TwoNodes_2"/>
-          <dgm:constr type="l" for="ch" forName="TwoNodes_2_text" refType="l" refFor="ch" refForName="TwoNodes_2"/>
-          <dgm:constr type="w" for="ch" forName="ThreeNodes_1" refType="w" fact="0.85"/>
-          <dgm:constr type="h" for="ch" forName="ThreeNodes_1" refType="h" fact="0.3"/>
-          <dgm:constr type="t" for="ch" forName="ThreeNodes_1"/>
-          <dgm:constr type="l" for="ch" forName="ThreeNodes_1"/>
-          <dgm:constr type="w" for="ch" forName="ThreeNodes_2" refType="w" fact="0.85"/>
-          <dgm:constr type="h" for="ch" forName="ThreeNodes_2" refType="h" fact="0.3"/>
-          <dgm:constr type="ctrY" for="ch" forName="ThreeNodes_2" refType="h" fact="0.5"/>
-          <dgm:constr type="ctrX" for="ch" forName="ThreeNodes_2" refType="w" fact="0.5"/>
-          <dgm:constr type="w" for="ch" forName="ThreeNodes_3" refType="w" fact="0.85"/>
-          <dgm:constr type="h" for="ch" forName="ThreeNodes_3" refType="h" fact="0.3"/>
-          <dgm:constr type="b" for="ch" forName="ThreeNodes_3" refType="h"/>
-          <dgm:constr type="r" for="ch" forName="ThreeNodes_3" refType="w"/>
-          <dgm:constr type="w" for="ch" forName="ThreeConn_1-2" refType="h" refFor="ch" refForName="ThreeNodes_1" fact="0.65"/>
-          <dgm:constr type="h" for="ch" forName="ThreeConn_1-2" refType="h" refFor="ch" refForName="ThreeNodes_1" fact="0.65"/>
-          <dgm:constr type="ctrY" for="ch" forName="ThreeConn_1-2" refType="h" fact="0.325"/>
-          <dgm:constr type="r" for="ch" forName="ThreeConn_1-2" refType="r" refFor="ch" refForName="ThreeNodes_1"/>
-          <dgm:constr type="w" for="ch" forName="ThreeConn_2-3" refType="h" refFor="ch" refForName="ThreeNodes_2" fact="0.65"/>
-          <dgm:constr type="h" for="ch" forName="ThreeConn_2-3" refType="h" refFor="ch" refForName="ThreeNodes_2" fact="0.65"/>
-          <dgm:constr type="ctrY" for="ch" forName="ThreeConn_2-3" refType="h" fact="0.673"/>
-          <dgm:constr type="r" for="ch" forName="ThreeConn_2-3" refType="r" refFor="ch" refForName="ThreeNodes_2"/>
-          <dgm:constr type="r" for="ch" forName="ThreeNodes_1_text" refType="l" refFor="ch" refForName="ThreeConn_1-2"/>
-          <dgm:constr type="rOff" for="ch" forName="ThreeNodes_1_text" refType="w" refFor="ch" refForName="ThreeConn_1-2" fact="-0.57"/>
-          <dgm:constr type="t" for="ch" forName="ThreeNodes_1_text" refType="t" refFor="ch" refForName="ThreeNodes_1"/>
-          <dgm:constr type="b" for="ch" forName="ThreeNodes_1_text" refType="b" refFor="ch" refForName="ThreeNodes_1"/>
-          <dgm:constr type="l" for="ch" forName="ThreeNodes_1_text" refType="l" refFor="ch" refForName="ThreeNodes_1"/>
-          <dgm:constr type="r" for="ch" forName="ThreeNodes_2_text" refType="l" refFor="ch" refForName="ThreeConn_1-2"/>
-          <dgm:constr type="t" for="ch" forName="ThreeNodes_2_text" refType="t" refFor="ch" refForName="ThreeNodes_2"/>
-          <dgm:constr type="b" for="ch" forName="ThreeNodes_2_text" refType="b" refFor="ch" refForName="ThreeNodes_2"/>
-          <dgm:constr type="l" for="ch" forName="ThreeNodes_2_text" refType="l" refFor="ch" refForName="ThreeNodes_2"/>
-          <dgm:constr type="r" for="ch" forName="ThreeNodes_3_text" refType="l" refFor="ch" refForName="ThreeConn_2-3"/>
-          <dgm:constr type="t" for="ch" forName="ThreeNodes_3_text" refType="t" refFor="ch" refForName="ThreeNodes_3"/>
-          <dgm:constr type="b" for="ch" forName="ThreeNodes_3_text" refType="b" refFor="ch" refForName="ThreeNodes_3"/>
-          <dgm:constr type="l" for="ch" forName="ThreeNodes_3_text" refType="l" refFor="ch" refForName="ThreeNodes_3"/>
-          <dgm:constr type="w" for="ch" forName="FourNodes_1" refType="w" fact="0.8"/>
-          <dgm:constr type="h" for="ch" forName="FourNodes_1" refType="h" fact="0.22"/>
-          <dgm:constr type="t" for="ch" forName="FourNodes_1"/>
-          <dgm:constr type="l" for="ch" forName="FourNodes_1"/>
-          <dgm:constr type="w" for="ch" forName="FourNodes_2" refType="w" fact="0.8"/>
-          <dgm:constr type="h" for="ch" forName="FourNodes_2" refType="h" fact="0.22"/>
-          <dgm:constr type="ctrY" for="ch" forName="FourNodes_2" refType="h" fact="0.37"/>
-          <dgm:constr type="ctrX" for="ch" forName="FourNodes_2" refType="w" fact="0.467"/>
-          <dgm:constr type="w" for="ch" forName="FourNodes_3" refType="w" fact="0.8"/>
-          <dgm:constr type="h" for="ch" forName="FourNodes_3" refType="h" fact="0.22"/>
-          <dgm:constr type="ctrY" for="ch" forName="FourNodes_3" refType="h" fact="0.63"/>
-          <dgm:constr type="ctrX" for="ch" forName="FourNodes_3" refType="w" fact="0.533"/>
-          <dgm:constr type="w" for="ch" forName="FourNodes_4" refType="w" fact="0.8"/>
-          <dgm:constr type="h" for="ch" forName="FourNodes_4" refType="h" fact="0.22"/>
-          <dgm:constr type="b" for="ch" forName="FourNodes_4" refType="h"/>
-          <dgm:constr type="r" for="ch" forName="FourNodes_4" refType="w"/>
-          <dgm:constr type="w" for="ch" forName="FourConn_1-2" refType="h" refFor="ch" refForName="FourNodes_1" fact="0.65"/>
-          <dgm:constr type="h" for="ch" forName="FourConn_1-2" refType="h" refFor="ch" refForName="FourNodes_1" fact="0.65"/>
-          <dgm:constr type="ctrY" for="ch" forName="FourConn_1-2" refType="h" fact="0.24"/>
-          <dgm:constr type="r" for="ch" forName="FourConn_1-2" refType="r" refFor="ch" refForName="FourNodes_1"/>
-          <dgm:constr type="w" for="ch" forName="FourConn_2-3" refType="h" refFor="ch" refForName="FourNodes_2" fact="0.65"/>
-          <dgm:constr type="h" for="ch" forName="FourConn_2-3" refType="h" refFor="ch" refForName="FourNodes_2" fact="0.65"/>
-          <dgm:constr type="ctrY" for="ch" forName="FourConn_2-3" refType="h" fact="0.5"/>
-          <dgm:constr type="r" for="ch" forName="FourConn_2-3" refType="r" refFor="ch" refForName="FourNodes_2"/>
-          <dgm:constr type="w" for="ch" forName="FourConn_3-4" refType="h" refFor="ch" refForName="FourNodes_3" fact="0.65"/>
-          <dgm:constr type="h" for="ch" forName="FourConn_3-4" refType="h" refFor="ch" refForName="FourNodes_3" fact="0.65"/>
-          <dgm:constr type="ctrY" for="ch" forName="FourConn_3-4" refType="h" fact="0.76"/>
-          <dgm:constr type="r" for="ch" forName="FourConn_3-4" refType="r" refFor="ch" refForName="FourNodes_3"/>
-          <dgm:constr type="r" for="ch" forName="FourNodes_1_text" refType="l" refFor="ch" refForName="FourConn_1-2"/>
-          <dgm:constr type="rOff" for="ch" forName="FourNodes_1_text" refType="w" refFor="ch" refForName="FourConn_1-2" fact="-0.7"/>
-          <dgm:constr type="t" for="ch" forName="FourNodes_1_text" refType="t" refFor="ch" refForName="FourNodes_1"/>
-          <dgm:constr type="b" for="ch" forName="FourNodes_1_text" refType="b" refFor="ch" refForName="FourNodes_1"/>
-          <dgm:constr type="l" for="ch" forName="FourNodes_1_text" refType="l" refFor="ch" refForName="FourNodes_1"/>
-          <dgm:constr type="r" for="ch" forName="FourNodes_2_text" refType="l" refFor="ch" refForName="FourConn_1-2"/>
-          <dgm:constr type="t" for="ch" forName="FourNodes_2_text" refType="t" refFor="ch" refForName="FourNodes_2"/>
-          <dgm:constr type="b" for="ch" forName="FourNodes_2_text" refType="b" refFor="ch" refForName="FourNodes_2"/>
-          <dgm:constr type="l" for="ch" forName="FourNodes_2_text" refType="l" refFor="ch" refForName="FourNodes_2"/>
-          <dgm:constr type="r" for="ch" forName="FourNodes_3_text" refType="l" refFor="ch" refForName="FourConn_2-3"/>
-          <dgm:constr type="t" for="ch" forName="FourNodes_3_text" refType="t" refFor="ch" refForName="FourNodes_3"/>
-          <dgm:constr type="b" for="ch" forName="FourNodes_3_text" refType="b" refFor="ch" refForName="FourNodes_3"/>
-          <dgm:constr type="l" for="ch" forName="FourNodes_3_text" refType="l" refFor="ch" refForName="FourNodes_3"/>
-          <dgm:constr type="r" for="ch" forName="FourNodes_4_text" refType="l" refFor="ch" refForName="FourConn_3-4"/>
-          <dgm:constr type="t" for="ch" forName="FourNodes_4_text" refType="t" refFor="ch" refForName="FourNodes_4"/>
-          <dgm:constr type="b" for="ch" forName="FourNodes_4_text" refType="b" refFor="ch" refForName="FourNodes_4"/>
-          <dgm:constr type="l" for="ch" forName="FourNodes_4_text" refType="l" refFor="ch" refForName="FourNodes_4"/>
-          <dgm:constr type="w" for="ch" forName="FiveNodes_1" refType="w" fact="0.77"/>
-          <dgm:constr type="h" for="ch" forName="FiveNodes_1" refType="h" fact="0.18"/>
-          <dgm:constr type="t" for="ch" forName="FiveNodes_1"/>
-          <dgm:constr type="l" for="ch" forName="FiveNodes_1"/>
-          <dgm:constr type="w" for="ch" forName="FiveNodes_2" refType="w" fact="0.77"/>
-          <dgm:constr type="h" for="ch" forName="FiveNodes_2" refType="h" fact="0.18"/>
-          <dgm:constr type="ctrY" for="ch" forName="FiveNodes_2" refType="h" fact="0.295"/>
-          <dgm:constr type="ctrX" for="ch" forName="FiveNodes_2" refType="w" fact="0.4425"/>
-          <dgm:constr type="w" for="ch" forName="FiveNodes_3" refType="w" fact="0.77"/>
-          <dgm:constr type="h" for="ch" forName="FiveNodes_3" refType="h" fact="0.18"/>
-          <dgm:constr type="ctrY" for="ch" forName="FiveNodes_3" refType="h" fact="0.5"/>
-          <dgm:constr type="ctrX" for="ch" forName="FiveNodes_3" refType="w" fact="0.5"/>
-          <dgm:constr type="w" for="ch" forName="FiveNodes_4" refType="w" fact="0.77"/>
-          <dgm:constr type="h" for="ch" forName="FiveNodes_4" refType="h" fact="0.18"/>
-          <dgm:constr type="ctrY" for="ch" forName="FiveNodes_4" refType="h" fact="0.705"/>
-          <dgm:constr type="ctrX" for="ch" forName="FiveNodes_4" refType="w" fact="0.5575"/>
-          <dgm:constr type="w" for="ch" forName="FiveNodes_5" refType="w" fact="0.77"/>
-          <dgm:constr type="h" for="ch" forName="FiveNodes_5" refType="h" fact="0.18"/>
-          <dgm:constr type="b" for="ch" forName="FiveNodes_5" refType="h"/>
-          <dgm:constr type="r" for="ch" forName="FiveNodes_5" refType="w"/>
-          <dgm:constr type="w" for="ch" forName="FiveConn_1-2" refType="h" refFor="ch" refForName="FiveNodes_1" fact="0.65"/>
-          <dgm:constr type="h" for="ch" forName="FiveConn_1-2" refType="h" refFor="ch" refForName="FiveNodes_1" fact="0.65"/>
-          <dgm:constr type="ctrY" for="ch" forName="FiveConn_1-2" refType="h" fact="0.19"/>
-          <dgm:constr type="r" for="ch" forName="FiveConn_1-2" refType="r" refFor="ch" refForName="FiveNodes_1"/>
-          <dgm:constr type="w" for="ch" forName="FiveConn_2-3" refType="h" refFor="ch" refForName="FiveNodes_2" fact="0.65"/>
-          <dgm:constr type="h" for="ch" forName="FiveConn_2-3" refType="h" refFor="ch" refForName="FiveNodes_2" fact="0.65"/>
-          <dgm:constr type="ctrY" for="ch" forName="FiveConn_2-3" refType="h" fact="0.395"/>
-          <dgm:constr type="r" for="ch" forName="FiveConn_2-3" refType="r" refFor="ch" refForName="FiveNodes_2"/>
-          <dgm:constr type="w" for="ch" forName="FiveConn_3-4" refType="h" refFor="ch" refForName="FiveNodes_3" fact="0.65"/>
-          <dgm:constr type="h" for="ch" forName="FiveConn_3-4" refType="h" refFor="ch" refForName="FiveNodes_3" fact="0.65"/>
-          <dgm:constr type="ctrY" for="ch" forName="FiveConn_3-4" refType="h" fact="0.597"/>
-          <dgm:constr type="r" for="ch" forName="FiveConn_3-4" refType="r" refFor="ch" refForName="FiveNodes_3"/>
-          <dgm:constr type="w" for="ch" forName="FiveConn_4-5" refType="h" refFor="ch" refForName="FiveNodes_4" fact="0.65"/>
-          <dgm:constr type="h" for="ch" forName="FiveConn_4-5" refType="h" refFor="ch" refForName="FiveNodes_4" fact="0.65"/>
-          <dgm:constr type="ctrY" for="ch" forName="FiveConn_4-5" refType="h" fact="0.804"/>
-          <dgm:constr type="r" for="ch" forName="FiveConn_4-5" refType="r" refFor="ch" refForName="FiveNodes_4"/>
-          <dgm:constr type="r" for="ch" forName="FiveNodes_1_text" refType="l" refFor="ch" refForName="FiveConn_1-2"/>
-          <dgm:constr type="rOff" for="ch" forName="FiveNodes_1_text" refType="w" refFor="ch" refForName="FiveConn_1-2" fact="-0.75"/>
-          <dgm:constr type="t" for="ch" forName="FiveNodes_1_text" refType="t" refFor="ch" refForName="FiveNodes_1"/>
-          <dgm:constr type="b" for="ch" forName="FiveNodes_1_text" refType="b" refFor="ch" refForName="FiveNodes_1"/>
-          <dgm:constr type="l" for="ch" forName="FiveNodes_1_text" refType="l" refFor="ch" refForName="FiveNodes_1"/>
-          <dgm:constr type="r" for="ch" forName="FiveNodes_2_text" refType="l" refFor="ch" refForName="FiveConn_1-2"/>
-          <dgm:constr type="t" for="ch" forName="FiveNodes_2_text" refType="t" refFor="ch" refForName="FiveNodes_2"/>
-          <dgm:constr type="b" for="ch" forName="FiveNodes_2_text" refType="b" refFor="ch" refForName="FiveNodes_2"/>
-          <dgm:constr type="l" for="ch" forName="FiveNodes_2_text" refType="l" refFor="ch" refForName="FiveNodes_2"/>
-          <dgm:constr type="r" for="ch" forName="FiveNodes_3_text" refType="l" refFor="ch" refForName="FiveConn_2-3"/>
-          <dgm:constr type="t" for="ch" forName="FiveNodes_3_text" refType="t" refFor="ch" refForName="FiveNodes_3"/>
-          <dgm:constr type="b" for="ch" forName="FiveNodes_3_text" refType="b" refFor="ch" refForName="FiveNodes_3"/>
-          <dgm:constr type="l" for="ch" forName="FiveNodes_3_text" refType="l" refFor="ch" refForName="FiveNodes_3"/>
-          <dgm:constr type="r" for="ch" forName="FiveNodes_4_text" refType="l" refFor="ch" refForName="FiveConn_3-4"/>
-          <dgm:constr type="t" for="ch" forName="FiveNodes_4_text" refType="t" refFor="ch" refForName="FiveNodes_4"/>
-          <dgm:constr type="b" for="ch" forName="FiveNodes_4_text" refType="b" refFor="ch" refForName="FiveNodes_4"/>
-          <dgm:constr type="l" for="ch" forName="FiveNodes_4_text" refType="l" refFor="ch" refForName="FiveNodes_4"/>
-          <dgm:constr type="r" for="ch" forName="FiveNodes_5_text" refType="l" refFor="ch" refForName="FiveConn_4-5"/>
-          <dgm:constr type="t" for="ch" forName="FiveNodes_5_text" refType="t" refFor="ch" refForName="FiveNodes_5"/>
-          <dgm:constr type="b" for="ch" forName="FiveNodes_5_text" refType="b" refFor="ch" refForName="FiveNodes_5"/>
-          <dgm:constr type="l" for="ch" forName="FiveNodes_5_text" refType="l" refFor="ch" refForName="FiveNodes_5"/>
-        </dgm:constrLst>
-      </dgm:if>
-      <dgm:else name="Name2">
-        <dgm:constrLst>
-          <dgm:constr type="primFontSz" for="ch" ptType="node" op="equ" val="65"/>
-          <dgm:constr type="w" for="ch" forName="dummyMaxCanvas" refType="w"/>
-          <dgm:constr type="h" for="ch" forName="dummyMaxCanvas" refType="h"/>
-          <dgm:constr type="w" for="ch" forName="OneNode_1" refType="w"/>
-          <dgm:constr type="h" for="ch" forName="OneNode_1" refType="h" fact="0.5"/>
-          <dgm:constr type="ctrY" for="ch" forName="OneNode_1" refType="h" fact="0.5"/>
-          <dgm:constr type="w" for="ch" forName="TwoNodes_1" refType="w" fact="0.85"/>
-          <dgm:constr type="h" for="ch" forName="TwoNodes_1" refType="h" fact="0.45"/>
-          <dgm:constr type="t" for="ch" forName="TwoNodes_1"/>
-          <dgm:constr type="r" for="ch" forName="TwoNodes_1" refType="w"/>
-          <dgm:constr type="w" for="ch" forName="TwoNodes_2" refType="w" fact="0.85"/>
-          <dgm:constr type="h" for="ch" forName="TwoNodes_2" refType="h" fact="0.45"/>
-          <dgm:constr type="b" for="ch" forName="TwoNodes_2" refType="h"/>
-          <dgm:constr type="l" for="ch" forName="TwoNodes_2"/>
-          <dgm:constr type="w" for="ch" forName="TwoConn_1-2" refType="h" refFor="ch" refForName="TwoNodes_1" fact="0.65"/>
-          <dgm:constr type="h" for="ch" forName="TwoConn_1-2" refType="h" refFor="ch" refForName="TwoNodes_1" fact="0.65"/>
-          <dgm:constr type="ctrY" for="ch" forName="TwoConn_1-2" refType="h" fact="0.5"/>
-          <dgm:constr type="l" for="ch" forName="TwoConn_1-2" refType="l" refFor="ch" refForName="TwoNodes_1"/>
-          <dgm:constr type="l" for="ch" forName="TwoNodes_1_text" refType="r" refFor="ch" refForName="TwoConn_1-2"/>
-          <dgm:constr type="lOff" for="ch" forName="TwoNodes_1_text" refType="w" refFor="ch" refForName="TwoConn_1-2" fact="0.5"/>
-          <dgm:constr type="t" for="ch" forName="TwoNodes_1_text" refType="t" refFor="ch" refForName="TwoNodes_1"/>
-          <dgm:constr type="b" for="ch" forName="TwoNodes_1_text" refType="b" refFor="ch" refForName="TwoNodes_1"/>
-          <dgm:constr type="r" for="ch" forName="TwoNodes_1_text" refType="r" refFor="ch" refForName="TwoNodes_1"/>
-          <dgm:constr type="l" for="ch" forName="TwoNodes_2_text" refType="r" refFor="ch" refForName="TwoConn_1-2"/>
-          <dgm:constr type="t" for="ch" forName="TwoNodes_2_text" refType="t" refFor="ch" refForName="TwoNodes_2"/>
-          <dgm:constr type="b" for="ch" forName="TwoNodes_2_text" refType="b" refFor="ch" refForName="TwoNodes_2"/>
-          <dgm:constr type="r" for="ch" forName="TwoNodes_2_text" refType="r" refFor="ch" refForName="TwoNodes_2"/>
-          <dgm:constr type="w" for="ch" forName="ThreeNodes_1" refType="w" fact="0.85"/>
-          <dgm:constr type="h" for="ch" forName="ThreeNodes_1" refType="h" fact="0.3"/>
-          <dgm:constr type="t" for="ch" forName="ThreeNodes_1"/>
-          <dgm:constr type="r" for="ch" forName="ThreeNodes_1" refType="w"/>
-          <dgm:constr type="w" for="ch" forName="ThreeNodes_2" refType="w" fact="0.85"/>
-          <dgm:constr type="h" for="ch" forName="ThreeNodes_2" refType="h" fact="0.3"/>
-          <dgm:constr type="ctrY" for="ch" forName="ThreeNodes_2" refType="h" fact="0.5"/>
-          <dgm:constr type="ctrX" for="ch" forName="ThreeNodes_2" refType="w" fact="0.5"/>
-          <dgm:constr type="w" for="ch" forName="ThreeNodes_3" refType="w" fact="0.85"/>
-          <dgm:constr type="h" for="ch" forName="ThreeNodes_3" refType="h" fact="0.3"/>
-          <dgm:constr type="b" for="ch" forName="ThreeNodes_3" refType="h"/>
-          <dgm:constr type="l" for="ch" forName="ThreeNodes_3"/>
-          <dgm:constr type="w" for="ch" forName="ThreeConn_1-2" refType="h" refFor="ch" refForName="ThreeNodes_1" fact="0.65"/>
-          <dgm:constr type="h" for="ch" forName="ThreeConn_1-2" refType="h" refFor="ch" refForName="ThreeNodes_1" fact="0.65"/>
-          <dgm:constr type="ctrY" for="ch" forName="ThreeConn_1-2" refType="h" fact="0.325"/>
-          <dgm:constr type="l" for="ch" forName="ThreeConn_1-2" refType="l" refFor="ch" refForName="ThreeNodes_1"/>
-          <dgm:constr type="w" for="ch" forName="ThreeConn_2-3" refType="h" refFor="ch" refForName="ThreeNodes_2" fact="0.65"/>
-          <dgm:constr type="h" for="ch" forName="ThreeConn_2-3" refType="h" refFor="ch" refForName="ThreeNodes_2" fact="0.65"/>
-          <dgm:constr type="ctrY" for="ch" forName="ThreeConn_2-3" refType="h" fact="0.673"/>
-          <dgm:constr type="l" for="ch" forName="ThreeConn_2-3" refType="l" refFor="ch" refForName="ThreeNodes_2"/>
-          <dgm:constr type="l" for="ch" forName="ThreeNodes_1_text" refType="r" refFor="ch" refForName="ThreeConn_1-2"/>
-          <dgm:constr type="lOff" for="ch" forName="ThreeNodes_1_text" refType="w" refFor="ch" refForName="ThreeConn_1-2" fact="0.55"/>
-          <dgm:constr type="t" for="ch" forName="ThreeNodes_1_text" refType="t" refFor="ch" refForName="ThreeNodes_1"/>
-          <dgm:constr type="b" for="ch" forName="ThreeNodes_1_text" refType="b" refFor="ch" refForName="ThreeNodes_1"/>
-          <dgm:constr type="r" for="ch" forName="ThreeNodes_1_text" refType="r" refFor="ch" refForName="ThreeNodes_1"/>
-          <dgm:constr type="l" for="ch" forName="ThreeNodes_2_text" refType="r" refFor="ch" refForName="ThreeConn_1-2"/>
-          <dgm:constr type="t" for="ch" forName="ThreeNodes_2_text" refType="t" refFor="ch" refForName="ThreeNodes_2"/>
-          <dgm:constr type="b" for="ch" forName="ThreeNodes_2_text" refType="b" refFor="ch" refForName="ThreeNodes_2"/>
-          <dgm:constr type="r" for="ch" forName="ThreeNodes_2_text" refType="r" refFor="ch" refForName="ThreeNodes_2"/>
-          <dgm:constr type="l" for="ch" forName="ThreeNodes_3_text" refType="r" refFor="ch" refForName="ThreeConn_2-3"/>
-          <dgm:constr type="t" for="ch" forName="ThreeNodes_3_text" refType="t" refFor="ch" refForName="ThreeNodes_3"/>
-          <dgm:constr type="b" for="ch" forName="ThreeNodes_3_text" refType="b" refFor="ch" refForName="ThreeNodes_3"/>
-          <dgm:constr type="r" for="ch" forName="ThreeNodes_3_text" refType="r" refFor="ch" refForName="ThreeNodes_3"/>
-          <dgm:constr type="w" for="ch" forName="FourNodes_1" refType="w" fact="0.8"/>
-          <dgm:constr type="h" for="ch" forName="FourNodes_1" refType="h" fact="0.22"/>
-          <dgm:constr type="t" for="ch" forName="FourNodes_1"/>
-          <dgm:constr type="r" for="ch" forName="FourNodes_1" refType="w"/>
-          <dgm:constr type="w" for="ch" forName="FourNodes_2" refType="w" fact="0.8"/>
-          <dgm:constr type="h" for="ch" forName="FourNodes_2" refType="h" fact="0.22"/>
-          <dgm:constr type="ctrY" for="ch" forName="FourNodes_2" refType="h" fact="0.37"/>
-          <dgm:constr type="ctrX" for="ch" forName="FourNodes_2" refType="w" fact="0.533"/>
-          <dgm:constr type="w" for="ch" forName="FourNodes_3" refType="w" fact="0.8"/>
-          <dgm:constr type="h" for="ch" forName="FourNodes_3" refType="h" fact="0.22"/>
-          <dgm:constr type="ctrY" for="ch" forName="FourNodes_3" refType="h" fact="0.63"/>
-          <dgm:constr type="ctrX" for="ch" forName="FourNodes_3" refType="w" fact="0.467"/>
-          <dgm:constr type="w" for="ch" forName="FourNodes_4" refType="w" fact="0.8"/>
-          <dgm:constr type="h" for="ch" forName="FourNodes_4" refType="h" fact="0.22"/>
-          <dgm:constr type="b" for="ch" forName="FourNodes_4" refType="h"/>
-          <dgm:constr type="l" for="ch" forName="FourNodes_4"/>
-          <dgm:constr type="w" for="ch" forName="FourConn_1-2" refType="h" refFor="ch" refForName="FourNodes_1" fact="0.65"/>
-          <dgm:constr type="h" for="ch" forName="FourConn_1-2" refType="h" refFor="ch" refForName="FourNodes_1" fact="0.65"/>
-          <dgm:constr type="ctrY" for="ch" forName="FourConn_1-2" refType="h" fact="0.24"/>
-          <dgm:constr type="l" for="ch" forName="FourConn_1-2" refType="l" refFor="ch" refForName="FourNodes_1"/>
-          <dgm:constr type="w" for="ch" forName="FourConn_2-3" refType="h" refFor="ch" refForName="FourNodes_2" fact="0.65"/>
-          <dgm:constr type="h" for="ch" forName="FourConn_2-3" refType="h" refFor="ch" refForName="FourNodes_2" fact="0.65"/>
-          <dgm:constr type="ctrY" for="ch" forName="FourConn_2-3" refType="h" fact="0.5"/>
-          <dgm:constr type="l" for="ch" forName="FourConn_2-3" refType="l" refFor="ch" refForName="FourNodes_2"/>
-          <dgm:constr type="w" for="ch" forName="FourConn_3-4" refType="h" refFor="ch" refForName="FourNodes_3" fact="0.65"/>
-          <dgm:constr type="h" for="ch" forName="FourConn_3-4" refType="h" refFor="ch" refForName="FourNodes_3" fact="0.65"/>
-          <dgm:constr type="ctrY" for="ch" forName="FourConn_3-4" refType="h" fact="0.76"/>
-          <dgm:constr type="l" for="ch" forName="FourConn_3-4" refType="l" refFor="ch" refForName="FourNodes_3"/>
-          <dgm:constr type="l" for="ch" forName="FourNodes_1_text" refType="r" refFor="ch" refForName="FourConn_1-2"/>
-          <dgm:constr type="lOff" for="ch" forName="FourNodes_1_text" refType="w" refFor="ch" refForName="FourConn_1-2" fact="0.69"/>
-          <dgm:constr type="t" for="ch" forName="FourNodes_1_text" refType="t" refFor="ch" refForName="FourNodes_1"/>
-          <dgm:constr type="b" for="ch" forName="FourNodes_1_text" refType="b" refFor="ch" refForName="FourNodes_1"/>
-          <dgm:constr type="r" for="ch" forName="FourNodes_1_text" refType="r" refFor="ch" refForName="FourNodes_1"/>
-          <dgm:constr type="l" for="ch" forName="FourNodes_2_text" refType="r" refFor="ch" refForName="FourConn_1-2"/>
-          <dgm:constr type="t" for="ch" forName="FourNodes_2_text" refType="t" refFor="ch" refForName="FourNodes_2"/>
-          <dgm:constr type="b" for="ch" forName="FourNodes_2_text" refType="b" refFor="ch" refForName="FourNodes_2"/>
-          <dgm:constr type="r" for="ch" forName="FourNodes_2_text" refType="r" refFor="ch" refForName="FourNodes_2"/>
-          <dgm:constr type="l" for="ch" forName="FourNodes_3_text" refType="r" refFor="ch" refForName="FourConn_2-3"/>
-          <dgm:constr type="t" for="ch" forName="FourNodes_3_text" refType="t" refFor="ch" refForName="FourNodes_3"/>
-          <dgm:constr type="b" for="ch" forName="FourNodes_3_text" refType="b" refFor="ch" refForName="FourNodes_3"/>
-          <dgm:constr type="r" for="ch" forName="FourNodes_3_text" refType="r" refFor="ch" refForName="FourNodes_3"/>
-          <dgm:constr type="l" for="ch" forName="FourNodes_4_text" refType="r" refFor="ch" refForName="FourConn_3-4"/>
-          <dgm:constr type="t" for="ch" forName="FourNodes_4_text" refType="t" refFor="ch" refForName="FourNodes_4"/>
-          <dgm:constr type="b" for="ch" forName="FourNodes_4_text" refType="b" refFor="ch" refForName="FourNodes_4"/>
-          <dgm:constr type="r" for="ch" forName="FourNodes_4_text" refType="r" refFor="ch" refForName="FourNodes_4"/>
-          <dgm:constr type="w" for="ch" forName="FiveNodes_1" refType="w" fact="0.77"/>
-          <dgm:constr type="h" for="ch" forName="FiveNodes_1" refType="h" fact="0.18"/>
-          <dgm:constr type="t" for="ch" forName="FiveNodes_1"/>
-          <dgm:constr type="r" for="ch" forName="FiveNodes_1" refType="w"/>
-          <dgm:constr type="w" for="ch" forName="FiveNodes_2" refType="w" fact="0.77"/>
-          <dgm:constr type="h" for="ch" forName="FiveNodes_2" refType="h" fact="0.18"/>
-          <dgm:constr type="ctrY" for="ch" forName="FiveNodes_2" refType="h" fact="0.295"/>
-          <dgm:constr type="ctrX" for="ch" forName="FiveNodes_2" refType="w" fact="0.5575"/>
-          <dgm:constr type="w" for="ch" forName="FiveNodes_3" refType="w" fact="0.77"/>
-          <dgm:constr type="h" for="ch" forName="FiveNodes_3" refType="h" fact="0.18"/>
-          <dgm:constr type="ctrY" for="ch" forName="FiveNodes_3" refType="h" fact="0.5"/>
-          <dgm:constr type="ctrX" for="ch" forName="FiveNodes_3" refType="w" fact="0.5"/>
-          <dgm:constr type="w" for="ch" forName="FiveNodes_4" refType="w" fact="0.77"/>
-          <dgm:constr type="h" for="ch" forName="FiveNodes_4" refType="h" fact="0.18"/>
-          <dgm:constr type="ctrY" for="ch" forName="FiveNodes_4" refType="h" fact="0.705"/>
-          <dgm:constr type="ctrX" for="ch" forName="FiveNodes_4" refType="w" fact="0.4425"/>
-          <dgm:constr type="w" for="ch" forName="FiveNodes_5" refType="w" fact="0.77"/>
-          <dgm:constr type="h" for="ch" forName="FiveNodes_5" refType="h" fact="0.18"/>
-          <dgm:constr type="b" for="ch" forName="FiveNodes_5" refType="h"/>
-          <dgm:constr type="l" for="ch" forName="FiveNodes_5"/>
-          <dgm:constr type="w" for="ch" forName="FiveConn_1-2" refType="h" refFor="ch" refForName="FiveNodes_1" fact="0.65"/>
-          <dgm:constr type="h" for="ch" forName="FiveConn_1-2" refType="h" refFor="ch" refForName="FiveNodes_1" fact="0.65"/>
-          <dgm:constr type="ctrY" for="ch" forName="FiveConn_1-2" refType="h" fact="0.19"/>
-          <dgm:constr type="l" for="ch" forName="FiveConn_1-2" refType="l" refFor="ch" refForName="FiveNodes_1"/>
-          <dgm:constr type="w" for="ch" forName="FiveConn_2-3" refType="h" refFor="ch" refForName="FiveNodes_2" fact="0.65"/>
-          <dgm:constr type="h" for="ch" forName="FiveConn_2-3" refType="h" refFor="ch" refForName="FiveNodes_2" fact="0.65"/>
-          <dgm:constr type="ctrY" for="ch" forName="FiveConn_2-3" refType="h" fact="0.395"/>
-          <dgm:constr type="l" for="ch" forName="FiveConn_2-3" refType="l" refFor="ch" refForName="FiveNodes_2"/>
-          <dgm:constr type="w" for="ch" forName="FiveConn_3-4" refType="h" refFor="ch" refForName="FiveNodes_3" fact="0.65"/>
-          <dgm:constr type="h" for="ch" forName="FiveConn_3-4" refType="h" refFor="ch" refForName="FiveNodes_3" fact="0.65"/>
-          <dgm:constr type="ctrY" for="ch" forName="FiveConn_3-4" refType="h" fact="0.597"/>
-          <dgm:constr type="l" for="ch" forName="FiveConn_3-4" refType="l" refFor="ch" refForName="FiveNodes_3"/>
-          <dgm:constr type="w" for="ch" forName="FiveConn_4-5" refType="h" refFor="ch" refForName="FiveNodes_4" fact="0.65"/>
-          <dgm:constr type="h" for="ch" forName="FiveConn_4-5" refType="h" refFor="ch" refForName="FiveNodes_4" fact="0.65"/>
-          <dgm:constr type="ctrY" for="ch" forName="FiveConn_4-5" refType="h" fact="0.804"/>
-          <dgm:constr type="l" for="ch" forName="FiveConn_4-5" refType="l" refFor="ch" refForName="FiveNodes_4"/>
-          <dgm:constr type="l" for="ch" forName="FiveNodes_1_text" refType="r" refFor="ch" refForName="FiveConn_1-2"/>
-          <dgm:constr type="lOff" for="ch" forName="FiveNodes_1_text" refType="w" refFor="ch" refForName="FiveConn_1-2" fact="0.73"/>
-          <dgm:constr type="t" for="ch" forName="FiveNodes_1_text" refType="t" refFor="ch" refForName="FiveNodes_1"/>
-          <dgm:constr type="b" for="ch" forName="FiveNodes_1_text" refType="b" refFor="ch" refForName="FiveNodes_1"/>
-          <dgm:constr type="r" for="ch" forName="FiveNodes_1_text" refType="r" refFor="ch" refForName="FiveNodes_1"/>
-          <dgm:constr type="l" for="ch" forName="FiveNodes_2_text" refType="r" refFor="ch" refForName="FiveConn_1-2"/>
-          <dgm:constr type="t" for="ch" forName="FiveNodes_2_text" refType="t" refFor="ch" refForName="FiveNodes_2"/>
-          <dgm:constr type="b" for="ch" forName="FiveNodes_2_text" refType="b" refFor="ch" refForName="FiveNodes_2"/>
-          <dgm:constr type="r" for="ch" forName="FiveNodes_2_text" refType="r" refFor="ch" refForName="FiveNodes_2"/>
-          <dgm:constr type="l" for="ch" forName="FiveNodes_3_text" refType="r" refFor="ch" refForName="FiveConn_2-3"/>
-          <dgm:constr type="t" for="ch" forName="FiveNodes_3_text" refType="t" refFor="ch" refForName="FiveNodes_3"/>
-          <dgm:constr type="b" for="ch" forName="FiveNodes_3_text" refType="b" refFor="ch" refForName="FiveNodes_3"/>
-          <dgm:constr type="r" for="ch" forName="FiveNodes_3_text" refType="r" refFor="ch" refForName="FiveNodes_3"/>
-          <dgm:constr type="l" for="ch" forName="FiveNodes_4_text" refType="r" refFor="ch" refForName="FiveConn_3-4"/>
-          <dgm:constr type="t" for="ch" forName="FiveNodes_4_text" refType="t" refFor="ch" refForName="FiveNodes_4"/>
-          <dgm:constr type="b" for="ch" forName="FiveNodes_4_text" refType="b" refFor="ch" refForName="FiveNodes_4"/>
-          <dgm:constr type="r" for="ch" forName="FiveNodes_4_text" refType="r" refFor="ch" refForName="FiveNodes_4"/>
-          <dgm:constr type="l" for="ch" forName="FiveNodes_5_text" refType="r" refFor="ch" refForName="FiveConn_4-5"/>
-          <dgm:constr type="t" for="ch" forName="FiveNodes_5_text" refType="t" refFor="ch" refForName="FiveNodes_5"/>
-          <dgm:constr type="b" for="ch" forName="FiveNodes_5_text" refType="b" refFor="ch" refForName="FiveNodes_5"/>
-          <dgm:constr type="r" for="ch" forName="FiveNodes_5_text" refType="r" refFor="ch" refForName="FiveNodes_5"/>
-        </dgm:constrLst>
-      </dgm:else>
-    </dgm:choose>
-    <dgm:ruleLst/>
-    <dgm:layoutNode name="dummyMaxCanvas">
-      <dgm:varLst/>
-      <dgm:alg type="sp"/>
-      <dgm:shape xmlns:r="http://schemas.openxmlformats.org/officeDocument/2006/relationships" r:blip="">
-        <dgm:adjLst/>
-      </dgm:shape>
-      <dgm:presOf/>
-      <dgm:constrLst/>
-      <dgm:ruleLst/>
-    </dgm:layoutNode>
-    <dgm:choose name="Name3">
-      <dgm:if name="Name4" axis="ch" ptType="node" func="cnt" op="equ" val="1">
-        <dgm:layoutNode name="OneNode_1">
-          <dgm:varLst>
-            <dgm:bulletEnabled val="1"/>
-          </dgm:varLst>
-          <dgm:alg type="tx"/>
-          <dgm:shape xmlns:r="http://schemas.openxmlformats.org/officeDocument/2006/relationships" type="roundRect" r:blip="">
-            <dgm:adjLst>
-              <dgm:adj idx="1" val="0.1"/>
-            </dgm:adjLst>
-          </dgm:shape>
-          <dgm:presOf axis="ch desOrSelf" ptType="node node" st="1 1" cnt="1 0"/>
-          <dgm:constrLst>
-            <dgm:constr type="lMarg" refType="primFontSz" fact="0.3"/>
-            <dgm:constr type="rMarg" refType="primFontSz" fact="0.3"/>
-            <dgm:constr type="tMarg" refType="primFontSz" fact="0.3"/>
-            <dgm:constr type="bMarg" refType="primFontSz" fact="0.3"/>
-          </dgm:constrLst>
-          <dgm:ruleLst>
-            <dgm:rule type="primFontSz" val="5" fact="NaN" max="NaN"/>
-          </dgm:ruleLst>
-        </dgm:layoutNode>
-      </dgm:if>
-      <dgm:else name="Name5">
-        <dgm:choose name="Name6">
-          <dgm:if name="Name7" axis="ch" ptType="node" func="cnt" op="equ" val="2">
-            <dgm:layoutNode name="TwoNodes_1">
-              <dgm:varLst>
-                <dgm:bulletEnabled val="1"/>
-              </dgm:varLst>
-              <dgm:alg type="sp"/>
-              <dgm:shape xmlns:r="http://schemas.openxmlformats.org/officeDocument/2006/relationships" type="roundRect" r:blip="">
-                <dgm:adjLst>
-                  <dgm:adj idx="1" val="0.1"/>
-                </dgm:adjLst>
-              </dgm:shape>
-              <dgm:presOf axis="ch desOrSelf" ptType="node node" st="1 1" cnt="1 0"/>
-              <dgm:constrLst/>
-              <dgm:ruleLst/>
-            </dgm:layoutNode>
-            <dgm:layoutNode name="TwoNodes_2">
-              <dgm:varLst>
-                <dgm:bulletEnabled val="1"/>
-              </dgm:varLst>
-              <dgm:alg type="sp"/>
-              <dgm:shape xmlns:r="http://schemas.openxmlformats.org/officeDocument/2006/relationships" type="roundRect" r:blip="">
-                <dgm:adjLst>
-                  <dgm:adj idx="1" val="0.1"/>
-                </dgm:adjLst>
-              </dgm:shape>
-              <dgm:presOf axis="ch desOrSelf" ptType="node node" st="2 1" cnt="1 0"/>
-              <dgm:constrLst/>
-              <dgm:ruleLst/>
-            </dgm:layoutNode>
-            <dgm:layoutNode name="TwoConn_1-2" styleLbl="fgAccFollowNode1">
-              <dgm:varLst>
-                <dgm:bulletEnabled val="1"/>
-              </dgm:varLst>
-              <dgm:alg type="tx"/>
-              <dgm:shape xmlns:r="http://schemas.openxmlformats.org/officeDocument/2006/relationships" type="downArrow" r:blip="">
-                <dgm:adjLst>
-                  <dgm:adj idx="1" val="0.55"/>
-                  <dgm:adj idx="2" val="0.45"/>
-                </dgm:adjLst>
-              </dgm:shape>
-              <dgm:presOf axis="ch" ptType="sibTrans" cnt="1"/>
-              <dgm:constrLst>
-                <dgm:constr type="lMarg" refType="primFontSz" fact="0.1"/>
-                <dgm:constr type="rMarg" refType="primFontSz" fact="0.1"/>
-                <dgm:constr type="tMarg" refType="primFontSz" fact="0.1"/>
-                <dgm:constr type="bMarg" refType="primFontSz" fact="0.1"/>
-              </dgm:constrLst>
-              <dgm:ruleLst>
-                <dgm:rule type="primFontSz" val="5" fact="NaN" max="NaN"/>
-              </dgm:ruleLst>
-            </dgm:layoutNode>
-            <dgm:layoutNode name="TwoNodes_1_text">
-              <dgm:varLst>
-                <dgm:bulletEnabled val="1"/>
-              </dgm:varLst>
-              <dgm:alg type="tx">
-                <dgm:param type="parTxLTRAlign" val="l"/>
-                <dgm:param type="txAnchorVertCh" val="mid"/>
-              </dgm:alg>
-              <dgm:shape xmlns:r="http://schemas.openxmlformats.org/officeDocument/2006/relationships" type="roundRect" r:blip="" hideGeom="1">
-                <dgm:adjLst>
-                  <dgm:adj idx="1" val="0.1"/>
-                </dgm:adjLst>
-              </dgm:shape>
-              <dgm:presOf axis="ch desOrSelf" ptType="node node" st="1 1" cnt="1 0"/>
-              <dgm:constrLst>
-                <dgm:constr type="lMarg" refType="primFontSz" fact="0.3"/>
-                <dgm:constr type="rMarg" refType="primFontSz" fact="0.3"/>
-                <dgm:constr type="tMarg" refType="primFontSz" fact="0.3"/>
-                <dgm:constr type="bMarg" refType="primFontSz" fact="0.3"/>
-              </dgm:constrLst>
-              <dgm:ruleLst>
-                <dgm:rule type="primFontSz" val="5" fact="NaN" max="NaN"/>
-              </dgm:ruleLst>
-            </dgm:layoutNode>
-            <dgm:layoutNode name="TwoNodes_2_text">
-              <dgm:varLst>
-                <dgm:bulletEnabled val="1"/>
-              </dgm:varLst>
-              <dgm:alg type="tx">
-                <dgm:param type="parTxLTRAlign" val="l"/>
-                <dgm:param type="txAnchorVertCh" val="mid"/>
-              </dgm:alg>
-              <dgm:shape xmlns:r="http://schemas.openxmlformats.org/officeDocument/2006/relationships" type="roundRect" r:blip="" hideGeom="1">
-                <dgm:adjLst>
-                  <dgm:adj idx="1" val="0.1"/>
-                </dgm:adjLst>
-              </dgm:shape>
-              <dgm:presOf axis="ch desOrSelf" ptType="node node" st="2 1" cnt="1 0"/>
-              <dgm:constrLst>
-                <dgm:constr type="lMarg" refType="primFontSz" fact="0.3"/>
-                <dgm:constr type="rMarg" refType="primFontSz" fact="0.3"/>
-                <dgm:constr type="tMarg" refType="primFontSz" fact="0.3"/>
-                <dgm:constr type="bMarg" refType="primFontSz" fact="0.3"/>
-              </dgm:constrLst>
-              <dgm:ruleLst>
-                <dgm:rule type="primFontSz" val="5" fact="NaN" max="NaN"/>
-              </dgm:ruleLst>
-            </dgm:layoutNode>
-          </dgm:if>
-          <dgm:else name="Name8">
-            <dgm:choose name="Name9">
-              <dgm:if name="Name10" axis="ch" ptType="node" func="cnt" op="equ" val="3">
-                <dgm:layoutNode name="ThreeNodes_1">
-                  <dgm:varLst>
-                    <dgm:bulletEnabled val="1"/>
-                  </dgm:varLst>
-                  <dgm:alg type="sp"/>
-                  <dgm:shape xmlns:r="http://schemas.openxmlformats.org/officeDocument/2006/relationships" type="roundRect" r:blip="">
-                    <dgm:adjLst>
-                      <dgm:adj idx="1" val="0.1"/>
-                    </dgm:adjLst>
-                  </dgm:shape>
-                  <dgm:presOf axis="ch desOrSelf" ptType="node node" st="1 1" cnt="1 0"/>
-                  <dgm:constrLst/>
-                  <dgm:ruleLst/>
-                </dgm:layoutNode>
-                <dgm:layoutNode name="ThreeNodes_2">
-                  <dgm:varLst>
-                    <dgm:bulletEnabled val="1"/>
-                  </dgm:varLst>
-                  <dgm:alg type="sp"/>
-                  <dgm:shape xmlns:r="http://schemas.openxmlformats.org/officeDocument/2006/relationships" type="roundRect" r:blip="">
-                    <dgm:adjLst>
-                      <dgm:adj idx="1" val="0.1"/>
-                    </dgm:adjLst>
-                  </dgm:shape>
-                  <dgm:presOf axis="ch desOrSelf" ptType="node node" st="2 1" cnt="1 0"/>
-                  <dgm:constrLst/>
-                  <dgm:ruleLst/>
-                </dgm:layoutNode>
-                <dgm:layoutNode name="ThreeNodes_3">
-                  <dgm:varLst>
-                    <dgm:bulletEnabled val="1"/>
-                  </dgm:varLst>
-                  <dgm:alg type="sp"/>
-                  <dgm:shape xmlns:r="http://schemas.openxmlformats.org/officeDocument/2006/relationships" type="roundRect" r:blip="">
-                    <dgm:adjLst>
-                      <dgm:adj idx="1" val="0.1"/>
-                    </dgm:adjLst>
-                  </dgm:shape>
-                  <dgm:presOf axis="ch desOrSelf" ptType="node node" st="3 1" cnt="1 0"/>
-                  <dgm:constrLst/>
-                  <dgm:ruleLst/>
-                </dgm:layoutNode>
-                <dgm:layoutNode name="ThreeConn_1-2" styleLbl="fgAccFollowNode1">
-                  <dgm:varLst>
-                    <dgm:bulletEnabled val="1"/>
-                  </dgm:varLst>
-                  <dgm:alg type="tx"/>
-                  <dgm:shape xmlns:r="http://schemas.openxmlformats.org/officeDocument/2006/relationships" type="downArrow" r:blip="">
-                    <dgm:adjLst>
-                      <dgm:adj idx="1" val="0.55"/>
-                      <dgm:adj idx="2" val="0.45"/>
-                    </dgm:adjLst>
-                  </dgm:shape>
-                  <dgm:presOf axis="ch" ptType="sibTrans" cnt="1"/>
-                  <dgm:constrLst>
-                    <dgm:constr type="lMarg" refType="primFontSz" fact="0.1"/>
-                    <dgm:constr type="rMarg" refType="primFontSz" fact="0.1"/>
-                    <dgm:constr type="tMarg" refType="primFontSz" fact="0.1"/>
-                    <dgm:constr type="bMarg" refType="primFontSz" fact="0.1"/>
-                  </dgm:constrLst>
-                  <dgm:ruleLst>
-                    <dgm:rule type="primFontSz" val="5" fact="NaN" max="NaN"/>
-                  </dgm:ruleLst>
-                </dgm:layoutNode>
-                <dgm:layoutNode name="ThreeConn_2-3" styleLbl="fgAccFollowNode1">
-                  <dgm:varLst>
-                    <dgm:bulletEnabled val="1"/>
-                  </dgm:varLst>
-                  <dgm:alg type="tx"/>
-                  <dgm:shape xmlns:r="http://schemas.openxmlformats.org/officeDocument/2006/relationships" type="downArrow" r:blip="">
-                    <dgm:adjLst>
-                      <dgm:adj idx="1" val="0.55"/>
-                      <dgm:adj idx="2" val="0.45"/>
-                    </dgm:adjLst>
-                  </dgm:shape>
-                  <dgm:presOf axis="ch" ptType="sibTrans" st="2" cnt="1"/>
-                  <dgm:constrLst>
-                    <dgm:constr type="lMarg" refType="primFontSz" fact="0.1"/>
-                    <dgm:constr type="rMarg" refType="primFontSz" fact="0.1"/>
-                    <dgm:constr type="tMarg" refType="primFontSz" fact="0.1"/>
-                    <dgm:constr type="bMarg" refType="primFontSz" fact="0.1"/>
-                  </dgm:constrLst>
-                  <dgm:ruleLst>
-                    <dgm:rule type="primFontSz" val="5" fact="NaN" max="NaN"/>
-                  </dgm:ruleLst>
-                </dgm:layoutNode>
-                <dgm:layoutNode name="ThreeNodes_1_text">
-                  <dgm:varLst>
-                    <dgm:bulletEnabled val="1"/>
-                  </dgm:varLst>
-                  <dgm:alg type="tx">
-                    <dgm:param type="parTxLTRAlign" val="l"/>
-                    <dgm:param type="txAnchorVertCh" val="mid"/>
-                  </dgm:alg>
-                  <dgm:shape xmlns:r="http://schemas.openxmlformats.org/officeDocument/2006/relationships" type="roundRect" r:blip="" hideGeom="1">
-                    <dgm:adjLst>
-                      <dgm:adj idx="1" val="0.1"/>
-                    </dgm:adjLst>
-                  </dgm:shape>
-                  <dgm:presOf axis="ch desOrSelf" ptType="node node" st="1 1" cnt="1 0"/>
-                  <dgm:constrLst>
-                    <dgm:constr type="lMarg" refType="primFontSz" fact="0.3"/>
-                    <dgm:constr type="rMarg" refType="primFontSz" fact="0.3"/>
-                    <dgm:constr type="tMarg" refType="primFontSz" fact="0.3"/>
-                    <dgm:constr type="bMarg" refType="primFontSz" fact="0.3"/>
-                  </dgm:constrLst>
-                  <dgm:ruleLst>
-                    <dgm:rule type="primFontSz" val="5" fact="NaN" max="NaN"/>
-                  </dgm:ruleLst>
-                </dgm:layoutNode>
-                <dgm:layoutNode name="ThreeNodes_2_text">
-                  <dgm:varLst>
-                    <dgm:bulletEnabled val="1"/>
-                  </dgm:varLst>
-                  <dgm:alg type="tx">
-                    <dgm:param type="parTxLTRAlign" val="l"/>
-                    <dgm:param type="txAnchorVertCh" val="mid"/>
-                  </dgm:alg>
-                  <dgm:shape xmlns:r="http://schemas.openxmlformats.org/officeDocument/2006/relationships" type="roundRect" r:blip="" hideGeom="1">
-                    <dgm:adjLst>
-                      <dgm:adj idx="1" val="0.1"/>
-                    </dgm:adjLst>
-                  </dgm:shape>
-                  <dgm:presOf axis="ch desOrSelf" ptType="node node" st="2 1" cnt="1 0"/>
-                  <dgm:constrLst>
-                    <dgm:constr type="lMarg" refType="primFontSz" fact="0.3"/>
-                    <dgm:constr type="rMarg" refType="primFontSz" fact="0.3"/>
-                    <dgm:constr type="tMarg" refType="primFontSz" fact="0.3"/>
-                    <dgm:constr type="bMarg" refType="primFontSz" fact="0.3"/>
-                  </dgm:constrLst>
-                  <dgm:ruleLst>
-                    <dgm:rule type="primFontSz" val="5" fact="NaN" max="NaN"/>
-                  </dgm:ruleLst>
-                </dgm:layoutNode>
-                <dgm:layoutNode name="ThreeNodes_3_text">
-                  <dgm:varLst>
-                    <dgm:bulletEnabled val="1"/>
-                  </dgm:varLst>
-                  <dgm:alg type="tx">
-                    <dgm:param type="parTxLTRAlign" val="l"/>
-                    <dgm:param type="txAnchorVertCh" val="mid"/>
-                  </dgm:alg>
-                  <dgm:shape xmlns:r="http://schemas.openxmlformats.org/officeDocument/2006/relationships" type="roundRect" r:blip="" hideGeom="1">
-                    <dgm:adjLst>
-                      <dgm:adj idx="1" val="0.1"/>
-                    </dgm:adjLst>
-                  </dgm:shape>
-                  <dgm:presOf axis="ch desOrSelf" ptType="node node" st="3 1" cnt="1 0"/>
-                  <dgm:constrLst>
-                    <dgm:constr type="lMarg" refType="primFontSz" fact="0.3"/>
-                    <dgm:constr type="rMarg" refType="primFontSz" fact="0.3"/>
-                    <dgm:constr type="tMarg" refType="primFontSz" fact="0.3"/>
-                    <dgm:constr type="bMarg" refType="primFontSz" fact="0.3"/>
-                  </dgm:constrLst>
-                  <dgm:ruleLst>
-                    <dgm:rule type="primFontSz" val="5" fact="NaN" max="NaN"/>
-                  </dgm:ruleLst>
-                </dgm:layoutNode>
-              </dgm:if>
-              <dgm:else name="Name11">
-                <dgm:choose name="Name12">
-                  <dgm:if name="Name13" axis="ch" ptType="node" func="cnt" op="equ" val="4">
-                    <dgm:layoutNode name="FourNodes_1">
-                      <dgm:varLst>
-                        <dgm:bulletEnabled val="1"/>
-                      </dgm:varLst>
-                      <dgm:alg type="sp"/>
-                      <dgm:shape xmlns:r="http://schemas.openxmlformats.org/officeDocument/2006/relationships" type="roundRect" r:blip="">
-                        <dgm:adjLst>
-                          <dgm:adj idx="1" val="0.1"/>
-                        </dgm:adjLst>
-                      </dgm:shape>
-                      <dgm:presOf axis="ch desOrSelf" ptType="node node" st="1 1" cnt="1 0"/>
-                      <dgm:constrLst/>
-                      <dgm:ruleLst/>
-                    </dgm:layoutNode>
-                    <dgm:layoutNode name="FourNodes_2">
-                      <dgm:varLst>
-                        <dgm:bulletEnabled val="1"/>
-                      </dgm:varLst>
-                      <dgm:alg type="sp"/>
-                      <dgm:shape xmlns:r="http://schemas.openxmlformats.org/officeDocument/2006/relationships" type="roundRect" r:blip="">
-                        <dgm:adjLst>
-                          <dgm:adj idx="1" val="0.1"/>
-                        </dgm:adjLst>
-                      </dgm:shape>
-                      <dgm:presOf axis="ch desOrSelf" ptType="node node" st="2 1" cnt="1 0"/>
-                      <dgm:constrLst/>
-                      <dgm:ruleLst/>
-                    </dgm:layoutNode>
-                    <dgm:layoutNode name="FourNodes_3">
-                      <dgm:varLst>
-                        <dgm:bulletEnabled val="1"/>
-                      </dgm:varLst>
-                      <dgm:alg type="sp"/>
-                      <dgm:shape xmlns:r="http://schemas.openxmlformats.org/officeDocument/2006/relationships" type="roundRect" r:blip="">
-                        <dgm:adjLst>
-                          <dgm:adj idx="1" val="0.1"/>
-                        </dgm:adjLst>
-                      </dgm:shape>
-                      <dgm:presOf axis="ch desOrSelf" ptType="node node" st="3 1" cnt="1 0"/>
-                      <dgm:constrLst/>
-                      <dgm:ruleLst/>
-                    </dgm:layoutNode>
-                    <dgm:layoutNode name="FourNodes_4">
-                      <dgm:varLst>
-                        <dgm:bulletEnabled val="1"/>
-                      </dgm:varLst>
-                      <dgm:alg type="sp"/>
-                      <dgm:shape xmlns:r="http://schemas.openxmlformats.org/officeDocument/2006/relationships" type="roundRect" r:blip="">
-                        <dgm:adjLst>
-                          <dgm:adj idx="1" val="0.1"/>
-                        </dgm:adjLst>
-                      </dgm:shape>
-                      <dgm:presOf axis="ch desOrSelf" ptType="node node" st="4 1" cnt="1 0"/>
-                      <dgm:constrLst/>
-                      <dgm:ruleLst/>
-                    </dgm:layoutNode>
-                    <dgm:layoutNode name="FourConn_1-2" styleLbl="fgAccFollowNode1">
-                      <dgm:varLst>
-                        <dgm:bulletEnabled val="1"/>
-                      </dgm:varLst>
-                      <dgm:alg type="tx"/>
-                      <dgm:shape xmlns:r="http://schemas.openxmlformats.org/officeDocument/2006/relationships" type="downArrow" r:blip="">
-                        <dgm:adjLst>
-                          <dgm:adj idx="1" val="0.55"/>
-                          <dgm:adj idx="2" val="0.45"/>
-                        </dgm:adjLst>
-                      </dgm:shape>
-                      <dgm:presOf axis="ch" ptType="sibTrans" cnt="1"/>
-                      <dgm:constrLst>
-                        <dgm:constr type="lMarg" refType="primFontSz" fact="0.1"/>
-                        <dgm:constr type="rMarg" refType="primFontSz" fact="0.1"/>
-                        <dgm:constr type="tMarg" refType="primFontSz" fact="0.1"/>
-                        <dgm:constr type="bMarg" refType="primFontSz" fact="0.1"/>
-                      </dgm:constrLst>
-                      <dgm:ruleLst>
-                        <dgm:rule type="primFontSz" val="5" fact="NaN" max="NaN"/>
-                      </dgm:ruleLst>
-                    </dgm:layoutNode>
-                    <dgm:layoutNode name="FourConn_2-3" styleLbl="fgAccFollowNode1">
-                      <dgm:varLst>
-                        <dgm:bulletEnabled val="1"/>
-                      </dgm:varLst>
-                      <dgm:alg type="tx"/>
-                      <dgm:shape xmlns:r="http://schemas.openxmlformats.org/officeDocument/2006/relationships" type="downArrow" r:blip="">
-                        <dgm:adjLst>
-                          <dgm:adj idx="1" val="0.55"/>
-                          <dgm:adj idx="2" val="0.45"/>
-                        </dgm:adjLst>
-                      </dgm:shape>
-                      <dgm:presOf axis="ch" ptType="sibTrans" st="2" cnt="1"/>
-                      <dgm:constrLst>
-                        <dgm:constr type="lMarg" refType="primFontSz" fact="0.1"/>
-                        <dgm:constr type="rMarg" refType="primFontSz" fact="0.1"/>
-                        <dgm:constr type="tMarg" refType="primFontSz" fact="0.1"/>
-                        <dgm:constr type="bMarg" refType="primFontSz" fact="0.1"/>
-                      </dgm:constrLst>
-                      <dgm:ruleLst>
-                        <dgm:rule type="primFontSz" val="5" fact="NaN" max="NaN"/>
-                      </dgm:ruleLst>
-                    </dgm:layoutNode>
-                    <dgm:layoutNode name="FourConn_3-4" styleLbl="fgAccFollowNode1">
-                      <dgm:varLst>
-                        <dgm:bulletEnabled val="1"/>
-                      </dgm:varLst>
-                      <dgm:alg type="tx"/>
-                      <dgm:shape xmlns:r="http://schemas.openxmlformats.org/officeDocument/2006/relationships" type="downArrow" r:blip="">
-                        <dgm:adjLst>
-                          <dgm:adj idx="1" val="0.55"/>
-                          <dgm:adj idx="2" val="0.45"/>
-                        </dgm:adjLst>
-                      </dgm:shape>
-                      <dgm:presOf axis="ch" ptType="sibTrans" st="3" cnt="1"/>
-                      <dgm:constrLst>
-                        <dgm:constr type="lMarg" refType="primFontSz" fact="0.1"/>
-                        <dgm:constr type="rMarg" refType="primFontSz" fact="0.1"/>
-                        <dgm:constr type="tMarg" refType="primFontSz" fact="0.1"/>
-                        <dgm:constr type="bMarg" refType="primFontSz" fact="0.1"/>
-                      </dgm:constrLst>
-                      <dgm:ruleLst>
-                        <dgm:rule type="primFontSz" val="5" fact="NaN" max="NaN"/>
-                      </dgm:ruleLst>
-                    </dgm:layoutNode>
-                    <dgm:layoutNode name="FourNodes_1_text">
-                      <dgm:varLst>
-                        <dgm:bulletEnabled val="1"/>
-                      </dgm:varLst>
-                      <dgm:alg type="tx">
-                        <dgm:param type="parTxLTRAlign" val="l"/>
-                        <dgm:param type="txAnchorVertCh" val="mid"/>
-                      </dgm:alg>
-                      <dgm:shape xmlns:r="http://schemas.openxmlformats.org/officeDocument/2006/relationships" type="roundRect" r:blip="" hideGeom="1">
-                        <dgm:adjLst>
-                          <dgm:adj idx="1" val="0.1"/>
-                        </dgm:adjLst>
-                      </dgm:shape>
-                      <dgm:presOf axis="ch desOrSelf" ptType="node node" st="1 1" cnt="1 0"/>
-                      <dgm:constrLst>
-                        <dgm:constr type="lMarg" refType="primFontSz" fact="0.3"/>
-                        <dgm:constr type="rMarg" refType="primFontSz" fact="0.3"/>
-                        <dgm:constr type="tMarg" refType="primFontSz" fact="0.3"/>
-                        <dgm:constr type="bMarg" refType="primFontSz" fact="0.3"/>
-                      </dgm:constrLst>
-                      <dgm:ruleLst>
-                        <dgm:rule type="primFontSz" val="5" fact="NaN" max="NaN"/>
-                      </dgm:ruleLst>
-                    </dgm:layoutNode>
-                    <dgm:layoutNode name="FourNodes_2_text">
-                      <dgm:varLst>
-                        <dgm:bulletEnabled val="1"/>
-                      </dgm:varLst>
-                      <dgm:alg type="tx">
-                        <dgm:param type="parTxLTRAlign" val="l"/>
-                        <dgm:param type="txAnchorVertCh" val="mid"/>
-                      </dgm:alg>
-                      <dgm:shape xmlns:r="http://schemas.openxmlformats.org/officeDocument/2006/relationships" type="roundRect" r:blip="" hideGeom="1">
-                        <dgm:adjLst>
-                          <dgm:adj idx="1" val="0.1"/>
-                        </dgm:adjLst>
-                      </dgm:shape>
-                      <dgm:presOf axis="ch desOrSelf" ptType="node node" st="2 1" cnt="1 0"/>
-                      <dgm:constrLst>
-                        <dgm:constr type="lMarg" refType="primFontSz" fact="0.3"/>
-                        <dgm:constr type="rMarg" refType="primFontSz" fact="0.3"/>
-                        <dgm:constr type="tMarg" refType="primFontSz" fact="0.3"/>
-                        <dgm:constr type="bMarg" refType="primFontSz" fact="0.3"/>
-                      </dgm:constrLst>
-                      <dgm:ruleLst>
-                        <dgm:rule type="primFontSz" val="5" fact="NaN" max="NaN"/>
-                      </dgm:ruleLst>
-                    </dgm:layoutNode>
-                    <dgm:layoutNode name="FourNodes_3_text">
-                      <dgm:varLst>
-                        <dgm:bulletEnabled val="1"/>
-                      </dgm:varLst>
-                      <dgm:alg type="tx">
-                        <dgm:param type="parTxLTRAlign" val="l"/>
-                        <dgm:param type="txAnchorVertCh" val="mid"/>
-                      </dgm:alg>
-                      <dgm:shape xmlns:r="http://schemas.openxmlformats.org/officeDocument/2006/relationships" type="roundRect" r:blip="" hideGeom="1">
-                        <dgm:adjLst>
-                          <dgm:adj idx="1" val="0.1"/>
-                        </dgm:adjLst>
-                      </dgm:shape>
-                      <dgm:presOf axis="ch desOrSelf" ptType="node node" st="3 1" cnt="1 0"/>
-                      <dgm:constrLst>
-                        <dgm:constr type="lMarg" refType="primFontSz" fact="0.3"/>
-                        <dgm:constr type="rMarg" refType="primFontSz" fact="0.3"/>
-                        <dgm:constr type="tMarg" refType="primFontSz" fact="0.3"/>
-                        <dgm:constr type="bMarg" refType="primFontSz" fact="0.3"/>
-                      </dgm:constrLst>
-                      <dgm:ruleLst>
-                        <dgm:rule type="primFontSz" val="5" fact="NaN" max="NaN"/>
-                      </dgm:ruleLst>
-                    </dgm:layoutNode>
-                    <dgm:layoutNode name="FourNodes_4_text">
-                      <dgm:varLst>
-                        <dgm:bulletEnabled val="1"/>
-                      </dgm:varLst>
-                      <dgm:alg type="tx">
-                        <dgm:param type="parTxLTRAlign" val="l"/>
-                        <dgm:param type="txAnchorVertCh" val="mid"/>
-                      </dgm:alg>
-                      <dgm:shape xmlns:r="http://schemas.openxmlformats.org/officeDocument/2006/relationships" type="roundRect" r:blip="" hideGeom="1">
-                        <dgm:adjLst>
-                          <dgm:adj idx="1" val="0.1"/>
-                        </dgm:adjLst>
-                      </dgm:shape>
-                      <dgm:presOf axis="ch desOrSelf" ptType="node node" st="4 1" cnt="1 0"/>
-                      <dgm:constrLst>
-                        <dgm:constr type="lMarg" refType="primFontSz" fact="0.3"/>
-                        <dgm:constr type="rMarg" refType="primFontSz" fact="0.3"/>
-                        <dgm:constr type="tMarg" refType="primFontSz" fact="0.3"/>
-                        <dgm:constr type="bMarg" refType="primFontSz" fact="0.3"/>
-                      </dgm:constrLst>
-                      <dgm:ruleLst>
-                        <dgm:rule type="primFontSz" val="5" fact="NaN" max="NaN"/>
-                      </dgm:ruleLst>
-                    </dgm:layoutNode>
-                  </dgm:if>
-                  <dgm:else name="Name14">
-                    <dgm:choose name="Name15">
-                      <dgm:if name="Name16" axis="ch" ptType="node" func="cnt" op="gte" val="5">
-                        <dgm:layoutNode name="FiveNodes_1">
-                          <dgm:varLst>
-                            <dgm:bulletEnabled val="1"/>
-                          </dgm:varLst>
-                          <dgm:alg type="sp"/>
-                          <dgm:shape xmlns:r="http://schemas.openxmlformats.org/officeDocument/2006/relationships" type="roundRect" r:blip="">
-                            <dgm:adjLst>
-                              <dgm:adj idx="1" val="0.1"/>
-                            </dgm:adjLst>
-                          </dgm:shape>
-                          <dgm:presOf axis="ch desOrSelf" ptType="node node" st="1 1" cnt="1 0"/>
-                          <dgm:constrLst/>
-                          <dgm:ruleLst/>
-                        </dgm:layoutNode>
-                        <dgm:layoutNode name="FiveNodes_2">
-                          <dgm:varLst>
-                            <dgm:bulletEnabled val="1"/>
-                          </dgm:varLst>
-                          <dgm:alg type="sp"/>
-                          <dgm:shape xmlns:r="http://schemas.openxmlformats.org/officeDocument/2006/relationships" type="roundRect" r:blip="">
-                            <dgm:adjLst>
-                              <dgm:adj idx="1" val="0.1"/>
-                            </dgm:adjLst>
-                          </dgm:shape>
-                          <dgm:presOf axis="ch desOrSelf" ptType="node node" st="2 1" cnt="1 0"/>
-                          <dgm:constrLst/>
-                          <dgm:ruleLst/>
-                        </dgm:layoutNode>
-                        <dgm:layoutNode name="FiveNodes_3">
-                          <dgm:varLst>
-                            <dgm:bulletEnabled val="1"/>
-                          </dgm:varLst>
-                          <dgm:alg type="sp"/>
-                          <dgm:shape xmlns:r="http://schemas.openxmlformats.org/officeDocument/2006/relationships" type="roundRect" r:blip="">
-                            <dgm:adjLst>
-                              <dgm:adj idx="1" val="0.1"/>
-                            </dgm:adjLst>
-                          </dgm:shape>
-                          <dgm:presOf axis="ch desOrSelf" ptType="node node" st="3 1" cnt="1 0"/>
-                          <dgm:constrLst/>
-                          <dgm:ruleLst/>
-                        </dgm:layoutNode>
-                        <dgm:layoutNode name="FiveNodes_4">
-                          <dgm:varLst>
-                            <dgm:bulletEnabled val="1"/>
-                          </dgm:varLst>
-                          <dgm:alg type="sp"/>
-                          <dgm:shape xmlns:r="http://schemas.openxmlformats.org/officeDocument/2006/relationships" type="roundRect" r:blip="">
-                            <dgm:adjLst>
-                              <dgm:adj idx="1" val="0.1"/>
-                            </dgm:adjLst>
-                          </dgm:shape>
-                          <dgm:presOf axis="ch desOrSelf" ptType="node node" st="4 1" cnt="1 0"/>
-                          <dgm:constrLst/>
-                          <dgm:ruleLst/>
-                        </dgm:layoutNode>
-                        <dgm:layoutNode name="FiveNodes_5">
-                          <dgm:varLst>
-                            <dgm:bulletEnabled val="1"/>
-                          </dgm:varLst>
-                          <dgm:alg type="sp"/>
-                          <dgm:shape xmlns:r="http://schemas.openxmlformats.org/officeDocument/2006/relationships" type="roundRect" r:blip="">
-                            <dgm:adjLst>
-                              <dgm:adj idx="1" val="0.1"/>
-                            </dgm:adjLst>
-                          </dgm:shape>
-                          <dgm:presOf axis="ch desOrSelf" ptType="node node" st="5 1" cnt="1 0"/>
-                          <dgm:constrLst/>
-                          <dgm:ruleLst/>
-                        </dgm:layoutNode>
-                        <dgm:layoutNode name="FiveConn_1-2" styleLbl="fgAccFollowNode1">
-                          <dgm:varLst>
-                            <dgm:bulletEnabled val="1"/>
-                          </dgm:varLst>
-                          <dgm:alg type="tx"/>
-                          <dgm:shape xmlns:r="http://schemas.openxmlformats.org/officeDocument/2006/relationships" type="downArrow" r:blip="">
-                            <dgm:adjLst>
-                              <dgm:adj idx="1" val="0.55"/>
-                              <dgm:adj idx="2" val="0.45"/>
-                            </dgm:adjLst>
-                          </dgm:shape>
-                          <dgm:presOf axis="ch" ptType="sibTrans" cnt="1"/>
-                          <dgm:constrLst>
-                            <dgm:constr type="lMarg" refType="primFontSz" fact="0.1"/>
-                            <dgm:constr type="rMarg" refType="primFontSz" fact="0.1"/>
-                            <dgm:constr type="tMarg" refType="primFontSz" fact="0.1"/>
-                            <dgm:constr type="bMarg" refType="primFontSz" fact="0.1"/>
-                          </dgm:constrLst>
-                          <dgm:ruleLst>
-                            <dgm:rule type="primFontSz" val="5" fact="NaN" max="NaN"/>
-                          </dgm:ruleLst>
-                        </dgm:layoutNode>
-                        <dgm:layoutNode name="FiveConn_2-3" styleLbl="fgAccFollowNode1">
-                          <dgm:varLst>
-                            <dgm:bulletEnabled val="1"/>
-                          </dgm:varLst>
-                          <dgm:alg type="tx"/>
-                          <dgm:shape xmlns:r="http://schemas.openxmlformats.org/officeDocument/2006/relationships" type="downArrow" r:blip="">
-                            <dgm:adjLst>
-                              <dgm:adj idx="1" val="0.55"/>
-                              <dgm:adj idx="2" val="0.45"/>
-                            </dgm:adjLst>
-                          </dgm:shape>
-                          <dgm:presOf axis="ch" ptType="sibTrans" st="2" cnt="1"/>
-                          <dgm:constrLst>
-                            <dgm:constr type="lMarg" refType="primFontSz" fact="0.1"/>
-                            <dgm:constr type="rMarg" refType="primFontSz" fact="0.1"/>
-                            <dgm:constr type="tMarg" refType="primFontSz" fact="0.1"/>
-                            <dgm:constr type="bMarg" refType="primFontSz" fact="0.1"/>
-                          </dgm:constrLst>
-                          <dgm:ruleLst>
-                            <dgm:rule type="primFontSz" val="5" fact="NaN" max="NaN"/>
-                          </dgm:ruleLst>
-                        </dgm:layoutNode>
-                        <dgm:layoutNode name="FiveConn_3-4" styleLbl="fgAccFollowNode1">
-                          <dgm:varLst>
-                            <dgm:bulletEnabled val="1"/>
-                          </dgm:varLst>
-                          <dgm:alg type="tx"/>
-                          <dgm:shape xmlns:r="http://schemas.openxmlformats.org/officeDocument/2006/relationships" type="downArrow" r:blip="">
-                            <dgm:adjLst>
-                              <dgm:adj idx="1" val="0.55"/>
-                              <dgm:adj idx="2" val="0.45"/>
-                            </dgm:adjLst>
-                          </dgm:shape>
-                          <dgm:presOf axis="ch" ptType="sibTrans" st="3" cnt="1"/>
-                          <dgm:constrLst>
-                            <dgm:constr type="lMarg" refType="primFontSz" fact="0.1"/>
-                            <dgm:constr type="rMarg" refType="primFontSz" fact="0.1"/>
-                            <dgm:constr type="tMarg" refType="primFontSz" fact="0.1"/>
-                            <dgm:constr type="bMarg" refType="primFontSz" fact="0.1"/>
-                          </dgm:constrLst>
-                          <dgm:ruleLst>
-                            <dgm:rule type="primFontSz" val="5" fact="NaN" max="NaN"/>
-                          </dgm:ruleLst>
-                        </dgm:layoutNode>
-                        <dgm:layoutNode name="FiveConn_4-5" styleLbl="fgAccFollowNode1">
-                          <dgm:varLst>
-                            <dgm:bulletEnabled val="1"/>
-                          </dgm:varLst>
-                          <dgm:alg type="tx"/>
-                          <dgm:shape xmlns:r="http://schemas.openxmlformats.org/officeDocument/2006/relationships" type="downArrow" r:blip="">
-                            <dgm:adjLst>
-                              <dgm:adj idx="1" val="0.55"/>
-                              <dgm:adj idx="2" val="0.45"/>
-                            </dgm:adjLst>
-                          </dgm:shape>
-                          <dgm:presOf axis="ch" ptType="sibTrans" st="4" cnt="1"/>
-                          <dgm:constrLst>
-                            <dgm:constr type="lMarg" refType="primFontSz" fact="0.1"/>
-                            <dgm:constr type="rMarg" refType="primFontSz" fact="0.1"/>
-                            <dgm:constr type="tMarg" refType="primFontSz" fact="0.1"/>
-                            <dgm:constr type="bMarg" refType="primFontSz" fact="0.1"/>
-                          </dgm:constrLst>
-                          <dgm:ruleLst>
-                            <dgm:rule type="primFontSz" val="5" fact="NaN" max="NaN"/>
-                          </dgm:ruleLst>
-                        </dgm:layoutNode>
-                        <dgm:layoutNode name="FiveNodes_1_text">
-                          <dgm:varLst>
-                            <dgm:bulletEnabled val="1"/>
-                          </dgm:varLst>
-                          <dgm:alg type="tx">
-                            <dgm:param type="parTxLTRAlign" val="l"/>
-                            <dgm:param type="txAnchorVertCh" val="mid"/>
-                          </dgm:alg>
-                          <dgm:shape xmlns:r="http://schemas.openxmlformats.org/officeDocument/2006/relationships" type="roundRect" r:blip="" hideGeom="1">
-                            <dgm:adjLst>
-                              <dgm:adj idx="1" val="0.1"/>
-                            </dgm:adjLst>
-                          </dgm:shape>
-                          <dgm:presOf axis="ch desOrSelf" ptType="node node" st="1 1" cnt="1 0"/>
-                          <dgm:constrLst>
-                            <dgm:constr type="lMarg" refType="primFontSz" fact="0.3"/>
-                            <dgm:constr type="rMarg" refType="primFontSz" fact="0.3"/>
-                            <dgm:constr type="tMarg" refType="primFontSz" fact="0.3"/>
-                            <dgm:constr type="bMarg" refType="primFontSz" fact="0.3"/>
-                          </dgm:constrLst>
-                          <dgm:ruleLst>
-                            <dgm:rule type="primFontSz" val="5" fact="NaN" max="NaN"/>
-                          </dgm:ruleLst>
-                        </dgm:layoutNode>
-                        <dgm:layoutNode name="FiveNodes_2_text">
-                          <dgm:varLst>
-                            <dgm:bulletEnabled val="1"/>
-                          </dgm:varLst>
-                          <dgm:alg type="tx">
-                            <dgm:param type="parTxLTRAlign" val="l"/>
-                            <dgm:param type="txAnchorVertCh" val="mid"/>
-                          </dgm:alg>
-                          <dgm:shape xmlns:r="http://schemas.openxmlformats.org/officeDocument/2006/relationships" type="roundRect" r:blip="" hideGeom="1">
-                            <dgm:adjLst>
-                              <dgm:adj idx="1" val="0.1"/>
-                            </dgm:adjLst>
-                          </dgm:shape>
-                          <dgm:presOf axis="ch desOrSelf" ptType="node node" st="2 1" cnt="1 0"/>
-                          <dgm:constrLst>
-                            <dgm:constr type="lMarg" refType="primFontSz" fact="0.3"/>
-                            <dgm:constr type="rMarg" refType="primFontSz" fact="0.3"/>
-                            <dgm:constr type="tMarg" refType="primFontSz" fact="0.3"/>
-                            <dgm:constr type="bMarg" refType="primFontSz" fact="0.3"/>
-                          </dgm:constrLst>
-                          <dgm:ruleLst>
-                            <dgm:rule type="primFontSz" val="5" fact="NaN" max="NaN"/>
-                          </dgm:ruleLst>
-                        </dgm:layoutNode>
-                        <dgm:layoutNode name="FiveNodes_3_text">
-                          <dgm:varLst>
-                            <dgm:bulletEnabled val="1"/>
-                          </dgm:varLst>
-                          <dgm:alg type="tx">
-                            <dgm:param type="parTxLTRAlign" val="l"/>
-                            <dgm:param type="txAnchorVertCh" val="mid"/>
-                          </dgm:alg>
-                          <dgm:shape xmlns:r="http://schemas.openxmlformats.org/officeDocument/2006/relationships" type="roundRect" r:blip="" hideGeom="1">
-                            <dgm:adjLst>
-                              <dgm:adj idx="1" val="0.1"/>
-                            </dgm:adjLst>
-                          </dgm:shape>
-                          <dgm:presOf axis="ch desOrSelf" ptType="node node" st="3 1" cnt="1 0"/>
-                          <dgm:constrLst>
-                            <dgm:constr type="lMarg" refType="primFontSz" fact="0.3"/>
-                            <dgm:constr type="rMarg" refType="primFontSz" fact="0.3"/>
-                            <dgm:constr type="tMarg" refType="primFontSz" fact="0.3"/>
-                            <dgm:constr type="bMarg" refType="primFontSz" fact="0.3"/>
-                          </dgm:constrLst>
-                          <dgm:ruleLst>
-                            <dgm:rule type="primFontSz" val="5" fact="NaN" max="NaN"/>
-                          </dgm:ruleLst>
-                        </dgm:layoutNode>
-                        <dgm:layoutNode name="FiveNodes_4_text">
-                          <dgm:varLst>
-                            <dgm:bulletEnabled val="1"/>
-                          </dgm:varLst>
-                          <dgm:alg type="tx">
-                            <dgm:param type="parTxLTRAlign" val="l"/>
-                            <dgm:param type="txAnchorVertCh" val="mid"/>
-                          </dgm:alg>
-                          <dgm:shape xmlns:r="http://schemas.openxmlformats.org/officeDocument/2006/relationships" type="roundRect" r:blip="" hideGeom="1">
-                            <dgm:adjLst>
-                              <dgm:adj idx="1" val="0.1"/>
-                            </dgm:adjLst>
-                          </dgm:shape>
-                          <dgm:presOf axis="ch desOrSelf" ptType="node node" st="4 1" cnt="1 0"/>
-                          <dgm:constrLst>
-                            <dgm:constr type="lMarg" refType="primFontSz" fact="0.3"/>
-                            <dgm:constr type="rMarg" refType="primFontSz" fact="0.3"/>
-                            <dgm:constr type="tMarg" refType="primFontSz" fact="0.3"/>
-                            <dgm:constr type="bMarg" refType="primFontSz" fact="0.3"/>
-                          </dgm:constrLst>
-                          <dgm:ruleLst>
-                            <dgm:rule type="primFontSz" val="5" fact="NaN" max="NaN"/>
-                          </dgm:ruleLst>
-                        </dgm:layoutNode>
-                        <dgm:layoutNode name="FiveNodes_5_text">
-                          <dgm:varLst>
-                            <dgm:bulletEnabled val="1"/>
-                          </dgm:varLst>
-                          <dgm:alg type="tx">
-                            <dgm:param type="parTxLTRAlign" val="l"/>
-                            <dgm:param type="txAnchorVertCh" val="mid"/>
-                          </dgm:alg>
-                          <dgm:shape xmlns:r="http://schemas.openxmlformats.org/officeDocument/2006/relationships" type="roundRect" r:blip="" hideGeom="1">
-                            <dgm:adjLst>
-                              <dgm:adj idx="1" val="0.1"/>
-                            </dgm:adjLst>
-                          </dgm:shape>
-                          <dgm:presOf axis="ch desOrSelf" ptType="node node" st="5 1" cnt="1 0"/>
-                          <dgm:constrLst>
-                            <dgm:constr type="lMarg" refType="primFontSz" fact="0.3"/>
-                            <dgm:constr type="rMarg" refType="primFontSz" fact="0.3"/>
-                            <dgm:constr type="tMarg" refType="primFontSz" fact="0.3"/>
-                            <dgm:constr type="bMarg" refType="primFontSz" fact="0.3"/>
-                          </dgm:constrLst>
-                          <dgm:ruleLst>
-                            <dgm:rule type="primFontSz" val="5" fact="NaN" max="NaN"/>
-                          </dgm:ruleLst>
-                        </dgm:layoutNode>
-                      </dgm:if>
-                      <dgm:else name="Name17"/>
-                    </dgm:choose>
-                  </dgm:else>
-                </dgm:choose>
-              </dgm:else>
-            </dgm:choose>
-          </dgm:else>
-        </dgm:choose>
-      </dgm:else>
-    </dgm:choose>
-  </dgm:layoutNode>
-</dgm:layoutDef>
-</file>
-
-<file path=ppt/diagrams/quickStyle1.xml><?xml version="1.0" encoding="utf-8"?>
-<dgm:styleDef xmlns:dgm="http://schemas.openxmlformats.org/drawingml/2006/diagram" xmlns:a="http://schemas.openxmlformats.org/drawingml/2006/main" uniqueId="urn:microsoft.com/office/officeart/2005/8/quickstyle/simple4">
-  <dgm:title val=""/>
-  <dgm:desc val=""/>
-  <dgm:catLst>
-    <dgm:cat type="simple" pri="10400"/>
-  </dgm:catLst>
-  <dgm:scene3d>
-    <a:camera prst="orthographicFront"/>
-    <a:lightRig rig="threePt" dir="t"/>
-  </dgm:scene3d>
-  <dgm:styleLbl name="node0">
-    <dgm:scene3d>
-      <a:camera prst="orthographicFront"/>
-      <a:lightRig rig="threePt" dir="t"/>
-    </dgm:scene3d>
-    <dgm:sp3d/>
-    <dgm:txPr/>
-    <dgm:style>
-      <a:lnRef idx="0">
-        <a:scrgbClr r="0" g="0" b="0"/>
-      </a:lnRef>
-      <a:fillRef idx="3">
-        <a:scrgbClr r="0" g="0" b="0"/>
-      </a:fillRef>
-      <a:effectRef idx="2">
-        <a:scrgbClr r="0" g="0" b="0"/>
-      </a:effectRef>
-      <a:fontRef idx="minor">
-        <a:schemeClr val="lt1"/>
-      </a:fontRef>
-    </dgm:style>
-  </dgm:styleLbl>
-  <dgm:styleLbl name="lnNode1">
-    <dgm:scene3d>
-      <a:camera prst="orthographicFront"/>
-      <a:lightRig rig="threePt" dir="t"/>
-    </dgm:scene3d>
-    <dgm:sp3d/>
-    <dgm:txPr/>
-    <dgm:style>
-      <a:lnRef idx="1">
-        <a:scrgbClr r="0" g="0" b="0"/>
-      </a:lnRef>
-      <a:fillRef idx="3">
-        <a:scrgbClr r="0" g="0" b="0"/>
-      </a:fillRef>
-      <a:effectRef idx="2">
-        <a:scrgbClr r="0" g="0" b="0"/>
-      </a:effectRef>
-      <a:fontRef idx="minor">
-        <a:schemeClr val="lt1"/>
-      </a:fontRef>
-    </dgm:style>
-  </dgm:styleLbl>
-  <dgm:styleLbl name="vennNode1">
-    <dgm:scene3d>
-      <a:camera prst="orthographicFront"/>
-      <a:lightRig rig="threePt" dir="t"/>
-    </dgm:scene3d>
-    <dgm:sp3d/>
-    <dgm:txPr/>
-    <dgm:style>
-      <a:lnRef idx="0">
-        <a:scrgbClr r="0" g="0" b="0"/>
-      </a:lnRef>
-      <a:fillRef idx="3">
-        <a:scrgbClr r="0" g="0" b="0"/>
-      </a:fillRef>
-      <a:effectRef idx="0">
-        <a:scrgbClr r="0" g="0" b="0"/>
-      </a:effectRef>
-      <a:fontRef idx="minor">
-        <a:schemeClr val="tx1"/>
-      </a:fontRef>
-    </dgm:style>
-  </dgm:styleLbl>
-  <dgm:styleLbl name="alignNode1">
-    <dgm:scene3d>
-      <a:camera prst="orthographicFront"/>
-      <a:lightRig rig="threePt" dir="t"/>
-    </dgm:scene3d>
-    <dgm:sp3d/>
-    <dgm:txPr/>
-    <dgm:style>
-      <a:lnRef idx="1">
-        <a:scrgbClr r="0" g="0" b="0"/>
-      </a:lnRef>
-      <a:fillRef idx="3">
-        <a:scrgbClr r="0" g="0" b="0"/>
-      </a:fillRef>
-      <a:effectRef idx="2">
-        <a:scrgbClr r="0" g="0" b="0"/>
-      </a:effectRef>
-      <a:fontRef idx="minor">
-        <a:schemeClr val="lt1"/>
-      </a:fontRef>
-    </dgm:style>
-  </dgm:styleLbl>
-  <dgm:styleLbl name="node1">
-    <dgm:scene3d>
-      <a:camera prst="orthographicFront"/>
-      <a:lightRig rig="threePt" dir="t"/>
-    </dgm:scene3d>
-    <dgm:sp3d/>
-    <dgm:txPr/>
-    <dgm:style>
-      <a:lnRef idx="0">
-        <a:scrgbClr r="0" g="0" b="0"/>
-      </a:lnRef>
-      <a:fillRef idx="3">
-        <a:scrgbClr r="0" g="0" b="0"/>
-      </a:fillRef>
-      <a:effectRef idx="2">
-        <a:scrgbClr r="0" g="0" b="0"/>
-      </a:effectRef>
-      <a:fontRef idx="minor">
-        <a:schemeClr val="lt1"/>
-      </a:fontRef>
-    </dgm:style>
-  </dgm:styleLbl>
-  <dgm:styleLbl name="node2">
-    <dgm:scene3d>
-      <a:camera prst="orthographicFront"/>
-      <a:lightRig rig="threePt" dir="t"/>
-    </dgm:scene3d>
-    <dgm:sp3d/>
-    <dgm:txPr/>
-    <dgm:style>
-      <a:lnRef idx="0">
-        <a:scrgbClr r="0" g="0" b="0"/>
-      </a:lnRef>
-      <a:fillRef idx="3">
-        <a:scrgbClr r="0" g="0" b="0"/>
-      </a:fillRef>
-      <a:effectRef idx="2">
-        <a:scrgbClr r="0" g="0" b="0"/>
-      </a:effectRef>
-      <a:fontRef idx="minor">
-        <a:schemeClr val="lt1"/>
-      </a:fontRef>
-    </dgm:style>
-  </dgm:styleLbl>
-  <dgm:styleLbl name="node3">
-    <dgm:scene3d>
-      <a:camera prst="orthographicFront"/>
-      <a:lightRig rig="threePt" dir="t"/>
-    </dgm:scene3d>
-    <dgm:sp3d/>
-    <dgm:txPr/>
-    <dgm:style>
-      <a:lnRef idx="0">
-        <a:scrgbClr r="0" g="0" b="0"/>
-      </a:lnRef>
-      <a:fillRef idx="3">
-        <a:scrgbClr r="0" g="0" b="0"/>
-      </a:fillRef>
-      <a:effectRef idx="2">
-        <a:scrgbClr r="0" g="0" b="0"/>
-      </a:effectRef>
-      <a:fontRef idx="minor">
-        <a:schemeClr val="lt1"/>
-      </a:fontRef>
-    </dgm:style>
-  </dgm:styleLbl>
-  <dgm:styleLbl name="node4">
-    <dgm:scene3d>
-      <a:camera prst="orthographicFront"/>
-      <a:lightRig rig="threePt" dir="t"/>
-    </dgm:scene3d>
-    <dgm:sp3d/>
-    <dgm:txPr/>
-    <dgm:style>
-      <a:lnRef idx="0">
-        <a:scrgbClr r="0" g="0" b="0"/>
-      </a:lnRef>
-      <a:fillRef idx="3">
-        <a:scrgbClr r="0" g="0" b="0"/>
-      </a:fillRef>
-      <a:effectRef idx="2">
-        <a:scrgbClr r="0" g="0" b="0"/>
-      </a:effectRef>
-      <a:fontRef idx="minor">
-        <a:schemeClr val="lt1"/>
-      </a:fontRef>
-    </dgm:style>
-  </dgm:styleLbl>
-  <dgm:styleLbl name="fgImgPlace1">
-    <dgm:scene3d>
-      <a:camera prst="orthographicFront"/>
-      <a:lightRig rig="threePt" dir="t"/>
-    </dgm:scene3d>
-    <dgm:sp3d/>
-    <dgm:txPr/>
-    <dgm:style>
-      <a:lnRef idx="0">
-        <a:scrgbClr r="0" g="0" b="0"/>
-      </a:lnRef>
-      <a:fillRef idx="1">
-        <a:scrgbClr r="0" g="0" b="0"/>
-      </a:fillRef>
-      <a:effectRef idx="2">
-        <a:scrgbClr r="0" g="0" b="0"/>
-      </a:effectRef>
-      <a:fontRef idx="minor"/>
-    </dgm:style>
-  </dgm:styleLbl>
-  <dgm:styleLbl name="alignImgPlace1">
-    <dgm:scene3d>
-      <a:camera prst="orthographicFront"/>
-      <a:lightRig rig="threePt" dir="t"/>
-    </dgm:scene3d>
-    <dgm:sp3d/>
-    <dgm:txPr/>
-    <dgm:style>
-      <a:lnRef idx="0">
-        <a:scrgbClr r="0" g="0" b="0"/>
-      </a:lnRef>
-      <a:fillRef idx="1">
-        <a:scrgbClr r="0" g="0" b="0"/>
-      </a:fillRef>
-      <a:effectRef idx="2">
-        <a:scrgbClr r="0" g="0" b="0"/>
-      </a:effectRef>
-      <a:fontRef idx="minor"/>
-    </dgm:style>
-  </dgm:styleLbl>
-  <dgm:styleLbl name="bgImgPlace1">
-    <dgm:scene3d>
-      <a:camera prst="orthographicFront"/>
-      <a:lightRig rig="threePt" dir="t"/>
-    </dgm:scene3d>
-    <dgm:sp3d/>
-    <dgm:txPr/>
-    <dgm:style>
-      <a:lnRef idx="0">
-        <a:scrgbClr r="0" g="0" b="0"/>
-      </a:lnRef>
-      <a:fillRef idx="1">
-        <a:scrgbClr r="0" g="0" b="0"/>
-      </a:fillRef>
-      <a:effectRef idx="2">
-        <a:scrgbClr r="0" g="0" b="0"/>
-      </a:effectRef>
-      <a:fontRef idx="minor"/>
-    </dgm:style>
-  </dgm:styleLbl>
-  <dgm:styleLbl name="sibTrans2D1">
-    <dgm:scene3d>
-      <a:camera prst="orthographicFront"/>
-      <a:lightRig rig="threePt" dir="t"/>
-    </dgm:scene3d>
-    <dgm:sp3d/>
-    <dgm:txPr/>
-    <dgm:style>
-      <a:lnRef idx="0">
-        <a:scrgbClr r="0" g="0" b="0"/>
-      </a:lnRef>
-      <a:fillRef idx="3">
-        <a:scrgbClr r="0" g="0" b="0"/>
-      </a:fillRef>
-      <a:effectRef idx="2">
-        <a:scrgbClr r="0" g="0" b="0"/>
-      </a:effectRef>
-      <a:fontRef idx="minor">
-        <a:schemeClr val="lt1"/>
-      </a:fontRef>
-    </dgm:style>
-  </dgm:styleLbl>
-  <dgm:styleLbl name="fgSibTrans2D1">
-    <dgm:scene3d>
-      <a:camera prst="orthographicFront"/>
-      <a:lightRig rig="threePt" dir="t"/>
-    </dgm:scene3d>
-    <dgm:sp3d/>
-    <dgm:txPr/>
-    <dgm:style>
-      <a:lnRef idx="0">
-        <a:scrgbClr r="0" g="0" b="0"/>
-      </a:lnRef>
-      <a:fillRef idx="3">
-        <a:scrgbClr r="0" g="0" b="0"/>
-      </a:fillRef>
-      <a:effectRef idx="2">
-        <a:scrgbClr r="0" g="0" b="0"/>
-      </a:effectRef>
-      <a:fontRef idx="minor">
-        <a:schemeClr val="lt1"/>
-      </a:fontRef>
-    </dgm:style>
-  </dgm:styleLbl>
-  <dgm:styleLbl name="bgSibTrans2D1">
-    <dgm:scene3d>
-      <a:camera prst="orthographicFront"/>
-      <a:lightRig rig="threePt" dir="t"/>
-    </dgm:scene3d>
-    <dgm:sp3d/>
-    <dgm:txPr/>
-    <dgm:style>
-      <a:lnRef idx="0">
-        <a:scrgbClr r="0" g="0" b="0"/>
-      </a:lnRef>
-      <a:fillRef idx="3">
-        <a:scrgbClr r="0" g="0" b="0"/>
-      </a:fillRef>
-      <a:effectRef idx="2">
-        <a:scrgbClr r="0" g="0" b="0"/>
-      </a:effectRef>
-      <a:fontRef idx="minor">
-        <a:schemeClr val="lt1"/>
-      </a:fontRef>
-    </dgm:style>
-  </dgm:styleLbl>
-  <dgm:styleLbl name="sibTrans1D1">
-    <dgm:scene3d>
-      <a:camera prst="orthographicFront"/>
-      <a:lightRig rig="threePt" dir="t"/>
-    </dgm:scene3d>
-    <dgm:sp3d/>
-    <dgm:txPr/>
-    <dgm:style>
-      <a:lnRef idx="1">
-        <a:scrgbClr r="0" g="0" b="0"/>
-      </a:lnRef>
-      <a:fillRef idx="0">
-        <a:scrgbClr r="0" g="0" b="0"/>
-      </a:fillRef>
-      <a:effectRef idx="0">
-        <a:scrgbClr r="0" g="0" b="0"/>
-      </a:effectRef>
-      <a:fontRef idx="minor"/>
-    </dgm:style>
-  </dgm:styleLbl>
-  <dgm:styleLbl name="callout">
-    <dgm:scene3d>
-      <a:camera prst="orthographicFront"/>
-      <a:lightRig rig="threePt" dir="t"/>
-    </dgm:scene3d>
-    <dgm:sp3d/>
-    <dgm:txPr/>
-    <dgm:style>
-      <a:lnRef idx="2">
-        <a:scrgbClr r="0" g="0" b="0"/>
-      </a:lnRef>
-      <a:fillRef idx="1">
-        <a:scrgbClr r="0" g="0" b="0"/>
-      </a:fillRef>
-      <a:effectRef idx="1">
-        <a:scrgbClr r="0" g="0" b="0"/>
-      </a:effectRef>
-      <a:fontRef idx="minor"/>
-    </dgm:style>
-  </dgm:styleLbl>
-  <dgm:styleLbl name="asst0">
-    <dgm:scene3d>
-      <a:camera prst="orthographicFront"/>
-      <a:lightRig rig="threePt" dir="t"/>
-    </dgm:scene3d>
-    <dgm:sp3d/>
-    <dgm:txPr/>
-    <dgm:style>
-      <a:lnRef idx="0">
-        <a:scrgbClr r="0" g="0" b="0"/>
-      </a:lnRef>
-      <a:fillRef idx="3">
-        <a:scrgbClr r="0" g="0" b="0"/>
-      </a:fillRef>
-      <a:effectRef idx="2">
-        <a:scrgbClr r="0" g="0" b="0"/>
-      </a:effectRef>
-      <a:fontRef idx="minor">
-        <a:schemeClr val="lt1"/>
-      </a:fontRef>
-    </dgm:style>
-  </dgm:styleLbl>
-  <dgm:styleLbl name="asst1">
-    <dgm:scene3d>
-      <a:camera prst="orthographicFront"/>
-      <a:lightRig rig="threePt" dir="t"/>
-    </dgm:scene3d>
-    <dgm:sp3d/>
-    <dgm:txPr/>
-    <dgm:style>
-      <a:lnRef idx="0">
-        <a:scrgbClr r="0" g="0" b="0"/>
-      </a:lnRef>
-      <a:fillRef idx="3">
-        <a:scrgbClr r="0" g="0" b="0"/>
-      </a:fillRef>
-      <a:effectRef idx="2">
-        <a:scrgbClr r="0" g="0" b="0"/>
-      </a:effectRef>
-      <a:fontRef idx="minor">
-        <a:schemeClr val="lt1"/>
-      </a:fontRef>
-    </dgm:style>
-  </dgm:styleLbl>
-  <dgm:styleLbl name="asst2">
-    <dgm:scene3d>
-      <a:camera prst="orthographicFront"/>
-      <a:lightRig rig="threePt" dir="t"/>
-    </dgm:scene3d>
-    <dgm:sp3d/>
-    <dgm:txPr/>
-    <dgm:style>
-      <a:lnRef idx="0">
-        <a:scrgbClr r="0" g="0" b="0"/>
-      </a:lnRef>
-      <a:fillRef idx="3">
-        <a:scrgbClr r="0" g="0" b="0"/>
-      </a:fillRef>
-      <a:effectRef idx="2">
-        <a:scrgbClr r="0" g="0" b="0"/>
-      </a:effectRef>
-      <a:fontRef idx="minor">
-        <a:schemeClr val="lt1"/>
-      </a:fontRef>
-    </dgm:style>
-  </dgm:styleLbl>
-  <dgm:styleLbl name="asst3">
-    <dgm:scene3d>
-      <a:camera prst="orthographicFront"/>
-      <a:lightRig rig="threePt" dir="t"/>
-    </dgm:scene3d>
-    <dgm:sp3d/>
-    <dgm:txPr/>
-    <dgm:style>
-      <a:lnRef idx="0">
-        <a:scrgbClr r="0" g="0" b="0"/>
-      </a:lnRef>
-      <a:fillRef idx="3">
-        <a:scrgbClr r="0" g="0" b="0"/>
-      </a:fillRef>
-      <a:effectRef idx="2">
-        <a:scrgbClr r="0" g="0" b="0"/>
-      </a:effectRef>
-      <a:fontRef idx="minor">
-        <a:schemeClr val="lt1"/>
-      </a:fontRef>
-    </dgm:style>
-  </dgm:styleLbl>
-  <dgm:styleLbl name="asst4">
-    <dgm:scene3d>
-      <a:camera prst="orthographicFront"/>
-      <a:lightRig rig="threePt" dir="t"/>
-    </dgm:scene3d>
-    <dgm:sp3d/>
-    <dgm:txPr/>
-    <dgm:style>
-      <a:lnRef idx="0">
-        <a:scrgbClr r="0" g="0" b="0"/>
-      </a:lnRef>
-      <a:fillRef idx="3">
-        <a:scrgbClr r="0" g="0" b="0"/>
-      </a:fillRef>
-      <a:effectRef idx="2">
-        <a:scrgbClr r="0" g="0" b="0"/>
-      </a:effectRef>
-      <a:fontRef idx="minor">
-        <a:schemeClr val="lt1"/>
-      </a:fontRef>
-    </dgm:style>
-  </dgm:styleLbl>
-  <dgm:styleLbl name="parChTrans2D1">
-    <dgm:scene3d>
-      <a:camera prst="orthographicFront"/>
-      <a:lightRig rig="threePt" dir="t"/>
-    </dgm:scene3d>
-    <dgm:sp3d/>
-    <dgm:txPr/>
-    <dgm:style>
-      <a:lnRef idx="0">
-        <a:scrgbClr r="0" g="0" b="0"/>
-      </a:lnRef>
-      <a:fillRef idx="3">
-        <a:scrgbClr r="0" g="0" b="0"/>
-      </a:fillRef>
-      <a:effectRef idx="2">
-        <a:scrgbClr r="0" g="0" b="0"/>
-      </a:effectRef>
-      <a:fontRef idx="minor">
-        <a:schemeClr val="lt1"/>
-      </a:fontRef>
-    </dgm:style>
-  </dgm:styleLbl>
-  <dgm:styleLbl name="parChTrans2D2">
-    <dgm:scene3d>
-      <a:camera prst="orthographicFront"/>
-      <a:lightRig rig="threePt" dir="t"/>
-    </dgm:scene3d>
-    <dgm:sp3d/>
-    <dgm:txPr/>
-    <dgm:style>
-      <a:lnRef idx="0">
-        <a:scrgbClr r="0" g="0" b="0"/>
-      </a:lnRef>
-      <a:fillRef idx="3">
-        <a:scrgbClr r="0" g="0" b="0"/>
-      </a:fillRef>
-      <a:effectRef idx="2">
-        <a:scrgbClr r="0" g="0" b="0"/>
-      </a:effectRef>
-      <a:fontRef idx="minor">
-        <a:schemeClr val="lt1"/>
-      </a:fontRef>
-    </dgm:style>
-  </dgm:styleLbl>
-  <dgm:styleLbl name="parChTrans2D3">
-    <dgm:scene3d>
-      <a:camera prst="orthographicFront"/>
-      <a:lightRig rig="threePt" dir="t"/>
-    </dgm:scene3d>
-    <dgm:sp3d/>
-    <dgm:txPr/>
-    <dgm:style>
-      <a:lnRef idx="1">
-        <a:scrgbClr r="0" g="0" b="0"/>
-      </a:lnRef>
-      <a:fillRef idx="3">
-        <a:scrgbClr r="0" g="0" b="0"/>
-      </a:fillRef>
-      <a:effectRef idx="2">
-        <a:scrgbClr r="0" g="0" b="0"/>
-      </a:effectRef>
-      <a:fontRef idx="minor">
-        <a:schemeClr val="lt1"/>
-      </a:fontRef>
-    </dgm:style>
-  </dgm:styleLbl>
-  <dgm:styleLbl name="parChTrans2D4">
-    <dgm:scene3d>
-      <a:camera prst="orthographicFront"/>
-      <a:lightRig rig="threePt" dir="t"/>
-    </dgm:scene3d>
-    <dgm:sp3d/>
-    <dgm:txPr/>
-    <dgm:style>
-      <a:lnRef idx="1">
-        <a:scrgbClr r="0" g="0" b="0"/>
-      </a:lnRef>
-      <a:fillRef idx="3">
-        <a:scrgbClr r="0" g="0" b="0"/>
-      </a:fillRef>
-      <a:effectRef idx="2">
-        <a:scrgbClr r="0" g="0" b="0"/>
-      </a:effectRef>
-      <a:fontRef idx="minor">
-        <a:schemeClr val="lt1"/>
-      </a:fontRef>
-    </dgm:style>
-  </dgm:styleLbl>
-  <dgm:styleLbl name="parChTrans1D1">
-    <dgm:scene3d>
-      <a:camera prst="orthographicFront"/>
-      <a:lightRig rig="threePt" dir="t"/>
-    </dgm:scene3d>
-    <dgm:sp3d/>
-    <dgm:txPr/>
-    <dgm:style>
-      <a:lnRef idx="1">
-        <a:scrgbClr r="0" g="0" b="0"/>
-      </a:lnRef>
-      <a:fillRef idx="0">
-        <a:scrgbClr r="0" g="0" b="0"/>
-      </a:fillRef>
-      <a:effectRef idx="0">
-        <a:scrgbClr r="0" g="0" b="0"/>
-      </a:effectRef>
-      <a:fontRef idx="minor"/>
-    </dgm:style>
-  </dgm:styleLbl>
-  <dgm:styleLbl name="parChTrans1D2">
-    <dgm:scene3d>
-      <a:camera prst="orthographicFront"/>
-      <a:lightRig rig="threePt" dir="t"/>
-    </dgm:scene3d>
-    <dgm:sp3d/>
-    <dgm:txPr/>
-    <dgm:style>
-      <a:lnRef idx="1">
-        <a:scrgbClr r="0" g="0" b="0"/>
-      </a:lnRef>
-      <a:fillRef idx="0">
-        <a:scrgbClr r="0" g="0" b="0"/>
-      </a:fillRef>
-      <a:effectRef idx="0">
-        <a:scrgbClr r="0" g="0" b="0"/>
-      </a:effectRef>
-      <a:fontRef idx="minor"/>
-    </dgm:style>
-  </dgm:styleLbl>
-  <dgm:styleLbl name="parChTrans1D3">
-    <dgm:scene3d>
-      <a:camera prst="orthographicFront"/>
-      <a:lightRig rig="threePt" dir="t"/>
-    </dgm:scene3d>
-    <dgm:sp3d/>
-    <dgm:txPr/>
-    <dgm:style>
-      <a:lnRef idx="1">
-        <a:scrgbClr r="0" g="0" b="0"/>
-      </a:lnRef>
-      <a:fillRef idx="0">
-        <a:scrgbClr r="0" g="0" b="0"/>
-      </a:fillRef>
-      <a:effectRef idx="0">
-        <a:scrgbClr r="0" g="0" b="0"/>
-      </a:effectRef>
-      <a:fontRef idx="minor"/>
-    </dgm:style>
-  </dgm:styleLbl>
-  <dgm:styleLbl name="parChTrans1D4">
-    <dgm:scene3d>
-      <a:camera prst="orthographicFront"/>
-      <a:lightRig rig="threePt" dir="t"/>
-    </dgm:scene3d>
-    <dgm:sp3d/>
-    <dgm:txPr/>
-    <dgm:style>
-      <a:lnRef idx="1">
-        <a:scrgbClr r="0" g="0" b="0"/>
-      </a:lnRef>
-      <a:fillRef idx="0">
-        <a:scrgbClr r="0" g="0" b="0"/>
-      </a:fillRef>
-      <a:effectRef idx="0">
-        <a:scrgbClr r="0" g="0" b="0"/>
-      </a:effectRef>
-      <a:fontRef idx="minor"/>
-    </dgm:style>
-  </dgm:styleLbl>
-  <dgm:styleLbl name="fgAcc1">
-    <dgm:scene3d>
-      <a:camera prst="orthographicFront"/>
-      <a:lightRig rig="threePt" dir="t"/>
-    </dgm:scene3d>
-    <dgm:sp3d/>
-    <dgm:txPr/>
-    <dgm:style>
-      <a:lnRef idx="1">
-        <a:scrgbClr r="0" g="0" b="0"/>
-      </a:lnRef>
-      <a:fillRef idx="1">
-        <a:scrgbClr r="0" g="0" b="0"/>
-      </a:fillRef>
-      <a:effectRef idx="0">
-        <a:scrgbClr r="0" g="0" b="0"/>
-      </a:effectRef>
-      <a:fontRef idx="minor"/>
-    </dgm:style>
-  </dgm:styleLbl>
-  <dgm:styleLbl name="conFgAcc1">
-    <dgm:scene3d>
-      <a:camera prst="orthographicFront"/>
-      <a:lightRig rig="threePt" dir="t"/>
-    </dgm:scene3d>
-    <dgm:sp3d/>
-    <dgm:txPr/>
-    <dgm:style>
-      <a:lnRef idx="1">
-        <a:scrgbClr r="0" g="0" b="0"/>
-      </a:lnRef>
-      <a:fillRef idx="1">
-        <a:scrgbClr r="0" g="0" b="0"/>
-      </a:fillRef>
-      <a:effectRef idx="0">
-        <a:scrgbClr r="0" g="0" b="0"/>
-      </a:effectRef>
-      <a:fontRef idx="minor"/>
-    </dgm:style>
-  </dgm:styleLbl>
-  <dgm:styleLbl name="alignAcc1">
-    <dgm:scene3d>
-      <a:camera prst="orthographicFront"/>
-      <a:lightRig rig="threePt" dir="t"/>
-    </dgm:scene3d>
-    <dgm:sp3d/>
-    <dgm:txPr/>
-    <dgm:style>
-      <a:lnRef idx="1">
-        <a:scrgbClr r="0" g="0" b="0"/>
-      </a:lnRef>
-      <a:fillRef idx="1">
-        <a:scrgbClr r="0" g="0" b="0"/>
-      </a:fillRef>
-      <a:effectRef idx="0">
-        <a:scrgbClr r="0" g="0" b="0"/>
-      </a:effectRef>
-      <a:fontRef idx="minor"/>
-    </dgm:style>
-  </dgm:styleLbl>
-  <dgm:styleLbl name="trAlignAcc1">
-    <dgm:scene3d>
-      <a:camera prst="orthographicFront"/>
-      <a:lightRig rig="threePt" dir="t"/>
-    </dgm:scene3d>
-    <dgm:sp3d/>
-    <dgm:txPr/>
-    <dgm:style>
-      <a:lnRef idx="1">
-        <a:scrgbClr r="0" g="0" b="0"/>
-      </a:lnRef>
-      <a:fillRef idx="1">
-        <a:scrgbClr r="0" g="0" b="0"/>
-      </a:fillRef>
-      <a:effectRef idx="0">
-        <a:scrgbClr r="0" g="0" b="0"/>
-      </a:effectRef>
-      <a:fontRef idx="minor"/>
-    </dgm:style>
-  </dgm:styleLbl>
-  <dgm:styleLbl name="bgAcc1">
-    <dgm:scene3d>
-      <a:camera prst="orthographicFront"/>
-      <a:lightRig rig="threePt" dir="t"/>
-    </dgm:scene3d>
-    <dgm:sp3d/>
-    <dgm:txPr/>
-    <dgm:style>
-      <a:lnRef idx="1">
-        <a:scrgbClr r="0" g="0" b="0"/>
-      </a:lnRef>
-      <a:fillRef idx="1">
-        <a:scrgbClr r="0" g="0" b="0"/>
-      </a:fillRef>
-      <a:effectRef idx="0">
-        <a:scrgbClr r="0" g="0" b="0"/>
-      </a:effectRef>
-      <a:fontRef idx="minor"/>
-    </dgm:style>
-  </dgm:styleLbl>
-  <dgm:styleLbl name="solidFgAcc1">
-    <dgm:scene3d>
-      <a:camera prst="orthographicFront"/>
-      <a:lightRig rig="threePt" dir="t"/>
-    </dgm:scene3d>
-    <dgm:sp3d/>
-    <dgm:txPr/>
-    <dgm:style>
-      <a:lnRef idx="1">
-        <a:scrgbClr r="0" g="0" b="0"/>
-      </a:lnRef>
-      <a:fillRef idx="1">
-        <a:scrgbClr r="0" g="0" b="0"/>
-      </a:fillRef>
-      <a:effectRef idx="0">
-        <a:scrgbClr r="0" g="0" b="0"/>
-      </a:effectRef>
-      <a:fontRef idx="minor"/>
-    </dgm:style>
-  </dgm:styleLbl>
-  <dgm:styleLbl name="solidAlignAcc1">
-    <dgm:scene3d>
-      <a:camera prst="orthographicFront"/>
-      <a:lightRig rig="threePt" dir="t"/>
-    </dgm:scene3d>
-    <dgm:sp3d/>
-    <dgm:txPr/>
-    <dgm:style>
-      <a:lnRef idx="1">
-        <a:scrgbClr r="0" g="0" b="0"/>
-      </a:lnRef>
-      <a:fillRef idx="1">
-        <a:scrgbClr r="0" g="0" b="0"/>
-      </a:fillRef>
-      <a:effectRef idx="0">
-        <a:scrgbClr r="0" g="0" b="0"/>
-      </a:effectRef>
-      <a:fontRef idx="minor"/>
-    </dgm:style>
-  </dgm:styleLbl>
-  <dgm:styleLbl name="solidBgAcc1">
-    <dgm:scene3d>
-      <a:camera prst="orthographicFront"/>
-      <a:lightRig rig="threePt" dir="t"/>
-    </dgm:scene3d>
-    <dgm:sp3d/>
-    <dgm:txPr/>
-    <dgm:style>
-      <a:lnRef idx="1">
-        <a:scrgbClr r="0" g="0" b="0"/>
-      </a:lnRef>
-      <a:fillRef idx="1">
-        <a:scrgbClr r="0" g="0" b="0"/>
-      </a:fillRef>
-      <a:effectRef idx="0">
-        <a:scrgbClr r="0" g="0" b="0"/>
-      </a:effectRef>
-      <a:fontRef idx="minor"/>
-    </dgm:style>
-  </dgm:styleLbl>
-  <dgm:styleLbl name="fgAccFollowNode1">
-    <dgm:scene3d>
-      <a:camera prst="orthographicFront"/>
-      <a:lightRig rig="threePt" dir="t"/>
-    </dgm:scene3d>
-    <dgm:sp3d/>
-    <dgm:txPr/>
-    <dgm:style>
-      <a:lnRef idx="1">
-        <a:scrgbClr r="0" g="0" b="0"/>
-      </a:lnRef>
-      <a:fillRef idx="1">
-        <a:scrgbClr r="0" g="0" b="0"/>
-      </a:fillRef>
-      <a:effectRef idx="0">
-        <a:scrgbClr r="0" g="0" b="0"/>
-      </a:effectRef>
-      <a:fontRef idx="minor"/>
-    </dgm:style>
-  </dgm:styleLbl>
-  <dgm:styleLbl name="alignAccFollowNode1">
-    <dgm:scene3d>
-      <a:camera prst="orthographicFront"/>
-      <a:lightRig rig="threePt" dir="t"/>
-    </dgm:scene3d>
-    <dgm:sp3d/>
-    <dgm:txPr/>
-    <dgm:style>
-      <a:lnRef idx="1">
-        <a:scrgbClr r="0" g="0" b="0"/>
-      </a:lnRef>
-      <a:fillRef idx="1">
-        <a:scrgbClr r="0" g="0" b="0"/>
-      </a:fillRef>
-      <a:effectRef idx="0">
-        <a:scrgbClr r="0" g="0" b="0"/>
-      </a:effectRef>
-      <a:fontRef idx="minor"/>
-    </dgm:style>
-  </dgm:styleLbl>
-  <dgm:styleLbl name="bgAccFollowNode1">
-    <dgm:scene3d>
-      <a:camera prst="orthographicFront"/>
-      <a:lightRig rig="threePt" dir="t"/>
-    </dgm:scene3d>
-    <dgm:sp3d/>
-    <dgm:txPr/>
-    <dgm:style>
-      <a:lnRef idx="1">
-        <a:scrgbClr r="0" g="0" b="0"/>
-      </a:lnRef>
-      <a:fillRef idx="1">
-        <a:scrgbClr r="0" g="0" b="0"/>
-      </a:fillRef>
-      <a:effectRef idx="0">
-        <a:scrgbClr r="0" g="0" b="0"/>
-      </a:effectRef>
-      <a:fontRef idx="minor"/>
-    </dgm:style>
-  </dgm:styleLbl>
-  <dgm:styleLbl name="fgAcc0">
-    <dgm:scene3d>
-      <a:camera prst="orthographicFront"/>
-      <a:lightRig rig="threePt" dir="t"/>
-    </dgm:scene3d>
-    <dgm:sp3d/>
-    <dgm:txPr/>
-    <dgm:style>
-      <a:lnRef idx="1">
-        <a:scrgbClr r="0" g="0" b="0"/>
-      </a:lnRef>
-      <a:fillRef idx="1">
-        <a:scrgbClr r="0" g="0" b="0"/>
-      </a:fillRef>
-      <a:effectRef idx="0">
-        <a:scrgbClr r="0" g="0" b="0"/>
-      </a:effectRef>
-      <a:fontRef idx="minor"/>
-    </dgm:style>
-  </dgm:styleLbl>
-  <dgm:styleLbl name="fgAcc2">
-    <dgm:scene3d>
-      <a:camera prst="orthographicFront"/>
-      <a:lightRig rig="threePt" dir="t"/>
-    </dgm:scene3d>
-    <dgm:sp3d/>
-    <dgm:txPr/>
-    <dgm:style>
-      <a:lnRef idx="1">
-        <a:scrgbClr r="0" g="0" b="0"/>
-      </a:lnRef>
-      <a:fillRef idx="1">
-        <a:scrgbClr r="0" g="0" b="0"/>
-      </a:fillRef>
-      <a:effectRef idx="0">
-        <a:scrgbClr r="0" g="0" b="0"/>
-      </a:effectRef>
-      <a:fontRef idx="minor"/>
-    </dgm:style>
-  </dgm:styleLbl>
-  <dgm:styleLbl name="fgAcc3">
-    <dgm:scene3d>
-      <a:camera prst="orthographicFront"/>
-      <a:lightRig rig="threePt" dir="t"/>
-    </dgm:scene3d>
-    <dgm:sp3d/>
-    <dgm:txPr/>
-    <dgm:style>
-      <a:lnRef idx="1">
-        <a:scrgbClr r="0" g="0" b="0"/>
-      </a:lnRef>
-      <a:fillRef idx="1">
-        <a:scrgbClr r="0" g="0" b="0"/>
-      </a:fillRef>
-      <a:effectRef idx="0">
-        <a:scrgbClr r="0" g="0" b="0"/>
-      </a:effectRef>
-      <a:fontRef idx="minor"/>
-    </dgm:style>
-  </dgm:styleLbl>
-  <dgm:styleLbl name="fgAcc4">
-    <dgm:scene3d>
-      <a:camera prst="orthographicFront"/>
-      <a:lightRig rig="threePt" dir="t"/>
-    </dgm:scene3d>
-    <dgm:sp3d/>
-    <dgm:txPr/>
-    <dgm:style>
-      <a:lnRef idx="1">
-        <a:scrgbClr r="0" g="0" b="0"/>
-      </a:lnRef>
-      <a:fillRef idx="1">
-        <a:scrgbClr r="0" g="0" b="0"/>
-      </a:fillRef>
-      <a:effectRef idx="0">
-        <a:scrgbClr r="0" g="0" b="0"/>
-      </a:effectRef>
-      <a:fontRef idx="minor"/>
-    </dgm:style>
-  </dgm:styleLbl>
-  <dgm:styleLbl name="bgShp">
-    <dgm:scene3d>
-      <a:camera prst="orthographicFront"/>
-      <a:lightRig rig="threePt" dir="t"/>
-    </dgm:scene3d>
-    <dgm:sp3d/>
-    <dgm:txPr/>
-    <dgm:style>
-      <a:lnRef idx="0">
-        <a:scrgbClr r="0" g="0" b="0"/>
-      </a:lnRef>
-      <a:fillRef idx="1">
-        <a:scrgbClr r="0" g="0" b="0"/>
-      </a:fillRef>
-      <a:effectRef idx="2">
-        <a:scrgbClr r="0" g="0" b="0"/>
-      </a:effectRef>
-      <a:fontRef idx="minor"/>
-    </dgm:style>
-  </dgm:styleLbl>
-  <dgm:styleLbl name="dkBgShp">
-    <dgm:scene3d>
-      <a:camera prst="orthographicFront"/>
-      <a:lightRig rig="threePt" dir="t"/>
-    </dgm:scene3d>
-    <dgm:sp3d/>
-    <dgm:txPr/>
-    <dgm:style>
-      <a:lnRef idx="0">
-        <a:scrgbClr r="0" g="0" b="0"/>
-      </a:lnRef>
-      <a:fillRef idx="1">
-        <a:scrgbClr r="0" g="0" b="0"/>
-      </a:fillRef>
-      <a:effectRef idx="2">
-        <a:scrgbClr r="0" g="0" b="0"/>
-      </a:effectRef>
-      <a:fontRef idx="minor"/>
-    </dgm:style>
-  </dgm:styleLbl>
-  <dgm:styleLbl name="trBgShp">
-    <dgm:scene3d>
-      <a:camera prst="orthographicFront"/>
-      <a:lightRig rig="threePt" dir="t"/>
-    </dgm:scene3d>
-    <dgm:sp3d/>
-    <dgm:txPr/>
-    <dgm:style>
-      <a:lnRef idx="0">
-        <a:scrgbClr r="0" g="0" b="0"/>
-      </a:lnRef>
-      <a:fillRef idx="1">
-        <a:scrgbClr r="0" g="0" b="0"/>
-      </a:fillRef>
-      <a:effectRef idx="0">
-        <a:scrgbClr r="0" g="0" b="0"/>
-      </a:effectRef>
-      <a:fontRef idx="minor"/>
-    </dgm:style>
-  </dgm:styleLbl>
-  <dgm:styleLbl name="fgShp">
-    <dgm:scene3d>
-      <a:camera prst="orthographicFront"/>
-      <a:lightRig rig="threePt" dir="t"/>
-    </dgm:scene3d>
-    <dgm:sp3d/>
-    <dgm:txPr/>
-    <dgm:style>
-      <a:lnRef idx="0">
-        <a:scrgbClr r="0" g="0" b="0"/>
-      </a:lnRef>
-      <a:fillRef idx="3">
-        <a:scrgbClr r="0" g="0" b="0"/>
-      </a:fillRef>
-      <a:effectRef idx="2">
-        <a:scrgbClr r="0" g="0" b="0"/>
-      </a:effectRef>
-      <a:fontRef idx="minor"/>
-    </dgm:style>
-  </dgm:styleLbl>
-  <dgm:styleLbl name="revTx">
-    <dgm:scene3d>
-      <a:camera prst="orthographicFront"/>
-      <a:lightRig rig="threePt" dir="t"/>
-    </dgm:scene3d>
-    <dgm:sp3d/>
-    <dgm:txPr/>
-    <dgm:style>
-      <a:lnRef idx="0">
-        <a:scrgbClr r="0" g="0" b="0"/>
-      </a:lnRef>
-      <a:fillRef idx="0">
-        <a:scrgbClr r="0" g="0" b="0"/>
-      </a:fillRef>
-      <a:effectRef idx="0">
-        <a:scrgbClr r="0" g="0" b="0"/>
-      </a:effectRef>
-      <a:fontRef idx="minor"/>
-    </dgm:style>
-  </dgm:styleLbl>
-</dgm:styleDef>
-</file>
-
 <file path=ppt/handoutMasters/handoutMaster1.xml><?xml version="1.0" encoding="utf-8"?>
 <p:handoutMaster xmlns:a="http://schemas.openxmlformats.org/drawingml/2006/main" xmlns:r="http://schemas.openxmlformats.org/officeDocument/2006/relationships" xmlns:p="http://schemas.openxmlformats.org/presentationml/2006/main">
   <p:cSld>
@@ -3477,7 +244,7 @@
           <a:p>
             <a:fld id="{FE5B4EDC-59C0-49C7-8ADA-5A781B329E02}" type="datetimeFigureOut">
               <a:rPr lang="en-US"/>
-              <a:t>7/19/2025</a:t>
+              <a:t>8/10/2025</a:t>
             </a:fld>
             <a:endParaRPr/>
           </a:p>
@@ -3642,7 +409,7 @@
           <a:p>
             <a:fld id="{F2D8D46A-B586-417D-BFBD-8C8FE0AAF762}" type="datetimeFigureOut">
               <a:rPr lang="en-US"/>
-              <a:t>7/19/2025</a:t>
+              <a:t>8/10/2025</a:t>
             </a:fld>
             <a:endParaRPr/>
           </a:p>
@@ -4034,6 +801,222 @@
         <p:cNvPr id="1" name="">
           <a:extLst>
             <a:ext uri="{FF2B5EF4-FFF2-40B4-BE49-F238E27FC236}">
+              <a16:creationId xmlns:a16="http://schemas.microsoft.com/office/drawing/2014/main" id="{8DC2F493-9F38-75B6-AF2A-2F28D98390D8}"/>
+            </a:ext>
+          </a:extLst>
+        </p:cNvPr>
+        <p:cNvGrpSpPr/>
+        <p:nvPr/>
+      </p:nvGrpSpPr>
+      <p:grpSpPr>
+        <a:xfrm>
+          <a:off x="0" y="0"/>
+          <a:ext cx="0" cy="0"/>
+          <a:chOff x="0" y="0"/>
+          <a:chExt cx="0" cy="0"/>
+        </a:xfrm>
+      </p:grpSpPr>
+      <p:sp>
+        <p:nvSpPr>
+          <p:cNvPr id="2" name="Slide Image Placeholder 1">
+            <a:extLst>
+              <a:ext uri="{FF2B5EF4-FFF2-40B4-BE49-F238E27FC236}">
+                <a16:creationId xmlns:a16="http://schemas.microsoft.com/office/drawing/2014/main" id="{E71B088C-248D-44CD-0915-817D84E302C3}"/>
+              </a:ext>
+            </a:extLst>
+          </p:cNvPr>
+          <p:cNvSpPr>
+            <a:spLocks noGrp="1" noRot="1" noChangeAspect="1"/>
+          </p:cNvSpPr>
+          <p:nvPr>
+            <p:ph type="sldImg"/>
+          </p:nvPr>
+        </p:nvSpPr>
+        <p:spPr/>
+      </p:sp>
+      <p:sp>
+        <p:nvSpPr>
+          <p:cNvPr id="3" name="Notes Placeholder 2">
+            <a:extLst>
+              <a:ext uri="{FF2B5EF4-FFF2-40B4-BE49-F238E27FC236}">
+                <a16:creationId xmlns:a16="http://schemas.microsoft.com/office/drawing/2014/main" id="{8726C3BD-F1A0-32FE-5CA9-2A822CBB868E}"/>
+              </a:ext>
+            </a:extLst>
+          </p:cNvPr>
+          <p:cNvSpPr>
+            <a:spLocks noGrp="1"/>
+          </p:cNvSpPr>
+          <p:nvPr>
+            <p:ph type="body" idx="1"/>
+          </p:nvPr>
+        </p:nvSpPr>
+        <p:spPr/>
+        <p:txBody>
+          <a:bodyPr/>
+          <a:lstStyle/>
+          <a:p>
+            <a:endParaRPr lang="en-US" dirty="0"/>
+          </a:p>
+        </p:txBody>
+      </p:sp>
+      <p:sp>
+        <p:nvSpPr>
+          <p:cNvPr id="4" name="Slide Number Placeholder 3">
+            <a:extLst>
+              <a:ext uri="{FF2B5EF4-FFF2-40B4-BE49-F238E27FC236}">
+                <a16:creationId xmlns:a16="http://schemas.microsoft.com/office/drawing/2014/main" id="{66D83C2E-1313-4360-0887-F993300A8E87}"/>
+              </a:ext>
+            </a:extLst>
+          </p:cNvPr>
+          <p:cNvSpPr>
+            <a:spLocks noGrp="1"/>
+          </p:cNvSpPr>
+          <p:nvPr>
+            <p:ph type="sldNum" sz="quarter" idx="5"/>
+          </p:nvPr>
+        </p:nvSpPr>
+        <p:spPr/>
+        <p:txBody>
+          <a:bodyPr/>
+          <a:lstStyle/>
+          <a:p>
+            <a:fld id="{3EBA5BD7-F043-4D1B-AA17-CD412FC534DE}" type="slidenum">
+              <a:rPr lang="en-US" smtClean="0"/>
+              <a:t>10</a:t>
+            </a:fld>
+            <a:endParaRPr lang="en-US"/>
+          </a:p>
+        </p:txBody>
+      </p:sp>
+    </p:spTree>
+    <p:extLst>
+      <p:ext uri="{BB962C8B-B14F-4D97-AF65-F5344CB8AC3E}">
+        <p14:creationId xmlns:p14="http://schemas.microsoft.com/office/powerpoint/2010/main" val="1276714903"/>
+      </p:ext>
+    </p:extLst>
+  </p:cSld>
+  <p:clrMapOvr>
+    <a:masterClrMapping/>
+  </p:clrMapOvr>
+</p:notes>
+</file>
+
+<file path=ppt/notesSlides/notesSlide11.xml><?xml version="1.0" encoding="utf-8"?>
+<p:notes xmlns:a="http://schemas.openxmlformats.org/drawingml/2006/main" xmlns:r="http://schemas.openxmlformats.org/officeDocument/2006/relationships" xmlns:p="http://schemas.openxmlformats.org/presentationml/2006/main">
+  <p:cSld>
+    <p:spTree>
+      <p:nvGrpSpPr>
+        <p:cNvPr id="1" name="">
+          <a:extLst>
+            <a:ext uri="{FF2B5EF4-FFF2-40B4-BE49-F238E27FC236}">
+              <a16:creationId xmlns:a16="http://schemas.microsoft.com/office/drawing/2014/main" id="{6BFD2535-43C3-2F2E-4571-0B2DAD7A1FBE}"/>
+            </a:ext>
+          </a:extLst>
+        </p:cNvPr>
+        <p:cNvGrpSpPr/>
+        <p:nvPr/>
+      </p:nvGrpSpPr>
+      <p:grpSpPr>
+        <a:xfrm>
+          <a:off x="0" y="0"/>
+          <a:ext cx="0" cy="0"/>
+          <a:chOff x="0" y="0"/>
+          <a:chExt cx="0" cy="0"/>
+        </a:xfrm>
+      </p:grpSpPr>
+      <p:sp>
+        <p:nvSpPr>
+          <p:cNvPr id="2" name="Slide Image Placeholder 1">
+            <a:extLst>
+              <a:ext uri="{FF2B5EF4-FFF2-40B4-BE49-F238E27FC236}">
+                <a16:creationId xmlns:a16="http://schemas.microsoft.com/office/drawing/2014/main" id="{01B426AE-7DEA-3610-BA1B-551EF2AE42D7}"/>
+              </a:ext>
+            </a:extLst>
+          </p:cNvPr>
+          <p:cNvSpPr>
+            <a:spLocks noGrp="1" noRot="1" noChangeAspect="1"/>
+          </p:cNvSpPr>
+          <p:nvPr>
+            <p:ph type="sldImg"/>
+          </p:nvPr>
+        </p:nvSpPr>
+        <p:spPr/>
+      </p:sp>
+      <p:sp>
+        <p:nvSpPr>
+          <p:cNvPr id="3" name="Notes Placeholder 2">
+            <a:extLst>
+              <a:ext uri="{FF2B5EF4-FFF2-40B4-BE49-F238E27FC236}">
+                <a16:creationId xmlns:a16="http://schemas.microsoft.com/office/drawing/2014/main" id="{C9F30A6B-EEF5-B1A2-38D3-EFF65B546D53}"/>
+              </a:ext>
+            </a:extLst>
+          </p:cNvPr>
+          <p:cNvSpPr>
+            <a:spLocks noGrp="1"/>
+          </p:cNvSpPr>
+          <p:nvPr>
+            <p:ph type="body" idx="1"/>
+          </p:nvPr>
+        </p:nvSpPr>
+        <p:spPr/>
+        <p:txBody>
+          <a:bodyPr/>
+          <a:lstStyle/>
+          <a:p>
+            <a:endParaRPr lang="en-US" dirty="0"/>
+          </a:p>
+        </p:txBody>
+      </p:sp>
+      <p:sp>
+        <p:nvSpPr>
+          <p:cNvPr id="4" name="Slide Number Placeholder 3">
+            <a:extLst>
+              <a:ext uri="{FF2B5EF4-FFF2-40B4-BE49-F238E27FC236}">
+                <a16:creationId xmlns:a16="http://schemas.microsoft.com/office/drawing/2014/main" id="{2800EBA3-7B79-5CCA-0DBB-F8A61A5EB261}"/>
+              </a:ext>
+            </a:extLst>
+          </p:cNvPr>
+          <p:cNvSpPr>
+            <a:spLocks noGrp="1"/>
+          </p:cNvSpPr>
+          <p:nvPr>
+            <p:ph type="sldNum" sz="quarter" idx="5"/>
+          </p:nvPr>
+        </p:nvSpPr>
+        <p:spPr/>
+        <p:txBody>
+          <a:bodyPr/>
+          <a:lstStyle/>
+          <a:p>
+            <a:fld id="{3EBA5BD7-F043-4D1B-AA17-CD412FC534DE}" type="slidenum">
+              <a:rPr lang="en-US" smtClean="0"/>
+              <a:t>11</a:t>
+            </a:fld>
+            <a:endParaRPr lang="en-US"/>
+          </a:p>
+        </p:txBody>
+      </p:sp>
+    </p:spTree>
+    <p:extLst>
+      <p:ext uri="{BB962C8B-B14F-4D97-AF65-F5344CB8AC3E}">
+        <p14:creationId xmlns:p14="http://schemas.microsoft.com/office/powerpoint/2010/main" val="3519519"/>
+      </p:ext>
+    </p:extLst>
+  </p:cSld>
+  <p:clrMapOvr>
+    <a:masterClrMapping/>
+  </p:clrMapOvr>
+</p:notes>
+</file>
+
+<file path=ppt/notesSlides/notesSlide12.xml><?xml version="1.0" encoding="utf-8"?>
+<p:notes xmlns:a="http://schemas.openxmlformats.org/drawingml/2006/main" xmlns:r="http://schemas.openxmlformats.org/officeDocument/2006/relationships" xmlns:p="http://schemas.openxmlformats.org/presentationml/2006/main">
+  <p:cSld>
+    <p:spTree>
+      <p:nvGrpSpPr>
+        <p:cNvPr id="1" name="">
+          <a:extLst>
+            <a:ext uri="{FF2B5EF4-FFF2-40B4-BE49-F238E27FC236}">
               <a16:creationId xmlns:a16="http://schemas.microsoft.com/office/drawing/2014/main" id="{BCF303A3-573E-F5D4-2F25-50FCCB1F4ACE}"/>
             </a:ext>
           </a:extLst>
@@ -4126,7 +1109,7 @@
           <a:p>
             <a:fld id="{3EBA5BD7-F043-4D1B-AA17-CD412FC534DE}" type="slidenum">
               <a:rPr lang="en-US" smtClean="0"/>
-              <a:t>10</a:t>
+              <a:t>12</a:t>
             </a:fld>
             <a:endParaRPr lang="en-US"/>
           </a:p>
@@ -4145,7 +1128,7 @@
 </p:notes>
 </file>
 
-<file path=ppt/notesSlides/notesSlide11.xml><?xml version="1.0" encoding="utf-8"?>
+<file path=ppt/notesSlides/notesSlide13.xml><?xml version="1.0" encoding="utf-8"?>
 <p:notes xmlns:a="http://schemas.openxmlformats.org/drawingml/2006/main" xmlns:r="http://schemas.openxmlformats.org/officeDocument/2006/relationships" xmlns:p="http://schemas.openxmlformats.org/presentationml/2006/main">
   <p:cSld>
     <p:spTree>
@@ -4234,7 +1217,7 @@
           <a:p>
             <a:fld id="{3EBA5BD7-F043-4D1B-AA17-CD412FC534DE}" type="slidenum">
               <a:rPr lang="en-US" smtClean="0"/>
-              <a:t>11</a:t>
+              <a:t>13</a:t>
             </a:fld>
             <a:endParaRPr lang="en-US"/>
           </a:p>
@@ -4253,7 +1236,7 @@
 </p:notes>
 </file>
 
-<file path=ppt/notesSlides/notesSlide12.xml><?xml version="1.0" encoding="utf-8"?>
+<file path=ppt/notesSlides/notesSlide14.xml><?xml version="1.0" encoding="utf-8"?>
 <p:notes xmlns:a="http://schemas.openxmlformats.org/drawingml/2006/main" xmlns:r="http://schemas.openxmlformats.org/officeDocument/2006/relationships" xmlns:p="http://schemas.openxmlformats.org/presentationml/2006/main">
   <p:cSld>
     <p:spTree>
@@ -4345,7 +1328,7 @@
           <a:p>
             <a:fld id="{3EBA5BD7-F043-4D1B-AA17-CD412FC534DE}" type="slidenum">
               <a:rPr lang="en-US" smtClean="0"/>
-              <a:t>12</a:t>
+              <a:t>14</a:t>
             </a:fld>
             <a:endParaRPr lang="en-US"/>
           </a:p>
@@ -4364,7 +1347,7 @@
 </p:notes>
 </file>
 
-<file path=ppt/notesSlides/notesSlide13.xml><?xml version="1.0" encoding="utf-8"?>
+<file path=ppt/notesSlides/notesSlide15.xml><?xml version="1.0" encoding="utf-8"?>
 <p:notes xmlns:a="http://schemas.openxmlformats.org/drawingml/2006/main" xmlns:r="http://schemas.openxmlformats.org/officeDocument/2006/relationships" xmlns:p="http://schemas.openxmlformats.org/presentationml/2006/main">
   <p:cSld>
     <p:spTree>
@@ -4456,7 +1439,7 @@
           <a:p>
             <a:fld id="{3EBA5BD7-F043-4D1B-AA17-CD412FC534DE}" type="slidenum">
               <a:rPr lang="en-US" smtClean="0"/>
-              <a:t>13</a:t>
+              <a:t>15</a:t>
             </a:fld>
             <a:endParaRPr lang="en-US"/>
           </a:p>
@@ -4475,7 +1458,7 @@
 </p:notes>
 </file>
 
-<file path=ppt/notesSlides/notesSlide14.xml><?xml version="1.0" encoding="utf-8"?>
+<file path=ppt/notesSlides/notesSlide16.xml><?xml version="1.0" encoding="utf-8"?>
 <p:notes xmlns:a="http://schemas.openxmlformats.org/drawingml/2006/main" xmlns:r="http://schemas.openxmlformats.org/officeDocument/2006/relationships" xmlns:p="http://schemas.openxmlformats.org/presentationml/2006/main">
   <p:cSld>
     <p:spTree>
@@ -4567,7 +1550,7 @@
           <a:p>
             <a:fld id="{3EBA5BD7-F043-4D1B-AA17-CD412FC534DE}" type="slidenum">
               <a:rPr lang="en-US" smtClean="0"/>
-              <a:t>14</a:t>
+              <a:t>16</a:t>
             </a:fld>
             <a:endParaRPr lang="en-US"/>
           </a:p>
@@ -4586,7 +1569,131 @@
 </p:notes>
 </file>
 
-<file path=ppt/notesSlides/notesSlide15.xml><?xml version="1.0" encoding="utf-8"?>
+<file path=ppt/notesSlides/notesSlide17.xml><?xml version="1.0" encoding="utf-8"?>
+<p:notes xmlns:a="http://schemas.openxmlformats.org/drawingml/2006/main" xmlns:r="http://schemas.openxmlformats.org/officeDocument/2006/relationships" xmlns:p="http://schemas.openxmlformats.org/presentationml/2006/main">
+  <p:cSld>
+    <p:spTree>
+      <p:nvGrpSpPr>
+        <p:cNvPr id="1" name="">
+          <a:extLst>
+            <a:ext uri="{FF2B5EF4-FFF2-40B4-BE49-F238E27FC236}">
+              <a16:creationId xmlns:a16="http://schemas.microsoft.com/office/drawing/2014/main" id="{E9A81A00-35C0-F1EC-354C-02699BDE57CD}"/>
+            </a:ext>
+          </a:extLst>
+        </p:cNvPr>
+        <p:cNvGrpSpPr/>
+        <p:nvPr/>
+      </p:nvGrpSpPr>
+      <p:grpSpPr>
+        <a:xfrm>
+          <a:off x="0" y="0"/>
+          <a:ext cx="0" cy="0"/>
+          <a:chOff x="0" y="0"/>
+          <a:chExt cx="0" cy="0"/>
+        </a:xfrm>
+      </p:grpSpPr>
+      <p:sp>
+        <p:nvSpPr>
+          <p:cNvPr id="2" name="Slide Image Placeholder 1">
+            <a:extLst>
+              <a:ext uri="{FF2B5EF4-FFF2-40B4-BE49-F238E27FC236}">
+                <a16:creationId xmlns:a16="http://schemas.microsoft.com/office/drawing/2014/main" id="{B4BA1137-72E4-4D83-4B30-F014739880C6}"/>
+              </a:ext>
+            </a:extLst>
+          </p:cNvPr>
+          <p:cNvSpPr>
+            <a:spLocks noGrp="1" noRot="1" noChangeAspect="1"/>
+          </p:cNvSpPr>
+          <p:nvPr>
+            <p:ph type="sldImg"/>
+          </p:nvPr>
+        </p:nvSpPr>
+        <p:spPr/>
+      </p:sp>
+      <p:sp>
+        <p:nvSpPr>
+          <p:cNvPr id="3" name="Notes Placeholder 2">
+            <a:extLst>
+              <a:ext uri="{FF2B5EF4-FFF2-40B4-BE49-F238E27FC236}">
+                <a16:creationId xmlns:a16="http://schemas.microsoft.com/office/drawing/2014/main" id="{5971265F-4264-2DAA-5D70-44A59A8C9059}"/>
+              </a:ext>
+            </a:extLst>
+          </p:cNvPr>
+          <p:cNvSpPr>
+            <a:spLocks noGrp="1"/>
+          </p:cNvSpPr>
+          <p:nvPr>
+            <p:ph type="body" idx="1"/>
+          </p:nvPr>
+        </p:nvSpPr>
+        <p:spPr/>
+        <p:txBody>
+          <a:bodyPr/>
+          <a:lstStyle/>
+          <a:p>
+            <a:r>
+              <a:rPr lang="en-US" dirty="0"/>
+              <a:t>To access all elements of an array in Bash, use ${array[@]}:</a:t>
+            </a:r>
+          </a:p>
+          <a:p>
+            <a:r>
+              <a:rPr lang="en-US" dirty="0"/>
+              <a:t>bash</a:t>
+            </a:r>
+          </a:p>
+          <a:p>
+            <a:pPr rtl="0"/>
+            <a:r>
+              <a:rPr lang="en-US" dirty="0"/>
+              <a:t>fruits=("apple" "banana" "cherry") echo "${fruits[@]}</a:t>
+            </a:r>
+          </a:p>
+        </p:txBody>
+      </p:sp>
+      <p:sp>
+        <p:nvSpPr>
+          <p:cNvPr id="4" name="Slide Number Placeholder 3">
+            <a:extLst>
+              <a:ext uri="{FF2B5EF4-FFF2-40B4-BE49-F238E27FC236}">
+                <a16:creationId xmlns:a16="http://schemas.microsoft.com/office/drawing/2014/main" id="{328D7928-9C3B-E768-F9B5-5DF994D47D0E}"/>
+              </a:ext>
+            </a:extLst>
+          </p:cNvPr>
+          <p:cNvSpPr>
+            <a:spLocks noGrp="1"/>
+          </p:cNvSpPr>
+          <p:nvPr>
+            <p:ph type="sldNum" sz="quarter" idx="5"/>
+          </p:nvPr>
+        </p:nvSpPr>
+        <p:spPr/>
+        <p:txBody>
+          <a:bodyPr/>
+          <a:lstStyle/>
+          <a:p>
+            <a:fld id="{3EBA5BD7-F043-4D1B-AA17-CD412FC534DE}" type="slidenum">
+              <a:rPr lang="en-US" smtClean="0"/>
+              <a:t>17</a:t>
+            </a:fld>
+            <a:endParaRPr lang="en-US"/>
+          </a:p>
+        </p:txBody>
+      </p:sp>
+    </p:spTree>
+    <p:extLst>
+      <p:ext uri="{BB962C8B-B14F-4D97-AF65-F5344CB8AC3E}">
+        <p14:creationId xmlns:p14="http://schemas.microsoft.com/office/powerpoint/2010/main" val="1834741835"/>
+      </p:ext>
+    </p:extLst>
+  </p:cSld>
+  <p:clrMapOvr>
+    <a:masterClrMapping/>
+  </p:clrMapOvr>
+</p:notes>
+</file>
+
+<file path=ppt/notesSlides/notesSlide18.xml><?xml version="1.0" encoding="utf-8"?>
 <p:notes xmlns:a="http://schemas.openxmlformats.org/drawingml/2006/main" xmlns:r="http://schemas.openxmlformats.org/officeDocument/2006/relationships" xmlns:p="http://schemas.openxmlformats.org/presentationml/2006/main">
   <p:cSld>
     <p:spTree>
@@ -4723,7 +1830,7 @@
           <a:p>
             <a:fld id="{3EBA5BD7-F043-4D1B-AA17-CD412FC534DE}" type="slidenum">
               <a:rPr lang="en-US" smtClean="0"/>
-              <a:t>15</a:t>
+              <a:t>18</a:t>
             </a:fld>
             <a:endParaRPr lang="en-US"/>
           </a:p>
@@ -4742,7 +1849,7 @@
 </p:notes>
 </file>
 
-<file path=ppt/notesSlides/notesSlide16.xml><?xml version="1.0" encoding="utf-8"?>
+<file path=ppt/notesSlides/notesSlide19.xml><?xml version="1.0" encoding="utf-8"?>
 <p:notes xmlns:a="http://schemas.openxmlformats.org/drawingml/2006/main" xmlns:r="http://schemas.openxmlformats.org/officeDocument/2006/relationships" xmlns:p="http://schemas.openxmlformats.org/presentationml/2006/main">
   <p:cSld>
     <p:spTree>
@@ -4920,7 +2027,7 @@
           <a:p>
             <a:fld id="{3EBA5BD7-F043-4D1B-AA17-CD412FC534DE}" type="slidenum">
               <a:rPr lang="en-US" smtClean="0"/>
-              <a:t>16</a:t>
+              <a:t>19</a:t>
             </a:fld>
             <a:endParaRPr lang="en-US"/>
           </a:p>
@@ -4930,152 +2037,6 @@
     <p:extLst>
       <p:ext uri="{BB962C8B-B14F-4D97-AF65-F5344CB8AC3E}">
         <p14:creationId xmlns:p14="http://schemas.microsoft.com/office/powerpoint/2010/main" val="835613842"/>
-      </p:ext>
-    </p:extLst>
-  </p:cSld>
-  <p:clrMapOvr>
-    <a:masterClrMapping/>
-  </p:clrMapOvr>
-</p:notes>
-</file>
-
-<file path=ppt/notesSlides/notesSlide17.xml><?xml version="1.0" encoding="utf-8"?>
-<p:notes xmlns:a="http://schemas.openxmlformats.org/drawingml/2006/main" xmlns:r="http://schemas.openxmlformats.org/officeDocument/2006/relationships" xmlns:p="http://schemas.openxmlformats.org/presentationml/2006/main">
-  <p:cSld>
-    <p:spTree>
-      <p:nvGrpSpPr>
-        <p:cNvPr id="1" name="">
-          <a:extLst>
-            <a:ext uri="{FF2B5EF4-FFF2-40B4-BE49-F238E27FC236}">
-              <a16:creationId xmlns:a16="http://schemas.microsoft.com/office/drawing/2014/main" id="{20260FFC-A3CE-A420-348B-522FACB63858}"/>
-            </a:ext>
-          </a:extLst>
-        </p:cNvPr>
-        <p:cNvGrpSpPr/>
-        <p:nvPr/>
-      </p:nvGrpSpPr>
-      <p:grpSpPr>
-        <a:xfrm>
-          <a:off x="0" y="0"/>
-          <a:ext cx="0" cy="0"/>
-          <a:chOff x="0" y="0"/>
-          <a:chExt cx="0" cy="0"/>
-        </a:xfrm>
-      </p:grpSpPr>
-      <p:sp>
-        <p:nvSpPr>
-          <p:cNvPr id="2" name="Slide Image Placeholder 1">
-            <a:extLst>
-              <a:ext uri="{FF2B5EF4-FFF2-40B4-BE49-F238E27FC236}">
-                <a16:creationId xmlns:a16="http://schemas.microsoft.com/office/drawing/2014/main" id="{F85722EA-AB99-98BD-72DC-2067C6D3BA7D}"/>
-              </a:ext>
-            </a:extLst>
-          </p:cNvPr>
-          <p:cNvSpPr>
-            <a:spLocks noGrp="1" noRot="1" noChangeAspect="1"/>
-          </p:cNvSpPr>
-          <p:nvPr>
-            <p:ph type="sldImg"/>
-          </p:nvPr>
-        </p:nvSpPr>
-        <p:spPr/>
-      </p:sp>
-      <p:sp>
-        <p:nvSpPr>
-          <p:cNvPr id="3" name="Notes Placeholder 2">
-            <a:extLst>
-              <a:ext uri="{FF2B5EF4-FFF2-40B4-BE49-F238E27FC236}">
-                <a16:creationId xmlns:a16="http://schemas.microsoft.com/office/drawing/2014/main" id="{9AEA0344-A285-CC57-AEC6-409D03F515C2}"/>
-              </a:ext>
-            </a:extLst>
-          </p:cNvPr>
-          <p:cNvSpPr>
-            <a:spLocks noGrp="1"/>
-          </p:cNvSpPr>
-          <p:nvPr>
-            <p:ph type="body" idx="1"/>
-          </p:nvPr>
-        </p:nvSpPr>
-        <p:spPr/>
-        <p:txBody>
-          <a:bodyPr/>
-          <a:lstStyle/>
-          <a:p>
-            <a:r>
-              <a:rPr lang="es-ES" dirty="0"/>
-              <a:t>sudo </a:t>
-            </a:r>
-            <a:r>
-              <a:rPr lang="es-ES" dirty="0" err="1"/>
-              <a:t>apt</a:t>
-            </a:r>
-            <a:r>
-              <a:rPr lang="es-ES" dirty="0"/>
-              <a:t> </a:t>
-            </a:r>
-            <a:r>
-              <a:rPr lang="es-ES" dirty="0" err="1"/>
-              <a:t>update</a:t>
-            </a:r>
-            <a:r>
-              <a:rPr lang="es-ES" dirty="0"/>
-              <a:t> &amp;&amp; sudo </a:t>
-            </a:r>
-            <a:r>
-              <a:rPr lang="es-ES" dirty="0" err="1"/>
-              <a:t>apt</a:t>
-            </a:r>
-            <a:r>
-              <a:rPr lang="es-ES" dirty="0"/>
-              <a:t> </a:t>
-            </a:r>
-            <a:r>
-              <a:rPr lang="es-ES" dirty="0" err="1"/>
-              <a:t>upgrade</a:t>
-            </a:r>
-            <a:r>
-              <a:rPr lang="es-ES" dirty="0"/>
-              <a:t> -y</a:t>
-            </a:r>
-          </a:p>
-          <a:p>
-            <a:endParaRPr lang="en-US" dirty="0"/>
-          </a:p>
-        </p:txBody>
-      </p:sp>
-      <p:sp>
-        <p:nvSpPr>
-          <p:cNvPr id="4" name="Slide Number Placeholder 3">
-            <a:extLst>
-              <a:ext uri="{FF2B5EF4-FFF2-40B4-BE49-F238E27FC236}">
-                <a16:creationId xmlns:a16="http://schemas.microsoft.com/office/drawing/2014/main" id="{0D1C5FEC-F407-E115-DFCA-64DE914BEBB9}"/>
-              </a:ext>
-            </a:extLst>
-          </p:cNvPr>
-          <p:cNvSpPr>
-            <a:spLocks noGrp="1"/>
-          </p:cNvSpPr>
-          <p:nvPr>
-            <p:ph type="sldNum" sz="quarter" idx="5"/>
-          </p:nvPr>
-        </p:nvSpPr>
-        <p:spPr/>
-        <p:txBody>
-          <a:bodyPr/>
-          <a:lstStyle/>
-          <a:p>
-            <a:fld id="{3EBA5BD7-F043-4D1B-AA17-CD412FC534DE}" type="slidenum">
-              <a:rPr lang="en-US" smtClean="0"/>
-              <a:t>17</a:t>
-            </a:fld>
-            <a:endParaRPr lang="en-US"/>
-          </a:p>
-        </p:txBody>
-      </p:sp>
-    </p:spTree>
-    <p:extLst>
-      <p:ext uri="{BB962C8B-B14F-4D97-AF65-F5344CB8AC3E}">
-        <p14:creationId xmlns:p14="http://schemas.microsoft.com/office/powerpoint/2010/main" val="4286815560"/>
       </p:ext>
     </p:extLst>
   </p:cSld>
@@ -5169,6 +2130,152 @@
 </p:notes>
 </file>
 
+<file path=ppt/notesSlides/notesSlide20.xml><?xml version="1.0" encoding="utf-8"?>
+<p:notes xmlns:a="http://schemas.openxmlformats.org/drawingml/2006/main" xmlns:r="http://schemas.openxmlformats.org/officeDocument/2006/relationships" xmlns:p="http://schemas.openxmlformats.org/presentationml/2006/main">
+  <p:cSld>
+    <p:spTree>
+      <p:nvGrpSpPr>
+        <p:cNvPr id="1" name="">
+          <a:extLst>
+            <a:ext uri="{FF2B5EF4-FFF2-40B4-BE49-F238E27FC236}">
+              <a16:creationId xmlns:a16="http://schemas.microsoft.com/office/drawing/2014/main" id="{20260FFC-A3CE-A420-348B-522FACB63858}"/>
+            </a:ext>
+          </a:extLst>
+        </p:cNvPr>
+        <p:cNvGrpSpPr/>
+        <p:nvPr/>
+      </p:nvGrpSpPr>
+      <p:grpSpPr>
+        <a:xfrm>
+          <a:off x="0" y="0"/>
+          <a:ext cx="0" cy="0"/>
+          <a:chOff x="0" y="0"/>
+          <a:chExt cx="0" cy="0"/>
+        </a:xfrm>
+      </p:grpSpPr>
+      <p:sp>
+        <p:nvSpPr>
+          <p:cNvPr id="2" name="Slide Image Placeholder 1">
+            <a:extLst>
+              <a:ext uri="{FF2B5EF4-FFF2-40B4-BE49-F238E27FC236}">
+                <a16:creationId xmlns:a16="http://schemas.microsoft.com/office/drawing/2014/main" id="{F85722EA-AB99-98BD-72DC-2067C6D3BA7D}"/>
+              </a:ext>
+            </a:extLst>
+          </p:cNvPr>
+          <p:cNvSpPr>
+            <a:spLocks noGrp="1" noRot="1" noChangeAspect="1"/>
+          </p:cNvSpPr>
+          <p:nvPr>
+            <p:ph type="sldImg"/>
+          </p:nvPr>
+        </p:nvSpPr>
+        <p:spPr/>
+      </p:sp>
+      <p:sp>
+        <p:nvSpPr>
+          <p:cNvPr id="3" name="Notes Placeholder 2">
+            <a:extLst>
+              <a:ext uri="{FF2B5EF4-FFF2-40B4-BE49-F238E27FC236}">
+                <a16:creationId xmlns:a16="http://schemas.microsoft.com/office/drawing/2014/main" id="{9AEA0344-A285-CC57-AEC6-409D03F515C2}"/>
+              </a:ext>
+            </a:extLst>
+          </p:cNvPr>
+          <p:cNvSpPr>
+            <a:spLocks noGrp="1"/>
+          </p:cNvSpPr>
+          <p:nvPr>
+            <p:ph type="body" idx="1"/>
+          </p:nvPr>
+        </p:nvSpPr>
+        <p:spPr/>
+        <p:txBody>
+          <a:bodyPr/>
+          <a:lstStyle/>
+          <a:p>
+            <a:r>
+              <a:rPr lang="es-ES" dirty="0"/>
+              <a:t>sudo </a:t>
+            </a:r>
+            <a:r>
+              <a:rPr lang="es-ES" dirty="0" err="1"/>
+              <a:t>apt</a:t>
+            </a:r>
+            <a:r>
+              <a:rPr lang="es-ES" dirty="0"/>
+              <a:t> </a:t>
+            </a:r>
+            <a:r>
+              <a:rPr lang="es-ES" dirty="0" err="1"/>
+              <a:t>update</a:t>
+            </a:r>
+            <a:r>
+              <a:rPr lang="es-ES" dirty="0"/>
+              <a:t> &amp;&amp; sudo </a:t>
+            </a:r>
+            <a:r>
+              <a:rPr lang="es-ES" dirty="0" err="1"/>
+              <a:t>apt</a:t>
+            </a:r>
+            <a:r>
+              <a:rPr lang="es-ES" dirty="0"/>
+              <a:t> </a:t>
+            </a:r>
+            <a:r>
+              <a:rPr lang="es-ES" dirty="0" err="1"/>
+              <a:t>upgrade</a:t>
+            </a:r>
+            <a:r>
+              <a:rPr lang="es-ES" dirty="0"/>
+              <a:t> -y</a:t>
+            </a:r>
+          </a:p>
+          <a:p>
+            <a:endParaRPr lang="en-US" dirty="0"/>
+          </a:p>
+        </p:txBody>
+      </p:sp>
+      <p:sp>
+        <p:nvSpPr>
+          <p:cNvPr id="4" name="Slide Number Placeholder 3">
+            <a:extLst>
+              <a:ext uri="{FF2B5EF4-FFF2-40B4-BE49-F238E27FC236}">
+                <a16:creationId xmlns:a16="http://schemas.microsoft.com/office/drawing/2014/main" id="{0D1C5FEC-F407-E115-DFCA-64DE914BEBB9}"/>
+              </a:ext>
+            </a:extLst>
+          </p:cNvPr>
+          <p:cNvSpPr>
+            <a:spLocks noGrp="1"/>
+          </p:cNvSpPr>
+          <p:nvPr>
+            <p:ph type="sldNum" sz="quarter" idx="5"/>
+          </p:nvPr>
+        </p:nvSpPr>
+        <p:spPr/>
+        <p:txBody>
+          <a:bodyPr/>
+          <a:lstStyle/>
+          <a:p>
+            <a:fld id="{3EBA5BD7-F043-4D1B-AA17-CD412FC534DE}" type="slidenum">
+              <a:rPr lang="en-US" smtClean="0"/>
+              <a:t>20</a:t>
+            </a:fld>
+            <a:endParaRPr lang="en-US"/>
+          </a:p>
+        </p:txBody>
+      </p:sp>
+    </p:spTree>
+    <p:extLst>
+      <p:ext uri="{BB962C8B-B14F-4D97-AF65-F5344CB8AC3E}">
+        <p14:creationId xmlns:p14="http://schemas.microsoft.com/office/powerpoint/2010/main" val="4286815560"/>
+      </p:ext>
+    </p:extLst>
+  </p:cSld>
+  <p:clrMapOvr>
+    <a:masterClrMapping/>
+  </p:clrMapOvr>
+</p:notes>
+</file>
+
 <file path=ppt/notesSlides/notesSlide3.xml><?xml version="1.0" encoding="utf-8"?>
 <p:notes xmlns:a="http://schemas.openxmlformats.org/drawingml/2006/main" xmlns:r="http://schemas.openxmlformats.org/officeDocument/2006/relationships" xmlns:p="http://schemas.openxmlformats.org/presentationml/2006/main">
   <p:cSld>
@@ -5257,113 +2364,6 @@
 </file>
 
 <file path=ppt/notesSlides/notesSlide4.xml><?xml version="1.0" encoding="utf-8"?>
-<p:notes xmlns:a="http://schemas.openxmlformats.org/drawingml/2006/main" xmlns:r="http://schemas.openxmlformats.org/officeDocument/2006/relationships" xmlns:p="http://schemas.openxmlformats.org/presentationml/2006/main">
-  <p:cSld>
-    <p:spTree>
-      <p:nvGrpSpPr>
-        <p:cNvPr id="1" name=""/>
-        <p:cNvGrpSpPr/>
-        <p:nvPr/>
-      </p:nvGrpSpPr>
-      <p:grpSpPr>
-        <a:xfrm>
-          <a:off x="0" y="0"/>
-          <a:ext cx="0" cy="0"/>
-          <a:chOff x="0" y="0"/>
-          <a:chExt cx="0" cy="0"/>
-        </a:xfrm>
-      </p:grpSpPr>
-      <p:sp>
-        <p:nvSpPr>
-          <p:cNvPr id="2" name="Slide Image Placeholder 1"/>
-          <p:cNvSpPr>
-            <a:spLocks noGrp="1" noRot="1" noChangeAspect="1"/>
-          </p:cNvSpPr>
-          <p:nvPr>
-            <p:ph type="sldImg"/>
-          </p:nvPr>
-        </p:nvSpPr>
-        <p:spPr/>
-      </p:sp>
-      <p:sp>
-        <p:nvSpPr>
-          <p:cNvPr id="3" name="Notes Placeholder 2"/>
-          <p:cNvSpPr>
-            <a:spLocks noGrp="1"/>
-          </p:cNvSpPr>
-          <p:nvPr>
-            <p:ph type="body" idx="1"/>
-          </p:nvPr>
-        </p:nvSpPr>
-        <p:spPr/>
-        <p:txBody>
-          <a:bodyPr/>
-          <a:lstStyle/>
-          <a:p>
-            <a:pPr marL="0" marR="0" lvl="0" indent="0" algn="l" defTabSz="1218987" rtl="0" eaLnBrk="1" fontAlgn="auto" latinLnBrk="0" hangingPunct="1">
-              <a:lnSpc>
-                <a:spcPct val="100000"/>
-              </a:lnSpc>
-              <a:spcBef>
-                <a:spcPts val="0"/>
-              </a:spcBef>
-              <a:spcAft>
-                <a:spcPts val="0"/>
-              </a:spcAft>
-              <a:buClrTx/>
-              <a:buSzTx/>
-              <a:buFontTx/>
-              <a:buNone/>
-              <a:tabLst/>
-              <a:defRPr/>
-            </a:pPr>
-            <a:r>
-              <a:rPr lang="en-US" dirty="0"/>
-              <a:t>Shell scripts are widely used by developers and sysadmins to perform tasks like daily backups, package installations, user account setup, or even deploying apps automatically.</a:t>
-            </a:r>
-          </a:p>
-          <a:p>
-            <a:endParaRPr lang="en-US" dirty="0"/>
-          </a:p>
-        </p:txBody>
-      </p:sp>
-      <p:sp>
-        <p:nvSpPr>
-          <p:cNvPr id="4" name="Slide Number Placeholder 3"/>
-          <p:cNvSpPr>
-            <a:spLocks noGrp="1"/>
-          </p:cNvSpPr>
-          <p:nvPr>
-            <p:ph type="sldNum" sz="quarter" idx="10"/>
-          </p:nvPr>
-        </p:nvSpPr>
-        <p:spPr/>
-        <p:txBody>
-          <a:bodyPr/>
-          <a:lstStyle/>
-          <a:p>
-            <a:fld id="{3EBA5BD7-F043-4D1B-AA17-CD412FC534DE}" type="slidenum">
-              <a:rPr lang="en-US" smtClean="0"/>
-              <a:t>4</a:t>
-            </a:fld>
-            <a:endParaRPr lang="en-US"/>
-          </a:p>
-        </p:txBody>
-      </p:sp>
-    </p:spTree>
-    <p:extLst>
-      <p:ext uri="{BB962C8B-B14F-4D97-AF65-F5344CB8AC3E}">
-        <p14:creationId xmlns:p14="http://schemas.microsoft.com/office/powerpoint/2010/main" val="4117229062"/>
-      </p:ext>
-    </p:extLst>
-  </p:cSld>
-  <p:clrMapOvr>
-    <a:masterClrMapping/>
-  </p:clrMapOvr>
-</p:notes>
-</file>
-
-<file path=ppt/notesSlides/notesSlide5.xml><?xml version="1.0" encoding="utf-8"?>
 <p:notes xmlns:a="http://schemas.openxmlformats.org/drawingml/2006/main" xmlns:r="http://schemas.openxmlformats.org/officeDocument/2006/relationships" xmlns:p="http://schemas.openxmlformats.org/presentationml/2006/main">
   <p:cSld>
     <p:spTree>
@@ -5444,7 +2444,51 @@
             </a:pPr>
             <a:r>
               <a:rPr lang="en-US" dirty="0"/>
-              <a:t>The shebang is always the first line. Comments are ignored by the shell but helpful for documentation. Variables store data, and echo displays output.</a:t>
+              <a:t>The shebang is always the first line. Comments are ignored by the shell but helpful for documentation. Variables store data, and echo displays </a:t>
+            </a:r>
+            <a:r>
+              <a:rPr lang="en-US" dirty="0" err="1"/>
+              <a:t>outp</a:t>
+            </a:r>
+            <a:endParaRPr lang="en-US" dirty="0"/>
+          </a:p>
+          <a:p>
+            <a:pPr marL="0" marR="0" lvl="0" indent="0" algn="l" defTabSz="1218987" rtl="0" eaLnBrk="1" fontAlgn="auto" latinLnBrk="0" hangingPunct="1">
+              <a:lnSpc>
+                <a:spcPct val="100000"/>
+              </a:lnSpc>
+              <a:spcBef>
+                <a:spcPts val="0"/>
+              </a:spcBef>
+              <a:spcAft>
+                <a:spcPts val="0"/>
+              </a:spcAft>
+              <a:buClrTx/>
+              <a:buSzTx/>
+              <a:buFontTx/>
+              <a:buNone/>
+              <a:tabLst/>
+              <a:defRPr/>
+            </a:pPr>
+            <a:r>
+              <a:rPr lang="en-US" dirty="0"/>
+              <a:t>A </a:t>
+            </a:r>
+            <a:r>
+              <a:rPr lang="en-US" b="1" dirty="0"/>
+              <a:t>shebang</a:t>
+            </a:r>
+            <a:r>
+              <a:rPr lang="en-US" dirty="0"/>
+              <a:t> is the character sequence #! at the very top of a script file, followed by the path to the interpreter that should run the </a:t>
+            </a:r>
+            <a:r>
+              <a:rPr lang="en-US" dirty="0" err="1"/>
+              <a:t>script.ut</a:t>
+            </a:r>
+            <a:r>
+              <a:rPr lang="en-US" dirty="0"/>
+              <a:t>.</a:t>
             </a:r>
           </a:p>
         </p:txBody>
@@ -5472,7 +2516,7 @@
           <a:p>
             <a:fld id="{3EBA5BD7-F043-4D1B-AA17-CD412FC534DE}" type="slidenum">
               <a:rPr lang="en-US" smtClean="0"/>
-              <a:t>5</a:t>
+              <a:t>4</a:t>
             </a:fld>
             <a:endParaRPr lang="en-US"/>
           </a:p>
@@ -5482,6 +2526,131 @@
     <p:extLst>
       <p:ext uri="{BB962C8B-B14F-4D97-AF65-F5344CB8AC3E}">
         <p14:creationId xmlns:p14="http://schemas.microsoft.com/office/powerpoint/2010/main" val="2433973197"/>
+      </p:ext>
+    </p:extLst>
+  </p:cSld>
+  <p:clrMapOvr>
+    <a:masterClrMapping/>
+  </p:clrMapOvr>
+</p:notes>
+</file>
+
+<file path=ppt/notesSlides/notesSlide5.xml><?xml version="1.0" encoding="utf-8"?>
+<p:notes xmlns:a="http://schemas.openxmlformats.org/drawingml/2006/main" xmlns:r="http://schemas.openxmlformats.org/officeDocument/2006/relationships" xmlns:p="http://schemas.openxmlformats.org/presentationml/2006/main">
+  <p:cSld>
+    <p:spTree>
+      <p:nvGrpSpPr>
+        <p:cNvPr id="1" name="">
+          <a:extLst>
+            <a:ext uri="{FF2B5EF4-FFF2-40B4-BE49-F238E27FC236}">
+              <a16:creationId xmlns:a16="http://schemas.microsoft.com/office/drawing/2014/main" id="{676115D9-2AB5-BC47-9A43-C8A0EDB9A1E5}"/>
+            </a:ext>
+          </a:extLst>
+        </p:cNvPr>
+        <p:cNvGrpSpPr/>
+        <p:nvPr/>
+      </p:nvGrpSpPr>
+      <p:grpSpPr>
+        <a:xfrm>
+          <a:off x="0" y="0"/>
+          <a:ext cx="0" cy="0"/>
+          <a:chOff x="0" y="0"/>
+          <a:chExt cx="0" cy="0"/>
+        </a:xfrm>
+      </p:grpSpPr>
+      <p:sp>
+        <p:nvSpPr>
+          <p:cNvPr id="2" name="Slide Image Placeholder 1">
+            <a:extLst>
+              <a:ext uri="{FF2B5EF4-FFF2-40B4-BE49-F238E27FC236}">
+                <a16:creationId xmlns:a16="http://schemas.microsoft.com/office/drawing/2014/main" id="{331CC2E2-C232-9D8C-F70D-19DDA3162B5D}"/>
+              </a:ext>
+            </a:extLst>
+          </p:cNvPr>
+          <p:cNvSpPr>
+            <a:spLocks noGrp="1" noRot="1" noChangeAspect="1"/>
+          </p:cNvSpPr>
+          <p:nvPr>
+            <p:ph type="sldImg"/>
+          </p:nvPr>
+        </p:nvSpPr>
+        <p:spPr/>
+      </p:sp>
+      <p:sp>
+        <p:nvSpPr>
+          <p:cNvPr id="3" name="Notes Placeholder 2">
+            <a:extLst>
+              <a:ext uri="{FF2B5EF4-FFF2-40B4-BE49-F238E27FC236}">
+                <a16:creationId xmlns:a16="http://schemas.microsoft.com/office/drawing/2014/main" id="{1E2F104B-F484-3680-E62F-3C1854B75891}"/>
+              </a:ext>
+            </a:extLst>
+          </p:cNvPr>
+          <p:cNvSpPr>
+            <a:spLocks noGrp="1"/>
+          </p:cNvSpPr>
+          <p:nvPr>
+            <p:ph type="body" idx="1"/>
+          </p:nvPr>
+        </p:nvSpPr>
+        <p:spPr/>
+        <p:txBody>
+          <a:bodyPr/>
+          <a:lstStyle/>
+          <a:p>
+            <a:pPr marL="0" marR="0" lvl="0" indent="0" algn="l" defTabSz="1218987" rtl="0" eaLnBrk="1" fontAlgn="auto" latinLnBrk="0" hangingPunct="1">
+              <a:lnSpc>
+                <a:spcPct val="100000"/>
+              </a:lnSpc>
+              <a:spcBef>
+                <a:spcPts val="0"/>
+              </a:spcBef>
+              <a:spcAft>
+                <a:spcPts val="0"/>
+              </a:spcAft>
+              <a:buClrTx/>
+              <a:buSzTx/>
+              <a:buFontTx/>
+              <a:buNone/>
+              <a:tabLst/>
+              <a:defRPr/>
+            </a:pPr>
+            <a:endParaRPr lang="en-US" dirty="0"/>
+          </a:p>
+        </p:txBody>
+      </p:sp>
+      <p:sp>
+        <p:nvSpPr>
+          <p:cNvPr id="4" name="Slide Number Placeholder 3">
+            <a:extLst>
+              <a:ext uri="{FF2B5EF4-FFF2-40B4-BE49-F238E27FC236}">
+                <a16:creationId xmlns:a16="http://schemas.microsoft.com/office/drawing/2014/main" id="{271440AD-89D6-C2C3-9566-C947E2D63D03}"/>
+              </a:ext>
+            </a:extLst>
+          </p:cNvPr>
+          <p:cNvSpPr>
+            <a:spLocks noGrp="1"/>
+          </p:cNvSpPr>
+          <p:nvPr>
+            <p:ph type="sldNum" sz="quarter" idx="10"/>
+          </p:nvPr>
+        </p:nvSpPr>
+        <p:spPr/>
+        <p:txBody>
+          <a:bodyPr/>
+          <a:lstStyle/>
+          <a:p>
+            <a:fld id="{3EBA5BD7-F043-4D1B-AA17-CD412FC534DE}" type="slidenum">
+              <a:rPr lang="en-US" smtClean="0"/>
+              <a:t>5</a:t>
+            </a:fld>
+            <a:endParaRPr lang="en-US"/>
+          </a:p>
+        </p:txBody>
+      </p:sp>
+    </p:spTree>
+    <p:extLst>
+      <p:ext uri="{BB962C8B-B14F-4D97-AF65-F5344CB8AC3E}">
+        <p14:creationId xmlns:p14="http://schemas.microsoft.com/office/powerpoint/2010/main" val="2139237060"/>
       </p:ext>
     </p:extLst>
   </p:cSld>
@@ -5565,6 +2734,41 @@
             <a:r>
               <a:rPr lang="en-US" dirty="0"/>
               <a:t> +x. Then run it with ./. This script prints a greeting using a variable.</a:t>
+            </a:r>
+          </a:p>
+          <a:p>
+            <a:r>
+              <a:rPr lang="en-US" dirty="0"/>
+              <a:t> or</a:t>
+            </a:r>
+          </a:p>
+          <a:p>
+            <a:endParaRPr lang="en-US" dirty="0"/>
+          </a:p>
+          <a:p>
+            <a:r>
+              <a:rPr lang="en-US" dirty="0"/>
+              <a:t>bash script.sh</a:t>
+            </a:r>
+          </a:p>
+          <a:p>
+            <a:r>
+              <a:rPr lang="en-US" dirty="0" err="1"/>
+              <a:t>sh</a:t>
+            </a:r>
+            <a:r>
+              <a:rPr lang="en-US" dirty="0"/>
+              <a:t> script.sh</a:t>
+            </a:r>
+          </a:p>
+          <a:p>
+            <a:r>
+              <a:rPr lang="en-US" dirty="0" err="1"/>
+              <a:t>zsh</a:t>
+            </a:r>
+            <a:r>
+              <a:rPr lang="en-US" dirty="0"/>
+              <a:t> script.sh</a:t>
             </a:r>
           </a:p>
         </p:txBody>
@@ -5697,7 +2901,7 @@
         <p:cNvPr id="1" name="">
           <a:extLst>
             <a:ext uri="{FF2B5EF4-FFF2-40B4-BE49-F238E27FC236}">
-              <a16:creationId xmlns:a16="http://schemas.microsoft.com/office/drawing/2014/main" id="{EADAD6E1-8A18-F971-77BC-D8D362F4CD6B}"/>
+              <a16:creationId xmlns:a16="http://schemas.microsoft.com/office/drawing/2014/main" id="{651BA31D-30E9-4BC6-3797-72AD6F299DC7}"/>
             </a:ext>
           </a:extLst>
         </p:cNvPr>
@@ -5717,7 +2921,7 @@
           <p:cNvPr id="2" name="Slide Image Placeholder 1">
             <a:extLst>
               <a:ext uri="{FF2B5EF4-FFF2-40B4-BE49-F238E27FC236}">
-                <a16:creationId xmlns:a16="http://schemas.microsoft.com/office/drawing/2014/main" id="{3C746C88-BAC2-318A-8E9A-EA2DDCE3D023}"/>
+                <a16:creationId xmlns:a16="http://schemas.microsoft.com/office/drawing/2014/main" id="{C049DF47-A4B2-633D-BB61-80B9EB29B11B}"/>
               </a:ext>
             </a:extLst>
           </p:cNvPr>
@@ -5735,7 +2939,7 @@
           <p:cNvPr id="3" name="Notes Placeholder 2">
             <a:extLst>
               <a:ext uri="{FF2B5EF4-FFF2-40B4-BE49-F238E27FC236}">
-                <a16:creationId xmlns:a16="http://schemas.microsoft.com/office/drawing/2014/main" id="{54123F22-B59F-F8A0-42B2-C4FDE39A0F38}"/>
+                <a16:creationId xmlns:a16="http://schemas.microsoft.com/office/drawing/2014/main" id="{9F8A6027-B41E-09FB-2F66-DF4BBD58B698}"/>
               </a:ext>
             </a:extLst>
           </p:cNvPr>
@@ -5760,7 +2964,7 @@
           <p:cNvPr id="4" name="Slide Number Placeholder 3">
             <a:extLst>
               <a:ext uri="{FF2B5EF4-FFF2-40B4-BE49-F238E27FC236}">
-                <a16:creationId xmlns:a16="http://schemas.microsoft.com/office/drawing/2014/main" id="{C2B4467E-E1DD-29BF-DC13-AAE3A2FB01F6}"/>
+                <a16:creationId xmlns:a16="http://schemas.microsoft.com/office/drawing/2014/main" id="{D28B3FDC-064D-F19E-1BAE-D358A4F032EF}"/>
               </a:ext>
             </a:extLst>
           </p:cNvPr>
@@ -5787,7 +2991,7 @@
     </p:spTree>
     <p:extLst>
       <p:ext uri="{BB962C8B-B14F-4D97-AF65-F5344CB8AC3E}">
-        <p14:creationId xmlns:p14="http://schemas.microsoft.com/office/powerpoint/2010/main" val="321703814"/>
+        <p14:creationId xmlns:p14="http://schemas.microsoft.com/office/powerpoint/2010/main" val="3869040164"/>
       </p:ext>
     </p:extLst>
   </p:cSld>
@@ -5805,7 +3009,7 @@
         <p:cNvPr id="1" name="">
           <a:extLst>
             <a:ext uri="{FF2B5EF4-FFF2-40B4-BE49-F238E27FC236}">
-              <a16:creationId xmlns:a16="http://schemas.microsoft.com/office/drawing/2014/main" id="{6BFD2535-43C3-2F2E-4571-0B2DAD7A1FBE}"/>
+              <a16:creationId xmlns:a16="http://schemas.microsoft.com/office/drawing/2014/main" id="{EADAD6E1-8A18-F971-77BC-D8D362F4CD6B}"/>
             </a:ext>
           </a:extLst>
         </p:cNvPr>
@@ -5825,7 +3029,7 @@
           <p:cNvPr id="2" name="Slide Image Placeholder 1">
             <a:extLst>
               <a:ext uri="{FF2B5EF4-FFF2-40B4-BE49-F238E27FC236}">
-                <a16:creationId xmlns:a16="http://schemas.microsoft.com/office/drawing/2014/main" id="{01B426AE-7DEA-3610-BA1B-551EF2AE42D7}"/>
+                <a16:creationId xmlns:a16="http://schemas.microsoft.com/office/drawing/2014/main" id="{3C746C88-BAC2-318A-8E9A-EA2DDCE3D023}"/>
               </a:ext>
             </a:extLst>
           </p:cNvPr>
@@ -5843,7 +3047,7 @@
           <p:cNvPr id="3" name="Notes Placeholder 2">
             <a:extLst>
               <a:ext uri="{FF2B5EF4-FFF2-40B4-BE49-F238E27FC236}">
-                <a16:creationId xmlns:a16="http://schemas.microsoft.com/office/drawing/2014/main" id="{C9F30A6B-EEF5-B1A2-38D3-EFF65B546D53}"/>
+                <a16:creationId xmlns:a16="http://schemas.microsoft.com/office/drawing/2014/main" id="{54123F22-B59F-F8A0-42B2-C4FDE39A0F38}"/>
               </a:ext>
             </a:extLst>
           </p:cNvPr>
@@ -5859,7 +3063,140 @@
           <a:bodyPr/>
           <a:lstStyle/>
           <a:p>
+            <a:r>
+              <a:rPr lang="en-US" dirty="0"/>
+              <a:t>\t </a:t>
+            </a:r>
+            <a:r>
+              <a:rPr lang="en-US" dirty="0" err="1"/>
+              <a:t>fpr</a:t>
+            </a:r>
+            <a:r>
+              <a:rPr lang="en-US" dirty="0"/>
+              <a:t> tab \n for new line</a:t>
+            </a:r>
+          </a:p>
+          <a:p>
+            <a:r>
+              <a:rPr lang="en-US" dirty="0"/>
+              <a:t>Display literal back lash is need \\</a:t>
+            </a:r>
+          </a:p>
+          <a:p>
             <a:endParaRPr lang="en-US" dirty="0"/>
+          </a:p>
+          <a:p>
+            <a:endParaRPr lang="en-US" dirty="0"/>
+          </a:p>
+          <a:p>
+            <a:r>
+              <a:rPr lang="en-US" dirty="0"/>
+              <a:t>You can improve a simple read command to ask for </a:t>
+            </a:r>
+            <a:r>
+              <a:rPr lang="en-US" b="1" dirty="0"/>
+              <a:t>first name</a:t>
+            </a:r>
+            <a:r>
+              <a:rPr lang="en-US" dirty="0"/>
+              <a:t> and </a:t>
+            </a:r>
+            <a:r>
+              <a:rPr lang="en-US" b="1" dirty="0"/>
+              <a:t>last name</a:t>
+            </a:r>
+            <a:r>
+              <a:rPr lang="en-US" dirty="0"/>
+              <a:t> like this:</a:t>
+            </a:r>
+          </a:p>
+          <a:p>
+            <a:r>
+              <a:rPr lang="en-US" dirty="0"/>
+              <a:t>bash</a:t>
+            </a:r>
+          </a:p>
+          <a:p>
+            <a:r>
+              <a:rPr lang="en-US" dirty="0" err="1"/>
+              <a:t>CopyEdit</a:t>
+            </a:r>
+            <a:endParaRPr lang="en-US" dirty="0"/>
+          </a:p>
+          <a:p>
+            <a:pPr rtl="0"/>
+            <a:r>
+              <a:rPr lang="en-US" dirty="0"/>
+              <a:t>#!/bin/bash </a:t>
+            </a:r>
+          </a:p>
+          <a:p>
+            <a:pPr rtl="0"/>
+            <a:r>
+              <a:rPr lang="en-US" dirty="0"/>
+              <a:t>read -p "Enter your first name: " </a:t>
+            </a:r>
+            <a:r>
+              <a:rPr lang="en-US" dirty="0" err="1"/>
+              <a:t>fname</a:t>
+            </a:r>
+            <a:endParaRPr lang="en-US" dirty="0"/>
+          </a:p>
+          <a:p>
+            <a:pPr rtl="0"/>
+            <a:r>
+              <a:rPr lang="en-US" dirty="0"/>
+              <a:t> read -p "Enter your last name: " </a:t>
+            </a:r>
+            <a:r>
+              <a:rPr lang="en-US" dirty="0" err="1"/>
+              <a:t>lname</a:t>
+            </a:r>
+            <a:r>
+              <a:rPr lang="en-US" dirty="0"/>
+              <a:t> </a:t>
+            </a:r>
+          </a:p>
+          <a:p>
+            <a:pPr rtl="0"/>
+            <a:r>
+              <a:rPr lang="en-US" dirty="0"/>
+              <a:t>echo "Hello, $</a:t>
+            </a:r>
+            <a:r>
+              <a:rPr lang="en-US" dirty="0" err="1"/>
+              <a:t>fname</a:t>
+            </a:r>
+            <a:r>
+              <a:rPr lang="en-US" dirty="0"/>
+              <a:t> $</a:t>
+            </a:r>
+            <a:r>
+              <a:rPr lang="en-US" dirty="0" err="1"/>
+              <a:t>lname</a:t>
+            </a:r>
+            <a:r>
+              <a:rPr lang="en-US" dirty="0"/>
+              <a:t>!"</a:t>
+            </a:r>
+          </a:p>
+          <a:p>
+            <a:r>
+              <a:rPr lang="en-US" dirty="0"/>
+              <a:t>                                             </a:t>
+            </a:r>
+          </a:p>
+          <a:p>
+            <a:r>
+              <a:rPr lang="en-US" dirty="0"/>
+              <a:t>Add –s like</a:t>
+            </a:r>
+          </a:p>
+          <a:p>
+            <a:r>
+              <a:rPr lang="en-US" dirty="0"/>
+              <a:t> read –s –p “Enter your pass”  help to hid the password                                                                                                                                                                                                                                                                                        </a:t>
+            </a:r>
           </a:p>
         </p:txBody>
       </p:sp>
@@ -5868,7 +3205,7 @@
           <p:cNvPr id="4" name="Slide Number Placeholder 3">
             <a:extLst>
               <a:ext uri="{FF2B5EF4-FFF2-40B4-BE49-F238E27FC236}">
-                <a16:creationId xmlns:a16="http://schemas.microsoft.com/office/drawing/2014/main" id="{2800EBA3-7B79-5CCA-0DBB-F8A61A5EB261}"/>
+                <a16:creationId xmlns:a16="http://schemas.microsoft.com/office/drawing/2014/main" id="{C2B4467E-E1DD-29BF-DC13-AAE3A2FB01F6}"/>
               </a:ext>
             </a:extLst>
           </p:cNvPr>
@@ -5895,7 +3232,7 @@
     </p:spTree>
     <p:extLst>
       <p:ext uri="{BB962C8B-B14F-4D97-AF65-F5344CB8AC3E}">
-        <p14:creationId xmlns:p14="http://schemas.microsoft.com/office/powerpoint/2010/main" val="3519519"/>
+        <p14:creationId xmlns:p14="http://schemas.microsoft.com/office/powerpoint/2010/main" val="321703814"/>
       </p:ext>
     </p:extLst>
   </p:cSld>
@@ -6661,7 +3998,7 @@
           <a:p>
             <a:fld id="{F0DFD029-FB74-4578-B929-F66AA97659CA}" type="datetimeFigureOut">
               <a:rPr lang="en-US"/>
-              <a:t>7/19/2025</a:t>
+              <a:t>8/10/2025</a:t>
             </a:fld>
             <a:endParaRPr/>
           </a:p>
@@ -6859,7 +4196,7 @@
           <a:p>
             <a:fld id="{F0DFD029-FB74-4578-B929-F66AA97659CA}" type="datetimeFigureOut">
               <a:rPr lang="en-US"/>
-              <a:t>7/19/2025</a:t>
+              <a:t>8/10/2025</a:t>
             </a:fld>
             <a:endParaRPr/>
           </a:p>
@@ -7067,7 +4404,7 @@
           <a:p>
             <a:fld id="{F0DFD029-FB74-4578-B929-F66AA97659CA}" type="datetimeFigureOut">
               <a:rPr lang="en-US"/>
-              <a:t>7/19/2025</a:t>
+              <a:t>8/10/2025</a:t>
             </a:fld>
             <a:endParaRPr/>
           </a:p>
@@ -7265,7 +4602,7 @@
           <a:p>
             <a:fld id="{F0DFD029-FB74-4578-B929-F66AA97659CA}" type="datetimeFigureOut">
               <a:rPr lang="en-US"/>
-              <a:t>7/19/2025</a:t>
+              <a:t>8/10/2025</a:t>
             </a:fld>
             <a:endParaRPr/>
           </a:p>
@@ -7697,7 +5034,7 @@
           <a:p>
             <a:fld id="{F0DFD029-FB74-4578-B929-F66AA97659CA}" type="datetimeFigureOut">
               <a:rPr lang="en-US"/>
-              <a:t>7/19/2025</a:t>
+              <a:t>8/10/2025</a:t>
             </a:fld>
             <a:endParaRPr/>
           </a:p>
@@ -8001,7 +5338,7 @@
           <a:p>
             <a:fld id="{F0DFD029-FB74-4578-B929-F66AA97659CA}" type="datetimeFigureOut">
               <a:rPr lang="en-US"/>
-              <a:t>7/19/2025</a:t>
+              <a:t>8/10/2025</a:t>
             </a:fld>
             <a:endParaRPr/>
           </a:p>
@@ -8457,7 +5794,7 @@
           <a:p>
             <a:fld id="{F0DFD029-FB74-4578-B929-F66AA97659CA}" type="datetimeFigureOut">
               <a:rPr lang="en-US"/>
-              <a:t>7/19/2025</a:t>
+              <a:t>8/10/2025</a:t>
             </a:fld>
             <a:endParaRPr/>
           </a:p>
@@ -8587,7 +5924,7 @@
           <a:p>
             <a:fld id="{F0DFD029-FB74-4578-B929-F66AA97659CA}" type="datetimeFigureOut">
               <a:rPr lang="en-US"/>
-              <a:t>7/19/2025</a:t>
+              <a:t>8/10/2025</a:t>
             </a:fld>
             <a:endParaRPr/>
           </a:p>
@@ -8694,7 +6031,7 @@
           <a:p>
             <a:fld id="{F0DFD029-FB74-4578-B929-F66AA97659CA}" type="datetimeFigureOut">
               <a:rPr lang="en-US"/>
-              <a:t>7/19/2025</a:t>
+              <a:t>8/10/2025</a:t>
             </a:fld>
             <a:endParaRPr/>
           </a:p>
@@ -8993,7 +6330,7 @@
           <a:p>
             <a:fld id="{F0DFD029-FB74-4578-B929-F66AA97659CA}" type="datetimeFigureOut">
               <a:rPr lang="en-US"/>
-              <a:t>7/19/2025</a:t>
+              <a:t>8/10/2025</a:t>
             </a:fld>
             <a:endParaRPr/>
           </a:p>
@@ -9281,7 +6618,7 @@
           <a:p>
             <a:fld id="{F0DFD029-FB74-4578-B929-F66AA97659CA}" type="datetimeFigureOut">
               <a:rPr lang="en-US"/>
-              <a:t>7/19/2025</a:t>
+              <a:t>8/10/2025</a:t>
             </a:fld>
             <a:endParaRPr/>
           </a:p>
@@ -9904,7 +7241,7 @@
             <a:fld id="{F0DFD029-FB74-4578-B929-F66AA97659CA}" type="datetimeFigureOut">
               <a:rPr lang="en-US"/>
               <a:pPr/>
-              <a:t>7/19/2025</a:t>
+              <a:t>8/10/2025</a:t>
             </a:fld>
             <a:endParaRPr/>
           </a:p>
@@ -10490,7 +7827,7 @@
         <p:cNvPr id="1" name="">
           <a:extLst>
             <a:ext uri="{FF2B5EF4-FFF2-40B4-BE49-F238E27FC236}">
-              <a16:creationId xmlns:a16="http://schemas.microsoft.com/office/drawing/2014/main" id="{E5C3906C-273B-5556-C0E2-41E67903F7C2}"/>
+              <a16:creationId xmlns:a16="http://schemas.microsoft.com/office/drawing/2014/main" id="{912BF384-1D5B-7161-C0A3-298A7D38F30B}"/>
             </a:ext>
           </a:extLst>
         </p:cNvPr>
@@ -10510,7 +7847,7 @@
           <p:cNvPr id="3" name="Title 2">
             <a:extLst>
               <a:ext uri="{FF2B5EF4-FFF2-40B4-BE49-F238E27FC236}">
-                <a16:creationId xmlns:a16="http://schemas.microsoft.com/office/drawing/2014/main" id="{60B1191A-E114-24F1-B0AB-B083CE3492FB}"/>
+                <a16:creationId xmlns:a16="http://schemas.microsoft.com/office/drawing/2014/main" id="{DEBA507E-2926-B4FC-6C30-662581BBF9C5}"/>
               </a:ext>
             </a:extLst>
           </p:cNvPr>
@@ -10521,431 +7858,54 @@
             <p:ph type="title"/>
           </p:nvPr>
         </p:nvSpPr>
-        <p:spPr/>
+        <p:spPr>
+          <a:xfrm>
+            <a:off x="1218883" y="274637"/>
+            <a:ext cx="10969942" cy="1223963"/>
+          </a:xfrm>
+        </p:spPr>
         <p:txBody>
           <a:bodyPr/>
           <a:lstStyle/>
           <a:p>
             <a:r>
               <a:rPr lang="en-US" dirty="0"/>
-              <a:t>Basic Shell Scripting (Logical Operators)</a:t>
-            </a:r>
-          </a:p>
-        </p:txBody>
-      </p:sp>
-      <p:graphicFrame>
-        <p:nvGraphicFramePr>
-          <p:cNvPr id="2" name="Table 1">
+              <a:t>Basic Shell Scripting (Arithmetic and Mathematical Operators)</a:t>
+            </a:r>
+          </a:p>
+        </p:txBody>
+      </p:sp>
+      <p:sp>
+        <p:nvSpPr>
+          <p:cNvPr id="5" name="TextBox 4">
             <a:extLst>
               <a:ext uri="{FF2B5EF4-FFF2-40B4-BE49-F238E27FC236}">
-                <a16:creationId xmlns:a16="http://schemas.microsoft.com/office/drawing/2014/main" id="{41CCCA9A-F3D8-CF9D-E87A-92EDB3549C79}"/>
+                <a16:creationId xmlns:a16="http://schemas.microsoft.com/office/drawing/2014/main" id="{D0ADB3E3-41C9-20CF-ADB7-74DD6B4CA81B}"/>
               </a:ext>
             </a:extLst>
           </p:cNvPr>
-          <p:cNvGraphicFramePr>
-            <a:graphicFrameLocks noGrp="1"/>
-          </p:cNvGraphicFramePr>
-          <p:nvPr>
-            <p:extLst>
-              <p:ext uri="{D42A27DB-BD31-4B8C-83A1-F6EECF244321}">
-                <p14:modId xmlns:p14="http://schemas.microsoft.com/office/powerpoint/2010/main" val="1079609143"/>
-              </p:ext>
-            </p:extLst>
-          </p:nvPr>
-        </p:nvGraphicFramePr>
-        <p:xfrm>
-          <a:off x="2360612" y="1905000"/>
-          <a:ext cx="7924800" cy="3764359"/>
-        </p:xfrm>
-        <a:graphic>
-          <a:graphicData uri="http://schemas.openxmlformats.org/drawingml/2006/table">
-            <a:tbl>
-              <a:tblPr firstRow="1" bandRow="1">
-                <a:tableStyleId>{5C22544A-7EE6-4342-B048-85BDC9FD1C3A}</a:tableStyleId>
-              </a:tblPr>
-              <a:tblGrid>
-                <a:gridCol w="1600200">
-                  <a:extLst>
-                    <a:ext uri="{9D8B030D-6E8A-4147-A177-3AD203B41FA5}">
-                      <a16:colId xmlns:a16="http://schemas.microsoft.com/office/drawing/2014/main" val="389979248"/>
-                    </a:ext>
-                  </a:extLst>
-                </a:gridCol>
-                <a:gridCol w="3581400">
-                  <a:extLst>
-                    <a:ext uri="{9D8B030D-6E8A-4147-A177-3AD203B41FA5}">
-                      <a16:colId xmlns:a16="http://schemas.microsoft.com/office/drawing/2014/main" val="4016717089"/>
-                    </a:ext>
-                  </a:extLst>
-                </a:gridCol>
-                <a:gridCol w="2743200">
-                  <a:extLst>
-                    <a:ext uri="{9D8B030D-6E8A-4147-A177-3AD203B41FA5}">
-                      <a16:colId xmlns:a16="http://schemas.microsoft.com/office/drawing/2014/main" val="1536051747"/>
-                    </a:ext>
-                  </a:extLst>
-                </a:gridCol>
-              </a:tblGrid>
-              <a:tr h="563959">
-                <a:tc>
-                  <a:txBody>
-                    <a:bodyPr/>
-                    <a:lstStyle/>
-                    <a:p>
-                      <a:pPr>
-                        <a:buNone/>
-                      </a:pPr>
-                      <a:r>
-                        <a:rPr lang="en-US" dirty="0"/>
-                        <a:t>Operator</a:t>
-                      </a:r>
-                    </a:p>
-                  </a:txBody>
-                  <a:tcPr anchor="ctr">
-                    <a:solidFill>
-                      <a:srgbClr val="008282"/>
-                    </a:solidFill>
-                  </a:tcPr>
-                </a:tc>
-                <a:tc>
-                  <a:txBody>
-                    <a:bodyPr/>
-                    <a:lstStyle/>
-                    <a:p>
-                      <a:pPr>
-                        <a:buNone/>
-                      </a:pPr>
-                      <a:r>
-                        <a:rPr lang="en-US" dirty="0"/>
-                        <a:t>Meaning</a:t>
-                      </a:r>
-                    </a:p>
-                  </a:txBody>
-                  <a:tcPr anchor="ctr">
-                    <a:solidFill>
-                      <a:srgbClr val="008282"/>
-                    </a:solidFill>
-                  </a:tcPr>
-                </a:tc>
-                <a:tc>
-                  <a:txBody>
-                    <a:bodyPr/>
-                    <a:lstStyle/>
-                    <a:p>
-                      <a:pPr>
-                        <a:buNone/>
-                      </a:pPr>
-                      <a:r>
-                        <a:rPr lang="en-US" dirty="0"/>
-                        <a:t>Example</a:t>
-                      </a:r>
-                    </a:p>
-                  </a:txBody>
-                  <a:tcPr anchor="ctr">
-                    <a:solidFill>
-                      <a:srgbClr val="008282"/>
-                    </a:solidFill>
-                  </a:tcPr>
-                </a:tc>
-                <a:extLst>
-                  <a:ext uri="{0D108BD9-81ED-4DB2-BD59-A6C34878D82A}">
-                    <a16:rowId xmlns:a16="http://schemas.microsoft.com/office/drawing/2014/main" val="3989087156"/>
-                  </a:ext>
-                </a:extLst>
-              </a:tr>
-              <a:tr h="563959">
-                <a:tc>
-                  <a:txBody>
-                    <a:bodyPr/>
-                    <a:lstStyle/>
-                    <a:p>
-                      <a:pPr>
-                        <a:buNone/>
-                      </a:pPr>
-                      <a:r>
-                        <a:rPr lang="en-US" dirty="0"/>
-                        <a:t>&amp;&amp;</a:t>
-                      </a:r>
-                    </a:p>
-                  </a:txBody>
-                  <a:tcPr anchor="ctr"/>
-                </a:tc>
-                <a:tc>
-                  <a:txBody>
-                    <a:bodyPr/>
-                    <a:lstStyle/>
-                    <a:p>
-                      <a:pPr>
-                        <a:buNone/>
-                      </a:pPr>
-                      <a:r>
-                        <a:rPr lang="en-US" b="1" dirty="0"/>
-                        <a:t>AND</a:t>
-                      </a:r>
-                      <a:r>
-                        <a:rPr lang="en-US" dirty="0"/>
-                        <a:t> (both must be true)</a:t>
-                      </a:r>
-                    </a:p>
-                  </a:txBody>
-                  <a:tcPr anchor="ctr"/>
-                </a:tc>
-                <a:tc>
-                  <a:txBody>
-                    <a:bodyPr/>
-                    <a:lstStyle/>
-                    <a:p>
-                      <a:pPr>
-                        <a:buNone/>
-                      </a:pPr>
-                      <a:r>
-                        <a:rPr lang="en-US" dirty="0"/>
-                        <a:t>if [ $age -</a:t>
-                      </a:r>
-                      <a:r>
-                        <a:rPr lang="en-US" dirty="0" err="1"/>
-                        <a:t>ge</a:t>
-                      </a:r>
-                      <a:r>
-                        <a:rPr lang="en-US" dirty="0"/>
-                        <a:t> 18 ] &amp;&amp; [ $</a:t>
-                      </a:r>
-                      <a:r>
-                        <a:rPr lang="en-US" dirty="0" err="1"/>
-                        <a:t>filipinocitizen</a:t>
-                      </a:r>
-                      <a:r>
-                        <a:rPr lang="en-US" dirty="0"/>
-                        <a:t> = “yes" ]</a:t>
-                      </a:r>
-                    </a:p>
-                  </a:txBody>
-                  <a:tcPr anchor="ctr"/>
-                </a:tc>
-                <a:extLst>
-                  <a:ext uri="{0D108BD9-81ED-4DB2-BD59-A6C34878D82A}">
-                    <a16:rowId xmlns:a16="http://schemas.microsoft.com/office/drawing/2014/main" val="951002768"/>
-                  </a:ext>
-                </a:extLst>
-              </a:tr>
-              <a:tr h="563959">
-                <a:tc>
-                  <a:txBody>
-                    <a:bodyPr/>
-                    <a:lstStyle/>
-                    <a:p>
-                      <a:pPr>
-                        <a:buNone/>
-                      </a:pPr>
-                      <a:r>
-                        <a:rPr lang="en-US" dirty="0"/>
-                        <a:t>||</a:t>
-                      </a:r>
-                    </a:p>
-                  </a:txBody>
-                  <a:tcPr anchor="ctr"/>
-                </a:tc>
-                <a:tc>
-                  <a:txBody>
-                    <a:bodyPr/>
-                    <a:lstStyle/>
-                    <a:p>
-                      <a:pPr>
-                        <a:buNone/>
-                      </a:pPr>
-                      <a:r>
-                        <a:rPr lang="en-US" b="1" dirty="0"/>
-                        <a:t>OR</a:t>
-                      </a:r>
-                      <a:r>
-                        <a:rPr lang="en-US" dirty="0"/>
-                        <a:t> (</a:t>
-                      </a:r>
-                      <a:r>
-                        <a:rPr lang="en-US" dirty="0" err="1"/>
-                        <a:t>atleast</a:t>
-                      </a:r>
-                      <a:r>
-                        <a:rPr lang="en-US" dirty="0"/>
-                        <a:t> one is true )</a:t>
-                      </a:r>
-                    </a:p>
-                  </a:txBody>
-                  <a:tcPr anchor="ctr"/>
-                </a:tc>
-                <a:tc>
-                  <a:txBody>
-                    <a:bodyPr/>
-                    <a:lstStyle/>
-                    <a:p>
-                      <a:pPr>
-                        <a:buNone/>
-                      </a:pPr>
-                      <a:r>
-                        <a:rPr lang="en-US" dirty="0"/>
-                        <a:t>if [ $age -</a:t>
-                      </a:r>
-                      <a:r>
-                        <a:rPr lang="en-US" dirty="0" err="1"/>
-                        <a:t>ge</a:t>
-                      </a:r>
-                      <a:r>
-                        <a:rPr lang="en-US" dirty="0"/>
-                        <a:t> 18 ] || [ "$permit" = "yes" ]</a:t>
-                      </a:r>
-                    </a:p>
-                  </a:txBody>
-                  <a:tcPr anchor="ctr"/>
-                </a:tc>
-                <a:extLst>
-                  <a:ext uri="{0D108BD9-81ED-4DB2-BD59-A6C34878D82A}">
-                    <a16:rowId xmlns:a16="http://schemas.microsoft.com/office/drawing/2014/main" val="1275218382"/>
-                  </a:ext>
-                </a:extLst>
-              </a:tr>
-              <a:tr h="563959">
-                <a:tc>
-                  <a:txBody>
-                    <a:bodyPr/>
-                    <a:lstStyle/>
-                    <a:p>
-                      <a:pPr>
-                        <a:buNone/>
-                      </a:pPr>
-                      <a:r>
-                        <a:rPr lang="en-US" dirty="0"/>
-                        <a:t>!</a:t>
-                      </a:r>
-                    </a:p>
-                  </a:txBody>
-                  <a:tcPr anchor="ctr"/>
-                </a:tc>
-                <a:tc>
-                  <a:txBody>
-                    <a:bodyPr/>
-                    <a:lstStyle/>
-                    <a:p>
-                      <a:pPr>
-                        <a:buNone/>
-                      </a:pPr>
-                      <a:r>
-                        <a:rPr lang="en-US" b="1" dirty="0"/>
-                        <a:t>NOT</a:t>
-                      </a:r>
-                      <a:r>
-                        <a:rPr lang="en-US" dirty="0"/>
-                        <a:t> (negates condition)</a:t>
-                      </a:r>
-                    </a:p>
-                  </a:txBody>
-                  <a:tcPr anchor="ctr"/>
-                </a:tc>
-                <a:tc>
-                  <a:txBody>
-                    <a:bodyPr/>
-                    <a:lstStyle/>
-                    <a:p>
-                      <a:pPr>
-                        <a:buNone/>
-                      </a:pPr>
-                      <a:r>
-                        <a:rPr lang="en-US" dirty="0"/>
-                        <a:t>if [ ! -f file.txt ] → true if file </a:t>
-                      </a:r>
-                      <a:r>
-                        <a:rPr lang="en-US" b="1" dirty="0"/>
-                        <a:t>doesn't</a:t>
-                      </a:r>
-                      <a:r>
-                        <a:rPr lang="en-US" dirty="0"/>
-                        <a:t> exist</a:t>
-                      </a:r>
-                    </a:p>
-                  </a:txBody>
-                  <a:tcPr anchor="ctr"/>
-                </a:tc>
-                <a:extLst>
-                  <a:ext uri="{0D108BD9-81ED-4DB2-BD59-A6C34878D82A}">
-                    <a16:rowId xmlns:a16="http://schemas.microsoft.com/office/drawing/2014/main" val="800248694"/>
-                  </a:ext>
-                </a:extLst>
-              </a:tr>
-            </a:tbl>
-          </a:graphicData>
-        </a:graphic>
-      </p:graphicFrame>
-    </p:spTree>
-    <p:extLst>
-      <p:ext uri="{BB962C8B-B14F-4D97-AF65-F5344CB8AC3E}">
-        <p14:creationId xmlns:p14="http://schemas.microsoft.com/office/powerpoint/2010/main" val="2364022667"/>
-      </p:ext>
-    </p:extLst>
-  </p:cSld>
-  <p:clrMapOvr>
-    <a:masterClrMapping/>
-  </p:clrMapOvr>
-  <mc:AlternateContent xmlns:mc="http://schemas.openxmlformats.org/markup-compatibility/2006" xmlns:p14="http://schemas.microsoft.com/office/powerpoint/2010/main">
-    <mc:Choice Requires="p14">
-      <p:transition spd="med" p14:dur="700">
-        <p:fade/>
-      </p:transition>
-    </mc:Choice>
-    <mc:Fallback xmlns="">
-      <p:transition spd="med">
-        <p:fade/>
-      </p:transition>
-    </mc:Fallback>
-  </mc:AlternateContent>
-</p:sld>
-</file>
-
-<file path=ppt/slides/slide11.xml><?xml version="1.0" encoding="utf-8"?>
-<p:sld xmlns:a="http://schemas.openxmlformats.org/drawingml/2006/main" xmlns:r="http://schemas.openxmlformats.org/officeDocument/2006/relationships" xmlns:p="http://schemas.openxmlformats.org/presentationml/2006/main">
-  <p:cSld>
-    <p:spTree>
-      <p:nvGrpSpPr>
-        <p:cNvPr id="1" name="">
-          <a:extLst>
-            <a:ext uri="{FF2B5EF4-FFF2-40B4-BE49-F238E27FC236}">
-              <a16:creationId xmlns:a16="http://schemas.microsoft.com/office/drawing/2014/main" id="{381EB485-D703-0D86-F2D2-DEC9E674CCC6}"/>
-            </a:ext>
-          </a:extLst>
-        </p:cNvPr>
-        <p:cNvGrpSpPr/>
-        <p:nvPr/>
-      </p:nvGrpSpPr>
-      <p:grpSpPr>
-        <a:xfrm>
-          <a:off x="0" y="0"/>
-          <a:ext cx="0" cy="0"/>
-          <a:chOff x="0" y="0"/>
-          <a:chExt cx="0" cy="0"/>
-        </a:xfrm>
-      </p:grpSpPr>
-      <p:sp>
-        <p:nvSpPr>
-          <p:cNvPr id="3" name="Title 2">
-            <a:extLst>
-              <a:ext uri="{FF2B5EF4-FFF2-40B4-BE49-F238E27FC236}">
-                <a16:creationId xmlns:a16="http://schemas.microsoft.com/office/drawing/2014/main" id="{FE725256-A064-2C2D-1610-8AEF920F766D}"/>
-              </a:ext>
-            </a:extLst>
-          </p:cNvPr>
-          <p:cNvSpPr>
-            <a:spLocks noGrp="1"/>
-          </p:cNvSpPr>
-          <p:nvPr>
-            <p:ph type="title"/>
-          </p:nvPr>
-        </p:nvSpPr>
-        <p:spPr/>
-        <p:txBody>
-          <a:bodyPr/>
+          <p:cNvSpPr txBox="1"/>
+          <p:nvPr/>
+        </p:nvSpPr>
+        <p:spPr>
+          <a:xfrm>
+            <a:off x="1827212" y="1752600"/>
+            <a:ext cx="9372600" cy="830997"/>
+          </a:xfrm>
+          <a:prstGeom prst="rect">
+            <a:avLst/>
+          </a:prstGeom>
+          <a:noFill/>
+        </p:spPr>
+        <p:txBody>
+          <a:bodyPr wrap="square">
+            <a:spAutoFit/>
+          </a:bodyPr>
           <a:lstStyle/>
           <a:p>
             <a:r>
               <a:rPr lang="en-US" dirty="0"/>
-              <a:t>Basic Shell Scripting (if else Statement)</a:t>
+              <a:t>-bash scripting doesn’t do direct math, so you need $((expression)) to handle calculations.</a:t>
             </a:r>
           </a:p>
         </p:txBody>
@@ -10955,7 +7915,7 @@
           <p:cNvPr id="7" name="Picture 6">
             <a:extLst>
               <a:ext uri="{FF2B5EF4-FFF2-40B4-BE49-F238E27FC236}">
-                <a16:creationId xmlns:a16="http://schemas.microsoft.com/office/drawing/2014/main" id="{A3021CCD-647E-B2A5-DC51-34EAC6A50723}"/>
+                <a16:creationId xmlns:a16="http://schemas.microsoft.com/office/drawing/2014/main" id="{1166D0EF-3493-88A2-7D43-0D9A3C6DB8B2}"/>
               </a:ext>
             </a:extLst>
           </p:cNvPr>
@@ -10972,38 +7932,8 @@
         </p:blipFill>
         <p:spPr>
           <a:xfrm>
-            <a:off x="2284412" y="4543325"/>
-            <a:ext cx="5344271" cy="1428949"/>
-          </a:xfrm>
-          <a:prstGeom prst="rect">
-            <a:avLst/>
-          </a:prstGeom>
-        </p:spPr>
-      </p:pic>
-      <p:pic>
-        <p:nvPicPr>
-          <p:cNvPr id="9" name="Picture 8">
-            <a:extLst>
-              <a:ext uri="{FF2B5EF4-FFF2-40B4-BE49-F238E27FC236}">
-                <a16:creationId xmlns:a16="http://schemas.microsoft.com/office/drawing/2014/main" id="{F1EB7225-8BD4-44E0-D36A-CEAB8B392409}"/>
-              </a:ext>
-            </a:extLst>
-          </p:cNvPr>
-          <p:cNvPicPr>
-            <a:picLocks noChangeAspect="1"/>
-          </p:cNvPicPr>
-          <p:nvPr/>
-        </p:nvPicPr>
-        <p:blipFill>
-          <a:blip r:embed="rId4"/>
-          <a:stretch>
-            <a:fillRect/>
-          </a:stretch>
-        </p:blipFill>
-        <p:spPr>
-          <a:xfrm>
-            <a:off x="2284412" y="1600200"/>
-            <a:ext cx="5744377" cy="2429214"/>
+            <a:off x="3046412" y="2902804"/>
+            <a:ext cx="6548662" cy="2743200"/>
           </a:xfrm>
           <a:prstGeom prst="rect">
             <a:avLst/>
@@ -11013,20 +7943,20 @@
     </p:spTree>
     <p:extLst>
       <p:ext uri="{BB962C8B-B14F-4D97-AF65-F5344CB8AC3E}">
-        <p14:creationId xmlns:p14="http://schemas.microsoft.com/office/powerpoint/2010/main" val="3850911991"/>
+        <p14:creationId xmlns:p14="http://schemas.microsoft.com/office/powerpoint/2010/main" val="1701388208"/>
       </p:ext>
     </p:extLst>
   </p:cSld>
   <p:clrMapOvr>
     <a:masterClrMapping/>
   </p:clrMapOvr>
-  <mc:AlternateContent xmlns:mc="http://schemas.openxmlformats.org/markup-compatibility/2006" xmlns:p14="http://schemas.microsoft.com/office/powerpoint/2010/main">
-    <mc:Choice Requires="p14">
+  <mc:AlternateContent xmlns:mc="http://schemas.openxmlformats.org/markup-compatibility/2006">
+    <mc:Choice xmlns:p14="http://schemas.microsoft.com/office/powerpoint/2010/main" Requires="p14">
       <p:transition spd="med" p14:dur="700">
         <p:fade/>
       </p:transition>
     </mc:Choice>
-    <mc:Fallback xmlns="">
+    <mc:Fallback>
       <p:transition spd="med">
         <p:fade/>
       </p:transition>
@@ -11035,1796 +7965,7 @@
 </p:sld>
 </file>
 
-<file path=ppt/slides/slide12.xml><?xml version="1.0" encoding="utf-8"?>
-<p:sld xmlns:a="http://schemas.openxmlformats.org/drawingml/2006/main" xmlns:r="http://schemas.openxmlformats.org/officeDocument/2006/relationships" xmlns:p="http://schemas.openxmlformats.org/presentationml/2006/main">
-  <p:cSld>
-    <p:spTree>
-      <p:nvGrpSpPr>
-        <p:cNvPr id="1" name="">
-          <a:extLst>
-            <a:ext uri="{FF2B5EF4-FFF2-40B4-BE49-F238E27FC236}">
-              <a16:creationId xmlns:a16="http://schemas.microsoft.com/office/drawing/2014/main" id="{E5EDE3F6-A971-113E-7A4C-5F33790DCD38}"/>
-            </a:ext>
-          </a:extLst>
-        </p:cNvPr>
-        <p:cNvGrpSpPr/>
-        <p:nvPr/>
-      </p:nvGrpSpPr>
-      <p:grpSpPr>
-        <a:xfrm>
-          <a:off x="0" y="0"/>
-          <a:ext cx="0" cy="0"/>
-          <a:chOff x="0" y="0"/>
-          <a:chExt cx="0" cy="0"/>
-        </a:xfrm>
-      </p:grpSpPr>
-      <p:sp>
-        <p:nvSpPr>
-          <p:cNvPr id="3" name="Title 2">
-            <a:extLst>
-              <a:ext uri="{FF2B5EF4-FFF2-40B4-BE49-F238E27FC236}">
-                <a16:creationId xmlns:a16="http://schemas.microsoft.com/office/drawing/2014/main" id="{40D5F7A1-465F-8E93-82BD-9D1B67E318EF}"/>
-              </a:ext>
-            </a:extLst>
-          </p:cNvPr>
-          <p:cNvSpPr>
-            <a:spLocks noGrp="1"/>
-          </p:cNvSpPr>
-          <p:nvPr>
-            <p:ph type="title"/>
-          </p:nvPr>
-        </p:nvSpPr>
-        <p:spPr/>
-        <p:txBody>
-          <a:bodyPr/>
-          <a:lstStyle/>
-          <a:p>
-            <a:r>
-              <a:rPr lang="en-US" dirty="0"/>
-              <a:t>Basic Shell Scripting (Loops)</a:t>
-            </a:r>
-          </a:p>
-        </p:txBody>
-      </p:sp>
-      <p:sp>
-        <p:nvSpPr>
-          <p:cNvPr id="6" name="TextBox 5">
-            <a:extLst>
-              <a:ext uri="{FF2B5EF4-FFF2-40B4-BE49-F238E27FC236}">
-                <a16:creationId xmlns:a16="http://schemas.microsoft.com/office/drawing/2014/main" id="{A10C251E-D7F5-B5BB-4031-F3FAC57EF742}"/>
-              </a:ext>
-            </a:extLst>
-          </p:cNvPr>
-          <p:cNvSpPr txBox="1"/>
-          <p:nvPr/>
-        </p:nvSpPr>
-        <p:spPr>
-          <a:xfrm>
-            <a:off x="1751012" y="1504602"/>
-            <a:ext cx="6106438" cy="461665"/>
-          </a:xfrm>
-          <a:prstGeom prst="rect">
-            <a:avLst/>
-          </a:prstGeom>
-          <a:noFill/>
-        </p:spPr>
-        <p:txBody>
-          <a:bodyPr wrap="square">
-            <a:spAutoFit/>
-          </a:bodyPr>
-          <a:lstStyle/>
-          <a:p>
-            <a:r>
-              <a:rPr lang="en-US" dirty="0"/>
-              <a:t>-For loop</a:t>
-            </a:r>
-          </a:p>
-        </p:txBody>
-      </p:sp>
-      <p:pic>
-        <p:nvPicPr>
-          <p:cNvPr id="10" name="Picture 9">
-            <a:extLst>
-              <a:ext uri="{FF2B5EF4-FFF2-40B4-BE49-F238E27FC236}">
-                <a16:creationId xmlns:a16="http://schemas.microsoft.com/office/drawing/2014/main" id="{3EDC646D-192E-C7ED-5268-92FE2F4FFD05}"/>
-              </a:ext>
-            </a:extLst>
-          </p:cNvPr>
-          <p:cNvPicPr>
-            <a:picLocks noChangeAspect="1"/>
-          </p:cNvPicPr>
-          <p:nvPr/>
-        </p:nvPicPr>
-        <p:blipFill>
-          <a:blip r:embed="rId3"/>
-          <a:stretch>
-            <a:fillRect/>
-          </a:stretch>
-        </p:blipFill>
-        <p:spPr>
-          <a:xfrm>
-            <a:off x="3122518" y="1966267"/>
-            <a:ext cx="4887238" cy="2180460"/>
-          </a:xfrm>
-          <a:prstGeom prst="rect">
-            <a:avLst/>
-          </a:prstGeom>
-        </p:spPr>
-      </p:pic>
-      <p:pic>
-        <p:nvPicPr>
-          <p:cNvPr id="12" name="Picture 11">
-            <a:extLst>
-              <a:ext uri="{FF2B5EF4-FFF2-40B4-BE49-F238E27FC236}">
-                <a16:creationId xmlns:a16="http://schemas.microsoft.com/office/drawing/2014/main" id="{9C81A871-1B67-9DAD-F604-0E1E032FEDA2}"/>
-              </a:ext>
-            </a:extLst>
-          </p:cNvPr>
-          <p:cNvPicPr>
-            <a:picLocks noChangeAspect="1"/>
-          </p:cNvPicPr>
-          <p:nvPr/>
-        </p:nvPicPr>
-        <p:blipFill>
-          <a:blip r:embed="rId4"/>
-          <a:stretch>
-            <a:fillRect/>
-          </a:stretch>
-        </p:blipFill>
-        <p:spPr>
-          <a:xfrm>
-            <a:off x="3122518" y="4538897"/>
-            <a:ext cx="5191850" cy="1629002"/>
-          </a:xfrm>
-          <a:prstGeom prst="rect">
-            <a:avLst/>
-          </a:prstGeom>
-        </p:spPr>
-      </p:pic>
-    </p:spTree>
-    <p:extLst>
-      <p:ext uri="{BB962C8B-B14F-4D97-AF65-F5344CB8AC3E}">
-        <p14:creationId xmlns:p14="http://schemas.microsoft.com/office/powerpoint/2010/main" val="3355593907"/>
-      </p:ext>
-    </p:extLst>
-  </p:cSld>
-  <p:clrMapOvr>
-    <a:masterClrMapping/>
-  </p:clrMapOvr>
-  <mc:AlternateContent xmlns:mc="http://schemas.openxmlformats.org/markup-compatibility/2006" xmlns:p14="http://schemas.microsoft.com/office/powerpoint/2010/main">
-    <mc:Choice Requires="p14">
-      <p:transition spd="med" p14:dur="700">
-        <p:fade/>
-      </p:transition>
-    </mc:Choice>
-    <mc:Fallback xmlns="">
-      <p:transition spd="med">
-        <p:fade/>
-      </p:transition>
-    </mc:Fallback>
-  </mc:AlternateContent>
-</p:sld>
-</file>
-
-<file path=ppt/slides/slide13.xml><?xml version="1.0" encoding="utf-8"?>
-<p:sld xmlns:a="http://schemas.openxmlformats.org/drawingml/2006/main" xmlns:r="http://schemas.openxmlformats.org/officeDocument/2006/relationships" xmlns:p="http://schemas.openxmlformats.org/presentationml/2006/main">
-  <p:cSld>
-    <p:spTree>
-      <p:nvGrpSpPr>
-        <p:cNvPr id="1" name="">
-          <a:extLst>
-            <a:ext uri="{FF2B5EF4-FFF2-40B4-BE49-F238E27FC236}">
-              <a16:creationId xmlns:a16="http://schemas.microsoft.com/office/drawing/2014/main" id="{51D9C3A6-2534-580F-C4CB-F5C441C74DBB}"/>
-            </a:ext>
-          </a:extLst>
-        </p:cNvPr>
-        <p:cNvGrpSpPr/>
-        <p:nvPr/>
-      </p:nvGrpSpPr>
-      <p:grpSpPr>
-        <a:xfrm>
-          <a:off x="0" y="0"/>
-          <a:ext cx="0" cy="0"/>
-          <a:chOff x="0" y="0"/>
-          <a:chExt cx="0" cy="0"/>
-        </a:xfrm>
-      </p:grpSpPr>
-      <p:sp>
-        <p:nvSpPr>
-          <p:cNvPr id="3" name="Title 2">
-            <a:extLst>
-              <a:ext uri="{FF2B5EF4-FFF2-40B4-BE49-F238E27FC236}">
-                <a16:creationId xmlns:a16="http://schemas.microsoft.com/office/drawing/2014/main" id="{798EA5D1-AF37-F2BF-6966-E290F0E8DDC9}"/>
-              </a:ext>
-            </a:extLst>
-          </p:cNvPr>
-          <p:cNvSpPr>
-            <a:spLocks noGrp="1"/>
-          </p:cNvSpPr>
-          <p:nvPr>
-            <p:ph type="title"/>
-          </p:nvPr>
-        </p:nvSpPr>
-        <p:spPr/>
-        <p:txBody>
-          <a:bodyPr/>
-          <a:lstStyle/>
-          <a:p>
-            <a:r>
-              <a:rPr lang="en-US" dirty="0"/>
-              <a:t>Basic Shell Scripting (Loops)</a:t>
-            </a:r>
-          </a:p>
-        </p:txBody>
-      </p:sp>
-      <p:sp>
-        <p:nvSpPr>
-          <p:cNvPr id="6" name="TextBox 5">
-            <a:extLst>
-              <a:ext uri="{FF2B5EF4-FFF2-40B4-BE49-F238E27FC236}">
-                <a16:creationId xmlns:a16="http://schemas.microsoft.com/office/drawing/2014/main" id="{1732F8C7-4292-8145-E297-C2B4A44C2478}"/>
-              </a:ext>
-            </a:extLst>
-          </p:cNvPr>
-          <p:cNvSpPr txBox="1"/>
-          <p:nvPr/>
-        </p:nvSpPr>
-        <p:spPr>
-          <a:xfrm>
-            <a:off x="1751012" y="1504602"/>
-            <a:ext cx="6106438" cy="461665"/>
-          </a:xfrm>
-          <a:prstGeom prst="rect">
-            <a:avLst/>
-          </a:prstGeom>
-          <a:noFill/>
-        </p:spPr>
-        <p:txBody>
-          <a:bodyPr wrap="square">
-            <a:spAutoFit/>
-          </a:bodyPr>
-          <a:lstStyle/>
-          <a:p>
-            <a:r>
-              <a:rPr lang="en-US" dirty="0"/>
-              <a:t>-while  loop</a:t>
-            </a:r>
-          </a:p>
-        </p:txBody>
-      </p:sp>
-      <p:pic>
-        <p:nvPicPr>
-          <p:cNvPr id="7" name="Picture 6">
-            <a:extLst>
-              <a:ext uri="{FF2B5EF4-FFF2-40B4-BE49-F238E27FC236}">
-                <a16:creationId xmlns:a16="http://schemas.microsoft.com/office/drawing/2014/main" id="{FFF83200-7137-391A-2553-BD8CE92210A0}"/>
-              </a:ext>
-            </a:extLst>
-          </p:cNvPr>
-          <p:cNvPicPr>
-            <a:picLocks noChangeAspect="1"/>
-          </p:cNvPicPr>
-          <p:nvPr/>
-        </p:nvPicPr>
-        <p:blipFill>
-          <a:blip r:embed="rId3"/>
-          <a:stretch>
-            <a:fillRect/>
-          </a:stretch>
-        </p:blipFill>
-        <p:spPr>
-          <a:xfrm>
-            <a:off x="3632047" y="4724400"/>
-            <a:ext cx="5506218" cy="1667108"/>
-          </a:xfrm>
-          <a:prstGeom prst="rect">
-            <a:avLst/>
-          </a:prstGeom>
-        </p:spPr>
-      </p:pic>
-      <p:pic>
-        <p:nvPicPr>
-          <p:cNvPr id="13" name="Picture 12">
-            <a:extLst>
-              <a:ext uri="{FF2B5EF4-FFF2-40B4-BE49-F238E27FC236}">
-                <a16:creationId xmlns:a16="http://schemas.microsoft.com/office/drawing/2014/main" id="{13D00591-F6D1-F176-5B71-F50F16968F4B}"/>
-              </a:ext>
-            </a:extLst>
-          </p:cNvPr>
-          <p:cNvPicPr>
-            <a:picLocks noChangeAspect="1"/>
-          </p:cNvPicPr>
-          <p:nvPr/>
-        </p:nvPicPr>
-        <p:blipFill>
-          <a:blip r:embed="rId4"/>
-          <a:stretch>
-            <a:fillRect/>
-          </a:stretch>
-        </p:blipFill>
-        <p:spPr>
-          <a:xfrm>
-            <a:off x="3632047" y="2121816"/>
-            <a:ext cx="4924729" cy="2267266"/>
-          </a:xfrm>
-          <a:prstGeom prst="rect">
-            <a:avLst/>
-          </a:prstGeom>
-        </p:spPr>
-      </p:pic>
-    </p:spTree>
-    <p:extLst>
-      <p:ext uri="{BB962C8B-B14F-4D97-AF65-F5344CB8AC3E}">
-        <p14:creationId xmlns:p14="http://schemas.microsoft.com/office/powerpoint/2010/main" val="984002603"/>
-      </p:ext>
-    </p:extLst>
-  </p:cSld>
-  <p:clrMapOvr>
-    <a:masterClrMapping/>
-  </p:clrMapOvr>
-  <mc:AlternateContent xmlns:mc="http://schemas.openxmlformats.org/markup-compatibility/2006" xmlns:p14="http://schemas.microsoft.com/office/powerpoint/2010/main">
-    <mc:Choice Requires="p14">
-      <p:transition spd="med" p14:dur="700">
-        <p:fade/>
-      </p:transition>
-    </mc:Choice>
-    <mc:Fallback xmlns="">
-      <p:transition spd="med">
-        <p:fade/>
-      </p:transition>
-    </mc:Fallback>
-  </mc:AlternateContent>
-</p:sld>
-</file>
-
-<file path=ppt/slides/slide14.xml><?xml version="1.0" encoding="utf-8"?>
-<p:sld xmlns:a="http://schemas.openxmlformats.org/drawingml/2006/main" xmlns:r="http://schemas.openxmlformats.org/officeDocument/2006/relationships" xmlns:p="http://schemas.openxmlformats.org/presentationml/2006/main">
-  <p:cSld>
-    <p:spTree>
-      <p:nvGrpSpPr>
-        <p:cNvPr id="1" name="">
-          <a:extLst>
-            <a:ext uri="{FF2B5EF4-FFF2-40B4-BE49-F238E27FC236}">
-              <a16:creationId xmlns:a16="http://schemas.microsoft.com/office/drawing/2014/main" id="{E15C11AB-227B-2CE5-EE69-00725179435B}"/>
-            </a:ext>
-          </a:extLst>
-        </p:cNvPr>
-        <p:cNvGrpSpPr/>
-        <p:nvPr/>
-      </p:nvGrpSpPr>
-      <p:grpSpPr>
-        <a:xfrm>
-          <a:off x="0" y="0"/>
-          <a:ext cx="0" cy="0"/>
-          <a:chOff x="0" y="0"/>
-          <a:chExt cx="0" cy="0"/>
-        </a:xfrm>
-      </p:grpSpPr>
-      <p:sp>
-        <p:nvSpPr>
-          <p:cNvPr id="3" name="Title 2">
-            <a:extLst>
-              <a:ext uri="{FF2B5EF4-FFF2-40B4-BE49-F238E27FC236}">
-                <a16:creationId xmlns:a16="http://schemas.microsoft.com/office/drawing/2014/main" id="{625F787D-F552-032F-A20F-AF4FD6DBCBB5}"/>
-              </a:ext>
-            </a:extLst>
-          </p:cNvPr>
-          <p:cNvSpPr>
-            <a:spLocks noGrp="1"/>
-          </p:cNvSpPr>
-          <p:nvPr>
-            <p:ph type="title"/>
-          </p:nvPr>
-        </p:nvSpPr>
-        <p:spPr/>
-        <p:txBody>
-          <a:bodyPr/>
-          <a:lstStyle/>
-          <a:p>
-            <a:r>
-              <a:rPr lang="en-US" dirty="0"/>
-              <a:t>Basic Shell Scripting (Loops)</a:t>
-            </a:r>
-          </a:p>
-        </p:txBody>
-      </p:sp>
-      <p:sp>
-        <p:nvSpPr>
-          <p:cNvPr id="6" name="TextBox 5">
-            <a:extLst>
-              <a:ext uri="{FF2B5EF4-FFF2-40B4-BE49-F238E27FC236}">
-                <a16:creationId xmlns:a16="http://schemas.microsoft.com/office/drawing/2014/main" id="{CF9624E1-0658-58ED-7C64-BB38C6553565}"/>
-              </a:ext>
-            </a:extLst>
-          </p:cNvPr>
-          <p:cNvSpPr txBox="1"/>
-          <p:nvPr/>
-        </p:nvSpPr>
-        <p:spPr>
-          <a:xfrm>
-            <a:off x="1751012" y="1504602"/>
-            <a:ext cx="6106438" cy="461665"/>
-          </a:xfrm>
-          <a:prstGeom prst="rect">
-            <a:avLst/>
-          </a:prstGeom>
-          <a:noFill/>
-        </p:spPr>
-        <p:txBody>
-          <a:bodyPr wrap="square">
-            <a:spAutoFit/>
-          </a:bodyPr>
-          <a:lstStyle/>
-          <a:p>
-            <a:r>
-              <a:rPr lang="en-US" dirty="0"/>
-              <a:t>-while  loop</a:t>
-            </a:r>
-          </a:p>
-        </p:txBody>
-      </p:sp>
-      <p:pic>
-        <p:nvPicPr>
-          <p:cNvPr id="7" name="Picture 6">
-            <a:extLst>
-              <a:ext uri="{FF2B5EF4-FFF2-40B4-BE49-F238E27FC236}">
-                <a16:creationId xmlns:a16="http://schemas.microsoft.com/office/drawing/2014/main" id="{D76179EF-EFA1-0A6E-D60B-61F1C873E15D}"/>
-              </a:ext>
-            </a:extLst>
-          </p:cNvPr>
-          <p:cNvPicPr>
-            <a:picLocks noChangeAspect="1"/>
-          </p:cNvPicPr>
-          <p:nvPr/>
-        </p:nvPicPr>
-        <p:blipFill>
-          <a:blip r:embed="rId3"/>
-          <a:stretch>
-            <a:fillRect/>
-          </a:stretch>
-        </p:blipFill>
-        <p:spPr>
-          <a:xfrm>
-            <a:off x="3632047" y="4724400"/>
-            <a:ext cx="5506218" cy="1667108"/>
-          </a:xfrm>
-          <a:prstGeom prst="rect">
-            <a:avLst/>
-          </a:prstGeom>
-        </p:spPr>
-      </p:pic>
-      <p:pic>
-        <p:nvPicPr>
-          <p:cNvPr id="13" name="Picture 12">
-            <a:extLst>
-              <a:ext uri="{FF2B5EF4-FFF2-40B4-BE49-F238E27FC236}">
-                <a16:creationId xmlns:a16="http://schemas.microsoft.com/office/drawing/2014/main" id="{95619804-85FD-D240-C069-8855811C699C}"/>
-              </a:ext>
-            </a:extLst>
-          </p:cNvPr>
-          <p:cNvPicPr>
-            <a:picLocks noChangeAspect="1"/>
-          </p:cNvPicPr>
-          <p:nvPr/>
-        </p:nvPicPr>
-        <p:blipFill>
-          <a:blip r:embed="rId4"/>
-          <a:stretch>
-            <a:fillRect/>
-          </a:stretch>
-        </p:blipFill>
-        <p:spPr>
-          <a:xfrm>
-            <a:off x="3632047" y="2121816"/>
-            <a:ext cx="4924729" cy="2267266"/>
-          </a:xfrm>
-          <a:prstGeom prst="rect">
-            <a:avLst/>
-          </a:prstGeom>
-        </p:spPr>
-      </p:pic>
-    </p:spTree>
-    <p:extLst>
-      <p:ext uri="{BB962C8B-B14F-4D97-AF65-F5344CB8AC3E}">
-        <p14:creationId xmlns:p14="http://schemas.microsoft.com/office/powerpoint/2010/main" val="3267973398"/>
-      </p:ext>
-    </p:extLst>
-  </p:cSld>
-  <p:clrMapOvr>
-    <a:masterClrMapping/>
-  </p:clrMapOvr>
-  <mc:AlternateContent xmlns:mc="http://schemas.openxmlformats.org/markup-compatibility/2006" xmlns:p14="http://schemas.microsoft.com/office/powerpoint/2010/main">
-    <mc:Choice Requires="p14">
-      <p:transition spd="med" p14:dur="700">
-        <p:fade/>
-      </p:transition>
-    </mc:Choice>
-    <mc:Fallback xmlns="">
-      <p:transition spd="med">
-        <p:fade/>
-      </p:transition>
-    </mc:Fallback>
-  </mc:AlternateContent>
-</p:sld>
-</file>
-
-<file path=ppt/slides/slide15.xml><?xml version="1.0" encoding="utf-8"?>
-<p:sld xmlns:a="http://schemas.openxmlformats.org/drawingml/2006/main" xmlns:r="http://schemas.openxmlformats.org/officeDocument/2006/relationships" xmlns:p="http://schemas.openxmlformats.org/presentationml/2006/main">
-  <p:cSld>
-    <p:spTree>
-      <p:nvGrpSpPr>
-        <p:cNvPr id="1" name="">
-          <a:extLst>
-            <a:ext uri="{FF2B5EF4-FFF2-40B4-BE49-F238E27FC236}">
-              <a16:creationId xmlns:a16="http://schemas.microsoft.com/office/drawing/2014/main" id="{5ED0EF71-E078-4635-3EEC-D8C529E7A71D}"/>
-            </a:ext>
-          </a:extLst>
-        </p:cNvPr>
-        <p:cNvGrpSpPr/>
-        <p:nvPr/>
-      </p:nvGrpSpPr>
-      <p:grpSpPr>
-        <a:xfrm>
-          <a:off x="0" y="0"/>
-          <a:ext cx="0" cy="0"/>
-          <a:chOff x="0" y="0"/>
-          <a:chExt cx="0" cy="0"/>
-        </a:xfrm>
-      </p:grpSpPr>
-      <p:sp>
-        <p:nvSpPr>
-          <p:cNvPr id="3" name="Title 2">
-            <a:extLst>
-              <a:ext uri="{FF2B5EF4-FFF2-40B4-BE49-F238E27FC236}">
-                <a16:creationId xmlns:a16="http://schemas.microsoft.com/office/drawing/2014/main" id="{E71D0E17-C40A-41BE-0296-DBEA2A532029}"/>
-              </a:ext>
-            </a:extLst>
-          </p:cNvPr>
-          <p:cNvSpPr>
-            <a:spLocks noGrp="1"/>
-          </p:cNvSpPr>
-          <p:nvPr>
-            <p:ph type="title"/>
-          </p:nvPr>
-        </p:nvSpPr>
-        <p:spPr/>
-        <p:txBody>
-          <a:bodyPr/>
-          <a:lstStyle/>
-          <a:p>
-            <a:r>
-              <a:rPr lang="en-US" dirty="0"/>
-              <a:t>Basic Shell Scripting (Function)</a:t>
-            </a:r>
-          </a:p>
-        </p:txBody>
-      </p:sp>
-      <p:pic>
-        <p:nvPicPr>
-          <p:cNvPr id="8" name="Picture 7">
-            <a:extLst>
-              <a:ext uri="{FF2B5EF4-FFF2-40B4-BE49-F238E27FC236}">
-                <a16:creationId xmlns:a16="http://schemas.microsoft.com/office/drawing/2014/main" id="{7F6AA511-7F4E-954F-6D92-2D20745F0B44}"/>
-              </a:ext>
-            </a:extLst>
-          </p:cNvPr>
-          <p:cNvPicPr>
-            <a:picLocks noChangeAspect="1"/>
-          </p:cNvPicPr>
-          <p:nvPr/>
-        </p:nvPicPr>
-        <p:blipFill>
-          <a:blip r:embed="rId3"/>
-          <a:stretch>
-            <a:fillRect/>
-          </a:stretch>
-        </p:blipFill>
-        <p:spPr>
-          <a:xfrm>
-            <a:off x="3579812" y="1676400"/>
-            <a:ext cx="5029200" cy="2825515"/>
-          </a:xfrm>
-          <a:prstGeom prst="rect">
-            <a:avLst/>
-          </a:prstGeom>
-        </p:spPr>
-      </p:pic>
-      <p:pic>
-        <p:nvPicPr>
-          <p:cNvPr id="10" name="Picture 9">
-            <a:extLst>
-              <a:ext uri="{FF2B5EF4-FFF2-40B4-BE49-F238E27FC236}">
-                <a16:creationId xmlns:a16="http://schemas.microsoft.com/office/drawing/2014/main" id="{74598335-71D8-F095-7C75-D1AC3CC5FBB9}"/>
-              </a:ext>
-            </a:extLst>
-          </p:cNvPr>
-          <p:cNvPicPr>
-            <a:picLocks noChangeAspect="1"/>
-          </p:cNvPicPr>
-          <p:nvPr/>
-        </p:nvPicPr>
-        <p:blipFill>
-          <a:blip r:embed="rId4"/>
-          <a:stretch>
-            <a:fillRect/>
-          </a:stretch>
-        </p:blipFill>
-        <p:spPr>
-          <a:xfrm>
-            <a:off x="3579812" y="4876800"/>
-            <a:ext cx="4791744" cy="781159"/>
-          </a:xfrm>
-          <a:prstGeom prst="rect">
-            <a:avLst/>
-          </a:prstGeom>
-        </p:spPr>
-      </p:pic>
-    </p:spTree>
-    <p:extLst>
-      <p:ext uri="{BB962C8B-B14F-4D97-AF65-F5344CB8AC3E}">
-        <p14:creationId xmlns:p14="http://schemas.microsoft.com/office/powerpoint/2010/main" val="4184011030"/>
-      </p:ext>
-    </p:extLst>
-  </p:cSld>
-  <p:clrMapOvr>
-    <a:masterClrMapping/>
-  </p:clrMapOvr>
-  <mc:AlternateContent xmlns:mc="http://schemas.openxmlformats.org/markup-compatibility/2006" xmlns:p14="http://schemas.microsoft.com/office/powerpoint/2010/main">
-    <mc:Choice Requires="p14">
-      <p:transition spd="med" p14:dur="700">
-        <p:fade/>
-      </p:transition>
-    </mc:Choice>
-    <mc:Fallback xmlns="">
-      <p:transition spd="med">
-        <p:fade/>
-      </p:transition>
-    </mc:Fallback>
-  </mc:AlternateContent>
-</p:sld>
-</file>
-
-<file path=ppt/slides/slide16.xml><?xml version="1.0" encoding="utf-8"?>
-<p:sld xmlns:a="http://schemas.openxmlformats.org/drawingml/2006/main" xmlns:r="http://schemas.openxmlformats.org/officeDocument/2006/relationships" xmlns:p="http://schemas.openxmlformats.org/presentationml/2006/main">
-  <p:cSld>
-    <p:spTree>
-      <p:nvGrpSpPr>
-        <p:cNvPr id="1" name="">
-          <a:extLst>
-            <a:ext uri="{FF2B5EF4-FFF2-40B4-BE49-F238E27FC236}">
-              <a16:creationId xmlns:a16="http://schemas.microsoft.com/office/drawing/2014/main" id="{396C190D-1989-2633-44AD-A0F90E114215}"/>
-            </a:ext>
-          </a:extLst>
-        </p:cNvPr>
-        <p:cNvGrpSpPr/>
-        <p:nvPr/>
-      </p:nvGrpSpPr>
-      <p:grpSpPr>
-        <a:xfrm>
-          <a:off x="0" y="0"/>
-          <a:ext cx="0" cy="0"/>
-          <a:chOff x="0" y="0"/>
-          <a:chExt cx="0" cy="0"/>
-        </a:xfrm>
-      </p:grpSpPr>
-      <p:sp>
-        <p:nvSpPr>
-          <p:cNvPr id="3" name="Title 2">
-            <a:extLst>
-              <a:ext uri="{FF2B5EF4-FFF2-40B4-BE49-F238E27FC236}">
-                <a16:creationId xmlns:a16="http://schemas.microsoft.com/office/drawing/2014/main" id="{F360DB21-C93E-DC91-A562-46D8B3166BDD}"/>
-              </a:ext>
-            </a:extLst>
-          </p:cNvPr>
-          <p:cNvSpPr>
-            <a:spLocks noGrp="1"/>
-          </p:cNvSpPr>
-          <p:nvPr>
-            <p:ph type="title"/>
-          </p:nvPr>
-        </p:nvSpPr>
-        <p:spPr>
-          <a:xfrm>
-            <a:off x="1827212" y="533400"/>
-            <a:ext cx="3048000" cy="1223963"/>
-          </a:xfrm>
-        </p:spPr>
-        <p:txBody>
-          <a:bodyPr>
-            <a:normAutofit/>
-          </a:bodyPr>
-          <a:lstStyle/>
-          <a:p>
-            <a:r>
-              <a:rPr lang="en-US" sz="5400" dirty="0"/>
-              <a:t>Hands On</a:t>
-            </a:r>
-          </a:p>
-        </p:txBody>
-      </p:sp>
-      <p:sp>
-        <p:nvSpPr>
-          <p:cNvPr id="6" name="TextBox 5">
-            <a:extLst>
-              <a:ext uri="{FF2B5EF4-FFF2-40B4-BE49-F238E27FC236}">
-                <a16:creationId xmlns:a16="http://schemas.microsoft.com/office/drawing/2014/main" id="{477EB862-13E8-799D-42AD-B25CC4FD5AFE}"/>
-              </a:ext>
-            </a:extLst>
-          </p:cNvPr>
-          <p:cNvSpPr txBox="1"/>
-          <p:nvPr/>
-        </p:nvSpPr>
-        <p:spPr>
-          <a:xfrm>
-            <a:off x="3041193" y="1776152"/>
-            <a:ext cx="6106438" cy="461665"/>
-          </a:xfrm>
-          <a:prstGeom prst="rect">
-            <a:avLst/>
-          </a:prstGeom>
-          <a:noFill/>
-        </p:spPr>
-        <p:txBody>
-          <a:bodyPr wrap="square">
-            <a:spAutoFit/>
-          </a:bodyPr>
-          <a:lstStyle/>
-          <a:p>
-            <a:r>
-              <a:rPr lang="en-US" b="1" dirty="0"/>
-              <a:t>Use Case</a:t>
-            </a:r>
-            <a:r>
-              <a:rPr lang="en-US" dirty="0"/>
-              <a:t>: Automatically back up a folder.</a:t>
-            </a:r>
-          </a:p>
-        </p:txBody>
-      </p:sp>
-    </p:spTree>
-    <p:extLst>
-      <p:ext uri="{BB962C8B-B14F-4D97-AF65-F5344CB8AC3E}">
-        <p14:creationId xmlns:p14="http://schemas.microsoft.com/office/powerpoint/2010/main" val="4199461277"/>
-      </p:ext>
-    </p:extLst>
-  </p:cSld>
-  <p:clrMapOvr>
-    <a:masterClrMapping/>
-  </p:clrMapOvr>
-  <mc:AlternateContent xmlns:mc="http://schemas.openxmlformats.org/markup-compatibility/2006" xmlns:p14="http://schemas.microsoft.com/office/powerpoint/2010/main">
-    <mc:Choice Requires="p14">
-      <p:transition spd="med" p14:dur="700">
-        <p:fade/>
-      </p:transition>
-    </mc:Choice>
-    <mc:Fallback xmlns="">
-      <p:transition spd="med">
-        <p:fade/>
-      </p:transition>
-    </mc:Fallback>
-  </mc:AlternateContent>
-</p:sld>
-</file>
-
-<file path=ppt/slides/slide17.xml><?xml version="1.0" encoding="utf-8"?>
-<p:sld xmlns:a="http://schemas.openxmlformats.org/drawingml/2006/main" xmlns:r="http://schemas.openxmlformats.org/officeDocument/2006/relationships" xmlns:p="http://schemas.openxmlformats.org/presentationml/2006/main">
-  <p:cSld>
-    <p:spTree>
-      <p:nvGrpSpPr>
-        <p:cNvPr id="1" name="">
-          <a:extLst>
-            <a:ext uri="{FF2B5EF4-FFF2-40B4-BE49-F238E27FC236}">
-              <a16:creationId xmlns:a16="http://schemas.microsoft.com/office/drawing/2014/main" id="{B53AFF84-9E68-17B2-C229-64430F5C5131}"/>
-            </a:ext>
-          </a:extLst>
-        </p:cNvPr>
-        <p:cNvGrpSpPr/>
-        <p:nvPr/>
-      </p:nvGrpSpPr>
-      <p:grpSpPr>
-        <a:xfrm>
-          <a:off x="0" y="0"/>
-          <a:ext cx="0" cy="0"/>
-          <a:chOff x="0" y="0"/>
-          <a:chExt cx="0" cy="0"/>
-        </a:xfrm>
-      </p:grpSpPr>
-      <p:sp>
-        <p:nvSpPr>
-          <p:cNvPr id="2" name="Title 1">
-            <a:extLst>
-              <a:ext uri="{FF2B5EF4-FFF2-40B4-BE49-F238E27FC236}">
-                <a16:creationId xmlns:a16="http://schemas.microsoft.com/office/drawing/2014/main" id="{5E8091DF-230C-95A0-5E0F-23CEF7091FDB}"/>
-              </a:ext>
-            </a:extLst>
-          </p:cNvPr>
-          <p:cNvSpPr>
-            <a:spLocks noGrp="1"/>
-          </p:cNvSpPr>
-          <p:nvPr>
-            <p:ph type="ctrTitle"/>
-          </p:nvPr>
-        </p:nvSpPr>
-        <p:spPr>
-          <a:xfrm>
-            <a:off x="3453500" y="1415179"/>
-            <a:ext cx="8735325" cy="2000251"/>
-          </a:xfrm>
-        </p:spPr>
-        <p:txBody>
-          <a:bodyPr/>
-          <a:lstStyle/>
-          <a:p>
-            <a:r>
-              <a:rPr lang="en-US" dirty="0"/>
-              <a:t>Thank You</a:t>
-            </a:r>
-          </a:p>
-        </p:txBody>
-      </p:sp>
-    </p:spTree>
-    <p:extLst>
-      <p:ext uri="{BB962C8B-B14F-4D97-AF65-F5344CB8AC3E}">
-        <p14:creationId xmlns:p14="http://schemas.microsoft.com/office/powerpoint/2010/main" val="1637894872"/>
-      </p:ext>
-    </p:extLst>
-  </p:cSld>
-  <p:clrMapOvr>
-    <a:masterClrMapping/>
-  </p:clrMapOvr>
-  <mc:AlternateContent xmlns:mc="http://schemas.openxmlformats.org/markup-compatibility/2006" xmlns:p14="http://schemas.microsoft.com/office/powerpoint/2010/main">
-    <mc:Choice Requires="p14">
-      <p:transition spd="med" p14:dur="700">
-        <p:fade/>
-      </p:transition>
-    </mc:Choice>
-    <mc:Fallback xmlns="">
-      <p:transition spd="med">
-        <p:fade/>
-      </p:transition>
-    </mc:Fallback>
-  </mc:AlternateContent>
-</p:sld>
-</file>
-
-<file path=ppt/slides/slide2.xml><?xml version="1.0" encoding="utf-8"?>
-<p:sld xmlns:a="http://schemas.openxmlformats.org/drawingml/2006/main" xmlns:r="http://schemas.openxmlformats.org/officeDocument/2006/relationships" xmlns:p="http://schemas.openxmlformats.org/presentationml/2006/main">
-  <p:cSld>
-    <p:spTree>
-      <p:nvGrpSpPr>
-        <p:cNvPr id="1" name=""/>
-        <p:cNvGrpSpPr/>
-        <p:nvPr/>
-      </p:nvGrpSpPr>
-      <p:grpSpPr>
-        <a:xfrm>
-          <a:off x="0" y="0"/>
-          <a:ext cx="0" cy="0"/>
-          <a:chOff x="0" y="0"/>
-          <a:chExt cx="0" cy="0"/>
-        </a:xfrm>
-      </p:grpSpPr>
-      <p:sp>
-        <p:nvSpPr>
-          <p:cNvPr id="13" name="Title 12"/>
-          <p:cNvSpPr>
-            <a:spLocks noGrp="1"/>
-          </p:cNvSpPr>
-          <p:nvPr>
-            <p:ph type="title"/>
-          </p:nvPr>
-        </p:nvSpPr>
-        <p:spPr/>
-        <p:txBody>
-          <a:bodyPr/>
-          <a:lstStyle/>
-          <a:p>
-            <a:r>
-              <a:rPr lang="en-US" dirty="0"/>
-              <a:t>At the end of this lesson, students will be able to:</a:t>
-            </a:r>
-          </a:p>
-        </p:txBody>
-      </p:sp>
-      <p:sp>
-        <p:nvSpPr>
-          <p:cNvPr id="14" name="Content Placeholder 13"/>
-          <p:cNvSpPr>
-            <a:spLocks noGrp="1"/>
-          </p:cNvSpPr>
-          <p:nvPr>
-            <p:ph idx="1"/>
-          </p:nvPr>
-        </p:nvSpPr>
-        <p:spPr/>
-        <p:txBody>
-          <a:bodyPr/>
-          <a:lstStyle/>
-          <a:p>
-            <a:r>
-              <a:rPr lang="en-US" dirty="0"/>
-              <a:t>Understand the role and importance of shell scripting in Linux.</a:t>
-            </a:r>
-          </a:p>
-          <a:p>
-            <a:r>
-              <a:rPr lang="en-US" dirty="0"/>
-              <a:t>Identify basic syntax and commands used in shell scripts.</a:t>
-            </a:r>
-          </a:p>
-          <a:p>
-            <a:r>
-              <a:rPr lang="en-US" dirty="0"/>
-              <a:t>Write and execute basic shell scripts.</a:t>
-            </a:r>
-          </a:p>
-          <a:p>
-            <a:r>
-              <a:rPr lang="en-US" dirty="0"/>
-              <a:t>Apply scripting to automate simple system tasks</a:t>
-            </a:r>
-          </a:p>
-        </p:txBody>
-      </p:sp>
-    </p:spTree>
-    <p:extLst>
-      <p:ext uri="{BB962C8B-B14F-4D97-AF65-F5344CB8AC3E}">
-        <p14:creationId xmlns:p14="http://schemas.microsoft.com/office/powerpoint/2010/main" val="3529114326"/>
-      </p:ext>
-    </p:extLst>
-  </p:cSld>
-  <p:clrMapOvr>
-    <a:masterClrMapping/>
-  </p:clrMapOvr>
-  <mc:AlternateContent xmlns:mc="http://schemas.openxmlformats.org/markup-compatibility/2006" xmlns:p14="http://schemas.microsoft.com/office/powerpoint/2010/main">
-    <mc:Choice Requires="p14">
-      <p:transition spd="med" p14:dur="700">
-        <p:fade/>
-      </p:transition>
-    </mc:Choice>
-    <mc:Fallback xmlns="">
-      <p:transition spd="med">
-        <p:fade/>
-      </p:transition>
-    </mc:Fallback>
-  </mc:AlternateContent>
-</p:sld>
-</file>
-
-<file path=ppt/slides/slide3.xml><?xml version="1.0" encoding="utf-8"?>
-<p:sld xmlns:a="http://schemas.openxmlformats.org/drawingml/2006/main" xmlns:r="http://schemas.openxmlformats.org/officeDocument/2006/relationships" xmlns:p="http://schemas.openxmlformats.org/presentationml/2006/main">
-  <p:cSld>
-    <p:spTree>
-      <p:nvGrpSpPr>
-        <p:cNvPr id="1" name=""/>
-        <p:cNvGrpSpPr/>
-        <p:nvPr/>
-      </p:nvGrpSpPr>
-      <p:grpSpPr>
-        <a:xfrm>
-          <a:off x="0" y="0"/>
-          <a:ext cx="0" cy="0"/>
-          <a:chOff x="0" y="0"/>
-          <a:chExt cx="0" cy="0"/>
-        </a:xfrm>
-      </p:grpSpPr>
-      <p:sp>
-        <p:nvSpPr>
-          <p:cNvPr id="2" name="Title 1"/>
-          <p:cNvSpPr>
-            <a:spLocks noGrp="1"/>
-          </p:cNvSpPr>
-          <p:nvPr>
-            <p:ph type="title"/>
-          </p:nvPr>
-        </p:nvSpPr>
-        <p:spPr>
-          <a:xfrm>
-            <a:off x="1218883" y="274637"/>
-            <a:ext cx="10360501" cy="1223963"/>
-          </a:xfrm>
-        </p:spPr>
-        <p:txBody>
-          <a:bodyPr anchor="b">
-            <a:normAutofit/>
-          </a:bodyPr>
-          <a:lstStyle/>
-          <a:p>
-            <a:r>
-              <a:rPr lang="en-US" dirty="0"/>
-              <a:t>What is Shell Scripting?</a:t>
-            </a:r>
-          </a:p>
-        </p:txBody>
-      </p:sp>
-      <p:sp>
-        <p:nvSpPr>
-          <p:cNvPr id="3" name="Content Placeholder 2"/>
-          <p:cNvSpPr>
-            <a:spLocks noGrp="1"/>
-          </p:cNvSpPr>
-          <p:nvPr>
-            <p:ph sz="half" idx="1"/>
-          </p:nvPr>
-        </p:nvSpPr>
-        <p:spPr>
-          <a:xfrm>
-            <a:off x="1218883" y="1706880"/>
-            <a:ext cx="5078677" cy="4465320"/>
-          </a:xfrm>
-        </p:spPr>
-        <p:txBody>
-          <a:bodyPr>
-            <a:normAutofit/>
-          </a:bodyPr>
-          <a:lstStyle/>
-          <a:p>
-            <a:r>
-              <a:rPr lang="en-US" dirty="0"/>
-              <a:t>Shell scripting is writing a series of Linux commands in a file to be executed like a program.</a:t>
-            </a:r>
-          </a:p>
-        </p:txBody>
-      </p:sp>
-      <p:pic>
-        <p:nvPicPr>
-          <p:cNvPr id="8" name="Picture 7" descr="A screenshot of a computer&#10;&#10;AI-generated content may be incorrect.">
-            <a:extLst>
-              <a:ext uri="{FF2B5EF4-FFF2-40B4-BE49-F238E27FC236}">
-                <a16:creationId xmlns:a16="http://schemas.microsoft.com/office/drawing/2014/main" id="{8F80AFE5-8E3A-D971-6208-29AF04B07975}"/>
-              </a:ext>
-            </a:extLst>
-          </p:cNvPr>
-          <p:cNvPicPr>
-            <a:picLocks noChangeAspect="1"/>
-          </p:cNvPicPr>
-          <p:nvPr/>
-        </p:nvPicPr>
-        <p:blipFill>
-          <a:blip r:embed="rId3">
-            <a:extLst>
-              <a:ext uri="{28A0092B-C50C-407E-A947-70E740481C1C}">
-                <a14:useLocalDpi xmlns:a14="http://schemas.microsoft.com/office/drawing/2010/main" val="0"/>
-              </a:ext>
-            </a:extLst>
-          </a:blip>
-          <a:stretch>
-            <a:fillRect/>
-          </a:stretch>
-        </p:blipFill>
-        <p:spPr>
-          <a:xfrm>
-            <a:off x="6500707" y="2333409"/>
-            <a:ext cx="5078677" cy="3212262"/>
-          </a:xfrm>
-          <a:prstGeom prst="rect">
-            <a:avLst/>
-          </a:prstGeom>
-          <a:noFill/>
-        </p:spPr>
-      </p:pic>
-    </p:spTree>
-    <p:extLst>
-      <p:ext uri="{BB962C8B-B14F-4D97-AF65-F5344CB8AC3E}">
-        <p14:creationId xmlns:p14="http://schemas.microsoft.com/office/powerpoint/2010/main" val="2341911148"/>
-      </p:ext>
-    </p:extLst>
-  </p:cSld>
-  <p:clrMapOvr>
-    <a:masterClrMapping/>
-  </p:clrMapOvr>
-  <mc:AlternateContent xmlns:mc="http://schemas.openxmlformats.org/markup-compatibility/2006" xmlns:p14="http://schemas.microsoft.com/office/powerpoint/2010/main">
-    <mc:Choice Requires="p14">
-      <p:transition spd="med" p14:dur="700">
-        <p:fade/>
-      </p:transition>
-    </mc:Choice>
-    <mc:Fallback xmlns="">
-      <p:transition spd="med">
-        <p:fade/>
-      </p:transition>
-    </mc:Fallback>
-  </mc:AlternateContent>
-</p:sld>
-</file>
-
-<file path=ppt/slides/slide4.xml><?xml version="1.0" encoding="utf-8"?>
-<p:sld xmlns:a="http://schemas.openxmlformats.org/drawingml/2006/main" xmlns:r="http://schemas.openxmlformats.org/officeDocument/2006/relationships" xmlns:p="http://schemas.openxmlformats.org/presentationml/2006/main">
-  <p:cSld>
-    <p:spTree>
-      <p:nvGrpSpPr>
-        <p:cNvPr id="1" name=""/>
-        <p:cNvGrpSpPr/>
-        <p:nvPr/>
-      </p:nvGrpSpPr>
-      <p:grpSpPr>
-        <a:xfrm>
-          <a:off x="0" y="0"/>
-          <a:ext cx="0" cy="0"/>
-          <a:chOff x="0" y="0"/>
-          <a:chExt cx="0" cy="0"/>
-        </a:xfrm>
-      </p:grpSpPr>
-      <p:sp>
-        <p:nvSpPr>
-          <p:cNvPr id="2" name="Title 1"/>
-          <p:cNvSpPr>
-            <a:spLocks noGrp="1"/>
-          </p:cNvSpPr>
-          <p:nvPr>
-            <p:ph type="title"/>
-          </p:nvPr>
-        </p:nvSpPr>
-        <p:spPr/>
-        <p:txBody>
-          <a:bodyPr/>
-          <a:lstStyle/>
-          <a:p>
-            <a:r>
-              <a:rPr lang="en-US" dirty="0"/>
-              <a:t>Why Use Shell Scripts?</a:t>
-            </a:r>
-          </a:p>
-        </p:txBody>
-      </p:sp>
-      <p:sp>
-        <p:nvSpPr>
-          <p:cNvPr id="3" name="Content Placeholder 2"/>
-          <p:cNvSpPr>
-            <a:spLocks noGrp="1"/>
-          </p:cNvSpPr>
-          <p:nvPr>
-            <p:ph sz="half" idx="1"/>
-          </p:nvPr>
-        </p:nvSpPr>
-        <p:spPr>
-          <a:xfrm>
-            <a:off x="3555073" y="1752600"/>
-            <a:ext cx="5078677" cy="4465320"/>
-          </a:xfrm>
-        </p:spPr>
-        <p:txBody>
-          <a:bodyPr/>
-          <a:lstStyle/>
-          <a:p>
-            <a:r>
-              <a:rPr lang="en-US" dirty="0"/>
-              <a:t>Automate repetitive tasks</a:t>
-            </a:r>
-          </a:p>
-          <a:p>
-            <a:r>
-              <a:rPr lang="en-US" dirty="0"/>
-              <a:t>Save time and reduce human error</a:t>
-            </a:r>
-          </a:p>
-          <a:p>
-            <a:r>
-              <a:rPr lang="en-US" dirty="0"/>
-              <a:t>Perform system administration</a:t>
-            </a:r>
-          </a:p>
-          <a:p>
-            <a:r>
-              <a:rPr lang="en-US" dirty="0"/>
-              <a:t>Schedule </a:t>
-            </a:r>
-            <a:r>
-              <a:rPr lang="en-US" dirty="0" err="1"/>
-              <a:t>cron</a:t>
-            </a:r>
-            <a:r>
-              <a:rPr lang="en-US" dirty="0"/>
-              <a:t> jobs</a:t>
-            </a:r>
-          </a:p>
-        </p:txBody>
-      </p:sp>
-      <p:graphicFrame>
-        <p:nvGraphicFramePr>
-          <p:cNvPr id="5" name="Content Placeholder 4" descr="Staggered process showing 3 tasks arranged one below the other and two downward pointing arrows are used to indicate progression from first task to second task and second task to third task."/>
-          <p:cNvGraphicFramePr>
-            <a:graphicFrameLocks noGrp="1"/>
-          </p:cNvGraphicFramePr>
-          <p:nvPr>
-            <p:ph sz="half" idx="2"/>
-            <p:extLst>
-              <p:ext uri="{D42A27DB-BD31-4B8C-83A1-F6EECF244321}">
-                <p14:modId xmlns:p14="http://schemas.microsoft.com/office/powerpoint/2010/main" val="4058501148"/>
-              </p:ext>
-            </p:extLst>
-          </p:nvPr>
-        </p:nvGraphicFramePr>
-        <p:xfrm>
-          <a:off x="6500813" y="1706563"/>
-          <a:ext cx="5078412" cy="4465637"/>
-        </p:xfrm>
-        <a:graphic>
-          <a:graphicData uri="http://schemas.openxmlformats.org/drawingml/2006/diagram">
-            <dgm:relIds xmlns:dgm="http://schemas.openxmlformats.org/drawingml/2006/diagram" xmlns:r="http://schemas.openxmlformats.org/officeDocument/2006/relationships" r:dm="rId3" r:lo="rId4" r:qs="rId5" r:cs="rId6"/>
-          </a:graphicData>
-        </a:graphic>
-      </p:graphicFrame>
-    </p:spTree>
-    <p:extLst>
-      <p:ext uri="{BB962C8B-B14F-4D97-AF65-F5344CB8AC3E}">
-        <p14:creationId xmlns:p14="http://schemas.microsoft.com/office/powerpoint/2010/main" val="4123189245"/>
-      </p:ext>
-    </p:extLst>
-  </p:cSld>
-  <p:clrMapOvr>
-    <a:masterClrMapping/>
-  </p:clrMapOvr>
-  <mc:AlternateContent xmlns:mc="http://schemas.openxmlformats.org/markup-compatibility/2006" xmlns:p14="http://schemas.microsoft.com/office/powerpoint/2010/main">
-    <mc:Choice Requires="p14">
-      <p:transition spd="med" p14:dur="700">
-        <p:fade/>
-      </p:transition>
-    </mc:Choice>
-    <mc:Fallback xmlns="">
-      <p:transition spd="med">
-        <p:fade/>
-      </p:transition>
-    </mc:Fallback>
-  </mc:AlternateContent>
-</p:sld>
-</file>
-
-<file path=ppt/slides/slide5.xml><?xml version="1.0" encoding="utf-8"?>
-<p:sld xmlns:a="http://schemas.openxmlformats.org/drawingml/2006/main" xmlns:r="http://schemas.openxmlformats.org/officeDocument/2006/relationships" xmlns:p="http://schemas.openxmlformats.org/presentationml/2006/main">
-  <p:cSld>
-    <p:spTree>
-      <p:nvGrpSpPr>
-        <p:cNvPr id="1" name="">
-          <a:extLst>
-            <a:ext uri="{FF2B5EF4-FFF2-40B4-BE49-F238E27FC236}">
-              <a16:creationId xmlns:a16="http://schemas.microsoft.com/office/drawing/2014/main" id="{D9EF2C1E-ABEF-1A5E-04E3-12E605E84F2E}"/>
-            </a:ext>
-          </a:extLst>
-        </p:cNvPr>
-        <p:cNvGrpSpPr/>
-        <p:nvPr/>
-      </p:nvGrpSpPr>
-      <p:grpSpPr>
-        <a:xfrm>
-          <a:off x="0" y="0"/>
-          <a:ext cx="0" cy="0"/>
-          <a:chOff x="0" y="0"/>
-          <a:chExt cx="0" cy="0"/>
-        </a:xfrm>
-      </p:grpSpPr>
-      <p:sp>
-        <p:nvSpPr>
-          <p:cNvPr id="2" name="Title 1">
-            <a:extLst>
-              <a:ext uri="{FF2B5EF4-FFF2-40B4-BE49-F238E27FC236}">
-                <a16:creationId xmlns:a16="http://schemas.microsoft.com/office/drawing/2014/main" id="{35D4C660-9B11-817F-1423-4D5EF484E5E4}"/>
-              </a:ext>
-            </a:extLst>
-          </p:cNvPr>
-          <p:cNvSpPr>
-            <a:spLocks noGrp="1"/>
-          </p:cNvSpPr>
-          <p:nvPr>
-            <p:ph type="title"/>
-          </p:nvPr>
-        </p:nvSpPr>
-        <p:spPr/>
-        <p:txBody>
-          <a:bodyPr/>
-          <a:lstStyle/>
-          <a:p>
-            <a:r>
-              <a:rPr lang="en-US" dirty="0"/>
-              <a:t>Basic Scripting Concepts</a:t>
-            </a:r>
-          </a:p>
-        </p:txBody>
-      </p:sp>
-      <p:sp>
-        <p:nvSpPr>
-          <p:cNvPr id="3" name="Content Placeholder 2">
-            <a:extLst>
-              <a:ext uri="{FF2B5EF4-FFF2-40B4-BE49-F238E27FC236}">
-                <a16:creationId xmlns:a16="http://schemas.microsoft.com/office/drawing/2014/main" id="{619003DD-3503-A4DC-1A7E-C3E3B27691F1}"/>
-              </a:ext>
-            </a:extLst>
-          </p:cNvPr>
-          <p:cNvSpPr>
-            <a:spLocks noGrp="1"/>
-          </p:cNvSpPr>
-          <p:nvPr>
-            <p:ph sz="half" idx="1"/>
-          </p:nvPr>
-        </p:nvSpPr>
-        <p:spPr>
-          <a:xfrm>
-            <a:off x="2208212" y="2057400"/>
-            <a:ext cx="8178139" cy="3733800"/>
-          </a:xfrm>
-        </p:spPr>
-        <p:txBody>
-          <a:bodyPr>
-            <a:normAutofit/>
-          </a:bodyPr>
-          <a:lstStyle/>
-          <a:p>
-            <a:r>
-              <a:rPr lang="en-US" dirty="0"/>
-              <a:t>Shebang (#!/bin/bash): Tells the OS to use Bash to run the script.</a:t>
-            </a:r>
-          </a:p>
-          <a:p>
-            <a:r>
-              <a:rPr lang="en-US" dirty="0"/>
-              <a:t>Comments (#): Add notes in your code.</a:t>
-            </a:r>
-          </a:p>
-          <a:p>
-            <a:r>
-              <a:rPr lang="en-US" dirty="0"/>
-              <a:t>Variables: name="Jerico"</a:t>
-            </a:r>
-          </a:p>
-          <a:p>
-            <a:r>
-              <a:rPr lang="en-US" dirty="0"/>
-              <a:t>Echo: Output something → echo "Hello, $name"</a:t>
-            </a:r>
-          </a:p>
-        </p:txBody>
-      </p:sp>
-    </p:spTree>
-    <p:extLst>
-      <p:ext uri="{BB962C8B-B14F-4D97-AF65-F5344CB8AC3E}">
-        <p14:creationId xmlns:p14="http://schemas.microsoft.com/office/powerpoint/2010/main" val="2593186763"/>
-      </p:ext>
-    </p:extLst>
-  </p:cSld>
-  <p:clrMapOvr>
-    <a:masterClrMapping/>
-  </p:clrMapOvr>
-  <mc:AlternateContent xmlns:mc="http://schemas.openxmlformats.org/markup-compatibility/2006" xmlns:p14="http://schemas.microsoft.com/office/powerpoint/2010/main">
-    <mc:Choice Requires="p14">
-      <p:transition spd="med" p14:dur="700">
-        <p:fade/>
-      </p:transition>
-    </mc:Choice>
-    <mc:Fallback xmlns="">
-      <p:transition spd="med">
-        <p:fade/>
-      </p:transition>
-    </mc:Fallback>
-  </mc:AlternateContent>
-</p:sld>
-</file>
-
-<file path=ppt/slides/slide6.xml><?xml version="1.0" encoding="utf-8"?>
-<p:sld xmlns:a="http://schemas.openxmlformats.org/drawingml/2006/main" xmlns:r="http://schemas.openxmlformats.org/officeDocument/2006/relationships" xmlns:p="http://schemas.openxmlformats.org/presentationml/2006/main">
-  <p:cSld>
-    <p:spTree>
-      <p:nvGrpSpPr>
-        <p:cNvPr id="1" name=""/>
-        <p:cNvGrpSpPr/>
-        <p:nvPr/>
-      </p:nvGrpSpPr>
-      <p:grpSpPr>
-        <a:xfrm>
-          <a:off x="0" y="0"/>
-          <a:ext cx="0" cy="0"/>
-          <a:chOff x="0" y="0"/>
-          <a:chExt cx="0" cy="0"/>
-        </a:xfrm>
-      </p:grpSpPr>
-      <p:sp>
-        <p:nvSpPr>
-          <p:cNvPr id="7" name="Title 6"/>
-          <p:cNvSpPr>
-            <a:spLocks noGrp="1"/>
-          </p:cNvSpPr>
-          <p:nvPr>
-            <p:ph type="title"/>
-          </p:nvPr>
-        </p:nvSpPr>
-        <p:spPr/>
-        <p:txBody>
-          <a:bodyPr/>
-          <a:lstStyle/>
-          <a:p>
-            <a:r>
-              <a:rPr lang="en-US" dirty="0"/>
-              <a:t>Writing Your First Script</a:t>
-            </a:r>
-          </a:p>
-        </p:txBody>
-      </p:sp>
-      <p:sp>
-        <p:nvSpPr>
-          <p:cNvPr id="3" name="TextBox 2">
-            <a:extLst>
-              <a:ext uri="{FF2B5EF4-FFF2-40B4-BE49-F238E27FC236}">
-                <a16:creationId xmlns:a16="http://schemas.microsoft.com/office/drawing/2014/main" id="{9D80372F-6685-D987-AF80-473A9FDF3351}"/>
-              </a:ext>
-            </a:extLst>
-          </p:cNvPr>
-          <p:cNvSpPr txBox="1"/>
-          <p:nvPr/>
-        </p:nvSpPr>
-        <p:spPr>
-          <a:xfrm>
-            <a:off x="2741612" y="1905000"/>
-            <a:ext cx="6106438" cy="1200329"/>
-          </a:xfrm>
-          <a:prstGeom prst="rect">
-            <a:avLst/>
-          </a:prstGeom>
-          <a:noFill/>
-        </p:spPr>
-        <p:txBody>
-          <a:bodyPr wrap="square">
-            <a:spAutoFit/>
-          </a:bodyPr>
-          <a:lstStyle/>
-          <a:p>
-            <a:r>
-              <a:rPr lang="en-US" dirty="0"/>
-              <a:t>#!/bin/bash</a:t>
-            </a:r>
-          </a:p>
-          <a:p>
-            <a:r>
-              <a:rPr lang="en-US" dirty="0"/>
-              <a:t>name="Jerico"</a:t>
-            </a:r>
-          </a:p>
-          <a:p>
-            <a:r>
-              <a:rPr lang="en-US" dirty="0"/>
-              <a:t>echo "Hello, $name! Welcome to scripting."</a:t>
-            </a:r>
-          </a:p>
-        </p:txBody>
-      </p:sp>
-      <p:sp>
-        <p:nvSpPr>
-          <p:cNvPr id="5" name="TextBox 4">
-            <a:extLst>
-              <a:ext uri="{FF2B5EF4-FFF2-40B4-BE49-F238E27FC236}">
-                <a16:creationId xmlns:a16="http://schemas.microsoft.com/office/drawing/2014/main" id="{068EDF00-2B79-B056-D656-540BA7F95D35}"/>
-              </a:ext>
-            </a:extLst>
-          </p:cNvPr>
-          <p:cNvSpPr txBox="1"/>
-          <p:nvPr/>
-        </p:nvSpPr>
-        <p:spPr>
-          <a:xfrm>
-            <a:off x="2710797" y="4146487"/>
-            <a:ext cx="6106438" cy="1200329"/>
-          </a:xfrm>
-          <a:prstGeom prst="rect">
-            <a:avLst/>
-          </a:prstGeom>
-          <a:noFill/>
-        </p:spPr>
-        <p:txBody>
-          <a:bodyPr wrap="square">
-            <a:spAutoFit/>
-          </a:bodyPr>
-          <a:lstStyle/>
-          <a:p>
-            <a:r>
-              <a:rPr lang="en-US" dirty="0" err="1"/>
-              <a:t>chmod</a:t>
-            </a:r>
-            <a:r>
-              <a:rPr lang="en-US" dirty="0"/>
-              <a:t> +x hello.sh</a:t>
-            </a:r>
-          </a:p>
-          <a:p>
-            <a:r>
-              <a:rPr lang="en-US" dirty="0"/>
-              <a:t>./hello.sh</a:t>
-            </a:r>
-          </a:p>
-          <a:p>
-            <a:endParaRPr lang="en-US" dirty="0"/>
-          </a:p>
-        </p:txBody>
-      </p:sp>
-      <p:sp>
-        <p:nvSpPr>
-          <p:cNvPr id="13" name="TextBox 12">
-            <a:extLst>
-              <a:ext uri="{FF2B5EF4-FFF2-40B4-BE49-F238E27FC236}">
-                <a16:creationId xmlns:a16="http://schemas.microsoft.com/office/drawing/2014/main" id="{4A49EBE4-B483-C39C-3BDB-C1E032227AEA}"/>
-              </a:ext>
-            </a:extLst>
-          </p:cNvPr>
-          <p:cNvSpPr txBox="1"/>
-          <p:nvPr/>
-        </p:nvSpPr>
-        <p:spPr>
-          <a:xfrm>
-            <a:off x="1218883" y="3411255"/>
-            <a:ext cx="6106438" cy="461665"/>
-          </a:xfrm>
-          <a:prstGeom prst="rect">
-            <a:avLst/>
-          </a:prstGeom>
-          <a:noFill/>
-        </p:spPr>
-        <p:txBody>
-          <a:bodyPr wrap="square">
-            <a:spAutoFit/>
-          </a:bodyPr>
-          <a:lstStyle/>
-          <a:p>
-            <a:r>
-              <a:rPr lang="en-US" b="1" dirty="0"/>
-              <a:t>How to run it:</a:t>
-            </a:r>
-            <a:endParaRPr lang="en-US" dirty="0"/>
-          </a:p>
-        </p:txBody>
-      </p:sp>
-    </p:spTree>
-    <p:extLst>
-      <p:ext uri="{BB962C8B-B14F-4D97-AF65-F5344CB8AC3E}">
-        <p14:creationId xmlns:p14="http://schemas.microsoft.com/office/powerpoint/2010/main" val="2672039197"/>
-      </p:ext>
-    </p:extLst>
-  </p:cSld>
-  <p:clrMapOvr>
-    <a:masterClrMapping/>
-  </p:clrMapOvr>
-  <mc:AlternateContent xmlns:mc="http://schemas.openxmlformats.org/markup-compatibility/2006" xmlns:p14="http://schemas.microsoft.com/office/powerpoint/2010/main">
-    <mc:Choice Requires="p14">
-      <p:transition spd="med" p14:dur="700">
-        <p:fade/>
-      </p:transition>
-    </mc:Choice>
-    <mc:Fallback xmlns="">
-      <p:transition spd="med">
-        <p:fade/>
-      </p:transition>
-    </mc:Fallback>
-  </mc:AlternateContent>
-</p:sld>
-</file>
-
-<file path=ppt/slides/slide7.xml><?xml version="1.0" encoding="utf-8"?>
-<p:sld xmlns:a="http://schemas.openxmlformats.org/drawingml/2006/main" xmlns:r="http://schemas.openxmlformats.org/officeDocument/2006/relationships" xmlns:p="http://schemas.openxmlformats.org/presentationml/2006/main">
-  <p:cSld>
-    <p:spTree>
-      <p:nvGrpSpPr>
-        <p:cNvPr id="1" name=""/>
-        <p:cNvGrpSpPr/>
-        <p:nvPr/>
-      </p:nvGrpSpPr>
-      <p:grpSpPr>
-        <a:xfrm>
-          <a:off x="0" y="0"/>
-          <a:ext cx="0" cy="0"/>
-          <a:chOff x="0" y="0"/>
-          <a:chExt cx="0" cy="0"/>
-        </a:xfrm>
-      </p:grpSpPr>
-      <p:sp>
-        <p:nvSpPr>
-          <p:cNvPr id="3" name="Title 2"/>
-          <p:cNvSpPr>
-            <a:spLocks noGrp="1"/>
-          </p:cNvSpPr>
-          <p:nvPr>
-            <p:ph type="title"/>
-          </p:nvPr>
-        </p:nvSpPr>
-        <p:spPr/>
-        <p:txBody>
-          <a:bodyPr/>
-          <a:lstStyle/>
-          <a:p>
-            <a:r>
-              <a:rPr lang="en-US" dirty="0"/>
-              <a:t>Basic Shell Scripting (Variables)</a:t>
-            </a:r>
-          </a:p>
-        </p:txBody>
-      </p:sp>
-      <p:pic>
-        <p:nvPicPr>
-          <p:cNvPr id="8" name="Picture 7">
-            <a:extLst>
-              <a:ext uri="{FF2B5EF4-FFF2-40B4-BE49-F238E27FC236}">
-                <a16:creationId xmlns:a16="http://schemas.microsoft.com/office/drawing/2014/main" id="{FDD051EF-B5D7-B6B2-A335-586C1209B88B}"/>
-              </a:ext>
-            </a:extLst>
-          </p:cNvPr>
-          <p:cNvPicPr>
-            <a:picLocks noChangeAspect="1"/>
-          </p:cNvPicPr>
-          <p:nvPr/>
-        </p:nvPicPr>
-        <p:blipFill>
-          <a:blip r:embed="rId3"/>
-          <a:stretch>
-            <a:fillRect/>
-          </a:stretch>
-        </p:blipFill>
-        <p:spPr>
-          <a:xfrm>
-            <a:off x="3114953" y="2100263"/>
-            <a:ext cx="5958918" cy="2971800"/>
-          </a:xfrm>
-          <a:prstGeom prst="rect">
-            <a:avLst/>
-          </a:prstGeom>
-        </p:spPr>
-      </p:pic>
-    </p:spTree>
-    <p:extLst>
-      <p:ext uri="{BB962C8B-B14F-4D97-AF65-F5344CB8AC3E}">
-        <p14:creationId xmlns:p14="http://schemas.microsoft.com/office/powerpoint/2010/main" val="397710800"/>
-      </p:ext>
-    </p:extLst>
-  </p:cSld>
-  <p:clrMapOvr>
-    <a:masterClrMapping/>
-  </p:clrMapOvr>
-  <mc:AlternateContent xmlns:mc="http://schemas.openxmlformats.org/markup-compatibility/2006" xmlns:p14="http://schemas.microsoft.com/office/powerpoint/2010/main">
-    <mc:Choice Requires="p14">
-      <p:transition spd="med" p14:dur="700">
-        <p:fade/>
-      </p:transition>
-    </mc:Choice>
-    <mc:Fallback xmlns="">
-      <p:transition spd="med">
-        <p:fade/>
-      </p:transition>
-    </mc:Fallback>
-  </mc:AlternateContent>
-</p:sld>
-</file>
-
-<file path=ppt/slides/slide8.xml><?xml version="1.0" encoding="utf-8"?>
-<p:sld xmlns:a="http://schemas.openxmlformats.org/drawingml/2006/main" xmlns:r="http://schemas.openxmlformats.org/officeDocument/2006/relationships" xmlns:p="http://schemas.openxmlformats.org/presentationml/2006/main">
-  <p:cSld>
-    <p:spTree>
-      <p:nvGrpSpPr>
-        <p:cNvPr id="1" name="">
-          <a:extLst>
-            <a:ext uri="{FF2B5EF4-FFF2-40B4-BE49-F238E27FC236}">
-              <a16:creationId xmlns:a16="http://schemas.microsoft.com/office/drawing/2014/main" id="{D30CAF11-D0F1-0F21-51B1-3705503C5C54}"/>
-            </a:ext>
-          </a:extLst>
-        </p:cNvPr>
-        <p:cNvGrpSpPr/>
-        <p:nvPr/>
-      </p:nvGrpSpPr>
-      <p:grpSpPr>
-        <a:xfrm>
-          <a:off x="0" y="0"/>
-          <a:ext cx="0" cy="0"/>
-          <a:chOff x="0" y="0"/>
-          <a:chExt cx="0" cy="0"/>
-        </a:xfrm>
-      </p:grpSpPr>
-      <p:sp>
-        <p:nvSpPr>
-          <p:cNvPr id="3" name="Title 2">
-            <a:extLst>
-              <a:ext uri="{FF2B5EF4-FFF2-40B4-BE49-F238E27FC236}">
-                <a16:creationId xmlns:a16="http://schemas.microsoft.com/office/drawing/2014/main" id="{B955ED1C-A38D-DEC1-C766-C9B6A2E7205D}"/>
-              </a:ext>
-            </a:extLst>
-          </p:cNvPr>
-          <p:cNvSpPr>
-            <a:spLocks noGrp="1"/>
-          </p:cNvSpPr>
-          <p:nvPr>
-            <p:ph type="title"/>
-          </p:nvPr>
-        </p:nvSpPr>
-        <p:spPr/>
-        <p:txBody>
-          <a:bodyPr/>
-          <a:lstStyle/>
-          <a:p>
-            <a:r>
-              <a:rPr lang="en-US" dirty="0"/>
-              <a:t>Basic Shell Scripting (Output and Input)</a:t>
-            </a:r>
-          </a:p>
-        </p:txBody>
-      </p:sp>
-      <p:pic>
-        <p:nvPicPr>
-          <p:cNvPr id="4" name="Picture 3">
-            <a:extLst>
-              <a:ext uri="{FF2B5EF4-FFF2-40B4-BE49-F238E27FC236}">
-                <a16:creationId xmlns:a16="http://schemas.microsoft.com/office/drawing/2014/main" id="{8866AB44-FB68-8266-614F-D300622A220B}"/>
-              </a:ext>
-            </a:extLst>
-          </p:cNvPr>
-          <p:cNvPicPr>
-            <a:picLocks noChangeAspect="1"/>
-          </p:cNvPicPr>
-          <p:nvPr/>
-        </p:nvPicPr>
-        <p:blipFill>
-          <a:blip r:embed="rId3"/>
-          <a:stretch>
-            <a:fillRect/>
-          </a:stretch>
-        </p:blipFill>
-        <p:spPr>
-          <a:xfrm>
-            <a:off x="2332389" y="1676400"/>
-            <a:ext cx="7524045" cy="2786207"/>
-          </a:xfrm>
-          <a:prstGeom prst="rect">
-            <a:avLst/>
-          </a:prstGeom>
-        </p:spPr>
-      </p:pic>
-      <p:pic>
-        <p:nvPicPr>
-          <p:cNvPr id="6" name="Picture 5">
-            <a:extLst>
-              <a:ext uri="{FF2B5EF4-FFF2-40B4-BE49-F238E27FC236}">
-                <a16:creationId xmlns:a16="http://schemas.microsoft.com/office/drawing/2014/main" id="{B41E23B2-0CA3-2619-BEAA-B1127C1AA5A7}"/>
-              </a:ext>
-            </a:extLst>
-          </p:cNvPr>
-          <p:cNvPicPr>
-            <a:picLocks noChangeAspect="1"/>
-          </p:cNvPicPr>
-          <p:nvPr/>
-        </p:nvPicPr>
-        <p:blipFill>
-          <a:blip r:embed="rId4"/>
-          <a:stretch>
-            <a:fillRect/>
-          </a:stretch>
-        </p:blipFill>
-        <p:spPr>
-          <a:xfrm>
-            <a:off x="3046412" y="4466782"/>
-            <a:ext cx="6324600" cy="2210108"/>
-          </a:xfrm>
-          <a:prstGeom prst="rect">
-            <a:avLst/>
-          </a:prstGeom>
-        </p:spPr>
-      </p:pic>
-    </p:spTree>
-    <p:extLst>
-      <p:ext uri="{BB962C8B-B14F-4D97-AF65-F5344CB8AC3E}">
-        <p14:creationId xmlns:p14="http://schemas.microsoft.com/office/powerpoint/2010/main" val="603163724"/>
-      </p:ext>
-    </p:extLst>
-  </p:cSld>
-  <p:clrMapOvr>
-    <a:masterClrMapping/>
-  </p:clrMapOvr>
-  <mc:AlternateContent xmlns:mc="http://schemas.openxmlformats.org/markup-compatibility/2006" xmlns:p14="http://schemas.microsoft.com/office/powerpoint/2010/main">
-    <mc:Choice Requires="p14">
-      <p:transition spd="med" p14:dur="700">
-        <p:fade/>
-      </p:transition>
-    </mc:Choice>
-    <mc:Fallback xmlns="">
-      <p:transition spd="med">
-        <p:fade/>
-      </p:transition>
-    </mc:Fallback>
-  </mc:AlternateContent>
-</p:sld>
-</file>
-
-<file path=ppt/slides/slide9.xml><?xml version="1.0" encoding="utf-8"?>
+<file path=ppt/slides/slide11.xml><?xml version="1.0" encoding="utf-8"?>
 <p:sld xmlns:a="http://schemas.openxmlformats.org/drawingml/2006/main" xmlns:r="http://schemas.openxmlformats.org/officeDocument/2006/relationships" xmlns:p="http://schemas.openxmlformats.org/presentationml/2006/main">
   <p:cSld>
     <p:spTree>
@@ -13372,6 +8513,2767 @@
     <p:extLst>
       <p:ext uri="{BB962C8B-B14F-4D97-AF65-F5344CB8AC3E}">
         <p14:creationId xmlns:p14="http://schemas.microsoft.com/office/powerpoint/2010/main" val="1130530327"/>
+      </p:ext>
+    </p:extLst>
+  </p:cSld>
+  <p:clrMapOvr>
+    <a:masterClrMapping/>
+  </p:clrMapOvr>
+  <mc:AlternateContent xmlns:mc="http://schemas.openxmlformats.org/markup-compatibility/2006" xmlns:p14="http://schemas.microsoft.com/office/powerpoint/2010/main">
+    <mc:Choice Requires="p14">
+      <p:transition spd="med" p14:dur="700">
+        <p:fade/>
+      </p:transition>
+    </mc:Choice>
+    <mc:Fallback xmlns="">
+      <p:transition spd="med">
+        <p:fade/>
+      </p:transition>
+    </mc:Fallback>
+  </mc:AlternateContent>
+</p:sld>
+</file>
+
+<file path=ppt/slides/slide12.xml><?xml version="1.0" encoding="utf-8"?>
+<p:sld xmlns:a="http://schemas.openxmlformats.org/drawingml/2006/main" xmlns:r="http://schemas.openxmlformats.org/officeDocument/2006/relationships" xmlns:p="http://schemas.openxmlformats.org/presentationml/2006/main">
+  <p:cSld>
+    <p:spTree>
+      <p:nvGrpSpPr>
+        <p:cNvPr id="1" name="">
+          <a:extLst>
+            <a:ext uri="{FF2B5EF4-FFF2-40B4-BE49-F238E27FC236}">
+              <a16:creationId xmlns:a16="http://schemas.microsoft.com/office/drawing/2014/main" id="{E5C3906C-273B-5556-C0E2-41E67903F7C2}"/>
+            </a:ext>
+          </a:extLst>
+        </p:cNvPr>
+        <p:cNvGrpSpPr/>
+        <p:nvPr/>
+      </p:nvGrpSpPr>
+      <p:grpSpPr>
+        <a:xfrm>
+          <a:off x="0" y="0"/>
+          <a:ext cx="0" cy="0"/>
+          <a:chOff x="0" y="0"/>
+          <a:chExt cx="0" cy="0"/>
+        </a:xfrm>
+      </p:grpSpPr>
+      <p:sp>
+        <p:nvSpPr>
+          <p:cNvPr id="3" name="Title 2">
+            <a:extLst>
+              <a:ext uri="{FF2B5EF4-FFF2-40B4-BE49-F238E27FC236}">
+                <a16:creationId xmlns:a16="http://schemas.microsoft.com/office/drawing/2014/main" id="{60B1191A-E114-24F1-B0AB-B083CE3492FB}"/>
+              </a:ext>
+            </a:extLst>
+          </p:cNvPr>
+          <p:cNvSpPr>
+            <a:spLocks noGrp="1"/>
+          </p:cNvSpPr>
+          <p:nvPr>
+            <p:ph type="title"/>
+          </p:nvPr>
+        </p:nvSpPr>
+        <p:spPr/>
+        <p:txBody>
+          <a:bodyPr/>
+          <a:lstStyle/>
+          <a:p>
+            <a:r>
+              <a:rPr lang="en-US" dirty="0"/>
+              <a:t>Basic Shell Scripting (Logical Operators)</a:t>
+            </a:r>
+          </a:p>
+        </p:txBody>
+      </p:sp>
+      <p:graphicFrame>
+        <p:nvGraphicFramePr>
+          <p:cNvPr id="2" name="Table 1">
+            <a:extLst>
+              <a:ext uri="{FF2B5EF4-FFF2-40B4-BE49-F238E27FC236}">
+                <a16:creationId xmlns:a16="http://schemas.microsoft.com/office/drawing/2014/main" id="{41CCCA9A-F3D8-CF9D-E87A-92EDB3549C79}"/>
+              </a:ext>
+            </a:extLst>
+          </p:cNvPr>
+          <p:cNvGraphicFramePr>
+            <a:graphicFrameLocks noGrp="1"/>
+          </p:cNvGraphicFramePr>
+          <p:nvPr>
+            <p:extLst>
+              <p:ext uri="{D42A27DB-BD31-4B8C-83A1-F6EECF244321}">
+                <p14:modId xmlns:p14="http://schemas.microsoft.com/office/powerpoint/2010/main" val="1079609143"/>
+              </p:ext>
+            </p:extLst>
+          </p:nvPr>
+        </p:nvGraphicFramePr>
+        <p:xfrm>
+          <a:off x="2360612" y="1905000"/>
+          <a:ext cx="7924800" cy="3764359"/>
+        </p:xfrm>
+        <a:graphic>
+          <a:graphicData uri="http://schemas.openxmlformats.org/drawingml/2006/table">
+            <a:tbl>
+              <a:tblPr firstRow="1" bandRow="1">
+                <a:tableStyleId>{5C22544A-7EE6-4342-B048-85BDC9FD1C3A}</a:tableStyleId>
+              </a:tblPr>
+              <a:tblGrid>
+                <a:gridCol w="1600200">
+                  <a:extLst>
+                    <a:ext uri="{9D8B030D-6E8A-4147-A177-3AD203B41FA5}">
+                      <a16:colId xmlns:a16="http://schemas.microsoft.com/office/drawing/2014/main" val="389979248"/>
+                    </a:ext>
+                  </a:extLst>
+                </a:gridCol>
+                <a:gridCol w="3581400">
+                  <a:extLst>
+                    <a:ext uri="{9D8B030D-6E8A-4147-A177-3AD203B41FA5}">
+                      <a16:colId xmlns:a16="http://schemas.microsoft.com/office/drawing/2014/main" val="4016717089"/>
+                    </a:ext>
+                  </a:extLst>
+                </a:gridCol>
+                <a:gridCol w="2743200">
+                  <a:extLst>
+                    <a:ext uri="{9D8B030D-6E8A-4147-A177-3AD203B41FA5}">
+                      <a16:colId xmlns:a16="http://schemas.microsoft.com/office/drawing/2014/main" val="1536051747"/>
+                    </a:ext>
+                  </a:extLst>
+                </a:gridCol>
+              </a:tblGrid>
+              <a:tr h="563959">
+                <a:tc>
+                  <a:txBody>
+                    <a:bodyPr/>
+                    <a:lstStyle/>
+                    <a:p>
+                      <a:pPr>
+                        <a:buNone/>
+                      </a:pPr>
+                      <a:r>
+                        <a:rPr lang="en-US" dirty="0"/>
+                        <a:t>Operator</a:t>
+                      </a:r>
+                    </a:p>
+                  </a:txBody>
+                  <a:tcPr anchor="ctr">
+                    <a:solidFill>
+                      <a:srgbClr val="008282"/>
+                    </a:solidFill>
+                  </a:tcPr>
+                </a:tc>
+                <a:tc>
+                  <a:txBody>
+                    <a:bodyPr/>
+                    <a:lstStyle/>
+                    <a:p>
+                      <a:pPr>
+                        <a:buNone/>
+                      </a:pPr>
+                      <a:r>
+                        <a:rPr lang="en-US" dirty="0"/>
+                        <a:t>Meaning</a:t>
+                      </a:r>
+                    </a:p>
+                  </a:txBody>
+                  <a:tcPr anchor="ctr">
+                    <a:solidFill>
+                      <a:srgbClr val="008282"/>
+                    </a:solidFill>
+                  </a:tcPr>
+                </a:tc>
+                <a:tc>
+                  <a:txBody>
+                    <a:bodyPr/>
+                    <a:lstStyle/>
+                    <a:p>
+                      <a:pPr>
+                        <a:buNone/>
+                      </a:pPr>
+                      <a:r>
+                        <a:rPr lang="en-US" dirty="0"/>
+                        <a:t>Example</a:t>
+                      </a:r>
+                    </a:p>
+                  </a:txBody>
+                  <a:tcPr anchor="ctr">
+                    <a:solidFill>
+                      <a:srgbClr val="008282"/>
+                    </a:solidFill>
+                  </a:tcPr>
+                </a:tc>
+                <a:extLst>
+                  <a:ext uri="{0D108BD9-81ED-4DB2-BD59-A6C34878D82A}">
+                    <a16:rowId xmlns:a16="http://schemas.microsoft.com/office/drawing/2014/main" val="3989087156"/>
+                  </a:ext>
+                </a:extLst>
+              </a:tr>
+              <a:tr h="563959">
+                <a:tc>
+                  <a:txBody>
+                    <a:bodyPr/>
+                    <a:lstStyle/>
+                    <a:p>
+                      <a:pPr>
+                        <a:buNone/>
+                      </a:pPr>
+                      <a:r>
+                        <a:rPr lang="en-US" dirty="0"/>
+                        <a:t>&amp;&amp;</a:t>
+                      </a:r>
+                    </a:p>
+                  </a:txBody>
+                  <a:tcPr anchor="ctr"/>
+                </a:tc>
+                <a:tc>
+                  <a:txBody>
+                    <a:bodyPr/>
+                    <a:lstStyle/>
+                    <a:p>
+                      <a:pPr>
+                        <a:buNone/>
+                      </a:pPr>
+                      <a:r>
+                        <a:rPr lang="en-US" b="1" dirty="0"/>
+                        <a:t>AND</a:t>
+                      </a:r>
+                      <a:r>
+                        <a:rPr lang="en-US" dirty="0"/>
+                        <a:t> (both must be true)</a:t>
+                      </a:r>
+                    </a:p>
+                  </a:txBody>
+                  <a:tcPr anchor="ctr"/>
+                </a:tc>
+                <a:tc>
+                  <a:txBody>
+                    <a:bodyPr/>
+                    <a:lstStyle/>
+                    <a:p>
+                      <a:pPr>
+                        <a:buNone/>
+                      </a:pPr>
+                      <a:r>
+                        <a:rPr lang="en-US" dirty="0"/>
+                        <a:t>if [ $age -</a:t>
+                      </a:r>
+                      <a:r>
+                        <a:rPr lang="en-US" dirty="0" err="1"/>
+                        <a:t>ge</a:t>
+                      </a:r>
+                      <a:r>
+                        <a:rPr lang="en-US" dirty="0"/>
+                        <a:t> 18 ] &amp;&amp; [ $</a:t>
+                      </a:r>
+                      <a:r>
+                        <a:rPr lang="en-US" dirty="0" err="1"/>
+                        <a:t>filipinocitizen</a:t>
+                      </a:r>
+                      <a:r>
+                        <a:rPr lang="en-US" dirty="0"/>
+                        <a:t> = “yes" ]</a:t>
+                      </a:r>
+                    </a:p>
+                  </a:txBody>
+                  <a:tcPr anchor="ctr"/>
+                </a:tc>
+                <a:extLst>
+                  <a:ext uri="{0D108BD9-81ED-4DB2-BD59-A6C34878D82A}">
+                    <a16:rowId xmlns:a16="http://schemas.microsoft.com/office/drawing/2014/main" val="951002768"/>
+                  </a:ext>
+                </a:extLst>
+              </a:tr>
+              <a:tr h="563959">
+                <a:tc>
+                  <a:txBody>
+                    <a:bodyPr/>
+                    <a:lstStyle/>
+                    <a:p>
+                      <a:pPr>
+                        <a:buNone/>
+                      </a:pPr>
+                      <a:r>
+                        <a:rPr lang="en-US" dirty="0"/>
+                        <a:t>||</a:t>
+                      </a:r>
+                    </a:p>
+                  </a:txBody>
+                  <a:tcPr anchor="ctr"/>
+                </a:tc>
+                <a:tc>
+                  <a:txBody>
+                    <a:bodyPr/>
+                    <a:lstStyle/>
+                    <a:p>
+                      <a:pPr>
+                        <a:buNone/>
+                      </a:pPr>
+                      <a:r>
+                        <a:rPr lang="en-US" b="1" dirty="0"/>
+                        <a:t>OR</a:t>
+                      </a:r>
+                      <a:r>
+                        <a:rPr lang="en-US" dirty="0"/>
+                        <a:t> (</a:t>
+                      </a:r>
+                      <a:r>
+                        <a:rPr lang="en-US" dirty="0" err="1"/>
+                        <a:t>atleast</a:t>
+                      </a:r>
+                      <a:r>
+                        <a:rPr lang="en-US" dirty="0"/>
+                        <a:t> one is true )</a:t>
+                      </a:r>
+                    </a:p>
+                  </a:txBody>
+                  <a:tcPr anchor="ctr"/>
+                </a:tc>
+                <a:tc>
+                  <a:txBody>
+                    <a:bodyPr/>
+                    <a:lstStyle/>
+                    <a:p>
+                      <a:pPr>
+                        <a:buNone/>
+                      </a:pPr>
+                      <a:r>
+                        <a:rPr lang="en-US" dirty="0"/>
+                        <a:t>if [ $age -</a:t>
+                      </a:r>
+                      <a:r>
+                        <a:rPr lang="en-US" dirty="0" err="1"/>
+                        <a:t>ge</a:t>
+                      </a:r>
+                      <a:r>
+                        <a:rPr lang="en-US" dirty="0"/>
+                        <a:t> 18 ] || [ "$permit" = "yes" ]</a:t>
+                      </a:r>
+                    </a:p>
+                  </a:txBody>
+                  <a:tcPr anchor="ctr"/>
+                </a:tc>
+                <a:extLst>
+                  <a:ext uri="{0D108BD9-81ED-4DB2-BD59-A6C34878D82A}">
+                    <a16:rowId xmlns:a16="http://schemas.microsoft.com/office/drawing/2014/main" val="1275218382"/>
+                  </a:ext>
+                </a:extLst>
+              </a:tr>
+              <a:tr h="563959">
+                <a:tc>
+                  <a:txBody>
+                    <a:bodyPr/>
+                    <a:lstStyle/>
+                    <a:p>
+                      <a:pPr>
+                        <a:buNone/>
+                      </a:pPr>
+                      <a:r>
+                        <a:rPr lang="en-US" dirty="0"/>
+                        <a:t>!</a:t>
+                      </a:r>
+                    </a:p>
+                  </a:txBody>
+                  <a:tcPr anchor="ctr"/>
+                </a:tc>
+                <a:tc>
+                  <a:txBody>
+                    <a:bodyPr/>
+                    <a:lstStyle/>
+                    <a:p>
+                      <a:pPr>
+                        <a:buNone/>
+                      </a:pPr>
+                      <a:r>
+                        <a:rPr lang="en-US" b="1" dirty="0"/>
+                        <a:t>NOT</a:t>
+                      </a:r>
+                      <a:r>
+                        <a:rPr lang="en-US" dirty="0"/>
+                        <a:t> (negates condition)</a:t>
+                      </a:r>
+                    </a:p>
+                  </a:txBody>
+                  <a:tcPr anchor="ctr"/>
+                </a:tc>
+                <a:tc>
+                  <a:txBody>
+                    <a:bodyPr/>
+                    <a:lstStyle/>
+                    <a:p>
+                      <a:pPr>
+                        <a:buNone/>
+                      </a:pPr>
+                      <a:r>
+                        <a:rPr lang="en-US" dirty="0"/>
+                        <a:t>if [ ! -f file.txt ] → true if file </a:t>
+                      </a:r>
+                      <a:r>
+                        <a:rPr lang="en-US" b="1" dirty="0"/>
+                        <a:t>doesn't</a:t>
+                      </a:r>
+                      <a:r>
+                        <a:rPr lang="en-US" dirty="0"/>
+                        <a:t> exist</a:t>
+                      </a:r>
+                    </a:p>
+                  </a:txBody>
+                  <a:tcPr anchor="ctr"/>
+                </a:tc>
+                <a:extLst>
+                  <a:ext uri="{0D108BD9-81ED-4DB2-BD59-A6C34878D82A}">
+                    <a16:rowId xmlns:a16="http://schemas.microsoft.com/office/drawing/2014/main" val="800248694"/>
+                  </a:ext>
+                </a:extLst>
+              </a:tr>
+            </a:tbl>
+          </a:graphicData>
+        </a:graphic>
+      </p:graphicFrame>
+    </p:spTree>
+    <p:extLst>
+      <p:ext uri="{BB962C8B-B14F-4D97-AF65-F5344CB8AC3E}">
+        <p14:creationId xmlns:p14="http://schemas.microsoft.com/office/powerpoint/2010/main" val="2364022667"/>
+      </p:ext>
+    </p:extLst>
+  </p:cSld>
+  <p:clrMapOvr>
+    <a:masterClrMapping/>
+  </p:clrMapOvr>
+  <mc:AlternateContent xmlns:mc="http://schemas.openxmlformats.org/markup-compatibility/2006" xmlns:p14="http://schemas.microsoft.com/office/powerpoint/2010/main">
+    <mc:Choice Requires="p14">
+      <p:transition spd="med" p14:dur="700">
+        <p:fade/>
+      </p:transition>
+    </mc:Choice>
+    <mc:Fallback xmlns="">
+      <p:transition spd="med">
+        <p:fade/>
+      </p:transition>
+    </mc:Fallback>
+  </mc:AlternateContent>
+</p:sld>
+</file>
+
+<file path=ppt/slides/slide13.xml><?xml version="1.0" encoding="utf-8"?>
+<p:sld xmlns:a="http://schemas.openxmlformats.org/drawingml/2006/main" xmlns:r="http://schemas.openxmlformats.org/officeDocument/2006/relationships" xmlns:p="http://schemas.openxmlformats.org/presentationml/2006/main">
+  <p:cSld>
+    <p:spTree>
+      <p:nvGrpSpPr>
+        <p:cNvPr id="1" name="">
+          <a:extLst>
+            <a:ext uri="{FF2B5EF4-FFF2-40B4-BE49-F238E27FC236}">
+              <a16:creationId xmlns:a16="http://schemas.microsoft.com/office/drawing/2014/main" id="{381EB485-D703-0D86-F2D2-DEC9E674CCC6}"/>
+            </a:ext>
+          </a:extLst>
+        </p:cNvPr>
+        <p:cNvGrpSpPr/>
+        <p:nvPr/>
+      </p:nvGrpSpPr>
+      <p:grpSpPr>
+        <a:xfrm>
+          <a:off x="0" y="0"/>
+          <a:ext cx="0" cy="0"/>
+          <a:chOff x="0" y="0"/>
+          <a:chExt cx="0" cy="0"/>
+        </a:xfrm>
+      </p:grpSpPr>
+      <p:sp>
+        <p:nvSpPr>
+          <p:cNvPr id="3" name="Title 2">
+            <a:extLst>
+              <a:ext uri="{FF2B5EF4-FFF2-40B4-BE49-F238E27FC236}">
+                <a16:creationId xmlns:a16="http://schemas.microsoft.com/office/drawing/2014/main" id="{FE725256-A064-2C2D-1610-8AEF920F766D}"/>
+              </a:ext>
+            </a:extLst>
+          </p:cNvPr>
+          <p:cNvSpPr>
+            <a:spLocks noGrp="1"/>
+          </p:cNvSpPr>
+          <p:nvPr>
+            <p:ph type="title"/>
+          </p:nvPr>
+        </p:nvSpPr>
+        <p:spPr/>
+        <p:txBody>
+          <a:bodyPr/>
+          <a:lstStyle/>
+          <a:p>
+            <a:r>
+              <a:rPr lang="en-US" dirty="0"/>
+              <a:t>Basic Shell Scripting (if else Statement)</a:t>
+            </a:r>
+          </a:p>
+        </p:txBody>
+      </p:sp>
+      <p:pic>
+        <p:nvPicPr>
+          <p:cNvPr id="7" name="Picture 6">
+            <a:extLst>
+              <a:ext uri="{FF2B5EF4-FFF2-40B4-BE49-F238E27FC236}">
+                <a16:creationId xmlns:a16="http://schemas.microsoft.com/office/drawing/2014/main" id="{A3021CCD-647E-B2A5-DC51-34EAC6A50723}"/>
+              </a:ext>
+            </a:extLst>
+          </p:cNvPr>
+          <p:cNvPicPr>
+            <a:picLocks noChangeAspect="1"/>
+          </p:cNvPicPr>
+          <p:nvPr/>
+        </p:nvPicPr>
+        <p:blipFill>
+          <a:blip r:embed="rId3"/>
+          <a:stretch>
+            <a:fillRect/>
+          </a:stretch>
+        </p:blipFill>
+        <p:spPr>
+          <a:xfrm>
+            <a:off x="2284412" y="4543325"/>
+            <a:ext cx="5344271" cy="1428949"/>
+          </a:xfrm>
+          <a:prstGeom prst="rect">
+            <a:avLst/>
+          </a:prstGeom>
+        </p:spPr>
+      </p:pic>
+      <p:pic>
+        <p:nvPicPr>
+          <p:cNvPr id="9" name="Picture 8">
+            <a:extLst>
+              <a:ext uri="{FF2B5EF4-FFF2-40B4-BE49-F238E27FC236}">
+                <a16:creationId xmlns:a16="http://schemas.microsoft.com/office/drawing/2014/main" id="{F1EB7225-8BD4-44E0-D36A-CEAB8B392409}"/>
+              </a:ext>
+            </a:extLst>
+          </p:cNvPr>
+          <p:cNvPicPr>
+            <a:picLocks noChangeAspect="1"/>
+          </p:cNvPicPr>
+          <p:nvPr/>
+        </p:nvPicPr>
+        <p:blipFill>
+          <a:blip r:embed="rId4"/>
+          <a:stretch>
+            <a:fillRect/>
+          </a:stretch>
+        </p:blipFill>
+        <p:spPr>
+          <a:xfrm>
+            <a:off x="2284412" y="1600200"/>
+            <a:ext cx="5744377" cy="2429214"/>
+          </a:xfrm>
+          <a:prstGeom prst="rect">
+            <a:avLst/>
+          </a:prstGeom>
+        </p:spPr>
+      </p:pic>
+    </p:spTree>
+    <p:extLst>
+      <p:ext uri="{BB962C8B-B14F-4D97-AF65-F5344CB8AC3E}">
+        <p14:creationId xmlns:p14="http://schemas.microsoft.com/office/powerpoint/2010/main" val="3850911991"/>
+      </p:ext>
+    </p:extLst>
+  </p:cSld>
+  <p:clrMapOvr>
+    <a:masterClrMapping/>
+  </p:clrMapOvr>
+  <mc:AlternateContent xmlns:mc="http://schemas.openxmlformats.org/markup-compatibility/2006" xmlns:p14="http://schemas.microsoft.com/office/powerpoint/2010/main">
+    <mc:Choice Requires="p14">
+      <p:transition spd="med" p14:dur="700">
+        <p:fade/>
+      </p:transition>
+    </mc:Choice>
+    <mc:Fallback xmlns="">
+      <p:transition spd="med">
+        <p:fade/>
+      </p:transition>
+    </mc:Fallback>
+  </mc:AlternateContent>
+</p:sld>
+</file>
+
+<file path=ppt/slides/slide14.xml><?xml version="1.0" encoding="utf-8"?>
+<p:sld xmlns:a="http://schemas.openxmlformats.org/drawingml/2006/main" xmlns:r="http://schemas.openxmlformats.org/officeDocument/2006/relationships" xmlns:p="http://schemas.openxmlformats.org/presentationml/2006/main">
+  <p:cSld>
+    <p:spTree>
+      <p:nvGrpSpPr>
+        <p:cNvPr id="1" name="">
+          <a:extLst>
+            <a:ext uri="{FF2B5EF4-FFF2-40B4-BE49-F238E27FC236}">
+              <a16:creationId xmlns:a16="http://schemas.microsoft.com/office/drawing/2014/main" id="{E5EDE3F6-A971-113E-7A4C-5F33790DCD38}"/>
+            </a:ext>
+          </a:extLst>
+        </p:cNvPr>
+        <p:cNvGrpSpPr/>
+        <p:nvPr/>
+      </p:nvGrpSpPr>
+      <p:grpSpPr>
+        <a:xfrm>
+          <a:off x="0" y="0"/>
+          <a:ext cx="0" cy="0"/>
+          <a:chOff x="0" y="0"/>
+          <a:chExt cx="0" cy="0"/>
+        </a:xfrm>
+      </p:grpSpPr>
+      <p:sp>
+        <p:nvSpPr>
+          <p:cNvPr id="3" name="Title 2">
+            <a:extLst>
+              <a:ext uri="{FF2B5EF4-FFF2-40B4-BE49-F238E27FC236}">
+                <a16:creationId xmlns:a16="http://schemas.microsoft.com/office/drawing/2014/main" id="{40D5F7A1-465F-8E93-82BD-9D1B67E318EF}"/>
+              </a:ext>
+            </a:extLst>
+          </p:cNvPr>
+          <p:cNvSpPr>
+            <a:spLocks noGrp="1"/>
+          </p:cNvSpPr>
+          <p:nvPr>
+            <p:ph type="title"/>
+          </p:nvPr>
+        </p:nvSpPr>
+        <p:spPr/>
+        <p:txBody>
+          <a:bodyPr/>
+          <a:lstStyle/>
+          <a:p>
+            <a:r>
+              <a:rPr lang="en-US" dirty="0"/>
+              <a:t>Basic Shell Scripting (Loops)</a:t>
+            </a:r>
+          </a:p>
+        </p:txBody>
+      </p:sp>
+      <p:sp>
+        <p:nvSpPr>
+          <p:cNvPr id="6" name="TextBox 5">
+            <a:extLst>
+              <a:ext uri="{FF2B5EF4-FFF2-40B4-BE49-F238E27FC236}">
+                <a16:creationId xmlns:a16="http://schemas.microsoft.com/office/drawing/2014/main" id="{A10C251E-D7F5-B5BB-4031-F3FAC57EF742}"/>
+              </a:ext>
+            </a:extLst>
+          </p:cNvPr>
+          <p:cNvSpPr txBox="1"/>
+          <p:nvPr/>
+        </p:nvSpPr>
+        <p:spPr>
+          <a:xfrm>
+            <a:off x="1751012" y="1504602"/>
+            <a:ext cx="6106438" cy="461665"/>
+          </a:xfrm>
+          <a:prstGeom prst="rect">
+            <a:avLst/>
+          </a:prstGeom>
+          <a:noFill/>
+        </p:spPr>
+        <p:txBody>
+          <a:bodyPr wrap="square">
+            <a:spAutoFit/>
+          </a:bodyPr>
+          <a:lstStyle/>
+          <a:p>
+            <a:r>
+              <a:rPr lang="en-US" dirty="0"/>
+              <a:t>-For loop</a:t>
+            </a:r>
+          </a:p>
+        </p:txBody>
+      </p:sp>
+      <p:pic>
+        <p:nvPicPr>
+          <p:cNvPr id="10" name="Picture 9">
+            <a:extLst>
+              <a:ext uri="{FF2B5EF4-FFF2-40B4-BE49-F238E27FC236}">
+                <a16:creationId xmlns:a16="http://schemas.microsoft.com/office/drawing/2014/main" id="{3EDC646D-192E-C7ED-5268-92FE2F4FFD05}"/>
+              </a:ext>
+            </a:extLst>
+          </p:cNvPr>
+          <p:cNvPicPr>
+            <a:picLocks noChangeAspect="1"/>
+          </p:cNvPicPr>
+          <p:nvPr/>
+        </p:nvPicPr>
+        <p:blipFill>
+          <a:blip r:embed="rId3"/>
+          <a:stretch>
+            <a:fillRect/>
+          </a:stretch>
+        </p:blipFill>
+        <p:spPr>
+          <a:xfrm>
+            <a:off x="3122518" y="1966267"/>
+            <a:ext cx="4887238" cy="2180460"/>
+          </a:xfrm>
+          <a:prstGeom prst="rect">
+            <a:avLst/>
+          </a:prstGeom>
+        </p:spPr>
+      </p:pic>
+      <p:pic>
+        <p:nvPicPr>
+          <p:cNvPr id="12" name="Picture 11">
+            <a:extLst>
+              <a:ext uri="{FF2B5EF4-FFF2-40B4-BE49-F238E27FC236}">
+                <a16:creationId xmlns:a16="http://schemas.microsoft.com/office/drawing/2014/main" id="{9C81A871-1B67-9DAD-F604-0E1E032FEDA2}"/>
+              </a:ext>
+            </a:extLst>
+          </p:cNvPr>
+          <p:cNvPicPr>
+            <a:picLocks noChangeAspect="1"/>
+          </p:cNvPicPr>
+          <p:nvPr/>
+        </p:nvPicPr>
+        <p:blipFill>
+          <a:blip r:embed="rId4"/>
+          <a:stretch>
+            <a:fillRect/>
+          </a:stretch>
+        </p:blipFill>
+        <p:spPr>
+          <a:xfrm>
+            <a:off x="3122518" y="4538897"/>
+            <a:ext cx="5191850" cy="1629002"/>
+          </a:xfrm>
+          <a:prstGeom prst="rect">
+            <a:avLst/>
+          </a:prstGeom>
+        </p:spPr>
+      </p:pic>
+    </p:spTree>
+    <p:extLst>
+      <p:ext uri="{BB962C8B-B14F-4D97-AF65-F5344CB8AC3E}">
+        <p14:creationId xmlns:p14="http://schemas.microsoft.com/office/powerpoint/2010/main" val="3355593907"/>
+      </p:ext>
+    </p:extLst>
+  </p:cSld>
+  <p:clrMapOvr>
+    <a:masterClrMapping/>
+  </p:clrMapOvr>
+  <mc:AlternateContent xmlns:mc="http://schemas.openxmlformats.org/markup-compatibility/2006" xmlns:p14="http://schemas.microsoft.com/office/powerpoint/2010/main">
+    <mc:Choice Requires="p14">
+      <p:transition spd="med" p14:dur="700">
+        <p:fade/>
+      </p:transition>
+    </mc:Choice>
+    <mc:Fallback xmlns="">
+      <p:transition spd="med">
+        <p:fade/>
+      </p:transition>
+    </mc:Fallback>
+  </mc:AlternateContent>
+</p:sld>
+</file>
+
+<file path=ppt/slides/slide15.xml><?xml version="1.0" encoding="utf-8"?>
+<p:sld xmlns:a="http://schemas.openxmlformats.org/drawingml/2006/main" xmlns:r="http://schemas.openxmlformats.org/officeDocument/2006/relationships" xmlns:p="http://schemas.openxmlformats.org/presentationml/2006/main">
+  <p:cSld>
+    <p:spTree>
+      <p:nvGrpSpPr>
+        <p:cNvPr id="1" name="">
+          <a:extLst>
+            <a:ext uri="{FF2B5EF4-FFF2-40B4-BE49-F238E27FC236}">
+              <a16:creationId xmlns:a16="http://schemas.microsoft.com/office/drawing/2014/main" id="{51D9C3A6-2534-580F-C4CB-F5C441C74DBB}"/>
+            </a:ext>
+          </a:extLst>
+        </p:cNvPr>
+        <p:cNvGrpSpPr/>
+        <p:nvPr/>
+      </p:nvGrpSpPr>
+      <p:grpSpPr>
+        <a:xfrm>
+          <a:off x="0" y="0"/>
+          <a:ext cx="0" cy="0"/>
+          <a:chOff x="0" y="0"/>
+          <a:chExt cx="0" cy="0"/>
+        </a:xfrm>
+      </p:grpSpPr>
+      <p:sp>
+        <p:nvSpPr>
+          <p:cNvPr id="3" name="Title 2">
+            <a:extLst>
+              <a:ext uri="{FF2B5EF4-FFF2-40B4-BE49-F238E27FC236}">
+                <a16:creationId xmlns:a16="http://schemas.microsoft.com/office/drawing/2014/main" id="{798EA5D1-AF37-F2BF-6966-E290F0E8DDC9}"/>
+              </a:ext>
+            </a:extLst>
+          </p:cNvPr>
+          <p:cNvSpPr>
+            <a:spLocks noGrp="1"/>
+          </p:cNvSpPr>
+          <p:nvPr>
+            <p:ph type="title"/>
+          </p:nvPr>
+        </p:nvSpPr>
+        <p:spPr/>
+        <p:txBody>
+          <a:bodyPr/>
+          <a:lstStyle/>
+          <a:p>
+            <a:r>
+              <a:rPr lang="en-US" dirty="0"/>
+              <a:t>Basic Shell Scripting (Loops)</a:t>
+            </a:r>
+          </a:p>
+        </p:txBody>
+      </p:sp>
+      <p:sp>
+        <p:nvSpPr>
+          <p:cNvPr id="6" name="TextBox 5">
+            <a:extLst>
+              <a:ext uri="{FF2B5EF4-FFF2-40B4-BE49-F238E27FC236}">
+                <a16:creationId xmlns:a16="http://schemas.microsoft.com/office/drawing/2014/main" id="{1732F8C7-4292-8145-E297-C2B4A44C2478}"/>
+              </a:ext>
+            </a:extLst>
+          </p:cNvPr>
+          <p:cNvSpPr txBox="1"/>
+          <p:nvPr/>
+        </p:nvSpPr>
+        <p:spPr>
+          <a:xfrm>
+            <a:off x="1751012" y="1504602"/>
+            <a:ext cx="6106438" cy="461665"/>
+          </a:xfrm>
+          <a:prstGeom prst="rect">
+            <a:avLst/>
+          </a:prstGeom>
+          <a:noFill/>
+        </p:spPr>
+        <p:txBody>
+          <a:bodyPr wrap="square">
+            <a:spAutoFit/>
+          </a:bodyPr>
+          <a:lstStyle/>
+          <a:p>
+            <a:r>
+              <a:rPr lang="en-US" dirty="0"/>
+              <a:t>-while  loop</a:t>
+            </a:r>
+          </a:p>
+        </p:txBody>
+      </p:sp>
+      <p:pic>
+        <p:nvPicPr>
+          <p:cNvPr id="7" name="Picture 6">
+            <a:extLst>
+              <a:ext uri="{FF2B5EF4-FFF2-40B4-BE49-F238E27FC236}">
+                <a16:creationId xmlns:a16="http://schemas.microsoft.com/office/drawing/2014/main" id="{FFF83200-7137-391A-2553-BD8CE92210A0}"/>
+              </a:ext>
+            </a:extLst>
+          </p:cNvPr>
+          <p:cNvPicPr>
+            <a:picLocks noChangeAspect="1"/>
+          </p:cNvPicPr>
+          <p:nvPr/>
+        </p:nvPicPr>
+        <p:blipFill>
+          <a:blip r:embed="rId3"/>
+          <a:stretch>
+            <a:fillRect/>
+          </a:stretch>
+        </p:blipFill>
+        <p:spPr>
+          <a:xfrm>
+            <a:off x="3632047" y="4724400"/>
+            <a:ext cx="5506218" cy="1667108"/>
+          </a:xfrm>
+          <a:prstGeom prst="rect">
+            <a:avLst/>
+          </a:prstGeom>
+        </p:spPr>
+      </p:pic>
+      <p:pic>
+        <p:nvPicPr>
+          <p:cNvPr id="13" name="Picture 12">
+            <a:extLst>
+              <a:ext uri="{FF2B5EF4-FFF2-40B4-BE49-F238E27FC236}">
+                <a16:creationId xmlns:a16="http://schemas.microsoft.com/office/drawing/2014/main" id="{13D00591-F6D1-F176-5B71-F50F16968F4B}"/>
+              </a:ext>
+            </a:extLst>
+          </p:cNvPr>
+          <p:cNvPicPr>
+            <a:picLocks noChangeAspect="1"/>
+          </p:cNvPicPr>
+          <p:nvPr/>
+        </p:nvPicPr>
+        <p:blipFill>
+          <a:blip r:embed="rId4"/>
+          <a:stretch>
+            <a:fillRect/>
+          </a:stretch>
+        </p:blipFill>
+        <p:spPr>
+          <a:xfrm>
+            <a:off x="3632047" y="2121816"/>
+            <a:ext cx="4924729" cy="2267266"/>
+          </a:xfrm>
+          <a:prstGeom prst="rect">
+            <a:avLst/>
+          </a:prstGeom>
+        </p:spPr>
+      </p:pic>
+    </p:spTree>
+    <p:extLst>
+      <p:ext uri="{BB962C8B-B14F-4D97-AF65-F5344CB8AC3E}">
+        <p14:creationId xmlns:p14="http://schemas.microsoft.com/office/powerpoint/2010/main" val="984002603"/>
+      </p:ext>
+    </p:extLst>
+  </p:cSld>
+  <p:clrMapOvr>
+    <a:masterClrMapping/>
+  </p:clrMapOvr>
+  <mc:AlternateContent xmlns:mc="http://schemas.openxmlformats.org/markup-compatibility/2006" xmlns:p14="http://schemas.microsoft.com/office/powerpoint/2010/main">
+    <mc:Choice Requires="p14">
+      <p:transition spd="med" p14:dur="700">
+        <p:fade/>
+      </p:transition>
+    </mc:Choice>
+    <mc:Fallback xmlns="">
+      <p:transition spd="med">
+        <p:fade/>
+      </p:transition>
+    </mc:Fallback>
+  </mc:AlternateContent>
+</p:sld>
+</file>
+
+<file path=ppt/slides/slide16.xml><?xml version="1.0" encoding="utf-8"?>
+<p:sld xmlns:a="http://schemas.openxmlformats.org/drawingml/2006/main" xmlns:r="http://schemas.openxmlformats.org/officeDocument/2006/relationships" xmlns:p="http://schemas.openxmlformats.org/presentationml/2006/main">
+  <p:cSld>
+    <p:spTree>
+      <p:nvGrpSpPr>
+        <p:cNvPr id="1" name="">
+          <a:extLst>
+            <a:ext uri="{FF2B5EF4-FFF2-40B4-BE49-F238E27FC236}">
+              <a16:creationId xmlns:a16="http://schemas.microsoft.com/office/drawing/2014/main" id="{E15C11AB-227B-2CE5-EE69-00725179435B}"/>
+            </a:ext>
+          </a:extLst>
+        </p:cNvPr>
+        <p:cNvGrpSpPr/>
+        <p:nvPr/>
+      </p:nvGrpSpPr>
+      <p:grpSpPr>
+        <a:xfrm>
+          <a:off x="0" y="0"/>
+          <a:ext cx="0" cy="0"/>
+          <a:chOff x="0" y="0"/>
+          <a:chExt cx="0" cy="0"/>
+        </a:xfrm>
+      </p:grpSpPr>
+      <p:sp>
+        <p:nvSpPr>
+          <p:cNvPr id="3" name="Title 2">
+            <a:extLst>
+              <a:ext uri="{FF2B5EF4-FFF2-40B4-BE49-F238E27FC236}">
+                <a16:creationId xmlns:a16="http://schemas.microsoft.com/office/drawing/2014/main" id="{625F787D-F552-032F-A20F-AF4FD6DBCBB5}"/>
+              </a:ext>
+            </a:extLst>
+          </p:cNvPr>
+          <p:cNvSpPr>
+            <a:spLocks noGrp="1"/>
+          </p:cNvSpPr>
+          <p:nvPr>
+            <p:ph type="title"/>
+          </p:nvPr>
+        </p:nvSpPr>
+        <p:spPr/>
+        <p:txBody>
+          <a:bodyPr/>
+          <a:lstStyle/>
+          <a:p>
+            <a:r>
+              <a:rPr lang="en-US" dirty="0"/>
+              <a:t>Basic Shell Scripting (Loops)</a:t>
+            </a:r>
+          </a:p>
+        </p:txBody>
+      </p:sp>
+      <p:sp>
+        <p:nvSpPr>
+          <p:cNvPr id="6" name="TextBox 5">
+            <a:extLst>
+              <a:ext uri="{FF2B5EF4-FFF2-40B4-BE49-F238E27FC236}">
+                <a16:creationId xmlns:a16="http://schemas.microsoft.com/office/drawing/2014/main" id="{CF9624E1-0658-58ED-7C64-BB38C6553565}"/>
+              </a:ext>
+            </a:extLst>
+          </p:cNvPr>
+          <p:cNvSpPr txBox="1"/>
+          <p:nvPr/>
+        </p:nvSpPr>
+        <p:spPr>
+          <a:xfrm>
+            <a:off x="1751012" y="1504602"/>
+            <a:ext cx="6106438" cy="461665"/>
+          </a:xfrm>
+          <a:prstGeom prst="rect">
+            <a:avLst/>
+          </a:prstGeom>
+          <a:noFill/>
+        </p:spPr>
+        <p:txBody>
+          <a:bodyPr wrap="square">
+            <a:spAutoFit/>
+          </a:bodyPr>
+          <a:lstStyle/>
+          <a:p>
+            <a:r>
+              <a:rPr lang="en-US" dirty="0"/>
+              <a:t>-while  loop</a:t>
+            </a:r>
+          </a:p>
+        </p:txBody>
+      </p:sp>
+      <p:pic>
+        <p:nvPicPr>
+          <p:cNvPr id="7" name="Picture 6">
+            <a:extLst>
+              <a:ext uri="{FF2B5EF4-FFF2-40B4-BE49-F238E27FC236}">
+                <a16:creationId xmlns:a16="http://schemas.microsoft.com/office/drawing/2014/main" id="{D76179EF-EFA1-0A6E-D60B-61F1C873E15D}"/>
+              </a:ext>
+            </a:extLst>
+          </p:cNvPr>
+          <p:cNvPicPr>
+            <a:picLocks noChangeAspect="1"/>
+          </p:cNvPicPr>
+          <p:nvPr/>
+        </p:nvPicPr>
+        <p:blipFill>
+          <a:blip r:embed="rId3"/>
+          <a:stretch>
+            <a:fillRect/>
+          </a:stretch>
+        </p:blipFill>
+        <p:spPr>
+          <a:xfrm>
+            <a:off x="3632047" y="4724400"/>
+            <a:ext cx="5506218" cy="1667108"/>
+          </a:xfrm>
+          <a:prstGeom prst="rect">
+            <a:avLst/>
+          </a:prstGeom>
+        </p:spPr>
+      </p:pic>
+      <p:pic>
+        <p:nvPicPr>
+          <p:cNvPr id="13" name="Picture 12">
+            <a:extLst>
+              <a:ext uri="{FF2B5EF4-FFF2-40B4-BE49-F238E27FC236}">
+                <a16:creationId xmlns:a16="http://schemas.microsoft.com/office/drawing/2014/main" id="{95619804-85FD-D240-C069-8855811C699C}"/>
+              </a:ext>
+            </a:extLst>
+          </p:cNvPr>
+          <p:cNvPicPr>
+            <a:picLocks noChangeAspect="1"/>
+          </p:cNvPicPr>
+          <p:nvPr/>
+        </p:nvPicPr>
+        <p:blipFill>
+          <a:blip r:embed="rId4"/>
+          <a:stretch>
+            <a:fillRect/>
+          </a:stretch>
+        </p:blipFill>
+        <p:spPr>
+          <a:xfrm>
+            <a:off x="3632047" y="2121816"/>
+            <a:ext cx="4924729" cy="2267266"/>
+          </a:xfrm>
+          <a:prstGeom prst="rect">
+            <a:avLst/>
+          </a:prstGeom>
+        </p:spPr>
+      </p:pic>
+    </p:spTree>
+    <p:extLst>
+      <p:ext uri="{BB962C8B-B14F-4D97-AF65-F5344CB8AC3E}">
+        <p14:creationId xmlns:p14="http://schemas.microsoft.com/office/powerpoint/2010/main" val="3267973398"/>
+      </p:ext>
+    </p:extLst>
+  </p:cSld>
+  <p:clrMapOvr>
+    <a:masterClrMapping/>
+  </p:clrMapOvr>
+  <mc:AlternateContent xmlns:mc="http://schemas.openxmlformats.org/markup-compatibility/2006" xmlns:p14="http://schemas.microsoft.com/office/powerpoint/2010/main">
+    <mc:Choice Requires="p14">
+      <p:transition spd="med" p14:dur="700">
+        <p:fade/>
+      </p:transition>
+    </mc:Choice>
+    <mc:Fallback xmlns="">
+      <p:transition spd="med">
+        <p:fade/>
+      </p:transition>
+    </mc:Fallback>
+  </mc:AlternateContent>
+</p:sld>
+</file>
+
+<file path=ppt/slides/slide17.xml><?xml version="1.0" encoding="utf-8"?>
+<p:sld xmlns:a="http://schemas.openxmlformats.org/drawingml/2006/main" xmlns:r="http://schemas.openxmlformats.org/officeDocument/2006/relationships" xmlns:p="http://schemas.openxmlformats.org/presentationml/2006/main">
+  <p:cSld>
+    <p:spTree>
+      <p:nvGrpSpPr>
+        <p:cNvPr id="1" name="">
+          <a:extLst>
+            <a:ext uri="{FF2B5EF4-FFF2-40B4-BE49-F238E27FC236}">
+              <a16:creationId xmlns:a16="http://schemas.microsoft.com/office/drawing/2014/main" id="{9809F3AF-6EFF-13A0-152A-A7E6DF96D72A}"/>
+            </a:ext>
+          </a:extLst>
+        </p:cNvPr>
+        <p:cNvGrpSpPr/>
+        <p:nvPr/>
+      </p:nvGrpSpPr>
+      <p:grpSpPr>
+        <a:xfrm>
+          <a:off x="0" y="0"/>
+          <a:ext cx="0" cy="0"/>
+          <a:chOff x="0" y="0"/>
+          <a:chExt cx="0" cy="0"/>
+        </a:xfrm>
+      </p:grpSpPr>
+      <p:sp>
+        <p:nvSpPr>
+          <p:cNvPr id="3" name="Title 2">
+            <a:extLst>
+              <a:ext uri="{FF2B5EF4-FFF2-40B4-BE49-F238E27FC236}">
+                <a16:creationId xmlns:a16="http://schemas.microsoft.com/office/drawing/2014/main" id="{9B90AAC5-B81A-15A4-5F0F-E75E0E647571}"/>
+              </a:ext>
+            </a:extLst>
+          </p:cNvPr>
+          <p:cNvSpPr>
+            <a:spLocks noGrp="1"/>
+          </p:cNvSpPr>
+          <p:nvPr>
+            <p:ph type="title"/>
+          </p:nvPr>
+        </p:nvSpPr>
+        <p:spPr/>
+        <p:txBody>
+          <a:bodyPr/>
+          <a:lstStyle/>
+          <a:p>
+            <a:r>
+              <a:rPr lang="en-US" dirty="0"/>
+              <a:t>Basic Shell Scripting (Arrays)</a:t>
+            </a:r>
+          </a:p>
+        </p:txBody>
+      </p:sp>
+      <p:pic>
+        <p:nvPicPr>
+          <p:cNvPr id="4" name="Picture 3">
+            <a:extLst>
+              <a:ext uri="{FF2B5EF4-FFF2-40B4-BE49-F238E27FC236}">
+                <a16:creationId xmlns:a16="http://schemas.microsoft.com/office/drawing/2014/main" id="{E2DA2678-878E-46E0-DD0E-258590440C49}"/>
+              </a:ext>
+            </a:extLst>
+          </p:cNvPr>
+          <p:cNvPicPr>
+            <a:picLocks noChangeAspect="1"/>
+          </p:cNvPicPr>
+          <p:nvPr/>
+        </p:nvPicPr>
+        <p:blipFill>
+          <a:blip r:embed="rId3"/>
+          <a:stretch>
+            <a:fillRect/>
+          </a:stretch>
+        </p:blipFill>
+        <p:spPr>
+          <a:xfrm>
+            <a:off x="3346066" y="2133419"/>
+            <a:ext cx="5496692" cy="2591162"/>
+          </a:xfrm>
+          <a:prstGeom prst="rect">
+            <a:avLst/>
+          </a:prstGeom>
+        </p:spPr>
+      </p:pic>
+    </p:spTree>
+    <p:extLst>
+      <p:ext uri="{BB962C8B-B14F-4D97-AF65-F5344CB8AC3E}">
+        <p14:creationId xmlns:p14="http://schemas.microsoft.com/office/powerpoint/2010/main" val="2594643097"/>
+      </p:ext>
+    </p:extLst>
+  </p:cSld>
+  <p:clrMapOvr>
+    <a:masterClrMapping/>
+  </p:clrMapOvr>
+  <mc:AlternateContent xmlns:mc="http://schemas.openxmlformats.org/markup-compatibility/2006">
+    <mc:Choice xmlns:p14="http://schemas.microsoft.com/office/powerpoint/2010/main" Requires="p14">
+      <p:transition spd="med" p14:dur="700">
+        <p:fade/>
+      </p:transition>
+    </mc:Choice>
+    <mc:Fallback>
+      <p:transition spd="med">
+        <p:fade/>
+      </p:transition>
+    </mc:Fallback>
+  </mc:AlternateContent>
+</p:sld>
+</file>
+
+<file path=ppt/slides/slide18.xml><?xml version="1.0" encoding="utf-8"?>
+<p:sld xmlns:a="http://schemas.openxmlformats.org/drawingml/2006/main" xmlns:r="http://schemas.openxmlformats.org/officeDocument/2006/relationships" xmlns:p="http://schemas.openxmlformats.org/presentationml/2006/main">
+  <p:cSld>
+    <p:spTree>
+      <p:nvGrpSpPr>
+        <p:cNvPr id="1" name="">
+          <a:extLst>
+            <a:ext uri="{FF2B5EF4-FFF2-40B4-BE49-F238E27FC236}">
+              <a16:creationId xmlns:a16="http://schemas.microsoft.com/office/drawing/2014/main" id="{5ED0EF71-E078-4635-3EEC-D8C529E7A71D}"/>
+            </a:ext>
+          </a:extLst>
+        </p:cNvPr>
+        <p:cNvGrpSpPr/>
+        <p:nvPr/>
+      </p:nvGrpSpPr>
+      <p:grpSpPr>
+        <a:xfrm>
+          <a:off x="0" y="0"/>
+          <a:ext cx="0" cy="0"/>
+          <a:chOff x="0" y="0"/>
+          <a:chExt cx="0" cy="0"/>
+        </a:xfrm>
+      </p:grpSpPr>
+      <p:sp>
+        <p:nvSpPr>
+          <p:cNvPr id="3" name="Title 2">
+            <a:extLst>
+              <a:ext uri="{FF2B5EF4-FFF2-40B4-BE49-F238E27FC236}">
+                <a16:creationId xmlns:a16="http://schemas.microsoft.com/office/drawing/2014/main" id="{E71D0E17-C40A-41BE-0296-DBEA2A532029}"/>
+              </a:ext>
+            </a:extLst>
+          </p:cNvPr>
+          <p:cNvSpPr>
+            <a:spLocks noGrp="1"/>
+          </p:cNvSpPr>
+          <p:nvPr>
+            <p:ph type="title"/>
+          </p:nvPr>
+        </p:nvSpPr>
+        <p:spPr/>
+        <p:txBody>
+          <a:bodyPr/>
+          <a:lstStyle/>
+          <a:p>
+            <a:r>
+              <a:rPr lang="en-US" dirty="0"/>
+              <a:t>Basic Shell Scripting (Function)</a:t>
+            </a:r>
+          </a:p>
+        </p:txBody>
+      </p:sp>
+      <p:pic>
+        <p:nvPicPr>
+          <p:cNvPr id="8" name="Picture 7">
+            <a:extLst>
+              <a:ext uri="{FF2B5EF4-FFF2-40B4-BE49-F238E27FC236}">
+                <a16:creationId xmlns:a16="http://schemas.microsoft.com/office/drawing/2014/main" id="{7F6AA511-7F4E-954F-6D92-2D20745F0B44}"/>
+              </a:ext>
+            </a:extLst>
+          </p:cNvPr>
+          <p:cNvPicPr>
+            <a:picLocks noChangeAspect="1"/>
+          </p:cNvPicPr>
+          <p:nvPr/>
+        </p:nvPicPr>
+        <p:blipFill>
+          <a:blip r:embed="rId3"/>
+          <a:stretch>
+            <a:fillRect/>
+          </a:stretch>
+        </p:blipFill>
+        <p:spPr>
+          <a:xfrm>
+            <a:off x="3579812" y="1676400"/>
+            <a:ext cx="5029200" cy="2825515"/>
+          </a:xfrm>
+          <a:prstGeom prst="rect">
+            <a:avLst/>
+          </a:prstGeom>
+        </p:spPr>
+      </p:pic>
+      <p:pic>
+        <p:nvPicPr>
+          <p:cNvPr id="10" name="Picture 9">
+            <a:extLst>
+              <a:ext uri="{FF2B5EF4-FFF2-40B4-BE49-F238E27FC236}">
+                <a16:creationId xmlns:a16="http://schemas.microsoft.com/office/drawing/2014/main" id="{74598335-71D8-F095-7C75-D1AC3CC5FBB9}"/>
+              </a:ext>
+            </a:extLst>
+          </p:cNvPr>
+          <p:cNvPicPr>
+            <a:picLocks noChangeAspect="1"/>
+          </p:cNvPicPr>
+          <p:nvPr/>
+        </p:nvPicPr>
+        <p:blipFill>
+          <a:blip r:embed="rId4"/>
+          <a:stretch>
+            <a:fillRect/>
+          </a:stretch>
+        </p:blipFill>
+        <p:spPr>
+          <a:xfrm>
+            <a:off x="3579812" y="4876800"/>
+            <a:ext cx="4791744" cy="781159"/>
+          </a:xfrm>
+          <a:prstGeom prst="rect">
+            <a:avLst/>
+          </a:prstGeom>
+        </p:spPr>
+      </p:pic>
+    </p:spTree>
+    <p:extLst>
+      <p:ext uri="{BB962C8B-B14F-4D97-AF65-F5344CB8AC3E}">
+        <p14:creationId xmlns:p14="http://schemas.microsoft.com/office/powerpoint/2010/main" val="4184011030"/>
+      </p:ext>
+    </p:extLst>
+  </p:cSld>
+  <p:clrMapOvr>
+    <a:masterClrMapping/>
+  </p:clrMapOvr>
+  <mc:AlternateContent xmlns:mc="http://schemas.openxmlformats.org/markup-compatibility/2006" xmlns:p14="http://schemas.microsoft.com/office/powerpoint/2010/main">
+    <mc:Choice Requires="p14">
+      <p:transition spd="med" p14:dur="700">
+        <p:fade/>
+      </p:transition>
+    </mc:Choice>
+    <mc:Fallback xmlns="">
+      <p:transition spd="med">
+        <p:fade/>
+      </p:transition>
+    </mc:Fallback>
+  </mc:AlternateContent>
+</p:sld>
+</file>
+
+<file path=ppt/slides/slide19.xml><?xml version="1.0" encoding="utf-8"?>
+<p:sld xmlns:a="http://schemas.openxmlformats.org/drawingml/2006/main" xmlns:r="http://schemas.openxmlformats.org/officeDocument/2006/relationships" xmlns:p="http://schemas.openxmlformats.org/presentationml/2006/main">
+  <p:cSld>
+    <p:spTree>
+      <p:nvGrpSpPr>
+        <p:cNvPr id="1" name="">
+          <a:extLst>
+            <a:ext uri="{FF2B5EF4-FFF2-40B4-BE49-F238E27FC236}">
+              <a16:creationId xmlns:a16="http://schemas.microsoft.com/office/drawing/2014/main" id="{396C190D-1989-2633-44AD-A0F90E114215}"/>
+            </a:ext>
+          </a:extLst>
+        </p:cNvPr>
+        <p:cNvGrpSpPr/>
+        <p:nvPr/>
+      </p:nvGrpSpPr>
+      <p:grpSpPr>
+        <a:xfrm>
+          <a:off x="0" y="0"/>
+          <a:ext cx="0" cy="0"/>
+          <a:chOff x="0" y="0"/>
+          <a:chExt cx="0" cy="0"/>
+        </a:xfrm>
+      </p:grpSpPr>
+      <p:sp>
+        <p:nvSpPr>
+          <p:cNvPr id="3" name="Title 2">
+            <a:extLst>
+              <a:ext uri="{FF2B5EF4-FFF2-40B4-BE49-F238E27FC236}">
+                <a16:creationId xmlns:a16="http://schemas.microsoft.com/office/drawing/2014/main" id="{F360DB21-C93E-DC91-A562-46D8B3166BDD}"/>
+              </a:ext>
+            </a:extLst>
+          </p:cNvPr>
+          <p:cNvSpPr>
+            <a:spLocks noGrp="1"/>
+          </p:cNvSpPr>
+          <p:nvPr>
+            <p:ph type="title"/>
+          </p:nvPr>
+        </p:nvSpPr>
+        <p:spPr>
+          <a:xfrm>
+            <a:off x="1827212" y="533400"/>
+            <a:ext cx="3048000" cy="1223963"/>
+          </a:xfrm>
+        </p:spPr>
+        <p:txBody>
+          <a:bodyPr>
+            <a:normAutofit/>
+          </a:bodyPr>
+          <a:lstStyle/>
+          <a:p>
+            <a:r>
+              <a:rPr lang="en-US" sz="5400" dirty="0"/>
+              <a:t>Hands On</a:t>
+            </a:r>
+          </a:p>
+        </p:txBody>
+      </p:sp>
+      <p:sp>
+        <p:nvSpPr>
+          <p:cNvPr id="6" name="TextBox 5">
+            <a:extLst>
+              <a:ext uri="{FF2B5EF4-FFF2-40B4-BE49-F238E27FC236}">
+                <a16:creationId xmlns:a16="http://schemas.microsoft.com/office/drawing/2014/main" id="{477EB862-13E8-799D-42AD-B25CC4FD5AFE}"/>
+              </a:ext>
+            </a:extLst>
+          </p:cNvPr>
+          <p:cNvSpPr txBox="1"/>
+          <p:nvPr/>
+        </p:nvSpPr>
+        <p:spPr>
+          <a:xfrm>
+            <a:off x="3041193" y="1776152"/>
+            <a:ext cx="6106438" cy="461665"/>
+          </a:xfrm>
+          <a:prstGeom prst="rect">
+            <a:avLst/>
+          </a:prstGeom>
+          <a:noFill/>
+        </p:spPr>
+        <p:txBody>
+          <a:bodyPr wrap="square">
+            <a:spAutoFit/>
+          </a:bodyPr>
+          <a:lstStyle/>
+          <a:p>
+            <a:r>
+              <a:rPr lang="en-US" b="1" dirty="0"/>
+              <a:t>Use Case</a:t>
+            </a:r>
+            <a:r>
+              <a:rPr lang="en-US" dirty="0"/>
+              <a:t>: Automatically back up a folder.</a:t>
+            </a:r>
+          </a:p>
+        </p:txBody>
+      </p:sp>
+    </p:spTree>
+    <p:extLst>
+      <p:ext uri="{BB962C8B-B14F-4D97-AF65-F5344CB8AC3E}">
+        <p14:creationId xmlns:p14="http://schemas.microsoft.com/office/powerpoint/2010/main" val="4199461277"/>
+      </p:ext>
+    </p:extLst>
+  </p:cSld>
+  <p:clrMapOvr>
+    <a:masterClrMapping/>
+  </p:clrMapOvr>
+  <mc:AlternateContent xmlns:mc="http://schemas.openxmlformats.org/markup-compatibility/2006" xmlns:p14="http://schemas.microsoft.com/office/powerpoint/2010/main">
+    <mc:Choice Requires="p14">
+      <p:transition spd="med" p14:dur="700">
+        <p:fade/>
+      </p:transition>
+    </mc:Choice>
+    <mc:Fallback xmlns="">
+      <p:transition spd="med">
+        <p:fade/>
+      </p:transition>
+    </mc:Fallback>
+  </mc:AlternateContent>
+</p:sld>
+</file>
+
+<file path=ppt/slides/slide2.xml><?xml version="1.0" encoding="utf-8"?>
+<p:sld xmlns:a="http://schemas.openxmlformats.org/drawingml/2006/main" xmlns:r="http://schemas.openxmlformats.org/officeDocument/2006/relationships" xmlns:p="http://schemas.openxmlformats.org/presentationml/2006/main">
+  <p:cSld>
+    <p:spTree>
+      <p:nvGrpSpPr>
+        <p:cNvPr id="1" name=""/>
+        <p:cNvGrpSpPr/>
+        <p:nvPr/>
+      </p:nvGrpSpPr>
+      <p:grpSpPr>
+        <a:xfrm>
+          <a:off x="0" y="0"/>
+          <a:ext cx="0" cy="0"/>
+          <a:chOff x="0" y="0"/>
+          <a:chExt cx="0" cy="0"/>
+        </a:xfrm>
+      </p:grpSpPr>
+      <p:sp>
+        <p:nvSpPr>
+          <p:cNvPr id="13" name="Title 12"/>
+          <p:cNvSpPr>
+            <a:spLocks noGrp="1"/>
+          </p:cNvSpPr>
+          <p:nvPr>
+            <p:ph type="title"/>
+          </p:nvPr>
+        </p:nvSpPr>
+        <p:spPr/>
+        <p:txBody>
+          <a:bodyPr/>
+          <a:lstStyle/>
+          <a:p>
+            <a:r>
+              <a:rPr lang="en-US" dirty="0"/>
+              <a:t>At the end of this lesson, students will be able to:</a:t>
+            </a:r>
+          </a:p>
+        </p:txBody>
+      </p:sp>
+      <p:sp>
+        <p:nvSpPr>
+          <p:cNvPr id="14" name="Content Placeholder 13"/>
+          <p:cNvSpPr>
+            <a:spLocks noGrp="1"/>
+          </p:cNvSpPr>
+          <p:nvPr>
+            <p:ph idx="1"/>
+          </p:nvPr>
+        </p:nvSpPr>
+        <p:spPr/>
+        <p:txBody>
+          <a:bodyPr/>
+          <a:lstStyle/>
+          <a:p>
+            <a:r>
+              <a:rPr lang="en-US" dirty="0"/>
+              <a:t>Explain the fundamentals of shell scripting</a:t>
+            </a:r>
+          </a:p>
+          <a:p>
+            <a:r>
+              <a:rPr lang="en-US" dirty="0"/>
+              <a:t>Describe basic scripting concepts and their applications.</a:t>
+            </a:r>
+          </a:p>
+          <a:p>
+            <a:r>
+              <a:rPr lang="en-US" dirty="0"/>
+              <a:t>Write and execute simple shell scripts effectively.</a:t>
+            </a:r>
+          </a:p>
+          <a:p>
+            <a:r>
+              <a:rPr lang="en-US" dirty="0"/>
+              <a:t>Apply practical scripting techniques in various scenarios,</a:t>
+            </a:r>
+          </a:p>
+        </p:txBody>
+      </p:sp>
+    </p:spTree>
+    <p:extLst>
+      <p:ext uri="{BB962C8B-B14F-4D97-AF65-F5344CB8AC3E}">
+        <p14:creationId xmlns:p14="http://schemas.microsoft.com/office/powerpoint/2010/main" val="3529114326"/>
+      </p:ext>
+    </p:extLst>
+  </p:cSld>
+  <p:clrMapOvr>
+    <a:masterClrMapping/>
+  </p:clrMapOvr>
+  <mc:AlternateContent xmlns:mc="http://schemas.openxmlformats.org/markup-compatibility/2006" xmlns:p14="http://schemas.microsoft.com/office/powerpoint/2010/main">
+    <mc:Choice Requires="p14">
+      <p:transition spd="med" p14:dur="700">
+        <p:fade/>
+      </p:transition>
+    </mc:Choice>
+    <mc:Fallback xmlns="">
+      <p:transition spd="med">
+        <p:fade/>
+      </p:transition>
+    </mc:Fallback>
+  </mc:AlternateContent>
+</p:sld>
+</file>
+
+<file path=ppt/slides/slide20.xml><?xml version="1.0" encoding="utf-8"?>
+<p:sld xmlns:a="http://schemas.openxmlformats.org/drawingml/2006/main" xmlns:r="http://schemas.openxmlformats.org/officeDocument/2006/relationships" xmlns:p="http://schemas.openxmlformats.org/presentationml/2006/main">
+  <p:cSld>
+    <p:spTree>
+      <p:nvGrpSpPr>
+        <p:cNvPr id="1" name="">
+          <a:extLst>
+            <a:ext uri="{FF2B5EF4-FFF2-40B4-BE49-F238E27FC236}">
+              <a16:creationId xmlns:a16="http://schemas.microsoft.com/office/drawing/2014/main" id="{B53AFF84-9E68-17B2-C229-64430F5C5131}"/>
+            </a:ext>
+          </a:extLst>
+        </p:cNvPr>
+        <p:cNvGrpSpPr/>
+        <p:nvPr/>
+      </p:nvGrpSpPr>
+      <p:grpSpPr>
+        <a:xfrm>
+          <a:off x="0" y="0"/>
+          <a:ext cx="0" cy="0"/>
+          <a:chOff x="0" y="0"/>
+          <a:chExt cx="0" cy="0"/>
+        </a:xfrm>
+      </p:grpSpPr>
+      <p:sp>
+        <p:nvSpPr>
+          <p:cNvPr id="2" name="Title 1">
+            <a:extLst>
+              <a:ext uri="{FF2B5EF4-FFF2-40B4-BE49-F238E27FC236}">
+                <a16:creationId xmlns:a16="http://schemas.microsoft.com/office/drawing/2014/main" id="{5E8091DF-230C-95A0-5E0F-23CEF7091FDB}"/>
+              </a:ext>
+            </a:extLst>
+          </p:cNvPr>
+          <p:cNvSpPr>
+            <a:spLocks noGrp="1"/>
+          </p:cNvSpPr>
+          <p:nvPr>
+            <p:ph type="ctrTitle"/>
+          </p:nvPr>
+        </p:nvSpPr>
+        <p:spPr>
+          <a:xfrm>
+            <a:off x="3453500" y="1415179"/>
+            <a:ext cx="8735325" cy="2000251"/>
+          </a:xfrm>
+        </p:spPr>
+        <p:txBody>
+          <a:bodyPr/>
+          <a:lstStyle/>
+          <a:p>
+            <a:r>
+              <a:rPr lang="en-US" dirty="0"/>
+              <a:t>Thank You</a:t>
+            </a:r>
+          </a:p>
+        </p:txBody>
+      </p:sp>
+    </p:spTree>
+    <p:extLst>
+      <p:ext uri="{BB962C8B-B14F-4D97-AF65-F5344CB8AC3E}">
+        <p14:creationId xmlns:p14="http://schemas.microsoft.com/office/powerpoint/2010/main" val="1637894872"/>
+      </p:ext>
+    </p:extLst>
+  </p:cSld>
+  <p:clrMapOvr>
+    <a:masterClrMapping/>
+  </p:clrMapOvr>
+  <mc:AlternateContent xmlns:mc="http://schemas.openxmlformats.org/markup-compatibility/2006" xmlns:p14="http://schemas.microsoft.com/office/powerpoint/2010/main">
+    <mc:Choice Requires="p14">
+      <p:transition spd="med" p14:dur="700">
+        <p:fade/>
+      </p:transition>
+    </mc:Choice>
+    <mc:Fallback xmlns="">
+      <p:transition spd="med">
+        <p:fade/>
+      </p:transition>
+    </mc:Fallback>
+  </mc:AlternateContent>
+</p:sld>
+</file>
+
+<file path=ppt/slides/slide3.xml><?xml version="1.0" encoding="utf-8"?>
+<p:sld xmlns:a="http://schemas.openxmlformats.org/drawingml/2006/main" xmlns:r="http://schemas.openxmlformats.org/officeDocument/2006/relationships" xmlns:p="http://schemas.openxmlformats.org/presentationml/2006/main">
+  <p:cSld>
+    <p:spTree>
+      <p:nvGrpSpPr>
+        <p:cNvPr id="1" name=""/>
+        <p:cNvGrpSpPr/>
+        <p:nvPr/>
+      </p:nvGrpSpPr>
+      <p:grpSpPr>
+        <a:xfrm>
+          <a:off x="0" y="0"/>
+          <a:ext cx="0" cy="0"/>
+          <a:chOff x="0" y="0"/>
+          <a:chExt cx="0" cy="0"/>
+        </a:xfrm>
+      </p:grpSpPr>
+      <p:sp>
+        <p:nvSpPr>
+          <p:cNvPr id="2" name="Title 1"/>
+          <p:cNvSpPr>
+            <a:spLocks noGrp="1"/>
+          </p:cNvSpPr>
+          <p:nvPr>
+            <p:ph type="title"/>
+          </p:nvPr>
+        </p:nvSpPr>
+        <p:spPr>
+          <a:xfrm>
+            <a:off x="1218883" y="274637"/>
+            <a:ext cx="10360501" cy="1223963"/>
+          </a:xfrm>
+        </p:spPr>
+        <p:txBody>
+          <a:bodyPr anchor="b">
+            <a:normAutofit/>
+          </a:bodyPr>
+          <a:lstStyle/>
+          <a:p>
+            <a:r>
+              <a:rPr lang="en-US" dirty="0"/>
+              <a:t>What is Shell Script?</a:t>
+            </a:r>
+          </a:p>
+        </p:txBody>
+      </p:sp>
+      <p:sp>
+        <p:nvSpPr>
+          <p:cNvPr id="3" name="Content Placeholder 2"/>
+          <p:cNvSpPr>
+            <a:spLocks noGrp="1"/>
+          </p:cNvSpPr>
+          <p:nvPr>
+            <p:ph sz="half" idx="1"/>
+          </p:nvPr>
+        </p:nvSpPr>
+        <p:spPr>
+          <a:xfrm>
+            <a:off x="1218883" y="1706880"/>
+            <a:ext cx="5078677" cy="4465320"/>
+          </a:xfrm>
+        </p:spPr>
+        <p:txBody>
+          <a:bodyPr>
+            <a:normAutofit/>
+          </a:bodyPr>
+          <a:lstStyle/>
+          <a:p>
+            <a:pPr algn="just"/>
+            <a:r>
+              <a:rPr lang="en-US" dirty="0"/>
+              <a:t>-a </a:t>
+            </a:r>
+            <a:r>
+              <a:rPr lang="en-US" b="1" dirty="0"/>
+              <a:t>shell script </a:t>
+            </a:r>
+            <a:r>
+              <a:rPr lang="en-US" dirty="0"/>
+              <a:t>is a simply a file that contains a list of commands. It’s like a  to-do list for your computer! Instead of typing each command individual, you can write them all in single file.</a:t>
+            </a:r>
+          </a:p>
+        </p:txBody>
+      </p:sp>
+      <p:pic>
+        <p:nvPicPr>
+          <p:cNvPr id="7" name="Picture 6">
+            <a:extLst>
+              <a:ext uri="{FF2B5EF4-FFF2-40B4-BE49-F238E27FC236}">
+                <a16:creationId xmlns:a16="http://schemas.microsoft.com/office/drawing/2014/main" id="{20766EE9-867E-A37B-B660-61966F997399}"/>
+              </a:ext>
+            </a:extLst>
+          </p:cNvPr>
+          <p:cNvPicPr>
+            <a:picLocks noChangeAspect="1"/>
+          </p:cNvPicPr>
+          <p:nvPr/>
+        </p:nvPicPr>
+        <p:blipFill>
+          <a:blip r:embed="rId3"/>
+          <a:stretch>
+            <a:fillRect/>
+          </a:stretch>
+        </p:blipFill>
+        <p:spPr>
+          <a:xfrm>
+            <a:off x="6421553" y="1498600"/>
+            <a:ext cx="4972744" cy="3029373"/>
+          </a:xfrm>
+          <a:prstGeom prst="rect">
+            <a:avLst/>
+          </a:prstGeom>
+        </p:spPr>
+      </p:pic>
+    </p:spTree>
+    <p:extLst>
+      <p:ext uri="{BB962C8B-B14F-4D97-AF65-F5344CB8AC3E}">
+        <p14:creationId xmlns:p14="http://schemas.microsoft.com/office/powerpoint/2010/main" val="2341911148"/>
+      </p:ext>
+    </p:extLst>
+  </p:cSld>
+  <p:clrMapOvr>
+    <a:masterClrMapping/>
+  </p:clrMapOvr>
+  <mc:AlternateContent xmlns:mc="http://schemas.openxmlformats.org/markup-compatibility/2006" xmlns:p14="http://schemas.microsoft.com/office/powerpoint/2010/main">
+    <mc:Choice Requires="p14">
+      <p:transition spd="med" p14:dur="700">
+        <p:fade/>
+      </p:transition>
+    </mc:Choice>
+    <mc:Fallback xmlns="">
+      <p:transition spd="med">
+        <p:fade/>
+      </p:transition>
+    </mc:Fallback>
+  </mc:AlternateContent>
+</p:sld>
+</file>
+
+<file path=ppt/slides/slide4.xml><?xml version="1.0" encoding="utf-8"?>
+<p:sld xmlns:a="http://schemas.openxmlformats.org/drawingml/2006/main" xmlns:r="http://schemas.openxmlformats.org/officeDocument/2006/relationships" xmlns:p="http://schemas.openxmlformats.org/presentationml/2006/main">
+  <p:cSld>
+    <p:spTree>
+      <p:nvGrpSpPr>
+        <p:cNvPr id="1" name="">
+          <a:extLst>
+            <a:ext uri="{FF2B5EF4-FFF2-40B4-BE49-F238E27FC236}">
+              <a16:creationId xmlns:a16="http://schemas.microsoft.com/office/drawing/2014/main" id="{D9EF2C1E-ABEF-1A5E-04E3-12E605E84F2E}"/>
+            </a:ext>
+          </a:extLst>
+        </p:cNvPr>
+        <p:cNvGrpSpPr/>
+        <p:nvPr/>
+      </p:nvGrpSpPr>
+      <p:grpSpPr>
+        <a:xfrm>
+          <a:off x="0" y="0"/>
+          <a:ext cx="0" cy="0"/>
+          <a:chOff x="0" y="0"/>
+          <a:chExt cx="0" cy="0"/>
+        </a:xfrm>
+      </p:grpSpPr>
+      <p:sp>
+        <p:nvSpPr>
+          <p:cNvPr id="2" name="Title 1">
+            <a:extLst>
+              <a:ext uri="{FF2B5EF4-FFF2-40B4-BE49-F238E27FC236}">
+                <a16:creationId xmlns:a16="http://schemas.microsoft.com/office/drawing/2014/main" id="{35D4C660-9B11-817F-1423-4D5EF484E5E4}"/>
+              </a:ext>
+            </a:extLst>
+          </p:cNvPr>
+          <p:cNvSpPr>
+            <a:spLocks noGrp="1"/>
+          </p:cNvSpPr>
+          <p:nvPr>
+            <p:ph type="title"/>
+          </p:nvPr>
+        </p:nvSpPr>
+        <p:spPr>
+          <a:xfrm>
+            <a:off x="1141412" y="152400"/>
+            <a:ext cx="6247129" cy="660400"/>
+          </a:xfrm>
+        </p:spPr>
+        <p:txBody>
+          <a:bodyPr anchor="b">
+            <a:normAutofit/>
+          </a:bodyPr>
+          <a:lstStyle/>
+          <a:p>
+            <a:r>
+              <a:rPr lang="en-US" dirty="0"/>
+              <a:t>Basic Scripting Concepts</a:t>
+            </a:r>
+          </a:p>
+        </p:txBody>
+      </p:sp>
+      <p:sp>
+        <p:nvSpPr>
+          <p:cNvPr id="3" name="Content Placeholder 2">
+            <a:extLst>
+              <a:ext uri="{FF2B5EF4-FFF2-40B4-BE49-F238E27FC236}">
+                <a16:creationId xmlns:a16="http://schemas.microsoft.com/office/drawing/2014/main" id="{619003DD-3503-A4DC-1A7E-C3E3B27691F1}"/>
+              </a:ext>
+            </a:extLst>
+          </p:cNvPr>
+          <p:cNvSpPr>
+            <a:spLocks noGrp="1"/>
+          </p:cNvSpPr>
+          <p:nvPr>
+            <p:ph sz="half" idx="1"/>
+          </p:nvPr>
+        </p:nvSpPr>
+        <p:spPr>
+          <a:xfrm>
+            <a:off x="1125210" y="980554"/>
+            <a:ext cx="5078677" cy="5572645"/>
+          </a:xfrm>
+        </p:spPr>
+        <p:txBody>
+          <a:bodyPr>
+            <a:normAutofit lnSpcReduction="10000"/>
+          </a:bodyPr>
+          <a:lstStyle/>
+          <a:p>
+            <a:r>
+              <a:rPr lang="en-US" dirty="0"/>
+              <a:t>Shebang (#!/bin/bash): this is the line that start #! (called a shebang). It tells the system to use the bash shell to interpret the script and /bin/bash is the path to bash. So, when the scripts run, it knows exactly which shell to use</a:t>
+            </a:r>
+          </a:p>
+          <a:p>
+            <a:r>
+              <a:rPr lang="en-US" dirty="0"/>
+              <a:t>Comments (#): Add notes in your code.</a:t>
+            </a:r>
+          </a:p>
+          <a:p>
+            <a:r>
+              <a:rPr lang="en-US" dirty="0"/>
+              <a:t>Variables: name="Jerico"</a:t>
+            </a:r>
+          </a:p>
+          <a:p>
+            <a:r>
+              <a:rPr lang="en-US" dirty="0"/>
+              <a:t>Echo: Output something → echo "Hello, $name"</a:t>
+            </a:r>
+          </a:p>
+        </p:txBody>
+      </p:sp>
+      <p:pic>
+        <p:nvPicPr>
+          <p:cNvPr id="6" name="Picture 5">
+            <a:extLst>
+              <a:ext uri="{FF2B5EF4-FFF2-40B4-BE49-F238E27FC236}">
+                <a16:creationId xmlns:a16="http://schemas.microsoft.com/office/drawing/2014/main" id="{CAA20F6F-C964-DD2B-0F55-9ABDF35FAFE2}"/>
+              </a:ext>
+            </a:extLst>
+          </p:cNvPr>
+          <p:cNvPicPr>
+            <a:picLocks noChangeAspect="1"/>
+          </p:cNvPicPr>
+          <p:nvPr/>
+        </p:nvPicPr>
+        <p:blipFill>
+          <a:blip r:embed="rId3"/>
+          <a:stretch>
+            <a:fillRect/>
+          </a:stretch>
+        </p:blipFill>
+        <p:spPr>
+          <a:xfrm>
+            <a:off x="7008812" y="1698528"/>
+            <a:ext cx="4972744" cy="3029373"/>
+          </a:xfrm>
+          <a:prstGeom prst="rect">
+            <a:avLst/>
+          </a:prstGeom>
+        </p:spPr>
+      </p:pic>
+    </p:spTree>
+    <p:extLst>
+      <p:ext uri="{BB962C8B-B14F-4D97-AF65-F5344CB8AC3E}">
+        <p14:creationId xmlns:p14="http://schemas.microsoft.com/office/powerpoint/2010/main" val="2593186763"/>
+      </p:ext>
+    </p:extLst>
+  </p:cSld>
+  <p:clrMapOvr>
+    <a:masterClrMapping/>
+  </p:clrMapOvr>
+  <mc:AlternateContent xmlns:mc="http://schemas.openxmlformats.org/markup-compatibility/2006" xmlns:p14="http://schemas.microsoft.com/office/powerpoint/2010/main">
+    <mc:Choice Requires="p14">
+      <p:transition spd="med" p14:dur="700">
+        <p:fade/>
+      </p:transition>
+    </mc:Choice>
+    <mc:Fallback xmlns="">
+      <p:transition spd="med">
+        <p:fade/>
+      </p:transition>
+    </mc:Fallback>
+  </mc:AlternateContent>
+</p:sld>
+</file>
+
+<file path=ppt/slides/slide5.xml><?xml version="1.0" encoding="utf-8"?>
+<p:sld xmlns:a="http://schemas.openxmlformats.org/drawingml/2006/main" xmlns:r="http://schemas.openxmlformats.org/officeDocument/2006/relationships" xmlns:p="http://schemas.openxmlformats.org/presentationml/2006/main">
+  <p:cSld>
+    <p:spTree>
+      <p:nvGrpSpPr>
+        <p:cNvPr id="1" name="">
+          <a:extLst>
+            <a:ext uri="{FF2B5EF4-FFF2-40B4-BE49-F238E27FC236}">
+              <a16:creationId xmlns:a16="http://schemas.microsoft.com/office/drawing/2014/main" id="{2E0A1763-8159-0DDE-4815-474CEEDE02E0}"/>
+            </a:ext>
+          </a:extLst>
+        </p:cNvPr>
+        <p:cNvGrpSpPr/>
+        <p:nvPr/>
+      </p:nvGrpSpPr>
+      <p:grpSpPr>
+        <a:xfrm>
+          <a:off x="0" y="0"/>
+          <a:ext cx="0" cy="0"/>
+          <a:chOff x="0" y="0"/>
+          <a:chExt cx="0" cy="0"/>
+        </a:xfrm>
+      </p:grpSpPr>
+      <p:sp>
+        <p:nvSpPr>
+          <p:cNvPr id="2" name="Title 1">
+            <a:extLst>
+              <a:ext uri="{FF2B5EF4-FFF2-40B4-BE49-F238E27FC236}">
+                <a16:creationId xmlns:a16="http://schemas.microsoft.com/office/drawing/2014/main" id="{F9E5A740-7EB1-3BD6-F45D-230931A4953D}"/>
+              </a:ext>
+            </a:extLst>
+          </p:cNvPr>
+          <p:cNvSpPr>
+            <a:spLocks noGrp="1"/>
+          </p:cNvSpPr>
+          <p:nvPr>
+            <p:ph type="title"/>
+          </p:nvPr>
+        </p:nvSpPr>
+        <p:spPr>
+          <a:xfrm>
+            <a:off x="2970847" y="609600"/>
+            <a:ext cx="6247129" cy="660400"/>
+          </a:xfrm>
+        </p:spPr>
+        <p:txBody>
+          <a:bodyPr anchor="b">
+            <a:normAutofit fontScale="90000"/>
+          </a:bodyPr>
+          <a:lstStyle/>
+          <a:p>
+            <a:r>
+              <a:rPr lang="en-US" dirty="0"/>
+              <a:t>The two most common shells are:</a:t>
+            </a:r>
+          </a:p>
+        </p:txBody>
+      </p:sp>
+      <p:sp>
+        <p:nvSpPr>
+          <p:cNvPr id="9" name="Rectangle 1">
+            <a:extLst>
+              <a:ext uri="{FF2B5EF4-FFF2-40B4-BE49-F238E27FC236}">
+                <a16:creationId xmlns:a16="http://schemas.microsoft.com/office/drawing/2014/main" id="{2BDB2E29-E7E6-D92F-7BD9-3511E6B20232}"/>
+              </a:ext>
+            </a:extLst>
+          </p:cNvPr>
+          <p:cNvSpPr>
+            <a:spLocks noChangeArrowheads="1"/>
+          </p:cNvSpPr>
+          <p:nvPr/>
+        </p:nvSpPr>
+        <p:spPr bwMode="auto">
+          <a:xfrm>
+            <a:off x="1979612" y="1423997"/>
+            <a:ext cx="7879080" cy="1114408"/>
+          </a:xfrm>
+          <a:prstGeom prst="rect">
+            <a:avLst/>
+          </a:prstGeom>
+          <a:noFill/>
+          <a:ln>
+            <a:noFill/>
+          </a:ln>
+          <a:effectLst/>
+          <a:extLst>
+            <a:ext uri="{909E8E84-426E-40DD-AFC4-6F175D3DCCD1}">
+              <a14:hiddenFill xmlns:a14="http://schemas.microsoft.com/office/drawing/2010/main">
+                <a:solidFill>
+                  <a:schemeClr val="accent1"/>
+                </a:solidFill>
+              </a14:hiddenFill>
+            </a:ext>
+            <a:ext uri="{91240B29-F687-4F45-9708-019B960494DF}">
+              <a14:hiddenLine xmlns:a14="http://schemas.microsoft.com/office/drawing/2010/main" w="9525">
+                <a:solidFill>
+                  <a:schemeClr val="tx1"/>
+                </a:solidFill>
+                <a:miter lim="800000"/>
+                <a:headEnd/>
+                <a:tailEnd/>
+              </a14:hiddenLine>
+            </a:ext>
+            <a:ext uri="{AF507438-7753-43E0-B8FC-AC1667EBCBE1}">
+              <a14:hiddenEffects xmlns:a14="http://schemas.microsoft.com/office/drawing/2010/main">
+                <a:effectLst>
+                  <a:outerShdw dist="35921" dir="2700000" algn="ctr" rotWithShape="0">
+                    <a:schemeClr val="bg2"/>
+                  </a:outerShdw>
+                </a:effectLst>
+              </a14:hiddenEffects>
+            </a:ext>
+          </a:extLst>
+        </p:spPr>
+        <p:txBody>
+          <a:bodyPr vert="horz" wrap="none" lIns="91440" tIns="45720" rIns="91440" bIns="45720" numCol="1" anchor="ctr" anchorCtr="0" compatLnSpc="1">
+            <a:prstTxWarp prst="textNoShape">
+              <a:avLst/>
+            </a:prstTxWarp>
+            <a:spAutoFit/>
+          </a:bodyPr>
+          <a:lstStyle/>
+          <a:p>
+            <a:pPr marL="342900" marR="0" lvl="0" indent="-342900" algn="l" defTabSz="914400" rtl="0" eaLnBrk="0" fontAlgn="base" latinLnBrk="0" hangingPunct="0">
+              <a:lnSpc>
+                <a:spcPct val="200000"/>
+              </a:lnSpc>
+              <a:spcBef>
+                <a:spcPct val="0"/>
+              </a:spcBef>
+              <a:spcAft>
+                <a:spcPct val="0"/>
+              </a:spcAft>
+              <a:buClrTx/>
+              <a:buSzTx/>
+              <a:buFont typeface="+mj-lt"/>
+              <a:buAutoNum type="arabicPeriod"/>
+              <a:tabLst/>
+            </a:pPr>
+            <a:r>
+              <a:rPr kumimoji="0" lang="en-US" altLang="en-US" sz="1800" b="1" i="0" u="none" strike="noStrike" cap="none" normalizeH="0" baseline="0" dirty="0">
+                <a:ln>
+                  <a:noFill/>
+                </a:ln>
+                <a:solidFill>
+                  <a:schemeClr val="tx1"/>
+                </a:solidFill>
+                <a:effectLst/>
+                <a:latin typeface="Arial" panose="020B0604020202020204" pitchFamily="34" charset="0"/>
+              </a:rPr>
+              <a:t>Bash (Bourne Again Shell)</a:t>
+            </a:r>
+            <a:r>
+              <a:rPr kumimoji="0" lang="en-US" altLang="en-US" sz="1800" b="0" i="0" u="none" strike="noStrike" cap="none" normalizeH="0" baseline="0" dirty="0">
+                <a:ln>
+                  <a:noFill/>
+                </a:ln>
+                <a:solidFill>
+                  <a:schemeClr val="tx1"/>
+                </a:solidFill>
+                <a:effectLst/>
+                <a:latin typeface="Arial" panose="020B0604020202020204" pitchFamily="34" charset="0"/>
+              </a:rPr>
+              <a:t> – Default on most Linux systems.</a:t>
+            </a:r>
+          </a:p>
+          <a:p>
+            <a:pPr marL="342900" marR="0" lvl="0" indent="-342900" algn="l" defTabSz="914400" rtl="0" eaLnBrk="0" fontAlgn="base" latinLnBrk="0" hangingPunct="0">
+              <a:lnSpc>
+                <a:spcPct val="200000"/>
+              </a:lnSpc>
+              <a:spcBef>
+                <a:spcPct val="0"/>
+              </a:spcBef>
+              <a:spcAft>
+                <a:spcPct val="0"/>
+              </a:spcAft>
+              <a:buClrTx/>
+              <a:buSzTx/>
+              <a:buFont typeface="+mj-lt"/>
+              <a:buAutoNum type="arabicPeriod"/>
+              <a:tabLst/>
+            </a:pPr>
+            <a:r>
+              <a:rPr kumimoji="0" lang="en-US" altLang="en-US" sz="1800" b="1" i="0" u="none" strike="noStrike" cap="none" normalizeH="0" baseline="0" dirty="0" err="1">
+                <a:ln>
+                  <a:noFill/>
+                </a:ln>
+                <a:solidFill>
+                  <a:schemeClr val="tx1"/>
+                </a:solidFill>
+                <a:effectLst/>
+                <a:latin typeface="Arial" panose="020B0604020202020204" pitchFamily="34" charset="0"/>
+              </a:rPr>
+              <a:t>zsh</a:t>
+            </a:r>
+            <a:r>
+              <a:rPr kumimoji="0" lang="en-US" altLang="en-US" sz="1800" b="1" i="0" u="none" strike="noStrike" cap="none" normalizeH="0" baseline="0" dirty="0">
+                <a:ln>
+                  <a:noFill/>
+                </a:ln>
+                <a:solidFill>
+                  <a:schemeClr val="tx1"/>
+                </a:solidFill>
+                <a:effectLst/>
+                <a:latin typeface="Arial" panose="020B0604020202020204" pitchFamily="34" charset="0"/>
+              </a:rPr>
+              <a:t> (Z Shell)</a:t>
+            </a:r>
+            <a:r>
+              <a:rPr kumimoji="0" lang="en-US" altLang="en-US" sz="1800" b="0" i="0" u="none" strike="noStrike" cap="none" normalizeH="0" baseline="0" dirty="0">
+                <a:ln>
+                  <a:noFill/>
+                </a:ln>
+                <a:solidFill>
+                  <a:schemeClr val="tx1"/>
+                </a:solidFill>
+                <a:effectLst/>
+                <a:latin typeface="Arial" panose="020B0604020202020204" pitchFamily="34" charset="0"/>
+              </a:rPr>
+              <a:t> – Popular for its customization, used by default in macOS.</a:t>
+            </a:r>
+          </a:p>
+        </p:txBody>
+      </p:sp>
+    </p:spTree>
+    <p:extLst>
+      <p:ext uri="{BB962C8B-B14F-4D97-AF65-F5344CB8AC3E}">
+        <p14:creationId xmlns:p14="http://schemas.microsoft.com/office/powerpoint/2010/main" val="1898735048"/>
+      </p:ext>
+    </p:extLst>
+  </p:cSld>
+  <p:clrMapOvr>
+    <a:masterClrMapping/>
+  </p:clrMapOvr>
+  <mc:AlternateContent xmlns:mc="http://schemas.openxmlformats.org/markup-compatibility/2006">
+    <mc:Choice xmlns:p14="http://schemas.microsoft.com/office/powerpoint/2010/main" Requires="p14">
+      <p:transition spd="med" p14:dur="700">
+        <p:fade/>
+      </p:transition>
+    </mc:Choice>
+    <mc:Fallback>
+      <p:transition spd="med">
+        <p:fade/>
+      </p:transition>
+    </mc:Fallback>
+  </mc:AlternateContent>
+</p:sld>
+</file>
+
+<file path=ppt/slides/slide6.xml><?xml version="1.0" encoding="utf-8"?>
+<p:sld xmlns:a="http://schemas.openxmlformats.org/drawingml/2006/main" xmlns:r="http://schemas.openxmlformats.org/officeDocument/2006/relationships" xmlns:p="http://schemas.openxmlformats.org/presentationml/2006/main">
+  <p:cSld>
+    <p:spTree>
+      <p:nvGrpSpPr>
+        <p:cNvPr id="1" name=""/>
+        <p:cNvGrpSpPr/>
+        <p:nvPr/>
+      </p:nvGrpSpPr>
+      <p:grpSpPr>
+        <a:xfrm>
+          <a:off x="0" y="0"/>
+          <a:ext cx="0" cy="0"/>
+          <a:chOff x="0" y="0"/>
+          <a:chExt cx="0" cy="0"/>
+        </a:xfrm>
+      </p:grpSpPr>
+      <p:sp>
+        <p:nvSpPr>
+          <p:cNvPr id="7" name="Title 6"/>
+          <p:cNvSpPr>
+            <a:spLocks noGrp="1"/>
+          </p:cNvSpPr>
+          <p:nvPr>
+            <p:ph type="title"/>
+          </p:nvPr>
+        </p:nvSpPr>
+        <p:spPr/>
+        <p:txBody>
+          <a:bodyPr/>
+          <a:lstStyle/>
+          <a:p>
+            <a:r>
+              <a:rPr lang="en-US" dirty="0"/>
+              <a:t>Writing Your First Script</a:t>
+            </a:r>
+          </a:p>
+        </p:txBody>
+      </p:sp>
+      <p:sp>
+        <p:nvSpPr>
+          <p:cNvPr id="3" name="TextBox 2">
+            <a:extLst>
+              <a:ext uri="{FF2B5EF4-FFF2-40B4-BE49-F238E27FC236}">
+                <a16:creationId xmlns:a16="http://schemas.microsoft.com/office/drawing/2014/main" id="{9D80372F-6685-D987-AF80-473A9FDF3351}"/>
+              </a:ext>
+            </a:extLst>
+          </p:cNvPr>
+          <p:cNvSpPr txBox="1"/>
+          <p:nvPr/>
+        </p:nvSpPr>
+        <p:spPr>
+          <a:xfrm>
+            <a:off x="2741612" y="1905000"/>
+            <a:ext cx="6106438" cy="1200329"/>
+          </a:xfrm>
+          <a:prstGeom prst="rect">
+            <a:avLst/>
+          </a:prstGeom>
+          <a:noFill/>
+        </p:spPr>
+        <p:txBody>
+          <a:bodyPr wrap="square">
+            <a:spAutoFit/>
+          </a:bodyPr>
+          <a:lstStyle/>
+          <a:p>
+            <a:r>
+              <a:rPr lang="en-US" dirty="0"/>
+              <a:t>#!/bin/bash</a:t>
+            </a:r>
+          </a:p>
+          <a:p>
+            <a:r>
+              <a:rPr lang="en-US" dirty="0"/>
+              <a:t>name="Jerico"</a:t>
+            </a:r>
+          </a:p>
+          <a:p>
+            <a:r>
+              <a:rPr lang="en-US" dirty="0"/>
+              <a:t>echo "Hello, $name! Welcome to scripting."</a:t>
+            </a:r>
+          </a:p>
+        </p:txBody>
+      </p:sp>
+      <p:sp>
+        <p:nvSpPr>
+          <p:cNvPr id="5" name="TextBox 4">
+            <a:extLst>
+              <a:ext uri="{FF2B5EF4-FFF2-40B4-BE49-F238E27FC236}">
+                <a16:creationId xmlns:a16="http://schemas.microsoft.com/office/drawing/2014/main" id="{068EDF00-2B79-B056-D656-540BA7F95D35}"/>
+              </a:ext>
+            </a:extLst>
+          </p:cNvPr>
+          <p:cNvSpPr txBox="1"/>
+          <p:nvPr/>
+        </p:nvSpPr>
+        <p:spPr>
+          <a:xfrm>
+            <a:off x="2710797" y="4146487"/>
+            <a:ext cx="6106438" cy="461665"/>
+          </a:xfrm>
+          <a:prstGeom prst="rect">
+            <a:avLst/>
+          </a:prstGeom>
+          <a:noFill/>
+        </p:spPr>
+        <p:txBody>
+          <a:bodyPr wrap="square">
+            <a:spAutoFit/>
+          </a:bodyPr>
+          <a:lstStyle/>
+          <a:p>
+            <a:r>
+              <a:rPr lang="en-US" dirty="0"/>
+              <a:t>bash script.sh</a:t>
+            </a:r>
+          </a:p>
+        </p:txBody>
+      </p:sp>
+      <p:sp>
+        <p:nvSpPr>
+          <p:cNvPr id="13" name="TextBox 12">
+            <a:extLst>
+              <a:ext uri="{FF2B5EF4-FFF2-40B4-BE49-F238E27FC236}">
+                <a16:creationId xmlns:a16="http://schemas.microsoft.com/office/drawing/2014/main" id="{4A49EBE4-B483-C39C-3BDB-C1E032227AEA}"/>
+              </a:ext>
+            </a:extLst>
+          </p:cNvPr>
+          <p:cNvSpPr txBox="1"/>
+          <p:nvPr/>
+        </p:nvSpPr>
+        <p:spPr>
+          <a:xfrm>
+            <a:off x="1218883" y="3411255"/>
+            <a:ext cx="6106438" cy="461665"/>
+          </a:xfrm>
+          <a:prstGeom prst="rect">
+            <a:avLst/>
+          </a:prstGeom>
+          <a:noFill/>
+        </p:spPr>
+        <p:txBody>
+          <a:bodyPr wrap="square">
+            <a:spAutoFit/>
+          </a:bodyPr>
+          <a:lstStyle/>
+          <a:p>
+            <a:r>
+              <a:rPr lang="en-US" b="1" dirty="0"/>
+              <a:t>How to run it:</a:t>
+            </a:r>
+            <a:endParaRPr lang="en-US" dirty="0"/>
+          </a:p>
+        </p:txBody>
+      </p:sp>
+    </p:spTree>
+    <p:extLst>
+      <p:ext uri="{BB962C8B-B14F-4D97-AF65-F5344CB8AC3E}">
+        <p14:creationId xmlns:p14="http://schemas.microsoft.com/office/powerpoint/2010/main" val="2672039197"/>
+      </p:ext>
+    </p:extLst>
+  </p:cSld>
+  <p:clrMapOvr>
+    <a:masterClrMapping/>
+  </p:clrMapOvr>
+  <mc:AlternateContent xmlns:mc="http://schemas.openxmlformats.org/markup-compatibility/2006" xmlns:p14="http://schemas.microsoft.com/office/powerpoint/2010/main">
+    <mc:Choice Requires="p14">
+      <p:transition spd="med" p14:dur="700">
+        <p:fade/>
+      </p:transition>
+    </mc:Choice>
+    <mc:Fallback xmlns="">
+      <p:transition spd="med">
+        <p:fade/>
+      </p:transition>
+    </mc:Fallback>
+  </mc:AlternateContent>
+</p:sld>
+</file>
+
+<file path=ppt/slides/slide7.xml><?xml version="1.0" encoding="utf-8"?>
+<p:sld xmlns:a="http://schemas.openxmlformats.org/drawingml/2006/main" xmlns:r="http://schemas.openxmlformats.org/officeDocument/2006/relationships" xmlns:p="http://schemas.openxmlformats.org/presentationml/2006/main">
+  <p:cSld>
+    <p:spTree>
+      <p:nvGrpSpPr>
+        <p:cNvPr id="1" name=""/>
+        <p:cNvGrpSpPr/>
+        <p:nvPr/>
+      </p:nvGrpSpPr>
+      <p:grpSpPr>
+        <a:xfrm>
+          <a:off x="0" y="0"/>
+          <a:ext cx="0" cy="0"/>
+          <a:chOff x="0" y="0"/>
+          <a:chExt cx="0" cy="0"/>
+        </a:xfrm>
+      </p:grpSpPr>
+      <p:sp>
+        <p:nvSpPr>
+          <p:cNvPr id="3" name="Title 2"/>
+          <p:cNvSpPr>
+            <a:spLocks noGrp="1"/>
+          </p:cNvSpPr>
+          <p:nvPr>
+            <p:ph type="title"/>
+          </p:nvPr>
+        </p:nvSpPr>
+        <p:spPr/>
+        <p:txBody>
+          <a:bodyPr/>
+          <a:lstStyle/>
+          <a:p>
+            <a:r>
+              <a:rPr lang="en-US" dirty="0"/>
+              <a:t>Basic Shell Scripting (Variables)</a:t>
+            </a:r>
+          </a:p>
+        </p:txBody>
+      </p:sp>
+      <p:pic>
+        <p:nvPicPr>
+          <p:cNvPr id="8" name="Picture 7">
+            <a:extLst>
+              <a:ext uri="{FF2B5EF4-FFF2-40B4-BE49-F238E27FC236}">
+                <a16:creationId xmlns:a16="http://schemas.microsoft.com/office/drawing/2014/main" id="{FDD051EF-B5D7-B6B2-A335-586C1209B88B}"/>
+              </a:ext>
+            </a:extLst>
+          </p:cNvPr>
+          <p:cNvPicPr>
+            <a:picLocks noChangeAspect="1"/>
+          </p:cNvPicPr>
+          <p:nvPr/>
+        </p:nvPicPr>
+        <p:blipFill>
+          <a:blip r:embed="rId3"/>
+          <a:stretch>
+            <a:fillRect/>
+          </a:stretch>
+        </p:blipFill>
+        <p:spPr>
+          <a:xfrm>
+            <a:off x="3114953" y="2100263"/>
+            <a:ext cx="5958918" cy="2971800"/>
+          </a:xfrm>
+          <a:prstGeom prst="rect">
+            <a:avLst/>
+          </a:prstGeom>
+        </p:spPr>
+      </p:pic>
+    </p:spTree>
+    <p:extLst>
+      <p:ext uri="{BB962C8B-B14F-4D97-AF65-F5344CB8AC3E}">
+        <p14:creationId xmlns:p14="http://schemas.microsoft.com/office/powerpoint/2010/main" val="397710800"/>
+      </p:ext>
+    </p:extLst>
+  </p:cSld>
+  <p:clrMapOvr>
+    <a:masterClrMapping/>
+  </p:clrMapOvr>
+  <mc:AlternateContent xmlns:mc="http://schemas.openxmlformats.org/markup-compatibility/2006" xmlns:p14="http://schemas.microsoft.com/office/powerpoint/2010/main">
+    <mc:Choice Requires="p14">
+      <p:transition spd="med" p14:dur="700">
+        <p:fade/>
+      </p:transition>
+    </mc:Choice>
+    <mc:Fallback xmlns="">
+      <p:transition spd="med">
+        <p:fade/>
+      </p:transition>
+    </mc:Fallback>
+  </mc:AlternateContent>
+</p:sld>
+</file>
+
+<file path=ppt/slides/slide8.xml><?xml version="1.0" encoding="utf-8"?>
+<p:sld xmlns:a="http://schemas.openxmlformats.org/drawingml/2006/main" xmlns:r="http://schemas.openxmlformats.org/officeDocument/2006/relationships" xmlns:p="http://schemas.openxmlformats.org/presentationml/2006/main">
+  <p:cSld>
+    <p:spTree>
+      <p:nvGrpSpPr>
+        <p:cNvPr id="1" name="">
+          <a:extLst>
+            <a:ext uri="{FF2B5EF4-FFF2-40B4-BE49-F238E27FC236}">
+              <a16:creationId xmlns:a16="http://schemas.microsoft.com/office/drawing/2014/main" id="{ECBEB1A7-B542-E2DE-98AE-C4F96BF7DF01}"/>
+            </a:ext>
+          </a:extLst>
+        </p:cNvPr>
+        <p:cNvGrpSpPr/>
+        <p:nvPr/>
+      </p:nvGrpSpPr>
+      <p:grpSpPr>
+        <a:xfrm>
+          <a:off x="0" y="0"/>
+          <a:ext cx="0" cy="0"/>
+          <a:chOff x="0" y="0"/>
+          <a:chExt cx="0" cy="0"/>
+        </a:xfrm>
+      </p:grpSpPr>
+      <p:sp>
+        <p:nvSpPr>
+          <p:cNvPr id="3" name="Title 2">
+            <a:extLst>
+              <a:ext uri="{FF2B5EF4-FFF2-40B4-BE49-F238E27FC236}">
+                <a16:creationId xmlns:a16="http://schemas.microsoft.com/office/drawing/2014/main" id="{257446CD-DDC1-DE46-9E31-371AB620139A}"/>
+              </a:ext>
+            </a:extLst>
+          </p:cNvPr>
+          <p:cNvSpPr>
+            <a:spLocks noGrp="1"/>
+          </p:cNvSpPr>
+          <p:nvPr>
+            <p:ph type="title"/>
+          </p:nvPr>
+        </p:nvSpPr>
+        <p:spPr/>
+        <p:txBody>
+          <a:bodyPr/>
+          <a:lstStyle/>
+          <a:p>
+            <a:r>
+              <a:rPr lang="en-US" dirty="0"/>
+              <a:t>Environment Variables</a:t>
+            </a:r>
+          </a:p>
+        </p:txBody>
+      </p:sp>
+      <p:sp>
+        <p:nvSpPr>
+          <p:cNvPr id="4" name="TextBox 3">
+            <a:extLst>
+              <a:ext uri="{FF2B5EF4-FFF2-40B4-BE49-F238E27FC236}">
+                <a16:creationId xmlns:a16="http://schemas.microsoft.com/office/drawing/2014/main" id="{6BCDE60F-2E5D-8820-9E99-966C6FC5BF65}"/>
+              </a:ext>
+            </a:extLst>
+          </p:cNvPr>
+          <p:cNvSpPr txBox="1"/>
+          <p:nvPr/>
+        </p:nvSpPr>
+        <p:spPr>
+          <a:xfrm>
+            <a:off x="2055812" y="2438400"/>
+            <a:ext cx="6106438" cy="2677656"/>
+          </a:xfrm>
+          <a:prstGeom prst="rect">
+            <a:avLst/>
+          </a:prstGeom>
+          <a:noFill/>
+        </p:spPr>
+        <p:txBody>
+          <a:bodyPr wrap="square">
+            <a:spAutoFit/>
+          </a:bodyPr>
+          <a:lstStyle/>
+          <a:p>
+            <a:endParaRPr lang="en-US" dirty="0"/>
+          </a:p>
+          <a:p>
+            <a:r>
+              <a:rPr lang="en-US" dirty="0"/>
+              <a:t>echo "Home Directory: $HOME"</a:t>
+            </a:r>
+          </a:p>
+          <a:p>
+            <a:r>
+              <a:rPr lang="en-US" dirty="0"/>
+              <a:t>echo "Username: $USER"</a:t>
+            </a:r>
+          </a:p>
+          <a:p>
+            <a:r>
+              <a:rPr lang="en-US" dirty="0"/>
+              <a:t>echo "Current Shell: $SHELL"</a:t>
+            </a:r>
+          </a:p>
+          <a:p>
+            <a:r>
+              <a:rPr lang="en-US" dirty="0"/>
+              <a:t>echo "Present Working Directory: $PWD"</a:t>
+            </a:r>
+          </a:p>
+          <a:p>
+            <a:r>
+              <a:rPr lang="en-US" dirty="0"/>
+              <a:t>echo "Random Number: $RANDOM"</a:t>
+            </a:r>
+          </a:p>
+          <a:p>
+            <a:r>
+              <a:rPr lang="en-US" dirty="0"/>
+              <a:t>echo "Seconds since script started: $SECONDS"</a:t>
+            </a:r>
+          </a:p>
+        </p:txBody>
+      </p:sp>
+      <p:sp>
+        <p:nvSpPr>
+          <p:cNvPr id="5" name="TextBox 4">
+            <a:extLst>
+              <a:ext uri="{FF2B5EF4-FFF2-40B4-BE49-F238E27FC236}">
+                <a16:creationId xmlns:a16="http://schemas.microsoft.com/office/drawing/2014/main" id="{7F5B915B-A8D4-F99B-0D7E-D7921C439BCC}"/>
+              </a:ext>
+            </a:extLst>
+          </p:cNvPr>
+          <p:cNvSpPr txBox="1"/>
+          <p:nvPr/>
+        </p:nvSpPr>
+        <p:spPr>
+          <a:xfrm>
+            <a:off x="1674812" y="1485030"/>
+            <a:ext cx="9525000" cy="461665"/>
+          </a:xfrm>
+          <a:prstGeom prst="rect">
+            <a:avLst/>
+          </a:prstGeom>
+          <a:noFill/>
+        </p:spPr>
+        <p:txBody>
+          <a:bodyPr wrap="square">
+            <a:spAutoFit/>
+          </a:bodyPr>
+          <a:lstStyle/>
+          <a:p>
+            <a:r>
+              <a:rPr lang="en-US" dirty="0"/>
+              <a:t>-these are variables that stick around for the system or across scripts.</a:t>
+            </a:r>
+          </a:p>
+        </p:txBody>
+      </p:sp>
+    </p:spTree>
+    <p:extLst>
+      <p:ext uri="{BB962C8B-B14F-4D97-AF65-F5344CB8AC3E}">
+        <p14:creationId xmlns:p14="http://schemas.microsoft.com/office/powerpoint/2010/main" val="291890240"/>
+      </p:ext>
+    </p:extLst>
+  </p:cSld>
+  <p:clrMapOvr>
+    <a:masterClrMapping/>
+  </p:clrMapOvr>
+  <mc:AlternateContent xmlns:mc="http://schemas.openxmlformats.org/markup-compatibility/2006">
+    <mc:Choice xmlns:p14="http://schemas.microsoft.com/office/powerpoint/2010/main" Requires="p14">
+      <p:transition spd="med" p14:dur="700">
+        <p:fade/>
+      </p:transition>
+    </mc:Choice>
+    <mc:Fallback>
+      <p:transition spd="med">
+        <p:fade/>
+      </p:transition>
+    </mc:Fallback>
+  </mc:AlternateContent>
+</p:sld>
+</file>
+
+<file path=ppt/slides/slide9.xml><?xml version="1.0" encoding="utf-8"?>
+<p:sld xmlns:a="http://schemas.openxmlformats.org/drawingml/2006/main" xmlns:r="http://schemas.openxmlformats.org/officeDocument/2006/relationships" xmlns:p="http://schemas.openxmlformats.org/presentationml/2006/main">
+  <p:cSld>
+    <p:spTree>
+      <p:nvGrpSpPr>
+        <p:cNvPr id="1" name="">
+          <a:extLst>
+            <a:ext uri="{FF2B5EF4-FFF2-40B4-BE49-F238E27FC236}">
+              <a16:creationId xmlns:a16="http://schemas.microsoft.com/office/drawing/2014/main" id="{D30CAF11-D0F1-0F21-51B1-3705503C5C54}"/>
+            </a:ext>
+          </a:extLst>
+        </p:cNvPr>
+        <p:cNvGrpSpPr/>
+        <p:nvPr/>
+      </p:nvGrpSpPr>
+      <p:grpSpPr>
+        <a:xfrm>
+          <a:off x="0" y="0"/>
+          <a:ext cx="0" cy="0"/>
+          <a:chOff x="0" y="0"/>
+          <a:chExt cx="0" cy="0"/>
+        </a:xfrm>
+      </p:grpSpPr>
+      <p:sp>
+        <p:nvSpPr>
+          <p:cNvPr id="3" name="Title 2">
+            <a:extLst>
+              <a:ext uri="{FF2B5EF4-FFF2-40B4-BE49-F238E27FC236}">
+                <a16:creationId xmlns:a16="http://schemas.microsoft.com/office/drawing/2014/main" id="{B955ED1C-A38D-DEC1-C766-C9B6A2E7205D}"/>
+              </a:ext>
+            </a:extLst>
+          </p:cNvPr>
+          <p:cNvSpPr>
+            <a:spLocks noGrp="1"/>
+          </p:cNvSpPr>
+          <p:nvPr>
+            <p:ph type="title"/>
+          </p:nvPr>
+        </p:nvSpPr>
+        <p:spPr/>
+        <p:txBody>
+          <a:bodyPr/>
+          <a:lstStyle/>
+          <a:p>
+            <a:r>
+              <a:rPr lang="en-US" dirty="0"/>
+              <a:t>Basic Shell Scripting (Output and Input)</a:t>
+            </a:r>
+          </a:p>
+        </p:txBody>
+      </p:sp>
+      <p:pic>
+        <p:nvPicPr>
+          <p:cNvPr id="4" name="Picture 3">
+            <a:extLst>
+              <a:ext uri="{FF2B5EF4-FFF2-40B4-BE49-F238E27FC236}">
+                <a16:creationId xmlns:a16="http://schemas.microsoft.com/office/drawing/2014/main" id="{8866AB44-FB68-8266-614F-D300622A220B}"/>
+              </a:ext>
+            </a:extLst>
+          </p:cNvPr>
+          <p:cNvPicPr>
+            <a:picLocks noChangeAspect="1"/>
+          </p:cNvPicPr>
+          <p:nvPr/>
+        </p:nvPicPr>
+        <p:blipFill>
+          <a:blip r:embed="rId3"/>
+          <a:stretch>
+            <a:fillRect/>
+          </a:stretch>
+        </p:blipFill>
+        <p:spPr>
+          <a:xfrm>
+            <a:off x="2332389" y="1676400"/>
+            <a:ext cx="7524045" cy="2786207"/>
+          </a:xfrm>
+          <a:prstGeom prst="rect">
+            <a:avLst/>
+          </a:prstGeom>
+        </p:spPr>
+      </p:pic>
+      <p:pic>
+        <p:nvPicPr>
+          <p:cNvPr id="6" name="Picture 5">
+            <a:extLst>
+              <a:ext uri="{FF2B5EF4-FFF2-40B4-BE49-F238E27FC236}">
+                <a16:creationId xmlns:a16="http://schemas.microsoft.com/office/drawing/2014/main" id="{B41E23B2-0CA3-2619-BEAA-B1127C1AA5A7}"/>
+              </a:ext>
+            </a:extLst>
+          </p:cNvPr>
+          <p:cNvPicPr>
+            <a:picLocks noChangeAspect="1"/>
+          </p:cNvPicPr>
+          <p:nvPr/>
+        </p:nvPicPr>
+        <p:blipFill>
+          <a:blip r:embed="rId4"/>
+          <a:stretch>
+            <a:fillRect/>
+          </a:stretch>
+        </p:blipFill>
+        <p:spPr>
+          <a:xfrm>
+            <a:off x="3046412" y="4466782"/>
+            <a:ext cx="6324600" cy="2210108"/>
+          </a:xfrm>
+          <a:prstGeom prst="rect">
+            <a:avLst/>
+          </a:prstGeom>
+        </p:spPr>
+      </p:pic>
+    </p:spTree>
+    <p:extLst>
+      <p:ext uri="{BB962C8B-B14F-4D97-AF65-F5344CB8AC3E}">
+        <p14:creationId xmlns:p14="http://schemas.microsoft.com/office/powerpoint/2010/main" val="603163724"/>
       </p:ext>
     </p:extLst>
   </p:cSld>

--- a/Platform Technologies/Midterm/Week 4/Lecture/Chapter_4Shell Scripting.pptx
+++ b/Platform Technologies/Midterm/Week 4/Lecture/Chapter_4Shell Scripting.pptx
@@ -244,7 +244,7 @@
           <a:p>
             <a:fld id="{FE5B4EDC-59C0-49C7-8ADA-5A781B329E02}" type="datetimeFigureOut">
               <a:rPr lang="en-US"/>
-              <a:t>8/10/2025</a:t>
+              <a:t>9/7/2025</a:t>
             </a:fld>
             <a:endParaRPr/>
           </a:p>
@@ -409,7 +409,7 @@
           <a:p>
             <a:fld id="{F2D8D46A-B586-417D-BFBD-8C8FE0AAF762}" type="datetimeFigureOut">
               <a:rPr lang="en-US"/>
-              <a:t>8/10/2025</a:t>
+              <a:t>9/7/2025</a:t>
             </a:fld>
             <a:endParaRPr/>
           </a:p>
@@ -3998,7 +3998,7 @@
           <a:p>
             <a:fld id="{F0DFD029-FB74-4578-B929-F66AA97659CA}" type="datetimeFigureOut">
               <a:rPr lang="en-US"/>
-              <a:t>8/10/2025</a:t>
+              <a:t>9/7/2025</a:t>
             </a:fld>
             <a:endParaRPr/>
           </a:p>
@@ -4196,7 +4196,7 @@
           <a:p>
             <a:fld id="{F0DFD029-FB74-4578-B929-F66AA97659CA}" type="datetimeFigureOut">
               <a:rPr lang="en-US"/>
-              <a:t>8/10/2025</a:t>
+              <a:t>9/7/2025</a:t>
             </a:fld>
             <a:endParaRPr/>
           </a:p>
@@ -4404,7 +4404,7 @@
           <a:p>
             <a:fld id="{F0DFD029-FB74-4578-B929-F66AA97659CA}" type="datetimeFigureOut">
               <a:rPr lang="en-US"/>
-              <a:t>8/10/2025</a:t>
+              <a:t>9/7/2025</a:t>
             </a:fld>
             <a:endParaRPr/>
           </a:p>
@@ -4602,7 +4602,7 @@
           <a:p>
             <a:fld id="{F0DFD029-FB74-4578-B929-F66AA97659CA}" type="datetimeFigureOut">
               <a:rPr lang="en-US"/>
-              <a:t>8/10/2025</a:t>
+              <a:t>9/7/2025</a:t>
             </a:fld>
             <a:endParaRPr/>
           </a:p>
@@ -5034,7 +5034,7 @@
           <a:p>
             <a:fld id="{F0DFD029-FB74-4578-B929-F66AA97659CA}" type="datetimeFigureOut">
               <a:rPr lang="en-US"/>
-              <a:t>8/10/2025</a:t>
+              <a:t>9/7/2025</a:t>
             </a:fld>
             <a:endParaRPr/>
           </a:p>
@@ -5338,7 +5338,7 @@
           <a:p>
             <a:fld id="{F0DFD029-FB74-4578-B929-F66AA97659CA}" type="datetimeFigureOut">
               <a:rPr lang="en-US"/>
-              <a:t>8/10/2025</a:t>
+              <a:t>9/7/2025</a:t>
             </a:fld>
             <a:endParaRPr/>
           </a:p>
@@ -5794,7 +5794,7 @@
           <a:p>
             <a:fld id="{F0DFD029-FB74-4578-B929-F66AA97659CA}" type="datetimeFigureOut">
               <a:rPr lang="en-US"/>
-              <a:t>8/10/2025</a:t>
+              <a:t>9/7/2025</a:t>
             </a:fld>
             <a:endParaRPr/>
           </a:p>
@@ -5924,7 +5924,7 @@
           <a:p>
             <a:fld id="{F0DFD029-FB74-4578-B929-F66AA97659CA}" type="datetimeFigureOut">
               <a:rPr lang="en-US"/>
-              <a:t>8/10/2025</a:t>
+              <a:t>9/7/2025</a:t>
             </a:fld>
             <a:endParaRPr/>
           </a:p>
@@ -6031,7 +6031,7 @@
           <a:p>
             <a:fld id="{F0DFD029-FB74-4578-B929-F66AA97659CA}" type="datetimeFigureOut">
               <a:rPr lang="en-US"/>
-              <a:t>8/10/2025</a:t>
+              <a:t>9/7/2025</a:t>
             </a:fld>
             <a:endParaRPr/>
           </a:p>
@@ -6330,7 +6330,7 @@
           <a:p>
             <a:fld id="{F0DFD029-FB74-4578-B929-F66AA97659CA}" type="datetimeFigureOut">
               <a:rPr lang="en-US"/>
-              <a:t>8/10/2025</a:t>
+              <a:t>9/7/2025</a:t>
             </a:fld>
             <a:endParaRPr/>
           </a:p>
@@ -6618,7 +6618,7 @@
           <a:p>
             <a:fld id="{F0DFD029-FB74-4578-B929-F66AA97659CA}" type="datetimeFigureOut">
               <a:rPr lang="en-US"/>
-              <a:t>8/10/2025</a:t>
+              <a:t>9/7/2025</a:t>
             </a:fld>
             <a:endParaRPr/>
           </a:p>
@@ -7241,7 +7241,7 @@
             <a:fld id="{F0DFD029-FB74-4578-B929-F66AA97659CA}" type="datetimeFigureOut">
               <a:rPr lang="en-US"/>
               <a:pPr/>
-              <a:t>8/10/2025</a:t>
+              <a:t>9/7/2025</a:t>
             </a:fld>
             <a:endParaRPr/>
           </a:p>
@@ -7950,13 +7950,13 @@
   <p:clrMapOvr>
     <a:masterClrMapping/>
   </p:clrMapOvr>
-  <mc:AlternateContent xmlns:mc="http://schemas.openxmlformats.org/markup-compatibility/2006">
-    <mc:Choice xmlns:p14="http://schemas.microsoft.com/office/powerpoint/2010/main" Requires="p14">
+  <mc:AlternateContent xmlns:mc="http://schemas.openxmlformats.org/markup-compatibility/2006" xmlns:p14="http://schemas.microsoft.com/office/powerpoint/2010/main">
+    <mc:Choice Requires="p14">
       <p:transition spd="med" p14:dur="700">
         <p:fade/>
       </p:transition>
     </mc:Choice>
-    <mc:Fallback>
+    <mc:Fallback xmlns="">
       <p:transition spd="med">
         <p:fade/>
       </p:transition>
@@ -9691,13 +9691,13 @@
   <p:clrMapOvr>
     <a:masterClrMapping/>
   </p:clrMapOvr>
-  <mc:AlternateContent xmlns:mc="http://schemas.openxmlformats.org/markup-compatibility/2006">
-    <mc:Choice xmlns:p14="http://schemas.microsoft.com/office/powerpoint/2010/main" Requires="p14">
+  <mc:AlternateContent xmlns:mc="http://schemas.openxmlformats.org/markup-compatibility/2006" xmlns:p14="http://schemas.microsoft.com/office/powerpoint/2010/main">
+    <mc:Choice Requires="p14">
       <p:transition spd="med" p14:dur="700">
         <p:fade/>
       </p:transition>
     </mc:Choice>
-    <mc:Fallback>
+    <mc:Fallback xmlns="">
       <p:transition spd="med">
         <p:fade/>
       </p:transition>
@@ -10689,13 +10689,13 @@
   <p:clrMapOvr>
     <a:masterClrMapping/>
   </p:clrMapOvr>
-  <mc:AlternateContent xmlns:mc="http://schemas.openxmlformats.org/markup-compatibility/2006">
-    <mc:Choice xmlns:p14="http://schemas.microsoft.com/office/powerpoint/2010/main" Requires="p14">
+  <mc:AlternateContent xmlns:mc="http://schemas.openxmlformats.org/markup-compatibility/2006" xmlns:p14="http://schemas.microsoft.com/office/powerpoint/2010/main">
+    <mc:Choice Requires="p14">
       <p:transition spd="med" p14:dur="700">
         <p:fade/>
       </p:transition>
     </mc:Choice>
-    <mc:Fallback>
+    <mc:Fallback xmlns="">
       <p:transition spd="med">
         <p:fade/>
       </p:transition>
@@ -11144,13 +11144,13 @@
   <p:clrMapOvr>
     <a:masterClrMapping/>
   </p:clrMapOvr>
-  <mc:AlternateContent xmlns:mc="http://schemas.openxmlformats.org/markup-compatibility/2006">
-    <mc:Choice xmlns:p14="http://schemas.microsoft.com/office/powerpoint/2010/main" Requires="p14">
+  <mc:AlternateContent xmlns:mc="http://schemas.openxmlformats.org/markup-compatibility/2006" xmlns:p14="http://schemas.microsoft.com/office/powerpoint/2010/main">
+    <mc:Choice Requires="p14">
       <p:transition spd="med" p14:dur="700">
         <p:fade/>
       </p:transition>
     </mc:Choice>
-    <mc:Fallback>
+    <mc:Fallback xmlns="">
       <p:transition spd="med">
         <p:fade/>
       </p:transition>
@@ -12255,6 +12255,142 @@
 </file>
 
 <file path=customXml/item2.xml><?xml version="1.0" encoding="utf-8"?>
+<p:properties xmlns:p="http://schemas.microsoft.com/office/2006/metadata/properties" xmlns:xsi="http://www.w3.org/2001/XMLSchema-instance" xmlns:pc="http://schemas.microsoft.com/office/infopath/2007/PartnerControls">
+  <documentManagement>
+    <LocPublishedLinkedAssetsLookup xmlns="4873beb7-5857-4685-be1f-d57550cc96cc" xsi:nil="true"/>
+    <ApprovalStatus xmlns="4873beb7-5857-4685-be1f-d57550cc96cc">InProgress</ApprovalStatus>
+    <MarketSpecific xmlns="4873beb7-5857-4685-be1f-d57550cc96cc">false</MarketSpecific>
+    <LocComments xmlns="4873beb7-5857-4685-be1f-d57550cc96cc" xsi:nil="true"/>
+    <LocLastLocAttemptVersionTypeLookup xmlns="4873beb7-5857-4685-be1f-d57550cc96cc" xsi:nil="true"/>
+    <DirectSourceMarket xmlns="4873beb7-5857-4685-be1f-d57550cc96cc" xsi:nil="true"/>
+    <ThumbnailAssetId xmlns="4873beb7-5857-4685-be1f-d57550cc96cc" xsi:nil="true"/>
+    <PrimaryImageGen xmlns="4873beb7-5857-4685-be1f-d57550cc96cc">false</PrimaryImageGen>
+    <LocNewPublishedVersionLookup xmlns="4873beb7-5857-4685-be1f-d57550cc96cc" xsi:nil="true"/>
+    <LegacyData xmlns="4873beb7-5857-4685-be1f-d57550cc96cc" xsi:nil="true"/>
+    <LocRecommendedHandoff xmlns="4873beb7-5857-4685-be1f-d57550cc96cc" xsi:nil="true"/>
+    <BusinessGroup xmlns="4873beb7-5857-4685-be1f-d57550cc96cc" xsi:nil="true"/>
+    <BlockPublish xmlns="4873beb7-5857-4685-be1f-d57550cc96cc">false</BlockPublish>
+    <TPFriendlyName xmlns="4873beb7-5857-4685-be1f-d57550cc96cc" xsi:nil="true"/>
+    <LocOverallPublishStatusLookup xmlns="4873beb7-5857-4685-be1f-d57550cc96cc" xsi:nil="true"/>
+    <NumericId xmlns="4873beb7-5857-4685-be1f-d57550cc96cc" xsi:nil="true"/>
+    <APEditor xmlns="4873beb7-5857-4685-be1f-d57550cc96cc">
+      <UserInfo>
+        <DisplayName/>
+        <AccountId xsi:nil="true"/>
+        <AccountType/>
+      </UserInfo>
+    </APEditor>
+    <SourceTitle xmlns="4873beb7-5857-4685-be1f-d57550cc96cc" xsi:nil="true"/>
+    <OpenTemplate xmlns="4873beb7-5857-4685-be1f-d57550cc96cc">true</OpenTemplate>
+    <LocOverallLocStatusLookup xmlns="4873beb7-5857-4685-be1f-d57550cc96cc" xsi:nil="true"/>
+    <UALocComments xmlns="4873beb7-5857-4685-be1f-d57550cc96cc" xsi:nil="true"/>
+    <ParentAssetId xmlns="4873beb7-5857-4685-be1f-d57550cc96cc" xsi:nil="true"/>
+    <IntlLangReviewDate xmlns="4873beb7-5857-4685-be1f-d57550cc96cc" xsi:nil="true"/>
+    <FeatureTagsTaxHTField0 xmlns="4873beb7-5857-4685-be1f-d57550cc96cc">
+      <Terms xmlns="http://schemas.microsoft.com/office/infopath/2007/PartnerControls"/>
+    </FeatureTagsTaxHTField0>
+    <PublishStatusLookup xmlns="4873beb7-5857-4685-be1f-d57550cc96cc">
+      <Value>1345093</Value>
+    </PublishStatusLookup>
+    <Providers xmlns="4873beb7-5857-4685-be1f-d57550cc96cc" xsi:nil="true"/>
+    <MachineTranslated xmlns="4873beb7-5857-4685-be1f-d57550cc96cc">false</MachineTranslated>
+    <OriginalSourceMarket xmlns="4873beb7-5857-4685-be1f-d57550cc96cc" xsi:nil="true"/>
+    <APDescription xmlns="4873beb7-5857-4685-be1f-d57550cc96cc">This simple template design works for technology and  businesses, but it's versatile enough to use in other contexts.  It features multiple slide layouts designed for widescreen (16x9 resolution) and includes a sample SmartArt list and chart that are easily editable.</APDescription>
+    <ClipArtFilename xmlns="4873beb7-5857-4685-be1f-d57550cc96cc" xsi:nil="true"/>
+    <ContentItem xmlns="4873beb7-5857-4685-be1f-d57550cc96cc" xsi:nil="true"/>
+    <TPInstallLocation xmlns="4873beb7-5857-4685-be1f-d57550cc96cc" xsi:nil="true"/>
+    <PublishTargets xmlns="4873beb7-5857-4685-be1f-d57550cc96cc">OfficeOnlineVNext</PublishTargets>
+    <TimesCloned xmlns="4873beb7-5857-4685-be1f-d57550cc96cc" xsi:nil="true"/>
+    <AssetStart xmlns="4873beb7-5857-4685-be1f-d57550cc96cc">2011-11-26T00:30:00+00:00</AssetStart>
+    <Provider xmlns="4873beb7-5857-4685-be1f-d57550cc96cc" xsi:nil="true"/>
+    <AcquiredFrom xmlns="4873beb7-5857-4685-be1f-d57550cc96cc">Internal MS</AcquiredFrom>
+    <FriendlyTitle xmlns="4873beb7-5857-4685-be1f-d57550cc96cc" xsi:nil="true"/>
+    <LastHandOff xmlns="4873beb7-5857-4685-be1f-d57550cc96cc" xsi:nil="true"/>
+    <TPClientViewer xmlns="4873beb7-5857-4685-be1f-d57550cc96cc" xsi:nil="true"/>
+    <TemplateStatus xmlns="4873beb7-5857-4685-be1f-d57550cc96cc">Complete</TemplateStatus>
+    <Downloads xmlns="4873beb7-5857-4685-be1f-d57550cc96cc">0</Downloads>
+    <OOCacheId xmlns="4873beb7-5857-4685-be1f-d57550cc96cc" xsi:nil="true"/>
+    <IsDeleted xmlns="4873beb7-5857-4685-be1f-d57550cc96cc">false</IsDeleted>
+    <LocPublishedDependentAssetsLookup xmlns="4873beb7-5857-4685-be1f-d57550cc96cc" xsi:nil="true"/>
+    <TPExecutable xmlns="4873beb7-5857-4685-be1f-d57550cc96cc" xsi:nil="true"/>
+    <EditorialTags xmlns="4873beb7-5857-4685-be1f-d57550cc96cc" xsi:nil="true"/>
+    <SubmitterId xmlns="4873beb7-5857-4685-be1f-d57550cc96cc" xsi:nil="true"/>
+    <ApprovalLog xmlns="4873beb7-5857-4685-be1f-d57550cc96cc" xsi:nil="true"/>
+    <AssetType xmlns="4873beb7-5857-4685-be1f-d57550cc96cc">TP</AssetType>
+    <BugNumber xmlns="4873beb7-5857-4685-be1f-d57550cc96cc" xsi:nil="true"/>
+    <CSXSubmissionDate xmlns="4873beb7-5857-4685-be1f-d57550cc96cc" xsi:nil="true"/>
+    <CSXUpdate xmlns="4873beb7-5857-4685-be1f-d57550cc96cc">false</CSXUpdate>
+    <Milestone xmlns="4873beb7-5857-4685-be1f-d57550cc96cc" xsi:nil="true"/>
+    <RecommendationsModifier xmlns="4873beb7-5857-4685-be1f-d57550cc96cc" xsi:nil="true"/>
+    <OriginAsset xmlns="4873beb7-5857-4685-be1f-d57550cc96cc" xsi:nil="true"/>
+    <TPComponent xmlns="4873beb7-5857-4685-be1f-d57550cc96cc" xsi:nil="true"/>
+    <AssetId xmlns="4873beb7-5857-4685-be1f-d57550cc96cc">TP102787989</AssetId>
+    <IntlLocPriority xmlns="4873beb7-5857-4685-be1f-d57550cc96cc" xsi:nil="true"/>
+    <PolicheckWords xmlns="4873beb7-5857-4685-be1f-d57550cc96cc" xsi:nil="true"/>
+    <TPLaunchHelpLink xmlns="4873beb7-5857-4685-be1f-d57550cc96cc" xsi:nil="true"/>
+    <TPApplication xmlns="4873beb7-5857-4685-be1f-d57550cc96cc" xsi:nil="true"/>
+    <CrawlForDependencies xmlns="4873beb7-5857-4685-be1f-d57550cc96cc">false</CrawlForDependencies>
+    <HandoffToMSDN xmlns="4873beb7-5857-4685-be1f-d57550cc96cc" xsi:nil="true"/>
+    <PlannedPubDate xmlns="4873beb7-5857-4685-be1f-d57550cc96cc" xsi:nil="true"/>
+    <IntlLangReviewer xmlns="4873beb7-5857-4685-be1f-d57550cc96cc" xsi:nil="true"/>
+    <TrustLevel xmlns="4873beb7-5857-4685-be1f-d57550cc96cc">1 Microsoft Managed Content</TrustLevel>
+    <LocLastLocAttemptVersionLookup xmlns="4873beb7-5857-4685-be1f-d57550cc96cc">694266</LocLastLocAttemptVersionLookup>
+    <LocProcessedForHandoffsLookup xmlns="4873beb7-5857-4685-be1f-d57550cc96cc" xsi:nil="true"/>
+    <IsSearchable xmlns="4873beb7-5857-4685-be1f-d57550cc96cc">true</IsSearchable>
+    <TemplateTemplateType xmlns="4873beb7-5857-4685-be1f-d57550cc96cc">PowerPoint Presentation Template</TemplateTemplateType>
+    <CampaignTagsTaxHTField0 xmlns="4873beb7-5857-4685-be1f-d57550cc96cc">
+      <Terms xmlns="http://schemas.microsoft.com/office/infopath/2007/PartnerControls"/>
+    </CampaignTagsTaxHTField0>
+    <TPNamespace xmlns="4873beb7-5857-4685-be1f-d57550cc96cc" xsi:nil="true"/>
+    <LocOverallPreviewStatusLookup xmlns="4873beb7-5857-4685-be1f-d57550cc96cc" xsi:nil="true"/>
+    <TaxCatchAll xmlns="4873beb7-5857-4685-be1f-d57550cc96cc"/>
+    <Markets xmlns="4873beb7-5857-4685-be1f-d57550cc96cc"/>
+    <UAProjectedTotalWords xmlns="4873beb7-5857-4685-be1f-d57550cc96cc" xsi:nil="true"/>
+    <IntlLangReview xmlns="4873beb7-5857-4685-be1f-d57550cc96cc" xsi:nil="true"/>
+    <OutputCachingOn xmlns="4873beb7-5857-4685-be1f-d57550cc96cc">false</OutputCachingOn>
+    <AverageRating xmlns="4873beb7-5857-4685-be1f-d57550cc96cc" xsi:nil="true"/>
+    <APAuthor xmlns="4873beb7-5857-4685-be1f-d57550cc96cc">
+      <UserInfo>
+        <DisplayName>REDMOND\kristaa</DisplayName>
+        <AccountId>136</AccountId>
+        <AccountType/>
+      </UserInfo>
+    </APAuthor>
+    <LocManualTestRequired xmlns="4873beb7-5857-4685-be1f-d57550cc96cc">false</LocManualTestRequired>
+    <TPCommandLine xmlns="4873beb7-5857-4685-be1f-d57550cc96cc" xsi:nil="true"/>
+    <TPAppVersion xmlns="4873beb7-5857-4685-be1f-d57550cc96cc" xsi:nil="true"/>
+    <EditorialStatus xmlns="4873beb7-5857-4685-be1f-d57550cc96cc">Complete</EditorialStatus>
+    <LastModifiedDateTime xmlns="4873beb7-5857-4685-be1f-d57550cc96cc" xsi:nil="true"/>
+    <ScenarioTagsTaxHTField0 xmlns="4873beb7-5857-4685-be1f-d57550cc96cc">
+      <Terms xmlns="http://schemas.microsoft.com/office/infopath/2007/PartnerControls"/>
+    </ScenarioTagsTaxHTField0>
+    <LocProcessedForMarketsLookup xmlns="4873beb7-5857-4685-be1f-d57550cc96cc" xsi:nil="true"/>
+    <TPLaunchHelpLinkType xmlns="4873beb7-5857-4685-be1f-d57550cc96cc">Template</TPLaunchHelpLinkType>
+    <OriginalRelease xmlns="4873beb7-5857-4685-be1f-d57550cc96cc">15</OriginalRelease>
+    <LocalizationTagsTaxHTField0 xmlns="4873beb7-5857-4685-be1f-d57550cc96cc">
+      <Terms xmlns="http://schemas.microsoft.com/office/infopath/2007/PartnerControls"/>
+    </LocalizationTagsTaxHTField0>
+    <UACurrentWords xmlns="4873beb7-5857-4685-be1f-d57550cc96cc" xsi:nil="true"/>
+    <ArtSampleDocs xmlns="4873beb7-5857-4685-be1f-d57550cc96cc" xsi:nil="true"/>
+    <UALocRecommendation xmlns="4873beb7-5857-4685-be1f-d57550cc96cc">Localize</UALocRecommendation>
+    <Manager xmlns="4873beb7-5857-4685-be1f-d57550cc96cc" xsi:nil="true"/>
+    <LocOverallHandbackStatusLookup xmlns="4873beb7-5857-4685-be1f-d57550cc96cc" xsi:nil="true"/>
+    <ShowIn xmlns="4873beb7-5857-4685-be1f-d57550cc96cc">Show everywhere</ShowIn>
+    <UANotes xmlns="4873beb7-5857-4685-be1f-d57550cc96cc" xsi:nil="true"/>
+    <InternalTagsTaxHTField0 xmlns="4873beb7-5857-4685-be1f-d57550cc96cc">
+      <Terms xmlns="http://schemas.microsoft.com/office/infopath/2007/PartnerControls"/>
+    </InternalTagsTaxHTField0>
+    <CSXHash xmlns="4873beb7-5857-4685-be1f-d57550cc96cc" xsi:nil="true"/>
+    <VoteCount xmlns="4873beb7-5857-4685-be1f-d57550cc96cc" xsi:nil="true"/>
+    <AssetExpire xmlns="4873beb7-5857-4685-be1f-d57550cc96cc">2029-05-12T07:00:00+00:00</AssetExpire>
+    <DSATActionTaken xmlns="4873beb7-5857-4685-be1f-d57550cc96cc" xsi:nil="true"/>
+    <CSXSubmissionMarket xmlns="4873beb7-5857-4685-be1f-d57550cc96cc" xsi:nil="true"/>
+    <LocMarketGroupTiers2 xmlns="4873beb7-5857-4685-be1f-d57550cc96cc" xsi:nil="true"/>
+  </documentManagement>
+</p:properties>
+</file>
+
+<file path=customXml/item3.xml><?xml version="1.0" encoding="utf-8"?>
 <ct:contentTypeSchema xmlns:ct="http://schemas.microsoft.com/office/2006/metadata/contentType" xmlns:ma="http://schemas.microsoft.com/office/2006/metadata/properties/metaAttributes" ct:_="" ma:_="" ma:contentTypeName="TemplateFile" ma:contentTypeID="0x0101006EDDDB5EE6D98C44930B742096920B300400F5B6D36B3EF94B4E9A635CDF2A18F5B8" ma:contentTypeVersion="72" ma:contentTypeDescription="Create a new document." ma:contentTypeScope="" ma:versionID="a23e56308344d904b51738559c3d67c9">
   <xsd:schema xmlns:xsd="http://www.w3.org/2001/XMLSchema" xmlns:xs="http://www.w3.org/2001/XMLSchema" xmlns:p="http://schemas.microsoft.com/office/2006/metadata/properties" xmlns:ns2="4873beb7-5857-4685-be1f-d57550cc96cc" targetNamespace="http://schemas.microsoft.com/office/2006/metadata/properties" ma:root="true" ma:fieldsID="cd0908cc4600e77bf5da051303e00c8d" ns2:_="">
     <xsd:import namespace="4873beb7-5857-4685-be1f-d57550cc96cc"/>
@@ -13294,142 +13430,6 @@
 </ct:contentTypeSchema>
 </file>
 
-<file path=customXml/item3.xml><?xml version="1.0" encoding="utf-8"?>
-<p:properties xmlns:p="http://schemas.microsoft.com/office/2006/metadata/properties" xmlns:xsi="http://www.w3.org/2001/XMLSchema-instance" xmlns:pc="http://schemas.microsoft.com/office/infopath/2007/PartnerControls">
-  <documentManagement>
-    <LocPublishedLinkedAssetsLookup xmlns="4873beb7-5857-4685-be1f-d57550cc96cc" xsi:nil="true"/>
-    <ApprovalStatus xmlns="4873beb7-5857-4685-be1f-d57550cc96cc">InProgress</ApprovalStatus>
-    <MarketSpecific xmlns="4873beb7-5857-4685-be1f-d57550cc96cc">false</MarketSpecific>
-    <LocComments xmlns="4873beb7-5857-4685-be1f-d57550cc96cc" xsi:nil="true"/>
-    <LocLastLocAttemptVersionTypeLookup xmlns="4873beb7-5857-4685-be1f-d57550cc96cc" xsi:nil="true"/>
-    <DirectSourceMarket xmlns="4873beb7-5857-4685-be1f-d57550cc96cc" xsi:nil="true"/>
-    <ThumbnailAssetId xmlns="4873beb7-5857-4685-be1f-d57550cc96cc" xsi:nil="true"/>
-    <PrimaryImageGen xmlns="4873beb7-5857-4685-be1f-d57550cc96cc">false</PrimaryImageGen>
-    <LocNewPublishedVersionLookup xmlns="4873beb7-5857-4685-be1f-d57550cc96cc" xsi:nil="true"/>
-    <LegacyData xmlns="4873beb7-5857-4685-be1f-d57550cc96cc" xsi:nil="true"/>
-    <LocRecommendedHandoff xmlns="4873beb7-5857-4685-be1f-d57550cc96cc" xsi:nil="true"/>
-    <BusinessGroup xmlns="4873beb7-5857-4685-be1f-d57550cc96cc" xsi:nil="true"/>
-    <BlockPublish xmlns="4873beb7-5857-4685-be1f-d57550cc96cc">false</BlockPublish>
-    <TPFriendlyName xmlns="4873beb7-5857-4685-be1f-d57550cc96cc" xsi:nil="true"/>
-    <LocOverallPublishStatusLookup xmlns="4873beb7-5857-4685-be1f-d57550cc96cc" xsi:nil="true"/>
-    <NumericId xmlns="4873beb7-5857-4685-be1f-d57550cc96cc" xsi:nil="true"/>
-    <APEditor xmlns="4873beb7-5857-4685-be1f-d57550cc96cc">
-      <UserInfo>
-        <DisplayName/>
-        <AccountId xsi:nil="true"/>
-        <AccountType/>
-      </UserInfo>
-    </APEditor>
-    <SourceTitle xmlns="4873beb7-5857-4685-be1f-d57550cc96cc" xsi:nil="true"/>
-    <OpenTemplate xmlns="4873beb7-5857-4685-be1f-d57550cc96cc">true</OpenTemplate>
-    <LocOverallLocStatusLookup xmlns="4873beb7-5857-4685-be1f-d57550cc96cc" xsi:nil="true"/>
-    <UALocComments xmlns="4873beb7-5857-4685-be1f-d57550cc96cc" xsi:nil="true"/>
-    <ParentAssetId xmlns="4873beb7-5857-4685-be1f-d57550cc96cc" xsi:nil="true"/>
-    <IntlLangReviewDate xmlns="4873beb7-5857-4685-be1f-d57550cc96cc" xsi:nil="true"/>
-    <FeatureTagsTaxHTField0 xmlns="4873beb7-5857-4685-be1f-d57550cc96cc">
-      <Terms xmlns="http://schemas.microsoft.com/office/infopath/2007/PartnerControls"/>
-    </FeatureTagsTaxHTField0>
-    <PublishStatusLookup xmlns="4873beb7-5857-4685-be1f-d57550cc96cc">
-      <Value>1345093</Value>
-    </PublishStatusLookup>
-    <Providers xmlns="4873beb7-5857-4685-be1f-d57550cc96cc" xsi:nil="true"/>
-    <MachineTranslated xmlns="4873beb7-5857-4685-be1f-d57550cc96cc">false</MachineTranslated>
-    <OriginalSourceMarket xmlns="4873beb7-5857-4685-be1f-d57550cc96cc" xsi:nil="true"/>
-    <APDescription xmlns="4873beb7-5857-4685-be1f-d57550cc96cc">This simple template design works for technology and  businesses, but it's versatile enough to use in other contexts.  It features multiple slide layouts designed for widescreen (16x9 resolution) and includes a sample SmartArt list and chart that are easily editable.</APDescription>
-    <ClipArtFilename xmlns="4873beb7-5857-4685-be1f-d57550cc96cc" xsi:nil="true"/>
-    <ContentItem xmlns="4873beb7-5857-4685-be1f-d57550cc96cc" xsi:nil="true"/>
-    <TPInstallLocation xmlns="4873beb7-5857-4685-be1f-d57550cc96cc" xsi:nil="true"/>
-    <PublishTargets xmlns="4873beb7-5857-4685-be1f-d57550cc96cc">OfficeOnlineVNext</PublishTargets>
-    <TimesCloned xmlns="4873beb7-5857-4685-be1f-d57550cc96cc" xsi:nil="true"/>
-    <AssetStart xmlns="4873beb7-5857-4685-be1f-d57550cc96cc">2011-11-26T00:30:00+00:00</AssetStart>
-    <Provider xmlns="4873beb7-5857-4685-be1f-d57550cc96cc" xsi:nil="true"/>
-    <AcquiredFrom xmlns="4873beb7-5857-4685-be1f-d57550cc96cc">Internal MS</AcquiredFrom>
-    <FriendlyTitle xmlns="4873beb7-5857-4685-be1f-d57550cc96cc" xsi:nil="true"/>
-    <LastHandOff xmlns="4873beb7-5857-4685-be1f-d57550cc96cc" xsi:nil="true"/>
-    <TPClientViewer xmlns="4873beb7-5857-4685-be1f-d57550cc96cc" xsi:nil="true"/>
-    <TemplateStatus xmlns="4873beb7-5857-4685-be1f-d57550cc96cc">Complete</TemplateStatus>
-    <Downloads xmlns="4873beb7-5857-4685-be1f-d57550cc96cc">0</Downloads>
-    <OOCacheId xmlns="4873beb7-5857-4685-be1f-d57550cc96cc" xsi:nil="true"/>
-    <IsDeleted xmlns="4873beb7-5857-4685-be1f-d57550cc96cc">false</IsDeleted>
-    <LocPublishedDependentAssetsLookup xmlns="4873beb7-5857-4685-be1f-d57550cc96cc" xsi:nil="true"/>
-    <TPExecutable xmlns="4873beb7-5857-4685-be1f-d57550cc96cc" xsi:nil="true"/>
-    <EditorialTags xmlns="4873beb7-5857-4685-be1f-d57550cc96cc" xsi:nil="true"/>
-    <SubmitterId xmlns="4873beb7-5857-4685-be1f-d57550cc96cc" xsi:nil="true"/>
-    <ApprovalLog xmlns="4873beb7-5857-4685-be1f-d57550cc96cc" xsi:nil="true"/>
-    <AssetType xmlns="4873beb7-5857-4685-be1f-d57550cc96cc">TP</AssetType>
-    <BugNumber xmlns="4873beb7-5857-4685-be1f-d57550cc96cc" xsi:nil="true"/>
-    <CSXSubmissionDate xmlns="4873beb7-5857-4685-be1f-d57550cc96cc" xsi:nil="true"/>
-    <CSXUpdate xmlns="4873beb7-5857-4685-be1f-d57550cc96cc">false</CSXUpdate>
-    <Milestone xmlns="4873beb7-5857-4685-be1f-d57550cc96cc" xsi:nil="true"/>
-    <RecommendationsModifier xmlns="4873beb7-5857-4685-be1f-d57550cc96cc" xsi:nil="true"/>
-    <OriginAsset xmlns="4873beb7-5857-4685-be1f-d57550cc96cc" xsi:nil="true"/>
-    <TPComponent xmlns="4873beb7-5857-4685-be1f-d57550cc96cc" xsi:nil="true"/>
-    <AssetId xmlns="4873beb7-5857-4685-be1f-d57550cc96cc">TP102787989</AssetId>
-    <IntlLocPriority xmlns="4873beb7-5857-4685-be1f-d57550cc96cc" xsi:nil="true"/>
-    <PolicheckWords xmlns="4873beb7-5857-4685-be1f-d57550cc96cc" xsi:nil="true"/>
-    <TPLaunchHelpLink xmlns="4873beb7-5857-4685-be1f-d57550cc96cc" xsi:nil="true"/>
-    <TPApplication xmlns="4873beb7-5857-4685-be1f-d57550cc96cc" xsi:nil="true"/>
-    <CrawlForDependencies xmlns="4873beb7-5857-4685-be1f-d57550cc96cc">false</CrawlForDependencies>
-    <HandoffToMSDN xmlns="4873beb7-5857-4685-be1f-d57550cc96cc" xsi:nil="true"/>
-    <PlannedPubDate xmlns="4873beb7-5857-4685-be1f-d57550cc96cc" xsi:nil="true"/>
-    <IntlLangReviewer xmlns="4873beb7-5857-4685-be1f-d57550cc96cc" xsi:nil="true"/>
-    <TrustLevel xmlns="4873beb7-5857-4685-be1f-d57550cc96cc">1 Microsoft Managed Content</TrustLevel>
-    <LocLastLocAttemptVersionLookup xmlns="4873beb7-5857-4685-be1f-d57550cc96cc">694266</LocLastLocAttemptVersionLookup>
-    <LocProcessedForHandoffsLookup xmlns="4873beb7-5857-4685-be1f-d57550cc96cc" xsi:nil="true"/>
-    <IsSearchable xmlns="4873beb7-5857-4685-be1f-d57550cc96cc">true</IsSearchable>
-    <TemplateTemplateType xmlns="4873beb7-5857-4685-be1f-d57550cc96cc">PowerPoint Presentation Template</TemplateTemplateType>
-    <CampaignTagsTaxHTField0 xmlns="4873beb7-5857-4685-be1f-d57550cc96cc">
-      <Terms xmlns="http://schemas.microsoft.com/office/infopath/2007/PartnerControls"/>
-    </CampaignTagsTaxHTField0>
-    <TPNamespace xmlns="4873beb7-5857-4685-be1f-d57550cc96cc" xsi:nil="true"/>
-    <LocOverallPreviewStatusLookup xmlns="4873beb7-5857-4685-be1f-d57550cc96cc" xsi:nil="true"/>
-    <TaxCatchAll xmlns="4873beb7-5857-4685-be1f-d57550cc96cc"/>
-    <Markets xmlns="4873beb7-5857-4685-be1f-d57550cc96cc"/>
-    <UAProjectedTotalWords xmlns="4873beb7-5857-4685-be1f-d57550cc96cc" xsi:nil="true"/>
-    <IntlLangReview xmlns="4873beb7-5857-4685-be1f-d57550cc96cc" xsi:nil="true"/>
-    <OutputCachingOn xmlns="4873beb7-5857-4685-be1f-d57550cc96cc">false</OutputCachingOn>
-    <AverageRating xmlns="4873beb7-5857-4685-be1f-d57550cc96cc" xsi:nil="true"/>
-    <APAuthor xmlns="4873beb7-5857-4685-be1f-d57550cc96cc">
-      <UserInfo>
-        <DisplayName>REDMOND\kristaa</DisplayName>
-        <AccountId>136</AccountId>
-        <AccountType/>
-      </UserInfo>
-    </APAuthor>
-    <LocManualTestRequired xmlns="4873beb7-5857-4685-be1f-d57550cc96cc">false</LocManualTestRequired>
-    <TPCommandLine xmlns="4873beb7-5857-4685-be1f-d57550cc96cc" xsi:nil="true"/>
-    <TPAppVersion xmlns="4873beb7-5857-4685-be1f-d57550cc96cc" xsi:nil="true"/>
-    <EditorialStatus xmlns="4873beb7-5857-4685-be1f-d57550cc96cc">Complete</EditorialStatus>
-    <LastModifiedDateTime xmlns="4873beb7-5857-4685-be1f-d57550cc96cc" xsi:nil="true"/>
-    <ScenarioTagsTaxHTField0 xmlns="4873beb7-5857-4685-be1f-d57550cc96cc">
-      <Terms xmlns="http://schemas.microsoft.com/office/infopath/2007/PartnerControls"/>
-    </ScenarioTagsTaxHTField0>
-    <LocProcessedForMarketsLookup xmlns="4873beb7-5857-4685-be1f-d57550cc96cc" xsi:nil="true"/>
-    <TPLaunchHelpLinkType xmlns="4873beb7-5857-4685-be1f-d57550cc96cc">Template</TPLaunchHelpLinkType>
-    <OriginalRelease xmlns="4873beb7-5857-4685-be1f-d57550cc96cc">15</OriginalRelease>
-    <LocalizationTagsTaxHTField0 xmlns="4873beb7-5857-4685-be1f-d57550cc96cc">
-      <Terms xmlns="http://schemas.microsoft.com/office/infopath/2007/PartnerControls"/>
-    </LocalizationTagsTaxHTField0>
-    <UACurrentWords xmlns="4873beb7-5857-4685-be1f-d57550cc96cc" xsi:nil="true"/>
-    <ArtSampleDocs xmlns="4873beb7-5857-4685-be1f-d57550cc96cc" xsi:nil="true"/>
-    <UALocRecommendation xmlns="4873beb7-5857-4685-be1f-d57550cc96cc">Localize</UALocRecommendation>
-    <Manager xmlns="4873beb7-5857-4685-be1f-d57550cc96cc" xsi:nil="true"/>
-    <LocOverallHandbackStatusLookup xmlns="4873beb7-5857-4685-be1f-d57550cc96cc" xsi:nil="true"/>
-    <ShowIn xmlns="4873beb7-5857-4685-be1f-d57550cc96cc">Show everywhere</ShowIn>
-    <UANotes xmlns="4873beb7-5857-4685-be1f-d57550cc96cc" xsi:nil="true"/>
-    <InternalTagsTaxHTField0 xmlns="4873beb7-5857-4685-be1f-d57550cc96cc">
-      <Terms xmlns="http://schemas.microsoft.com/office/infopath/2007/PartnerControls"/>
-    </InternalTagsTaxHTField0>
-    <CSXHash xmlns="4873beb7-5857-4685-be1f-d57550cc96cc" xsi:nil="true"/>
-    <VoteCount xmlns="4873beb7-5857-4685-be1f-d57550cc96cc" xsi:nil="true"/>
-    <AssetExpire xmlns="4873beb7-5857-4685-be1f-d57550cc96cc">2029-05-12T07:00:00+00:00</AssetExpire>
-    <DSATActionTaken xmlns="4873beb7-5857-4685-be1f-d57550cc96cc" xsi:nil="true"/>
-    <CSXSubmissionMarket xmlns="4873beb7-5857-4685-be1f-d57550cc96cc" xsi:nil="true"/>
-    <LocMarketGroupTiers2 xmlns="4873beb7-5857-4685-be1f-d57550cc96cc" xsi:nil="true"/>
-  </documentManagement>
-</p:properties>
-</file>
-
 <file path=customXml/itemProps1.xml><?xml version="1.0" encoding="utf-8"?>
 <ds:datastoreItem xmlns:ds="http://schemas.openxmlformats.org/officeDocument/2006/customXml" ds:itemID="{3836F65B-1B07-41EE-A0E8-BC6EF3855225}">
   <ds:schemaRefs>
@@ -13439,6 +13439,22 @@
 </file>
 
 <file path=customXml/itemProps2.xml><?xml version="1.0" encoding="utf-8"?>
+<ds:datastoreItem xmlns:ds="http://schemas.openxmlformats.org/officeDocument/2006/customXml" ds:itemID="{60C67BEE-D13F-4BD2-98A5-34D8A0977F68}">
+  <ds:schemaRefs>
+    <ds:schemaRef ds:uri="4873beb7-5857-4685-be1f-d57550cc96cc"/>
+    <ds:schemaRef ds:uri="http://schemas.openxmlformats.org/package/2006/metadata/core-properties"/>
+    <ds:schemaRef ds:uri="http://purl.org/dc/terms/"/>
+    <ds:schemaRef ds:uri="http://schemas.microsoft.com/office/2006/documentManagement/types"/>
+    <ds:schemaRef ds:uri="http://purl.org/dc/elements/1.1/"/>
+    <ds:schemaRef ds:uri="http://schemas.microsoft.com/office/2006/metadata/properties"/>
+    <ds:schemaRef ds:uri="http://schemas.microsoft.com/office/infopath/2007/PartnerControls"/>
+    <ds:schemaRef ds:uri="http://www.w3.org/XML/1998/namespace"/>
+    <ds:schemaRef ds:uri="http://purl.org/dc/dcmitype/"/>
+  </ds:schemaRefs>
+</ds:datastoreItem>
+</file>
+
+<file path=customXml/itemProps3.xml><?xml version="1.0" encoding="utf-8"?>
 <ds:datastoreItem xmlns:ds="http://schemas.openxmlformats.org/officeDocument/2006/customXml" ds:itemID="{A09BF4D4-EF60-4196-BFC3-9462D607978C}">
   <ds:schemaRefs>
     <ds:schemaRef ds:uri="http://schemas.microsoft.com/office/2006/metadata/contentType"/>
@@ -13454,20 +13470,4 @@
     <ds:schemaRef ds:uri="http://schemas.microsoft.com/internal/obd"/>
   </ds:schemaRefs>
 </ds:datastoreItem>
-</file>
-
-<file path=customXml/itemProps3.xml><?xml version="1.0" encoding="utf-8"?>
-<ds:datastoreItem xmlns:ds="http://schemas.openxmlformats.org/officeDocument/2006/customXml" ds:itemID="{60C67BEE-D13F-4BD2-98A5-34D8A0977F68}">
-  <ds:schemaRefs>
-    <ds:schemaRef ds:uri="4873beb7-5857-4685-be1f-d57550cc96cc"/>
-    <ds:schemaRef ds:uri="http://schemas.openxmlformats.org/package/2006/metadata/core-properties"/>
-    <ds:schemaRef ds:uri="http://purl.org/dc/terms/"/>
-    <ds:schemaRef ds:uri="http://schemas.microsoft.com/office/2006/documentManagement/types"/>
-    <ds:schemaRef ds:uri="http://purl.org/dc/elements/1.1/"/>
-    <ds:schemaRef ds:uri="http://schemas.microsoft.com/office/2006/metadata/properties"/>
-    <ds:schemaRef ds:uri="http://schemas.microsoft.com/office/infopath/2007/PartnerControls"/>
-    <ds:schemaRef ds:uri="http://www.w3.org/XML/1998/namespace"/>
-    <ds:schemaRef ds:uri="http://purl.org/dc/dcmitype/"/>
-  </ds:schemaRefs>
-</ds:datastoreItem>
 </file>